--- a/2020_11_XX_pycon_ar_pypsdier/images/charla_GIFs.pptx
+++ b/2020_11_XX_pycon_ar_pypsdier/images/charla_GIFs.pptx
@@ -6,6 +6,7 @@
   </p:sldMasterIdLst>
   <p:sldIdLst>
     <p:sldId id="256" r:id="rId2"/>
+    <p:sldId id="257" r:id="rId3"/>
   </p:sldIdLst>
   <p:sldSz cx="12192000" cy="6858000"/>
   <p:notesSz cx="6858000" cy="9144000"/>
@@ -104,6 +105,11 @@
       </a:defRPr>
     </a:lvl9pPr>
   </p:defaultTextStyle>
+  <p:extLst>
+    <p:ext uri="{EFAFB233-063F-42B5-8137-9DF3F51BA10A}">
+      <p15:sldGuideLst xmlns:p15="http://schemas.microsoft.com/office/powerpoint/2012/main"/>
+    </p:ext>
+  </p:extLst>
 </p:presentation>
 </file>
 
@@ -254,7 +260,7 @@
           <a:p>
             <a:fld id="{58B6A854-94FC-0E4E-ADC7-3E14D6700B05}" type="datetimeFigureOut">
               <a:rPr lang="en-US" smtClean="0"/>
-              <a:t>2/1/20</a:t>
+              <a:t>9/20/20</a:t>
             </a:fld>
             <a:endParaRPr lang="en-US"/>
           </a:p>
@@ -452,7 +458,7 @@
           <a:p>
             <a:fld id="{58B6A854-94FC-0E4E-ADC7-3E14D6700B05}" type="datetimeFigureOut">
               <a:rPr lang="en-US" smtClean="0"/>
-              <a:t>2/1/20</a:t>
+              <a:t>9/20/20</a:t>
             </a:fld>
             <a:endParaRPr lang="en-US"/>
           </a:p>
@@ -660,7 +666,7 @@
           <a:p>
             <a:fld id="{58B6A854-94FC-0E4E-ADC7-3E14D6700B05}" type="datetimeFigureOut">
               <a:rPr lang="en-US" smtClean="0"/>
-              <a:t>2/1/20</a:t>
+              <a:t>9/20/20</a:t>
             </a:fld>
             <a:endParaRPr lang="en-US"/>
           </a:p>
@@ -858,7 +864,7 @@
           <a:p>
             <a:fld id="{58B6A854-94FC-0E4E-ADC7-3E14D6700B05}" type="datetimeFigureOut">
               <a:rPr lang="en-US" smtClean="0"/>
-              <a:t>2/1/20</a:t>
+              <a:t>9/20/20</a:t>
             </a:fld>
             <a:endParaRPr lang="en-US"/>
           </a:p>
@@ -1133,7 +1139,7 @@
           <a:p>
             <a:fld id="{58B6A854-94FC-0E4E-ADC7-3E14D6700B05}" type="datetimeFigureOut">
               <a:rPr lang="en-US" smtClean="0"/>
-              <a:t>2/1/20</a:t>
+              <a:t>9/20/20</a:t>
             </a:fld>
             <a:endParaRPr lang="en-US"/>
           </a:p>
@@ -1398,7 +1404,7 @@
           <a:p>
             <a:fld id="{58B6A854-94FC-0E4E-ADC7-3E14D6700B05}" type="datetimeFigureOut">
               <a:rPr lang="en-US" smtClean="0"/>
-              <a:t>2/1/20</a:t>
+              <a:t>9/20/20</a:t>
             </a:fld>
             <a:endParaRPr lang="en-US"/>
           </a:p>
@@ -1810,7 +1816,7 @@
           <a:p>
             <a:fld id="{58B6A854-94FC-0E4E-ADC7-3E14D6700B05}" type="datetimeFigureOut">
               <a:rPr lang="en-US" smtClean="0"/>
-              <a:t>2/1/20</a:t>
+              <a:t>9/20/20</a:t>
             </a:fld>
             <a:endParaRPr lang="en-US"/>
           </a:p>
@@ -1951,7 +1957,7 @@
           <a:p>
             <a:fld id="{58B6A854-94FC-0E4E-ADC7-3E14D6700B05}" type="datetimeFigureOut">
               <a:rPr lang="en-US" smtClean="0"/>
-              <a:t>2/1/20</a:t>
+              <a:t>9/20/20</a:t>
             </a:fld>
             <a:endParaRPr lang="en-US"/>
           </a:p>
@@ -2064,7 +2070,7 @@
           <a:p>
             <a:fld id="{58B6A854-94FC-0E4E-ADC7-3E14D6700B05}" type="datetimeFigureOut">
               <a:rPr lang="en-US" smtClean="0"/>
-              <a:t>2/1/20</a:t>
+              <a:t>9/20/20</a:t>
             </a:fld>
             <a:endParaRPr lang="en-US"/>
           </a:p>
@@ -2375,7 +2381,7 @@
           <a:p>
             <a:fld id="{58B6A854-94FC-0E4E-ADC7-3E14D6700B05}" type="datetimeFigureOut">
               <a:rPr lang="en-US" smtClean="0"/>
-              <a:t>2/1/20</a:t>
+              <a:t>9/20/20</a:t>
             </a:fld>
             <a:endParaRPr lang="en-US"/>
           </a:p>
@@ -2663,7 +2669,7 @@
           <a:p>
             <a:fld id="{58B6A854-94FC-0E4E-ADC7-3E14D6700B05}" type="datetimeFigureOut">
               <a:rPr lang="en-US" smtClean="0"/>
-              <a:t>2/1/20</a:t>
+              <a:t>9/20/20</a:t>
             </a:fld>
             <a:endParaRPr lang="en-US"/>
           </a:p>
@@ -2904,7 +2910,7 @@
           <a:p>
             <a:fld id="{58B6A854-94FC-0E4E-ADC7-3E14D6700B05}" type="datetimeFigureOut">
               <a:rPr lang="en-US" smtClean="0"/>
-              <a:t>2/1/20</a:t>
+              <a:t>9/20/20</a:t>
             </a:fld>
             <a:endParaRPr lang="en-US"/>
           </a:p>
@@ -3321,82 +3327,1216 @@
           <a:chExt cx="0" cy="0"/>
         </a:xfrm>
       </p:grpSpPr>
-      <p:pic>
-        <p:nvPicPr>
-          <p:cNvPr id="11" name="Picture 10">
-            <a:extLst>
-              <a:ext uri="{FF2B5EF4-FFF2-40B4-BE49-F238E27FC236}">
-                <a16:creationId xmlns:a16="http://schemas.microsoft.com/office/drawing/2014/main" id="{1F95965D-80E1-974F-85D2-90E3D6EE774C}"/>
-              </a:ext>
-            </a:extLst>
-          </p:cNvPr>
-          <p:cNvPicPr>
-            <a:picLocks noChangeAspect="1"/>
-          </p:cNvPicPr>
+      <p:sp>
+        <p:nvSpPr>
+          <p:cNvPr id="2" name="Rectangle 1">
+            <a:extLst>
+              <a:ext uri="{FF2B5EF4-FFF2-40B4-BE49-F238E27FC236}">
+                <a16:creationId xmlns:a16="http://schemas.microsoft.com/office/drawing/2014/main" id="{AD674C58-E5D6-1D44-8715-47B40CE647D8}"/>
+              </a:ext>
+            </a:extLst>
+          </p:cNvPr>
+          <p:cNvSpPr/>
           <p:nvPr/>
-        </p:nvPicPr>
-        <p:blipFill>
-          <a:blip r:embed="rId2"/>
-          <a:stretch>
-            <a:fillRect/>
-          </a:stretch>
-        </p:blipFill>
+        </p:nvSpPr>
         <p:spPr>
           <a:xfrm>
-            <a:off x="175624" y="239918"/>
-            <a:ext cx="6549441" cy="4920268"/>
+            <a:off x="4451058" y="1360065"/>
+            <a:ext cx="3289883" cy="4137869"/>
           </a:xfrm>
           <a:prstGeom prst="rect">
             <a:avLst/>
           </a:prstGeom>
-          <a:ln w="12700">
+          <a:solidFill>
+            <a:schemeClr val="bg1"/>
+          </a:solidFill>
+          <a:ln>
             <a:solidFill>
-              <a:schemeClr val="tx1">
-                <a:lumMod val="50000"/>
-                <a:lumOff val="50000"/>
-              </a:schemeClr>
+              <a:schemeClr val="tx1"/>
             </a:solidFill>
           </a:ln>
         </p:spPr>
-      </p:pic>
-      <p:pic>
-        <p:nvPicPr>
-          <p:cNvPr id="13" name="Picture 12">
-            <a:extLst>
-              <a:ext uri="{FF2B5EF4-FFF2-40B4-BE49-F238E27FC236}">
-                <a16:creationId xmlns:a16="http://schemas.microsoft.com/office/drawing/2014/main" id="{F14B2F1D-4F44-514A-A1EB-A8E013DE4FC0}"/>
-              </a:ext>
-            </a:extLst>
-          </p:cNvPr>
-          <p:cNvPicPr>
-            <a:picLocks noChangeAspect="1"/>
-          </p:cNvPicPr>
+        <p:style>
+          <a:lnRef idx="2">
+            <a:schemeClr val="accent1">
+              <a:shade val="50000"/>
+            </a:schemeClr>
+          </a:lnRef>
+          <a:fillRef idx="1">
+            <a:schemeClr val="accent1"/>
+          </a:fillRef>
+          <a:effectRef idx="0">
+            <a:schemeClr val="accent1"/>
+          </a:effectRef>
+          <a:fontRef idx="minor">
+            <a:schemeClr val="lt1"/>
+          </a:fontRef>
+        </p:style>
+        <p:txBody>
+          <a:bodyPr rtlCol="0" anchor="ctr"/>
+          <a:lstStyle/>
+          <a:p>
+            <a:pPr algn="ctr"/>
+            <a:endParaRPr lang="es-ES_tradnl"/>
+          </a:p>
+        </p:txBody>
+      </p:sp>
+      <p:sp>
+        <p:nvSpPr>
+          <p:cNvPr id="5" name="Rectangle 4">
+            <a:extLst>
+              <a:ext uri="{FF2B5EF4-FFF2-40B4-BE49-F238E27FC236}">
+                <a16:creationId xmlns:a16="http://schemas.microsoft.com/office/drawing/2014/main" id="{2DB4804A-9D1B-0448-8449-0390C103C290}"/>
+              </a:ext>
+            </a:extLst>
+          </p:cNvPr>
+          <p:cNvSpPr/>
           <p:nvPr/>
-        </p:nvPicPr>
-        <p:blipFill>
-          <a:blip r:embed="rId3"/>
-          <a:stretch>
-            <a:fillRect/>
-          </a:stretch>
-        </p:blipFill>
+        </p:nvSpPr>
         <p:spPr>
           <a:xfrm>
-            <a:off x="5466935" y="1697814"/>
-            <a:ext cx="6549441" cy="4920268"/>
+            <a:off x="4513625" y="1360065"/>
+            <a:ext cx="3164748" cy="4060270"/>
           </a:xfrm>
           <a:prstGeom prst="rect">
             <a:avLst/>
           </a:prstGeom>
-          <a:ln w="12700">
+          <a:solidFill>
+            <a:schemeClr val="accent1">
+              <a:lumMod val="20000"/>
+              <a:lumOff val="80000"/>
+            </a:schemeClr>
+          </a:solidFill>
+          <a:ln>
             <a:solidFill>
-              <a:schemeClr val="tx1">
-                <a:lumMod val="50000"/>
-                <a:lumOff val="50000"/>
-              </a:schemeClr>
+              <a:schemeClr val="tx1"/>
             </a:solidFill>
           </a:ln>
         </p:spPr>
-      </p:pic>
+        <p:style>
+          <a:lnRef idx="2">
+            <a:schemeClr val="accent1">
+              <a:shade val="50000"/>
+            </a:schemeClr>
+          </a:lnRef>
+          <a:fillRef idx="1">
+            <a:schemeClr val="accent1"/>
+          </a:fillRef>
+          <a:effectRef idx="0">
+            <a:schemeClr val="accent1"/>
+          </a:effectRef>
+          <a:fontRef idx="minor">
+            <a:schemeClr val="lt1"/>
+          </a:fontRef>
+        </p:style>
+        <p:txBody>
+          <a:bodyPr rtlCol="0" anchor="ctr"/>
+          <a:lstStyle/>
+          <a:p>
+            <a:pPr algn="ctr"/>
+            <a:endParaRPr lang="es-ES_tradnl"/>
+          </a:p>
+        </p:txBody>
+      </p:sp>
+      <p:sp>
+        <p:nvSpPr>
+          <p:cNvPr id="6" name="Rectangle 5">
+            <a:extLst>
+              <a:ext uri="{FF2B5EF4-FFF2-40B4-BE49-F238E27FC236}">
+                <a16:creationId xmlns:a16="http://schemas.microsoft.com/office/drawing/2014/main" id="{5598D73A-75AC-0C40-81AD-DA0FEF95C380}"/>
+              </a:ext>
+            </a:extLst>
+          </p:cNvPr>
+          <p:cNvSpPr/>
+          <p:nvPr/>
+        </p:nvSpPr>
+        <p:spPr>
+          <a:xfrm>
+            <a:off x="4513625" y="1006678"/>
+            <a:ext cx="3164748" cy="687897"/>
+          </a:xfrm>
+          <a:prstGeom prst="rect">
+            <a:avLst/>
+          </a:prstGeom>
+          <a:solidFill>
+            <a:schemeClr val="bg1"/>
+          </a:solidFill>
+          <a:ln>
+            <a:solidFill>
+              <a:schemeClr val="tx1"/>
+            </a:solidFill>
+          </a:ln>
+        </p:spPr>
+        <p:style>
+          <a:lnRef idx="2">
+            <a:schemeClr val="accent1">
+              <a:shade val="50000"/>
+            </a:schemeClr>
+          </a:lnRef>
+          <a:fillRef idx="1">
+            <a:schemeClr val="accent1"/>
+          </a:fillRef>
+          <a:effectRef idx="0">
+            <a:schemeClr val="accent1"/>
+          </a:effectRef>
+          <a:fontRef idx="minor">
+            <a:schemeClr val="lt1"/>
+          </a:fontRef>
+        </p:style>
+        <p:txBody>
+          <a:bodyPr rtlCol="0" anchor="ctr"/>
+          <a:lstStyle/>
+          <a:p>
+            <a:pPr algn="ctr"/>
+            <a:endParaRPr lang="es-ES_tradnl"/>
+          </a:p>
+        </p:txBody>
+      </p:sp>
+      <p:sp>
+        <p:nvSpPr>
+          <p:cNvPr id="7" name="Rectangle 6">
+            <a:extLst>
+              <a:ext uri="{FF2B5EF4-FFF2-40B4-BE49-F238E27FC236}">
+                <a16:creationId xmlns:a16="http://schemas.microsoft.com/office/drawing/2014/main" id="{6F1FFE73-A8CE-0349-8D75-F3C42ADB707E}"/>
+              </a:ext>
+            </a:extLst>
+          </p:cNvPr>
+          <p:cNvSpPr/>
+          <p:nvPr/>
+        </p:nvSpPr>
+        <p:spPr>
+          <a:xfrm>
+            <a:off x="4355631" y="687897"/>
+            <a:ext cx="3513241" cy="662729"/>
+          </a:xfrm>
+          <a:prstGeom prst="rect">
+            <a:avLst/>
+          </a:prstGeom>
+          <a:solidFill>
+            <a:schemeClr val="bg1"/>
+          </a:solidFill>
+          <a:ln>
+            <a:noFill/>
+          </a:ln>
+        </p:spPr>
+        <p:style>
+          <a:lnRef idx="2">
+            <a:schemeClr val="accent1">
+              <a:shade val="50000"/>
+            </a:schemeClr>
+          </a:lnRef>
+          <a:fillRef idx="1">
+            <a:schemeClr val="accent1"/>
+          </a:fillRef>
+          <a:effectRef idx="0">
+            <a:schemeClr val="accent1"/>
+          </a:effectRef>
+          <a:fontRef idx="minor">
+            <a:schemeClr val="lt1"/>
+          </a:fontRef>
+        </p:style>
+        <p:txBody>
+          <a:bodyPr rtlCol="0" anchor="ctr"/>
+          <a:lstStyle/>
+          <a:p>
+            <a:pPr algn="ctr"/>
+            <a:endParaRPr lang="es-ES_tradnl"/>
+          </a:p>
+        </p:txBody>
+      </p:sp>
+      <p:grpSp>
+        <p:nvGrpSpPr>
+          <p:cNvPr id="51" name="Group 50">
+            <a:extLst>
+              <a:ext uri="{FF2B5EF4-FFF2-40B4-BE49-F238E27FC236}">
+                <a16:creationId xmlns:a16="http://schemas.microsoft.com/office/drawing/2014/main" id="{D34F926A-F826-6440-B6A6-BB007BE1D028}"/>
+              </a:ext>
+            </a:extLst>
+          </p:cNvPr>
+          <p:cNvGrpSpPr/>
+          <p:nvPr/>
+        </p:nvGrpSpPr>
+        <p:grpSpPr>
+          <a:xfrm>
+            <a:off x="4711032" y="2106160"/>
+            <a:ext cx="2627544" cy="3145260"/>
+            <a:chOff x="4711032" y="2106160"/>
+            <a:chExt cx="2627544" cy="3145260"/>
+          </a:xfrm>
+        </p:grpSpPr>
+        <p:sp>
+          <p:nvSpPr>
+            <p:cNvPr id="3" name="Oval 2">
+              <a:extLst>
+                <a:ext uri="{FF2B5EF4-FFF2-40B4-BE49-F238E27FC236}">
+                  <a16:creationId xmlns:a16="http://schemas.microsoft.com/office/drawing/2014/main" id="{E1AE95C7-349F-3F48-8AEE-AAB7E13DEFD5}"/>
+                </a:ext>
+              </a:extLst>
+            </p:cNvPr>
+            <p:cNvSpPr/>
+            <p:nvPr/>
+          </p:nvSpPr>
+          <p:spPr>
+            <a:xfrm>
+              <a:off x="4711032" y="4397836"/>
+              <a:ext cx="553673" cy="553673"/>
+            </a:xfrm>
+            <a:prstGeom prst="ellipse">
+              <a:avLst/>
+            </a:prstGeom>
+          </p:spPr>
+          <p:style>
+            <a:lnRef idx="2">
+              <a:schemeClr val="accent1">
+                <a:shade val="50000"/>
+              </a:schemeClr>
+            </a:lnRef>
+            <a:fillRef idx="1">
+              <a:schemeClr val="accent1"/>
+            </a:fillRef>
+            <a:effectRef idx="0">
+              <a:schemeClr val="accent1"/>
+            </a:effectRef>
+            <a:fontRef idx="minor">
+              <a:schemeClr val="lt1"/>
+            </a:fontRef>
+          </p:style>
+          <p:txBody>
+            <a:bodyPr rtlCol="0" anchor="ctr"/>
+            <a:lstStyle/>
+            <a:p>
+              <a:pPr algn="ctr"/>
+              <a:endParaRPr lang="es-ES_tradnl"/>
+            </a:p>
+          </p:txBody>
+        </p:sp>
+        <p:sp>
+          <p:nvSpPr>
+            <p:cNvPr id="9" name="Oval 8">
+              <a:extLst>
+                <a:ext uri="{FF2B5EF4-FFF2-40B4-BE49-F238E27FC236}">
+                  <a16:creationId xmlns:a16="http://schemas.microsoft.com/office/drawing/2014/main" id="{6961A2D9-341E-D24E-BEC9-31EEDE4FF893}"/>
+                </a:ext>
+              </a:extLst>
+            </p:cNvPr>
+            <p:cNvSpPr/>
+            <p:nvPr/>
+          </p:nvSpPr>
+          <p:spPr>
+            <a:xfrm>
+              <a:off x="5426015" y="3598877"/>
+              <a:ext cx="553673" cy="553673"/>
+            </a:xfrm>
+            <a:prstGeom prst="ellipse">
+              <a:avLst/>
+            </a:prstGeom>
+          </p:spPr>
+          <p:style>
+            <a:lnRef idx="2">
+              <a:schemeClr val="accent1">
+                <a:shade val="50000"/>
+              </a:schemeClr>
+            </a:lnRef>
+            <a:fillRef idx="1">
+              <a:schemeClr val="accent1"/>
+            </a:fillRef>
+            <a:effectRef idx="0">
+              <a:schemeClr val="accent1"/>
+            </a:effectRef>
+            <a:fontRef idx="minor">
+              <a:schemeClr val="lt1"/>
+            </a:fontRef>
+          </p:style>
+          <p:txBody>
+            <a:bodyPr rtlCol="0" anchor="ctr"/>
+            <a:lstStyle/>
+            <a:p>
+              <a:pPr algn="ctr"/>
+              <a:endParaRPr lang="es-ES_tradnl"/>
+            </a:p>
+          </p:txBody>
+        </p:sp>
+        <p:sp>
+          <p:nvSpPr>
+            <p:cNvPr id="10" name="Oval 9">
+              <a:extLst>
+                <a:ext uri="{FF2B5EF4-FFF2-40B4-BE49-F238E27FC236}">
+                  <a16:creationId xmlns:a16="http://schemas.microsoft.com/office/drawing/2014/main" id="{C5DD4850-E90F-9740-875B-CBA10137C051}"/>
+                </a:ext>
+              </a:extLst>
+            </p:cNvPr>
+            <p:cNvSpPr/>
+            <p:nvPr/>
+          </p:nvSpPr>
+          <p:spPr>
+            <a:xfrm>
+              <a:off x="6784903" y="4697747"/>
+              <a:ext cx="553673" cy="553673"/>
+            </a:xfrm>
+            <a:prstGeom prst="ellipse">
+              <a:avLst/>
+            </a:prstGeom>
+          </p:spPr>
+          <p:style>
+            <a:lnRef idx="2">
+              <a:schemeClr val="accent1">
+                <a:shade val="50000"/>
+              </a:schemeClr>
+            </a:lnRef>
+            <a:fillRef idx="1">
+              <a:schemeClr val="accent1"/>
+            </a:fillRef>
+            <a:effectRef idx="0">
+              <a:schemeClr val="accent1"/>
+            </a:effectRef>
+            <a:fontRef idx="minor">
+              <a:schemeClr val="lt1"/>
+            </a:fontRef>
+          </p:style>
+          <p:txBody>
+            <a:bodyPr rtlCol="0" anchor="ctr"/>
+            <a:lstStyle/>
+            <a:p>
+              <a:pPr algn="ctr"/>
+              <a:endParaRPr lang="es-ES_tradnl"/>
+            </a:p>
+          </p:txBody>
+        </p:sp>
+        <p:sp>
+          <p:nvSpPr>
+            <p:cNvPr id="12" name="Oval 11">
+              <a:extLst>
+                <a:ext uri="{FF2B5EF4-FFF2-40B4-BE49-F238E27FC236}">
+                  <a16:creationId xmlns:a16="http://schemas.microsoft.com/office/drawing/2014/main" id="{CABFE7E7-5B4E-9043-AE66-52FB2E9C15F4}"/>
+                </a:ext>
+              </a:extLst>
+            </p:cNvPr>
+            <p:cNvSpPr/>
+            <p:nvPr/>
+          </p:nvSpPr>
+          <p:spPr>
+            <a:xfrm>
+              <a:off x="4818515" y="2382996"/>
+              <a:ext cx="553673" cy="553673"/>
+            </a:xfrm>
+            <a:prstGeom prst="ellipse">
+              <a:avLst/>
+            </a:prstGeom>
+          </p:spPr>
+          <p:style>
+            <a:lnRef idx="2">
+              <a:schemeClr val="accent1">
+                <a:shade val="50000"/>
+              </a:schemeClr>
+            </a:lnRef>
+            <a:fillRef idx="1">
+              <a:schemeClr val="accent1"/>
+            </a:fillRef>
+            <a:effectRef idx="0">
+              <a:schemeClr val="accent1"/>
+            </a:effectRef>
+            <a:fontRef idx="minor">
+              <a:schemeClr val="lt1"/>
+            </a:fontRef>
+          </p:style>
+          <p:txBody>
+            <a:bodyPr rtlCol="0" anchor="ctr"/>
+            <a:lstStyle/>
+            <a:p>
+              <a:pPr algn="ctr"/>
+              <a:endParaRPr lang="es-ES_tradnl"/>
+            </a:p>
+          </p:txBody>
+        </p:sp>
+        <p:sp>
+          <p:nvSpPr>
+            <p:cNvPr id="14" name="Oval 13">
+              <a:extLst>
+                <a:ext uri="{FF2B5EF4-FFF2-40B4-BE49-F238E27FC236}">
+                  <a16:creationId xmlns:a16="http://schemas.microsoft.com/office/drawing/2014/main" id="{71213130-0060-524B-8057-F50E50669B4D}"/>
+                </a:ext>
+              </a:extLst>
+            </p:cNvPr>
+            <p:cNvSpPr/>
+            <p:nvPr/>
+          </p:nvSpPr>
+          <p:spPr>
+            <a:xfrm>
+              <a:off x="6231230" y="2106160"/>
+              <a:ext cx="553673" cy="553673"/>
+            </a:xfrm>
+            <a:prstGeom prst="ellipse">
+              <a:avLst/>
+            </a:prstGeom>
+          </p:spPr>
+          <p:style>
+            <a:lnRef idx="2">
+              <a:schemeClr val="accent1">
+                <a:shade val="50000"/>
+              </a:schemeClr>
+            </a:lnRef>
+            <a:fillRef idx="1">
+              <a:schemeClr val="accent1"/>
+            </a:fillRef>
+            <a:effectRef idx="0">
+              <a:schemeClr val="accent1"/>
+            </a:effectRef>
+            <a:fontRef idx="minor">
+              <a:schemeClr val="lt1"/>
+            </a:fontRef>
+          </p:style>
+          <p:txBody>
+            <a:bodyPr rtlCol="0" anchor="ctr"/>
+            <a:lstStyle/>
+            <a:p>
+              <a:pPr algn="ctr"/>
+              <a:endParaRPr lang="es-ES_tradnl"/>
+            </a:p>
+          </p:txBody>
+        </p:sp>
+        <p:sp>
+          <p:nvSpPr>
+            <p:cNvPr id="15" name="Oval 14">
+              <a:extLst>
+                <a:ext uri="{FF2B5EF4-FFF2-40B4-BE49-F238E27FC236}">
+                  <a16:creationId xmlns:a16="http://schemas.microsoft.com/office/drawing/2014/main" id="{77210EF9-B1D0-2F49-BCE0-0D2CE7812ED6}"/>
+                </a:ext>
+              </a:extLst>
+            </p:cNvPr>
+            <p:cNvSpPr/>
+            <p:nvPr/>
+          </p:nvSpPr>
+          <p:spPr>
+            <a:xfrm>
+              <a:off x="6784903" y="3152162"/>
+              <a:ext cx="553673" cy="553673"/>
+            </a:xfrm>
+            <a:prstGeom prst="ellipse">
+              <a:avLst/>
+            </a:prstGeom>
+          </p:spPr>
+          <p:style>
+            <a:lnRef idx="2">
+              <a:schemeClr val="accent1">
+                <a:shade val="50000"/>
+              </a:schemeClr>
+            </a:lnRef>
+            <a:fillRef idx="1">
+              <a:schemeClr val="accent1"/>
+            </a:fillRef>
+            <a:effectRef idx="0">
+              <a:schemeClr val="accent1"/>
+            </a:effectRef>
+            <a:fontRef idx="minor">
+              <a:schemeClr val="lt1"/>
+            </a:fontRef>
+          </p:style>
+          <p:txBody>
+            <a:bodyPr rtlCol="0" anchor="ctr"/>
+            <a:lstStyle/>
+            <a:p>
+              <a:pPr algn="ctr"/>
+              <a:endParaRPr lang="es-ES_tradnl"/>
+            </a:p>
+          </p:txBody>
+        </p:sp>
+      </p:grpSp>
+      <p:grpSp>
+        <p:nvGrpSpPr>
+          <p:cNvPr id="50" name="Group 49">
+            <a:extLst>
+              <a:ext uri="{FF2B5EF4-FFF2-40B4-BE49-F238E27FC236}">
+                <a16:creationId xmlns:a16="http://schemas.microsoft.com/office/drawing/2014/main" id="{15ADAB69-2B54-1F43-ABF2-8B9CA2B6FD32}"/>
+              </a:ext>
+            </a:extLst>
+          </p:cNvPr>
+          <p:cNvGrpSpPr/>
+          <p:nvPr/>
+        </p:nvGrpSpPr>
+        <p:grpSpPr>
+          <a:xfrm>
+            <a:off x="3350756" y="3082195"/>
+            <a:ext cx="2612627" cy="279400"/>
+            <a:chOff x="3350756" y="3082195"/>
+            <a:chExt cx="2612627" cy="279400"/>
+          </a:xfrm>
+        </p:grpSpPr>
+        <p:pic>
+          <p:nvPicPr>
+            <p:cNvPr id="8" name="Picture 7">
+              <a:extLst>
+                <a:ext uri="{FF2B5EF4-FFF2-40B4-BE49-F238E27FC236}">
+                  <a16:creationId xmlns:a16="http://schemas.microsoft.com/office/drawing/2014/main" id="{86BF7FE9-0ABA-FF4E-96C5-A58F928C9D47}"/>
+                </a:ext>
+              </a:extLst>
+            </p:cNvPr>
+            <p:cNvPicPr>
+              <a:picLocks noChangeAspect="1"/>
+            </p:cNvPicPr>
+            <p:nvPr/>
+          </p:nvPicPr>
+          <p:blipFill>
+            <a:blip r:embed="rId2"/>
+            <a:stretch>
+              <a:fillRect/>
+            </a:stretch>
+          </p:blipFill>
+          <p:spPr>
+            <a:xfrm>
+              <a:off x="3350756" y="3082195"/>
+              <a:ext cx="520700" cy="279400"/>
+            </a:xfrm>
+            <a:prstGeom prst="rect">
+              <a:avLst/>
+            </a:prstGeom>
+          </p:spPr>
+        </p:pic>
+        <p:cxnSp>
+          <p:nvCxnSpPr>
+            <p:cNvPr id="20" name="Straight Arrow Connector 19">
+              <a:extLst>
+                <a:ext uri="{FF2B5EF4-FFF2-40B4-BE49-F238E27FC236}">
+                  <a16:creationId xmlns:a16="http://schemas.microsoft.com/office/drawing/2014/main" id="{1FBB840A-3731-3546-B0AC-8FA442AFC500}"/>
+                </a:ext>
+              </a:extLst>
+            </p:cNvPr>
+            <p:cNvCxnSpPr>
+              <a:cxnSpLocks/>
+            </p:cNvCxnSpPr>
+            <p:nvPr/>
+          </p:nvCxnSpPr>
+          <p:spPr>
+            <a:xfrm flipH="1">
+              <a:off x="4032288" y="3214029"/>
+              <a:ext cx="1931095" cy="0"/>
+            </a:xfrm>
+            <a:prstGeom prst="straightConnector1">
+              <a:avLst/>
+            </a:prstGeom>
+            <a:ln>
+              <a:solidFill>
+                <a:schemeClr val="tx1"/>
+              </a:solidFill>
+              <a:tailEnd type="triangle"/>
+            </a:ln>
+          </p:spPr>
+          <p:style>
+            <a:lnRef idx="1">
+              <a:schemeClr val="accent1"/>
+            </a:lnRef>
+            <a:fillRef idx="0">
+              <a:schemeClr val="accent1"/>
+            </a:fillRef>
+            <a:effectRef idx="0">
+              <a:schemeClr val="accent1"/>
+            </a:effectRef>
+            <a:fontRef idx="minor">
+              <a:schemeClr val="tx1"/>
+            </a:fontRef>
+          </p:style>
+        </p:cxnSp>
+      </p:grpSp>
+      <p:grpSp>
+        <p:nvGrpSpPr>
+          <p:cNvPr id="53" name="Group 52">
+            <a:extLst>
+              <a:ext uri="{FF2B5EF4-FFF2-40B4-BE49-F238E27FC236}">
+                <a16:creationId xmlns:a16="http://schemas.microsoft.com/office/drawing/2014/main" id="{60BFC5B6-A854-E347-9E3B-2BB2336DA9B1}"/>
+              </a:ext>
+            </a:extLst>
+          </p:cNvPr>
+          <p:cNvGrpSpPr/>
+          <p:nvPr/>
+        </p:nvGrpSpPr>
+        <p:grpSpPr>
+          <a:xfrm>
+            <a:off x="5264705" y="1469444"/>
+            <a:ext cx="3854768" cy="3644839"/>
+            <a:chOff x="5264705" y="1469444"/>
+            <a:chExt cx="3854768" cy="3644839"/>
+          </a:xfrm>
+        </p:grpSpPr>
+        <p:grpSp>
+          <p:nvGrpSpPr>
+            <p:cNvPr id="52" name="Group 51">
+              <a:extLst>
+                <a:ext uri="{FF2B5EF4-FFF2-40B4-BE49-F238E27FC236}">
+                  <a16:creationId xmlns:a16="http://schemas.microsoft.com/office/drawing/2014/main" id="{6EDCC883-571D-EB4A-8C47-5185D1F2CB2E}"/>
+                </a:ext>
+              </a:extLst>
+            </p:cNvPr>
+            <p:cNvGrpSpPr/>
+            <p:nvPr/>
+          </p:nvGrpSpPr>
+          <p:grpSpPr>
+            <a:xfrm>
+              <a:off x="5264705" y="2243296"/>
+              <a:ext cx="3719159" cy="2870987"/>
+              <a:chOff x="5264705" y="2243296"/>
+              <a:chExt cx="3719159" cy="2870987"/>
+            </a:xfrm>
+          </p:grpSpPr>
+          <p:pic>
+            <p:nvPicPr>
+              <p:cNvPr id="17" name="Picture 16">
+                <a:extLst>
+                  <a:ext uri="{FF2B5EF4-FFF2-40B4-BE49-F238E27FC236}">
+                    <a16:creationId xmlns:a16="http://schemas.microsoft.com/office/drawing/2014/main" id="{F6D9E4EB-C075-F745-9DB1-ABE9B888C9E7}"/>
+                  </a:ext>
+                </a:extLst>
+              </p:cNvPr>
+              <p:cNvPicPr>
+                <a:picLocks noChangeAspect="1"/>
+              </p:cNvPicPr>
+              <p:nvPr/>
+            </p:nvPicPr>
+            <p:blipFill>
+              <a:blip r:embed="rId3"/>
+              <a:stretch>
+                <a:fillRect/>
+              </a:stretch>
+            </p:blipFill>
+            <p:spPr>
+              <a:xfrm>
+                <a:off x="8344583" y="2243296"/>
+                <a:ext cx="635000" cy="279400"/>
+              </a:xfrm>
+              <a:prstGeom prst="rect">
+                <a:avLst/>
+              </a:prstGeom>
+            </p:spPr>
+          </p:pic>
+          <p:cxnSp>
+            <p:nvCxnSpPr>
+              <p:cNvPr id="19" name="Straight Arrow Connector 18">
+                <a:extLst>
+                  <a:ext uri="{FF2B5EF4-FFF2-40B4-BE49-F238E27FC236}">
+                    <a16:creationId xmlns:a16="http://schemas.microsoft.com/office/drawing/2014/main" id="{22918C56-1E6C-3E4E-805A-93386B0B0B77}"/>
+                  </a:ext>
+                </a:extLst>
+              </p:cNvPr>
+              <p:cNvCxnSpPr>
+                <a:cxnSpLocks/>
+              </p:cNvCxnSpPr>
+              <p:nvPr/>
+            </p:nvCxnSpPr>
+            <p:spPr>
+              <a:xfrm>
+                <a:off x="6844297" y="2383519"/>
+                <a:ext cx="1460803" cy="0"/>
+              </a:xfrm>
+              <a:prstGeom prst="straightConnector1">
+                <a:avLst/>
+              </a:prstGeom>
+              <a:ln>
+                <a:solidFill>
+                  <a:schemeClr val="tx1"/>
+                </a:solidFill>
+                <a:tailEnd type="triangle"/>
+              </a:ln>
+            </p:spPr>
+            <p:style>
+              <a:lnRef idx="1">
+                <a:schemeClr val="accent1"/>
+              </a:lnRef>
+              <a:fillRef idx="0">
+                <a:schemeClr val="accent1"/>
+              </a:fillRef>
+              <a:effectRef idx="0">
+                <a:schemeClr val="accent1"/>
+              </a:effectRef>
+              <a:fontRef idx="minor">
+                <a:schemeClr val="tx1"/>
+              </a:fontRef>
+            </p:style>
+          </p:cxnSp>
+          <p:cxnSp>
+            <p:nvCxnSpPr>
+              <p:cNvPr id="24" name="Straight Arrow Connector 23">
+                <a:extLst>
+                  <a:ext uri="{FF2B5EF4-FFF2-40B4-BE49-F238E27FC236}">
+                    <a16:creationId xmlns:a16="http://schemas.microsoft.com/office/drawing/2014/main" id="{E04D859A-8B0B-414A-AA40-CEF32942CA03}"/>
+                  </a:ext>
+                </a:extLst>
+              </p:cNvPr>
+              <p:cNvCxnSpPr>
+                <a:cxnSpLocks/>
+              </p:cNvCxnSpPr>
+              <p:nvPr/>
+            </p:nvCxnSpPr>
+            <p:spPr>
+              <a:xfrm>
+                <a:off x="5385732" y="2720477"/>
+                <a:ext cx="2919368" cy="0"/>
+              </a:xfrm>
+              <a:prstGeom prst="straightConnector1">
+                <a:avLst/>
+              </a:prstGeom>
+              <a:ln>
+                <a:solidFill>
+                  <a:schemeClr val="tx1"/>
+                </a:solidFill>
+                <a:tailEnd type="triangle"/>
+              </a:ln>
+            </p:spPr>
+            <p:style>
+              <a:lnRef idx="1">
+                <a:schemeClr val="accent1"/>
+              </a:lnRef>
+              <a:fillRef idx="0">
+                <a:schemeClr val="accent1"/>
+              </a:fillRef>
+              <a:effectRef idx="0">
+                <a:schemeClr val="accent1"/>
+              </a:effectRef>
+              <a:fontRef idx="minor">
+                <a:schemeClr val="tx1"/>
+              </a:fontRef>
+            </p:style>
+          </p:cxnSp>
+          <p:cxnSp>
+            <p:nvCxnSpPr>
+              <p:cNvPr id="26" name="Straight Arrow Connector 25">
+                <a:extLst>
+                  <a:ext uri="{FF2B5EF4-FFF2-40B4-BE49-F238E27FC236}">
+                    <a16:creationId xmlns:a16="http://schemas.microsoft.com/office/drawing/2014/main" id="{78880FC2-88EE-904A-AD94-BD64E438DF4B}"/>
+                  </a:ext>
+                </a:extLst>
+              </p:cNvPr>
+              <p:cNvCxnSpPr>
+                <a:cxnSpLocks/>
+              </p:cNvCxnSpPr>
+              <p:nvPr/>
+            </p:nvCxnSpPr>
+            <p:spPr>
+              <a:xfrm>
+                <a:off x="6035705" y="3887945"/>
+                <a:ext cx="2269395" cy="0"/>
+              </a:xfrm>
+              <a:prstGeom prst="straightConnector1">
+                <a:avLst/>
+              </a:prstGeom>
+              <a:ln>
+                <a:solidFill>
+                  <a:schemeClr val="tx1"/>
+                </a:solidFill>
+                <a:tailEnd type="triangle"/>
+              </a:ln>
+            </p:spPr>
+            <p:style>
+              <a:lnRef idx="1">
+                <a:schemeClr val="accent1"/>
+              </a:lnRef>
+              <a:fillRef idx="0">
+                <a:schemeClr val="accent1"/>
+              </a:fillRef>
+              <a:effectRef idx="0">
+                <a:schemeClr val="accent1"/>
+              </a:effectRef>
+              <a:fontRef idx="minor">
+                <a:schemeClr val="tx1"/>
+              </a:fontRef>
+            </p:style>
+          </p:cxnSp>
+          <p:pic>
+            <p:nvPicPr>
+              <p:cNvPr id="28" name="Picture 27">
+                <a:extLst>
+                  <a:ext uri="{FF2B5EF4-FFF2-40B4-BE49-F238E27FC236}">
+                    <a16:creationId xmlns:a16="http://schemas.microsoft.com/office/drawing/2014/main" id="{03596F5E-7786-AB44-B572-40AF54951244}"/>
+                  </a:ext>
+                </a:extLst>
+              </p:cNvPr>
+              <p:cNvPicPr>
+                <a:picLocks noChangeAspect="1"/>
+              </p:cNvPicPr>
+              <p:nvPr/>
+            </p:nvPicPr>
+            <p:blipFill>
+              <a:blip r:embed="rId3"/>
+              <a:stretch>
+                <a:fillRect/>
+              </a:stretch>
+            </p:blipFill>
+            <p:spPr>
+              <a:xfrm>
+                <a:off x="8344583" y="2577314"/>
+                <a:ext cx="635000" cy="279400"/>
+              </a:xfrm>
+              <a:prstGeom prst="rect">
+                <a:avLst/>
+              </a:prstGeom>
+            </p:spPr>
+          </p:pic>
+          <p:cxnSp>
+            <p:nvCxnSpPr>
+              <p:cNvPr id="29" name="Straight Arrow Connector 28">
+                <a:extLst>
+                  <a:ext uri="{FF2B5EF4-FFF2-40B4-BE49-F238E27FC236}">
+                    <a16:creationId xmlns:a16="http://schemas.microsoft.com/office/drawing/2014/main" id="{B8AD4A7D-8081-9B49-B304-1F2FFB29A681}"/>
+                  </a:ext>
+                </a:extLst>
+              </p:cNvPr>
+              <p:cNvCxnSpPr>
+                <a:cxnSpLocks/>
+              </p:cNvCxnSpPr>
+              <p:nvPr/>
+            </p:nvCxnSpPr>
+            <p:spPr>
+              <a:xfrm>
+                <a:off x="5264705" y="4559064"/>
+                <a:ext cx="3040395" cy="0"/>
+              </a:xfrm>
+              <a:prstGeom prst="straightConnector1">
+                <a:avLst/>
+              </a:prstGeom>
+              <a:ln>
+                <a:solidFill>
+                  <a:schemeClr val="tx1"/>
+                </a:solidFill>
+                <a:tailEnd type="triangle"/>
+              </a:ln>
+            </p:spPr>
+            <p:style>
+              <a:lnRef idx="1">
+                <a:schemeClr val="accent1"/>
+              </a:lnRef>
+              <a:fillRef idx="0">
+                <a:schemeClr val="accent1"/>
+              </a:fillRef>
+              <a:effectRef idx="0">
+                <a:schemeClr val="accent1"/>
+              </a:effectRef>
+              <a:fontRef idx="minor">
+                <a:schemeClr val="tx1"/>
+              </a:fontRef>
+            </p:style>
+          </p:cxnSp>
+          <p:cxnSp>
+            <p:nvCxnSpPr>
+              <p:cNvPr id="31" name="Straight Arrow Connector 30">
+                <a:extLst>
+                  <a:ext uri="{FF2B5EF4-FFF2-40B4-BE49-F238E27FC236}">
+                    <a16:creationId xmlns:a16="http://schemas.microsoft.com/office/drawing/2014/main" id="{C73DA19B-892A-FB4E-9E96-109757051CBC}"/>
+                  </a:ext>
+                </a:extLst>
+              </p:cNvPr>
+              <p:cNvCxnSpPr>
+                <a:cxnSpLocks/>
+              </p:cNvCxnSpPr>
+              <p:nvPr/>
+            </p:nvCxnSpPr>
+            <p:spPr>
+              <a:xfrm>
+                <a:off x="7404509" y="3428998"/>
+                <a:ext cx="900591" cy="0"/>
+              </a:xfrm>
+              <a:prstGeom prst="straightConnector1">
+                <a:avLst/>
+              </a:prstGeom>
+              <a:ln>
+                <a:solidFill>
+                  <a:schemeClr val="tx1"/>
+                </a:solidFill>
+                <a:tailEnd type="triangle"/>
+              </a:ln>
+            </p:spPr>
+            <p:style>
+              <a:lnRef idx="1">
+                <a:schemeClr val="accent1"/>
+              </a:lnRef>
+              <a:fillRef idx="0">
+                <a:schemeClr val="accent1"/>
+              </a:fillRef>
+              <a:effectRef idx="0">
+                <a:schemeClr val="accent1"/>
+              </a:effectRef>
+              <a:fontRef idx="minor">
+                <a:schemeClr val="tx1"/>
+              </a:fontRef>
+            </p:style>
+          </p:cxnSp>
+          <p:cxnSp>
+            <p:nvCxnSpPr>
+              <p:cNvPr id="33" name="Straight Arrow Connector 32">
+                <a:extLst>
+                  <a:ext uri="{FF2B5EF4-FFF2-40B4-BE49-F238E27FC236}">
+                    <a16:creationId xmlns:a16="http://schemas.microsoft.com/office/drawing/2014/main" id="{904C3783-8FBC-6245-AF46-748157299395}"/>
+                  </a:ext>
+                </a:extLst>
+              </p:cNvPr>
+              <p:cNvCxnSpPr>
+                <a:cxnSpLocks/>
+              </p:cNvCxnSpPr>
+              <p:nvPr/>
+            </p:nvCxnSpPr>
+            <p:spPr>
+              <a:xfrm>
+                <a:off x="7404508" y="4974583"/>
+                <a:ext cx="900592" cy="0"/>
+              </a:xfrm>
+              <a:prstGeom prst="straightConnector1">
+                <a:avLst/>
+              </a:prstGeom>
+              <a:ln>
+                <a:solidFill>
+                  <a:schemeClr val="tx1"/>
+                </a:solidFill>
+                <a:tailEnd type="triangle"/>
+              </a:ln>
+            </p:spPr>
+            <p:style>
+              <a:lnRef idx="1">
+                <a:schemeClr val="accent1"/>
+              </a:lnRef>
+              <a:fillRef idx="0">
+                <a:schemeClr val="accent1"/>
+              </a:fillRef>
+              <a:effectRef idx="0">
+                <a:schemeClr val="accent1"/>
+              </a:effectRef>
+              <a:fontRef idx="minor">
+                <a:schemeClr val="tx1"/>
+              </a:fontRef>
+            </p:style>
+          </p:cxnSp>
+          <p:pic>
+            <p:nvPicPr>
+              <p:cNvPr id="35" name="Picture 34">
+                <a:extLst>
+                  <a:ext uri="{FF2B5EF4-FFF2-40B4-BE49-F238E27FC236}">
+                    <a16:creationId xmlns:a16="http://schemas.microsoft.com/office/drawing/2014/main" id="{483C459E-C8AE-694A-9F2D-C8874E51F476}"/>
+                  </a:ext>
+                </a:extLst>
+              </p:cNvPr>
+              <p:cNvPicPr>
+                <a:picLocks noChangeAspect="1"/>
+              </p:cNvPicPr>
+              <p:nvPr/>
+            </p:nvPicPr>
+            <p:blipFill>
+              <a:blip r:embed="rId3"/>
+              <a:stretch>
+                <a:fillRect/>
+              </a:stretch>
+            </p:blipFill>
+            <p:spPr>
+              <a:xfrm>
+                <a:off x="8344583" y="3290520"/>
+                <a:ext cx="635000" cy="279400"/>
+              </a:xfrm>
+              <a:prstGeom prst="rect">
+                <a:avLst/>
+              </a:prstGeom>
+            </p:spPr>
+          </p:pic>
+          <p:pic>
+            <p:nvPicPr>
+              <p:cNvPr id="36" name="Picture 35">
+                <a:extLst>
+                  <a:ext uri="{FF2B5EF4-FFF2-40B4-BE49-F238E27FC236}">
+                    <a16:creationId xmlns:a16="http://schemas.microsoft.com/office/drawing/2014/main" id="{0CD8205A-7EDC-894F-9B19-82573285469D}"/>
+                  </a:ext>
+                </a:extLst>
+              </p:cNvPr>
+              <p:cNvPicPr>
+                <a:picLocks noChangeAspect="1"/>
+              </p:cNvPicPr>
+              <p:nvPr/>
+            </p:nvPicPr>
+            <p:blipFill>
+              <a:blip r:embed="rId3"/>
+              <a:stretch>
+                <a:fillRect/>
+              </a:stretch>
+            </p:blipFill>
+            <p:spPr>
+              <a:xfrm>
+                <a:off x="8345019" y="3748245"/>
+                <a:ext cx="635000" cy="279400"/>
+              </a:xfrm>
+              <a:prstGeom prst="rect">
+                <a:avLst/>
+              </a:prstGeom>
+            </p:spPr>
+          </p:pic>
+          <p:pic>
+            <p:nvPicPr>
+              <p:cNvPr id="37" name="Picture 36">
+                <a:extLst>
+                  <a:ext uri="{FF2B5EF4-FFF2-40B4-BE49-F238E27FC236}">
+                    <a16:creationId xmlns:a16="http://schemas.microsoft.com/office/drawing/2014/main" id="{F82E48C9-0954-9941-9C4D-AF959A4070B2}"/>
+                  </a:ext>
+                </a:extLst>
+              </p:cNvPr>
+              <p:cNvPicPr>
+                <a:picLocks noChangeAspect="1"/>
+              </p:cNvPicPr>
+              <p:nvPr/>
+            </p:nvPicPr>
+            <p:blipFill>
+              <a:blip r:embed="rId3"/>
+              <a:stretch>
+                <a:fillRect/>
+              </a:stretch>
+            </p:blipFill>
+            <p:spPr>
+              <a:xfrm>
+                <a:off x="8348864" y="4398744"/>
+                <a:ext cx="635000" cy="279400"/>
+              </a:xfrm>
+              <a:prstGeom prst="rect">
+                <a:avLst/>
+              </a:prstGeom>
+            </p:spPr>
+          </p:pic>
+          <p:pic>
+            <p:nvPicPr>
+              <p:cNvPr id="38" name="Picture 37">
+                <a:extLst>
+                  <a:ext uri="{FF2B5EF4-FFF2-40B4-BE49-F238E27FC236}">
+                    <a16:creationId xmlns:a16="http://schemas.microsoft.com/office/drawing/2014/main" id="{71475B98-62D9-AD45-83C0-A7FB551F4785}"/>
+                  </a:ext>
+                </a:extLst>
+              </p:cNvPr>
+              <p:cNvPicPr>
+                <a:picLocks noChangeAspect="1"/>
+              </p:cNvPicPr>
+              <p:nvPr/>
+            </p:nvPicPr>
+            <p:blipFill>
+              <a:blip r:embed="rId3"/>
+              <a:stretch>
+                <a:fillRect/>
+              </a:stretch>
+            </p:blipFill>
+            <p:spPr>
+              <a:xfrm>
+                <a:off x="8344583" y="4834883"/>
+                <a:ext cx="635000" cy="279400"/>
+              </a:xfrm>
+              <a:prstGeom prst="rect">
+                <a:avLst/>
+              </a:prstGeom>
+            </p:spPr>
+          </p:pic>
+        </p:grpSp>
+        <p:sp>
+          <p:nvSpPr>
+            <p:cNvPr id="39" name="Oval 38">
+              <a:extLst>
+                <a:ext uri="{FF2B5EF4-FFF2-40B4-BE49-F238E27FC236}">
+                  <a16:creationId xmlns:a16="http://schemas.microsoft.com/office/drawing/2014/main" id="{0005139C-72C4-9C42-8478-96667BBAF7E4}"/>
+                </a:ext>
+              </a:extLst>
+            </p:cNvPr>
+            <p:cNvSpPr/>
+            <p:nvPr/>
+          </p:nvSpPr>
+          <p:spPr>
+            <a:xfrm>
+              <a:off x="8344583" y="1469444"/>
+              <a:ext cx="553673" cy="553673"/>
+            </a:xfrm>
+            <a:prstGeom prst="ellipse">
+              <a:avLst/>
+            </a:prstGeom>
+          </p:spPr>
+          <p:style>
+            <a:lnRef idx="2">
+              <a:schemeClr val="accent1">
+                <a:shade val="50000"/>
+              </a:schemeClr>
+            </a:lnRef>
+            <a:fillRef idx="1">
+              <a:schemeClr val="accent1"/>
+            </a:fillRef>
+            <a:effectRef idx="0">
+              <a:schemeClr val="accent1"/>
+            </a:effectRef>
+            <a:fontRef idx="minor">
+              <a:schemeClr val="lt1"/>
+            </a:fontRef>
+          </p:style>
+          <p:txBody>
+            <a:bodyPr rtlCol="0" anchor="ctr"/>
+            <a:lstStyle/>
+            <a:p>
+              <a:pPr algn="ctr"/>
+              <a:endParaRPr lang="es-ES_tradnl"/>
+            </a:p>
+          </p:txBody>
+        </p:sp>
+        <p:cxnSp>
+          <p:nvCxnSpPr>
+            <p:cNvPr id="47" name="Straight Connector 46">
+              <a:extLst>
+                <a:ext uri="{FF2B5EF4-FFF2-40B4-BE49-F238E27FC236}">
+                  <a16:creationId xmlns:a16="http://schemas.microsoft.com/office/drawing/2014/main" id="{6A4533B4-0102-CB48-B903-414CEB60E1A5}"/>
+                </a:ext>
+              </a:extLst>
+            </p:cNvPr>
+            <p:cNvCxnSpPr>
+              <a:endCxn id="39" idx="6"/>
+            </p:cNvCxnSpPr>
+            <p:nvPr/>
+          </p:nvCxnSpPr>
+          <p:spPr>
+            <a:xfrm flipV="1">
+              <a:off x="8621812" y="1746281"/>
+              <a:ext cx="276444" cy="6467"/>
+            </a:xfrm>
+            <a:prstGeom prst="line">
+              <a:avLst/>
+            </a:prstGeom>
+            <a:ln w="12700"/>
+          </p:spPr>
+          <p:style>
+            <a:lnRef idx="1">
+              <a:schemeClr val="dk1"/>
+            </a:lnRef>
+            <a:fillRef idx="0">
+              <a:schemeClr val="dk1"/>
+            </a:fillRef>
+            <a:effectRef idx="0">
+              <a:schemeClr val="dk1"/>
+            </a:effectRef>
+            <a:fontRef idx="minor">
+              <a:schemeClr val="tx1"/>
+            </a:fontRef>
+          </p:style>
+        </p:cxnSp>
+        <p:pic>
+          <p:nvPicPr>
+            <p:cNvPr id="49" name="Picture 48">
+              <a:extLst>
+                <a:ext uri="{FF2B5EF4-FFF2-40B4-BE49-F238E27FC236}">
+                  <a16:creationId xmlns:a16="http://schemas.microsoft.com/office/drawing/2014/main" id="{599AF4EA-0CB0-8544-AD47-B4C7BD407D70}"/>
+                </a:ext>
+              </a:extLst>
+            </p:cNvPr>
+            <p:cNvPicPr>
+              <a:picLocks noChangeAspect="1"/>
+            </p:cNvPicPr>
+            <p:nvPr/>
+          </p:nvPicPr>
+          <p:blipFill>
+            <a:blip r:embed="rId4"/>
+            <a:stretch>
+              <a:fillRect/>
+            </a:stretch>
+          </p:blipFill>
+          <p:spPr>
+            <a:xfrm>
+              <a:off x="8928973" y="1613048"/>
+              <a:ext cx="190500" cy="279400"/>
+            </a:xfrm>
+            <a:prstGeom prst="rect">
+              <a:avLst/>
+            </a:prstGeom>
+          </p:spPr>
+        </p:pic>
+      </p:grpSp>
     </p:spTree>
     <p:extLst>
       <p:ext uri="{BB962C8B-B14F-4D97-AF65-F5344CB8AC3E}">
@@ -3407,6 +4547,1981 @@
   <p:clrMapOvr>
     <a:masterClrMapping/>
   </p:clrMapOvr>
+  <p:timing>
+    <p:tnLst>
+      <p:par>
+        <p:cTn id="1" dur="indefinite" restart="never" nodeType="tmRoot">
+          <p:childTnLst>
+            <p:seq concurrent="1" nextAc="seek">
+              <p:cTn id="2" dur="indefinite" nodeType="mainSeq">
+                <p:childTnLst>
+                  <p:par>
+                    <p:cTn id="3" fill="hold">
+                      <p:stCondLst>
+                        <p:cond delay="indefinite"/>
+                      </p:stCondLst>
+                      <p:childTnLst>
+                        <p:par>
+                          <p:cTn id="4" fill="hold">
+                            <p:stCondLst>
+                              <p:cond delay="0"/>
+                            </p:stCondLst>
+                            <p:childTnLst>
+                              <p:par>
+                                <p:cTn id="5" presetID="1" presetClass="entr" presetSubtype="0" fill="hold" nodeType="clickEffect">
+                                  <p:stCondLst>
+                                    <p:cond delay="0"/>
+                                  </p:stCondLst>
+                                  <p:childTnLst>
+                                    <p:set>
+                                      <p:cBhvr>
+                                        <p:cTn id="6" dur="1" fill="hold">
+                                          <p:stCondLst>
+                                            <p:cond delay="0"/>
+                                          </p:stCondLst>
+                                        </p:cTn>
+                                        <p:tgtEl>
+                                          <p:spTgt spid="50"/>
+                                        </p:tgtEl>
+                                        <p:attrNameLst>
+                                          <p:attrName>style.visibility</p:attrName>
+                                        </p:attrNameLst>
+                                      </p:cBhvr>
+                                      <p:to>
+                                        <p:strVal val="visible"/>
+                                      </p:to>
+                                    </p:set>
+                                  </p:childTnLst>
+                                </p:cTn>
+                              </p:par>
+                            </p:childTnLst>
+                          </p:cTn>
+                        </p:par>
+                      </p:childTnLst>
+                    </p:cTn>
+                  </p:par>
+                  <p:par>
+                    <p:cTn id="7" fill="hold">
+                      <p:stCondLst>
+                        <p:cond delay="indefinite"/>
+                      </p:stCondLst>
+                      <p:childTnLst>
+                        <p:par>
+                          <p:cTn id="8" fill="hold">
+                            <p:stCondLst>
+                              <p:cond delay="0"/>
+                            </p:stCondLst>
+                            <p:childTnLst>
+                              <p:par>
+                                <p:cTn id="9" presetID="9" presetClass="entr" presetSubtype="0" fill="hold" nodeType="clickEffect">
+                                  <p:stCondLst>
+                                    <p:cond delay="0"/>
+                                  </p:stCondLst>
+                                  <p:childTnLst>
+                                    <p:set>
+                                      <p:cBhvr>
+                                        <p:cTn id="10" dur="1" fill="hold">
+                                          <p:stCondLst>
+                                            <p:cond delay="0"/>
+                                          </p:stCondLst>
+                                        </p:cTn>
+                                        <p:tgtEl>
+                                          <p:spTgt spid="51"/>
+                                        </p:tgtEl>
+                                        <p:attrNameLst>
+                                          <p:attrName>style.visibility</p:attrName>
+                                        </p:attrNameLst>
+                                      </p:cBhvr>
+                                      <p:to>
+                                        <p:strVal val="visible"/>
+                                      </p:to>
+                                    </p:set>
+                                    <p:animEffect transition="in" filter="dissolve">
+                                      <p:cBhvr>
+                                        <p:cTn id="11" dur="500"/>
+                                        <p:tgtEl>
+                                          <p:spTgt spid="51"/>
+                                        </p:tgtEl>
+                                      </p:cBhvr>
+                                    </p:animEffect>
+                                  </p:childTnLst>
+                                </p:cTn>
+                              </p:par>
+                            </p:childTnLst>
+                          </p:cTn>
+                        </p:par>
+                      </p:childTnLst>
+                    </p:cTn>
+                  </p:par>
+                  <p:par>
+                    <p:cTn id="12" fill="hold">
+                      <p:stCondLst>
+                        <p:cond delay="indefinite"/>
+                      </p:stCondLst>
+                      <p:childTnLst>
+                        <p:par>
+                          <p:cTn id="13" fill="hold">
+                            <p:stCondLst>
+                              <p:cond delay="0"/>
+                            </p:stCondLst>
+                            <p:childTnLst>
+                              <p:par>
+                                <p:cTn id="14" presetID="1" presetClass="entr" presetSubtype="0" fill="hold" nodeType="clickEffect">
+                                  <p:stCondLst>
+                                    <p:cond delay="0"/>
+                                  </p:stCondLst>
+                                  <p:childTnLst>
+                                    <p:set>
+                                      <p:cBhvr>
+                                        <p:cTn id="15" dur="1" fill="hold">
+                                          <p:stCondLst>
+                                            <p:cond delay="0"/>
+                                          </p:stCondLst>
+                                        </p:cTn>
+                                        <p:tgtEl>
+                                          <p:spTgt spid="53"/>
+                                        </p:tgtEl>
+                                        <p:attrNameLst>
+                                          <p:attrName>style.visibility</p:attrName>
+                                        </p:attrNameLst>
+                                      </p:cBhvr>
+                                      <p:to>
+                                        <p:strVal val="visible"/>
+                                      </p:to>
+                                    </p:set>
+                                  </p:childTnLst>
+                                </p:cTn>
+                              </p:par>
+                            </p:childTnLst>
+                          </p:cTn>
+                        </p:par>
+                      </p:childTnLst>
+                    </p:cTn>
+                  </p:par>
+                </p:childTnLst>
+              </p:cTn>
+              <p:prevCondLst>
+                <p:cond evt="onPrev" delay="0">
+                  <p:tgtEl>
+                    <p:sldTgt/>
+                  </p:tgtEl>
+                </p:cond>
+              </p:prevCondLst>
+              <p:nextCondLst>
+                <p:cond evt="onNext" delay="0">
+                  <p:tgtEl>
+                    <p:sldTgt/>
+                  </p:tgtEl>
+                </p:cond>
+              </p:nextCondLst>
+            </p:seq>
+          </p:childTnLst>
+        </p:cTn>
+      </p:par>
+    </p:tnLst>
+  </p:timing>
+</p:sld>
+</file>
+
+<file path=ppt/slides/slide2.xml><?xml version="1.0" encoding="utf-8"?>
+<p:sld xmlns:a="http://schemas.openxmlformats.org/drawingml/2006/main" xmlns:r="http://schemas.openxmlformats.org/officeDocument/2006/relationships" xmlns:p="http://schemas.openxmlformats.org/presentationml/2006/main">
+  <p:cSld>
+    <p:spTree>
+      <p:nvGrpSpPr>
+        <p:cNvPr id="1" name=""/>
+        <p:cNvGrpSpPr/>
+        <p:nvPr/>
+      </p:nvGrpSpPr>
+      <p:grpSpPr>
+        <a:xfrm>
+          <a:off x="0" y="0"/>
+          <a:ext cx="0" cy="0"/>
+          <a:chOff x="0" y="0"/>
+          <a:chExt cx="0" cy="0"/>
+        </a:xfrm>
+      </p:grpSpPr>
+      <p:sp>
+        <p:nvSpPr>
+          <p:cNvPr id="2" name="Rectangle 1">
+            <a:extLst>
+              <a:ext uri="{FF2B5EF4-FFF2-40B4-BE49-F238E27FC236}">
+                <a16:creationId xmlns:a16="http://schemas.microsoft.com/office/drawing/2014/main" id="{AD674C58-E5D6-1D44-8715-47B40CE647D8}"/>
+              </a:ext>
+            </a:extLst>
+          </p:cNvPr>
+          <p:cNvSpPr/>
+          <p:nvPr/>
+        </p:nvSpPr>
+        <p:spPr>
+          <a:xfrm>
+            <a:off x="4451058" y="1360065"/>
+            <a:ext cx="3289883" cy="4137869"/>
+          </a:xfrm>
+          <a:prstGeom prst="rect">
+            <a:avLst/>
+          </a:prstGeom>
+          <a:solidFill>
+            <a:schemeClr val="bg1"/>
+          </a:solidFill>
+          <a:ln>
+            <a:solidFill>
+              <a:schemeClr val="tx1"/>
+            </a:solidFill>
+          </a:ln>
+        </p:spPr>
+        <p:style>
+          <a:lnRef idx="2">
+            <a:schemeClr val="accent1">
+              <a:shade val="50000"/>
+            </a:schemeClr>
+          </a:lnRef>
+          <a:fillRef idx="1">
+            <a:schemeClr val="accent1"/>
+          </a:fillRef>
+          <a:effectRef idx="0">
+            <a:schemeClr val="accent1"/>
+          </a:effectRef>
+          <a:fontRef idx="minor">
+            <a:schemeClr val="lt1"/>
+          </a:fontRef>
+        </p:style>
+        <p:txBody>
+          <a:bodyPr rtlCol="0" anchor="ctr"/>
+          <a:lstStyle/>
+          <a:p>
+            <a:pPr algn="ctr"/>
+            <a:endParaRPr lang="es-ES_tradnl"/>
+          </a:p>
+        </p:txBody>
+      </p:sp>
+      <p:sp>
+        <p:nvSpPr>
+          <p:cNvPr id="5" name="Rectangle 4">
+            <a:extLst>
+              <a:ext uri="{FF2B5EF4-FFF2-40B4-BE49-F238E27FC236}">
+                <a16:creationId xmlns:a16="http://schemas.microsoft.com/office/drawing/2014/main" id="{2DB4804A-9D1B-0448-8449-0390C103C290}"/>
+              </a:ext>
+            </a:extLst>
+          </p:cNvPr>
+          <p:cNvSpPr/>
+          <p:nvPr/>
+        </p:nvSpPr>
+        <p:spPr>
+          <a:xfrm>
+            <a:off x="4513625" y="1360065"/>
+            <a:ext cx="3164748" cy="4060270"/>
+          </a:xfrm>
+          <a:prstGeom prst="rect">
+            <a:avLst/>
+          </a:prstGeom>
+          <a:solidFill>
+            <a:schemeClr val="accent1">
+              <a:lumMod val="20000"/>
+              <a:lumOff val="80000"/>
+            </a:schemeClr>
+          </a:solidFill>
+          <a:ln>
+            <a:solidFill>
+              <a:schemeClr val="tx1"/>
+            </a:solidFill>
+          </a:ln>
+        </p:spPr>
+        <p:style>
+          <a:lnRef idx="2">
+            <a:schemeClr val="accent1">
+              <a:shade val="50000"/>
+            </a:schemeClr>
+          </a:lnRef>
+          <a:fillRef idx="1">
+            <a:schemeClr val="accent1"/>
+          </a:fillRef>
+          <a:effectRef idx="0">
+            <a:schemeClr val="accent1"/>
+          </a:effectRef>
+          <a:fontRef idx="minor">
+            <a:schemeClr val="lt1"/>
+          </a:fontRef>
+        </p:style>
+        <p:txBody>
+          <a:bodyPr rtlCol="0" anchor="ctr"/>
+          <a:lstStyle/>
+          <a:p>
+            <a:pPr algn="ctr"/>
+            <a:endParaRPr lang="es-ES_tradnl"/>
+          </a:p>
+        </p:txBody>
+      </p:sp>
+      <p:sp>
+        <p:nvSpPr>
+          <p:cNvPr id="6" name="Rectangle 5">
+            <a:extLst>
+              <a:ext uri="{FF2B5EF4-FFF2-40B4-BE49-F238E27FC236}">
+                <a16:creationId xmlns:a16="http://schemas.microsoft.com/office/drawing/2014/main" id="{5598D73A-75AC-0C40-81AD-DA0FEF95C380}"/>
+              </a:ext>
+            </a:extLst>
+          </p:cNvPr>
+          <p:cNvSpPr/>
+          <p:nvPr/>
+        </p:nvSpPr>
+        <p:spPr>
+          <a:xfrm>
+            <a:off x="4513625" y="1006678"/>
+            <a:ext cx="3164748" cy="687897"/>
+          </a:xfrm>
+          <a:prstGeom prst="rect">
+            <a:avLst/>
+          </a:prstGeom>
+          <a:solidFill>
+            <a:schemeClr val="bg1"/>
+          </a:solidFill>
+          <a:ln>
+            <a:solidFill>
+              <a:schemeClr val="tx1"/>
+            </a:solidFill>
+          </a:ln>
+        </p:spPr>
+        <p:style>
+          <a:lnRef idx="2">
+            <a:schemeClr val="accent1">
+              <a:shade val="50000"/>
+            </a:schemeClr>
+          </a:lnRef>
+          <a:fillRef idx="1">
+            <a:schemeClr val="accent1"/>
+          </a:fillRef>
+          <a:effectRef idx="0">
+            <a:schemeClr val="accent1"/>
+          </a:effectRef>
+          <a:fontRef idx="minor">
+            <a:schemeClr val="lt1"/>
+          </a:fontRef>
+        </p:style>
+        <p:txBody>
+          <a:bodyPr rtlCol="0" anchor="ctr"/>
+          <a:lstStyle/>
+          <a:p>
+            <a:pPr algn="ctr"/>
+            <a:endParaRPr lang="es-ES_tradnl"/>
+          </a:p>
+        </p:txBody>
+      </p:sp>
+      <p:sp>
+        <p:nvSpPr>
+          <p:cNvPr id="7" name="Rectangle 6">
+            <a:extLst>
+              <a:ext uri="{FF2B5EF4-FFF2-40B4-BE49-F238E27FC236}">
+                <a16:creationId xmlns:a16="http://schemas.microsoft.com/office/drawing/2014/main" id="{6F1FFE73-A8CE-0349-8D75-F3C42ADB707E}"/>
+              </a:ext>
+            </a:extLst>
+          </p:cNvPr>
+          <p:cNvSpPr/>
+          <p:nvPr/>
+        </p:nvSpPr>
+        <p:spPr>
+          <a:xfrm>
+            <a:off x="4355631" y="687897"/>
+            <a:ext cx="3513241" cy="662729"/>
+          </a:xfrm>
+          <a:prstGeom prst="rect">
+            <a:avLst/>
+          </a:prstGeom>
+          <a:solidFill>
+            <a:schemeClr val="bg1"/>
+          </a:solidFill>
+          <a:ln>
+            <a:noFill/>
+          </a:ln>
+        </p:spPr>
+        <p:style>
+          <a:lnRef idx="2">
+            <a:schemeClr val="accent1">
+              <a:shade val="50000"/>
+            </a:schemeClr>
+          </a:lnRef>
+          <a:fillRef idx="1">
+            <a:schemeClr val="accent1"/>
+          </a:fillRef>
+          <a:effectRef idx="0">
+            <a:schemeClr val="accent1"/>
+          </a:effectRef>
+          <a:fontRef idx="minor">
+            <a:schemeClr val="lt1"/>
+          </a:fontRef>
+        </p:style>
+        <p:txBody>
+          <a:bodyPr rtlCol="0" anchor="ctr"/>
+          <a:lstStyle/>
+          <a:p>
+            <a:pPr algn="ctr"/>
+            <a:endParaRPr lang="es-ES_tradnl"/>
+          </a:p>
+        </p:txBody>
+      </p:sp>
+      <p:grpSp>
+        <p:nvGrpSpPr>
+          <p:cNvPr id="50" name="Group 49">
+            <a:extLst>
+              <a:ext uri="{FF2B5EF4-FFF2-40B4-BE49-F238E27FC236}">
+                <a16:creationId xmlns:a16="http://schemas.microsoft.com/office/drawing/2014/main" id="{15ADAB69-2B54-1F43-ABF2-8B9CA2B6FD32}"/>
+              </a:ext>
+            </a:extLst>
+          </p:cNvPr>
+          <p:cNvGrpSpPr/>
+          <p:nvPr/>
+        </p:nvGrpSpPr>
+        <p:grpSpPr>
+          <a:xfrm>
+            <a:off x="3350756" y="3082195"/>
+            <a:ext cx="2612627" cy="279400"/>
+            <a:chOff x="3350756" y="3082195"/>
+            <a:chExt cx="2612627" cy="279400"/>
+          </a:xfrm>
+        </p:grpSpPr>
+        <p:pic>
+          <p:nvPicPr>
+            <p:cNvPr id="8" name="Picture 7">
+              <a:extLst>
+                <a:ext uri="{FF2B5EF4-FFF2-40B4-BE49-F238E27FC236}">
+                  <a16:creationId xmlns:a16="http://schemas.microsoft.com/office/drawing/2014/main" id="{86BF7FE9-0ABA-FF4E-96C5-A58F928C9D47}"/>
+                </a:ext>
+              </a:extLst>
+            </p:cNvPr>
+            <p:cNvPicPr>
+              <a:picLocks noChangeAspect="1"/>
+            </p:cNvPicPr>
+            <p:nvPr/>
+          </p:nvPicPr>
+          <p:blipFill>
+            <a:blip r:embed="rId2"/>
+            <a:stretch>
+              <a:fillRect/>
+            </a:stretch>
+          </p:blipFill>
+          <p:spPr>
+            <a:xfrm>
+              <a:off x="3350756" y="3082195"/>
+              <a:ext cx="520700" cy="279400"/>
+            </a:xfrm>
+            <a:prstGeom prst="rect">
+              <a:avLst/>
+            </a:prstGeom>
+          </p:spPr>
+        </p:pic>
+        <p:cxnSp>
+          <p:nvCxnSpPr>
+            <p:cNvPr id="20" name="Straight Arrow Connector 19">
+              <a:extLst>
+                <a:ext uri="{FF2B5EF4-FFF2-40B4-BE49-F238E27FC236}">
+                  <a16:creationId xmlns:a16="http://schemas.microsoft.com/office/drawing/2014/main" id="{1FBB840A-3731-3546-B0AC-8FA442AFC500}"/>
+                </a:ext>
+              </a:extLst>
+            </p:cNvPr>
+            <p:cNvCxnSpPr>
+              <a:cxnSpLocks/>
+            </p:cNvCxnSpPr>
+            <p:nvPr/>
+          </p:nvCxnSpPr>
+          <p:spPr>
+            <a:xfrm flipH="1">
+              <a:off x="4032288" y="3214029"/>
+              <a:ext cx="1931095" cy="0"/>
+            </a:xfrm>
+            <a:prstGeom prst="straightConnector1">
+              <a:avLst/>
+            </a:prstGeom>
+            <a:ln>
+              <a:solidFill>
+                <a:schemeClr val="tx1"/>
+              </a:solidFill>
+              <a:tailEnd type="triangle"/>
+            </a:ln>
+          </p:spPr>
+          <p:style>
+            <a:lnRef idx="1">
+              <a:schemeClr val="accent1"/>
+            </a:lnRef>
+            <a:fillRef idx="0">
+              <a:schemeClr val="accent1"/>
+            </a:fillRef>
+            <a:effectRef idx="0">
+              <a:schemeClr val="accent1"/>
+            </a:effectRef>
+            <a:fontRef idx="minor">
+              <a:schemeClr val="tx1"/>
+            </a:fontRef>
+          </p:style>
+        </p:cxnSp>
+      </p:grpSp>
+      <p:grpSp>
+        <p:nvGrpSpPr>
+          <p:cNvPr id="46" name="Group 45">
+            <a:extLst>
+              <a:ext uri="{FF2B5EF4-FFF2-40B4-BE49-F238E27FC236}">
+                <a16:creationId xmlns:a16="http://schemas.microsoft.com/office/drawing/2014/main" id="{6E70541E-BD00-F048-9223-4EFB3B2ED30B}"/>
+              </a:ext>
+            </a:extLst>
+          </p:cNvPr>
+          <p:cNvGrpSpPr/>
+          <p:nvPr/>
+        </p:nvGrpSpPr>
+        <p:grpSpPr>
+          <a:xfrm>
+            <a:off x="4769491" y="2171851"/>
+            <a:ext cx="2569086" cy="3079570"/>
+            <a:chOff x="4769491" y="2171851"/>
+            <a:chExt cx="2569086" cy="3079570"/>
+          </a:xfrm>
+        </p:grpSpPr>
+        <p:grpSp>
+          <p:nvGrpSpPr>
+            <p:cNvPr id="51" name="Group 50">
+              <a:extLst>
+                <a:ext uri="{FF2B5EF4-FFF2-40B4-BE49-F238E27FC236}">
+                  <a16:creationId xmlns:a16="http://schemas.microsoft.com/office/drawing/2014/main" id="{D34F926A-F826-6440-B6A6-BB007BE1D028}"/>
+                </a:ext>
+              </a:extLst>
+            </p:cNvPr>
+            <p:cNvGrpSpPr/>
+            <p:nvPr/>
+          </p:nvGrpSpPr>
+          <p:grpSpPr>
+            <a:xfrm>
+              <a:off x="4925211" y="2171851"/>
+              <a:ext cx="2413366" cy="3079570"/>
+              <a:chOff x="4925211" y="2171851"/>
+              <a:chExt cx="2413366" cy="3079570"/>
+            </a:xfrm>
+          </p:grpSpPr>
+          <p:sp>
+            <p:nvSpPr>
+              <p:cNvPr id="3" name="Oval 2">
+                <a:extLst>
+                  <a:ext uri="{FF2B5EF4-FFF2-40B4-BE49-F238E27FC236}">
+                    <a16:creationId xmlns:a16="http://schemas.microsoft.com/office/drawing/2014/main" id="{E1AE95C7-349F-3F48-8AEE-AAB7E13DEFD5}"/>
+                  </a:ext>
+                </a:extLst>
+              </p:cNvPr>
+              <p:cNvSpPr/>
+              <p:nvPr/>
+            </p:nvSpPr>
+            <p:spPr>
+              <a:xfrm>
+                <a:off x="4925211" y="4424185"/>
+                <a:ext cx="273562" cy="273562"/>
+              </a:xfrm>
+              <a:prstGeom prst="ellipse">
+                <a:avLst/>
+              </a:prstGeom>
+            </p:spPr>
+            <p:style>
+              <a:lnRef idx="2">
+                <a:schemeClr val="accent1">
+                  <a:shade val="50000"/>
+                </a:schemeClr>
+              </a:lnRef>
+              <a:fillRef idx="1">
+                <a:schemeClr val="accent1"/>
+              </a:fillRef>
+              <a:effectRef idx="0">
+                <a:schemeClr val="accent1"/>
+              </a:effectRef>
+              <a:fontRef idx="minor">
+                <a:schemeClr val="lt1"/>
+              </a:fontRef>
+            </p:style>
+            <p:txBody>
+              <a:bodyPr rtlCol="0" anchor="ctr"/>
+              <a:lstStyle/>
+              <a:p>
+                <a:pPr algn="ctr"/>
+                <a:endParaRPr lang="es-ES_tradnl"/>
+              </a:p>
+            </p:txBody>
+          </p:sp>
+          <p:sp>
+            <p:nvSpPr>
+              <p:cNvPr id="9" name="Oval 8">
+                <a:extLst>
+                  <a:ext uri="{FF2B5EF4-FFF2-40B4-BE49-F238E27FC236}">
+                    <a16:creationId xmlns:a16="http://schemas.microsoft.com/office/drawing/2014/main" id="{6961A2D9-341E-D24E-BEC9-31EEDE4FF893}"/>
+                  </a:ext>
+                </a:extLst>
+              </p:cNvPr>
+              <p:cNvSpPr/>
+              <p:nvPr/>
+            </p:nvSpPr>
+            <p:spPr>
+              <a:xfrm>
+                <a:off x="5168469" y="3461323"/>
+                <a:ext cx="801303" cy="801303"/>
+              </a:xfrm>
+              <a:prstGeom prst="ellipse">
+                <a:avLst/>
+              </a:prstGeom>
+            </p:spPr>
+            <p:style>
+              <a:lnRef idx="2">
+                <a:schemeClr val="accent1">
+                  <a:shade val="50000"/>
+                </a:schemeClr>
+              </a:lnRef>
+              <a:fillRef idx="1">
+                <a:schemeClr val="accent1"/>
+              </a:fillRef>
+              <a:effectRef idx="0">
+                <a:schemeClr val="accent1"/>
+              </a:effectRef>
+              <a:fontRef idx="minor">
+                <a:schemeClr val="lt1"/>
+              </a:fontRef>
+            </p:style>
+            <p:txBody>
+              <a:bodyPr rtlCol="0" anchor="ctr"/>
+              <a:lstStyle/>
+              <a:p>
+                <a:pPr algn="ctr"/>
+                <a:endParaRPr lang="es-ES_tradnl"/>
+              </a:p>
+            </p:txBody>
+          </p:sp>
+          <p:sp>
+            <p:nvSpPr>
+              <p:cNvPr id="10" name="Oval 9">
+                <a:extLst>
+                  <a:ext uri="{FF2B5EF4-FFF2-40B4-BE49-F238E27FC236}">
+                    <a16:creationId xmlns:a16="http://schemas.microsoft.com/office/drawing/2014/main" id="{C5DD4850-E90F-9740-875B-CBA10137C051}"/>
+                  </a:ext>
+                </a:extLst>
+              </p:cNvPr>
+              <p:cNvSpPr/>
+              <p:nvPr/>
+            </p:nvSpPr>
+            <p:spPr>
+              <a:xfrm>
+                <a:off x="6720851" y="4633695"/>
+                <a:ext cx="617726" cy="617726"/>
+              </a:xfrm>
+              <a:prstGeom prst="ellipse">
+                <a:avLst/>
+              </a:prstGeom>
+            </p:spPr>
+            <p:style>
+              <a:lnRef idx="2">
+                <a:schemeClr val="accent1">
+                  <a:shade val="50000"/>
+                </a:schemeClr>
+              </a:lnRef>
+              <a:fillRef idx="1">
+                <a:schemeClr val="accent1"/>
+              </a:fillRef>
+              <a:effectRef idx="0">
+                <a:schemeClr val="accent1"/>
+              </a:effectRef>
+              <a:fontRef idx="minor">
+                <a:schemeClr val="lt1"/>
+              </a:fontRef>
+            </p:style>
+            <p:txBody>
+              <a:bodyPr rtlCol="0" anchor="ctr"/>
+              <a:lstStyle/>
+              <a:p>
+                <a:pPr algn="ctr"/>
+                <a:endParaRPr lang="es-ES_tradnl"/>
+              </a:p>
+            </p:txBody>
+          </p:sp>
+          <p:sp>
+            <p:nvSpPr>
+              <p:cNvPr id="14" name="Oval 13">
+                <a:extLst>
+                  <a:ext uri="{FF2B5EF4-FFF2-40B4-BE49-F238E27FC236}">
+                    <a16:creationId xmlns:a16="http://schemas.microsoft.com/office/drawing/2014/main" id="{71213130-0060-524B-8057-F50E50669B4D}"/>
+                  </a:ext>
+                </a:extLst>
+              </p:cNvPr>
+              <p:cNvSpPr/>
+              <p:nvPr/>
+            </p:nvSpPr>
+            <p:spPr>
+              <a:xfrm>
+                <a:off x="6394045" y="2171851"/>
+                <a:ext cx="387684" cy="387684"/>
+              </a:xfrm>
+              <a:prstGeom prst="ellipse">
+                <a:avLst/>
+              </a:prstGeom>
+            </p:spPr>
+            <p:style>
+              <a:lnRef idx="2">
+                <a:schemeClr val="accent1">
+                  <a:shade val="50000"/>
+                </a:schemeClr>
+              </a:lnRef>
+              <a:fillRef idx="1">
+                <a:schemeClr val="accent1"/>
+              </a:fillRef>
+              <a:effectRef idx="0">
+                <a:schemeClr val="accent1"/>
+              </a:effectRef>
+              <a:fontRef idx="minor">
+                <a:schemeClr val="lt1"/>
+              </a:fontRef>
+            </p:style>
+            <p:txBody>
+              <a:bodyPr rtlCol="0" anchor="ctr"/>
+              <a:lstStyle/>
+              <a:p>
+                <a:pPr algn="ctr"/>
+                <a:endParaRPr lang="es-ES_tradnl"/>
+              </a:p>
+            </p:txBody>
+          </p:sp>
+          <p:sp>
+            <p:nvSpPr>
+              <p:cNvPr id="15" name="Oval 14">
+                <a:extLst>
+                  <a:ext uri="{FF2B5EF4-FFF2-40B4-BE49-F238E27FC236}">
+                    <a16:creationId xmlns:a16="http://schemas.microsoft.com/office/drawing/2014/main" id="{77210EF9-B1D0-2F49-BCE0-0D2CE7812ED6}"/>
+                  </a:ext>
+                </a:extLst>
+              </p:cNvPr>
+              <p:cNvSpPr/>
+              <p:nvPr/>
+            </p:nvSpPr>
+            <p:spPr>
+              <a:xfrm>
+                <a:off x="6857808" y="3225067"/>
+                <a:ext cx="480768" cy="480768"/>
+              </a:xfrm>
+              <a:prstGeom prst="ellipse">
+                <a:avLst/>
+              </a:prstGeom>
+            </p:spPr>
+            <p:style>
+              <a:lnRef idx="2">
+                <a:schemeClr val="accent1">
+                  <a:shade val="50000"/>
+                </a:schemeClr>
+              </a:lnRef>
+              <a:fillRef idx="1">
+                <a:schemeClr val="accent1"/>
+              </a:fillRef>
+              <a:effectRef idx="0">
+                <a:schemeClr val="accent1"/>
+              </a:effectRef>
+              <a:fontRef idx="minor">
+                <a:schemeClr val="lt1"/>
+              </a:fontRef>
+            </p:style>
+            <p:txBody>
+              <a:bodyPr rtlCol="0" anchor="ctr"/>
+              <a:lstStyle/>
+              <a:p>
+                <a:pPr algn="ctr"/>
+                <a:endParaRPr lang="es-ES_tradnl"/>
+              </a:p>
+            </p:txBody>
+          </p:sp>
+        </p:grpSp>
+        <p:sp>
+          <p:nvSpPr>
+            <p:cNvPr id="34" name="Oval 33">
+              <a:extLst>
+                <a:ext uri="{FF2B5EF4-FFF2-40B4-BE49-F238E27FC236}">
+                  <a16:creationId xmlns:a16="http://schemas.microsoft.com/office/drawing/2014/main" id="{4726E9DE-F59D-2D48-971E-2199F3888325}"/>
+                </a:ext>
+              </a:extLst>
+            </p:cNvPr>
+            <p:cNvSpPr/>
+            <p:nvPr/>
+          </p:nvSpPr>
+          <p:spPr>
+            <a:xfrm>
+              <a:off x="4769491" y="2452862"/>
+              <a:ext cx="553673" cy="553673"/>
+            </a:xfrm>
+            <a:prstGeom prst="ellipse">
+              <a:avLst/>
+            </a:prstGeom>
+          </p:spPr>
+          <p:style>
+            <a:lnRef idx="2">
+              <a:schemeClr val="accent1">
+                <a:shade val="50000"/>
+              </a:schemeClr>
+            </a:lnRef>
+            <a:fillRef idx="1">
+              <a:schemeClr val="accent1"/>
+            </a:fillRef>
+            <a:effectRef idx="0">
+              <a:schemeClr val="accent1"/>
+            </a:effectRef>
+            <a:fontRef idx="minor">
+              <a:schemeClr val="lt1"/>
+            </a:fontRef>
+          </p:style>
+          <p:txBody>
+            <a:bodyPr rtlCol="0" anchor="ctr"/>
+            <a:lstStyle/>
+            <a:p>
+              <a:pPr algn="ctr"/>
+              <a:endParaRPr lang="es-ES_tradnl"/>
+            </a:p>
+          </p:txBody>
+        </p:sp>
+      </p:grpSp>
+      <p:grpSp>
+        <p:nvGrpSpPr>
+          <p:cNvPr id="30" name="Group 29">
+            <a:extLst>
+              <a:ext uri="{FF2B5EF4-FFF2-40B4-BE49-F238E27FC236}">
+                <a16:creationId xmlns:a16="http://schemas.microsoft.com/office/drawing/2014/main" id="{73365880-86B2-754E-9602-C9778B461C77}"/>
+              </a:ext>
+            </a:extLst>
+          </p:cNvPr>
+          <p:cNvGrpSpPr/>
+          <p:nvPr/>
+        </p:nvGrpSpPr>
+        <p:grpSpPr>
+          <a:xfrm>
+            <a:off x="5264705" y="2230305"/>
+            <a:ext cx="4039781" cy="2909291"/>
+            <a:chOff x="5264705" y="2230305"/>
+            <a:chExt cx="4039781" cy="2909291"/>
+          </a:xfrm>
+        </p:grpSpPr>
+        <p:cxnSp>
+          <p:nvCxnSpPr>
+            <p:cNvPr id="19" name="Straight Arrow Connector 18">
+              <a:extLst>
+                <a:ext uri="{FF2B5EF4-FFF2-40B4-BE49-F238E27FC236}">
+                  <a16:creationId xmlns:a16="http://schemas.microsoft.com/office/drawing/2014/main" id="{22918C56-1E6C-3E4E-805A-93386B0B0B77}"/>
+                </a:ext>
+              </a:extLst>
+            </p:cNvPr>
+            <p:cNvCxnSpPr>
+              <a:cxnSpLocks/>
+            </p:cNvCxnSpPr>
+            <p:nvPr/>
+          </p:nvCxnSpPr>
+          <p:spPr>
+            <a:xfrm>
+              <a:off x="6844297" y="2383519"/>
+              <a:ext cx="1460803" cy="0"/>
+            </a:xfrm>
+            <a:prstGeom prst="straightConnector1">
+              <a:avLst/>
+            </a:prstGeom>
+            <a:ln>
+              <a:solidFill>
+                <a:schemeClr val="tx1"/>
+              </a:solidFill>
+              <a:tailEnd type="triangle"/>
+            </a:ln>
+          </p:spPr>
+          <p:style>
+            <a:lnRef idx="1">
+              <a:schemeClr val="accent1"/>
+            </a:lnRef>
+            <a:fillRef idx="0">
+              <a:schemeClr val="accent1"/>
+            </a:fillRef>
+            <a:effectRef idx="0">
+              <a:schemeClr val="accent1"/>
+            </a:effectRef>
+            <a:fontRef idx="minor">
+              <a:schemeClr val="tx1"/>
+            </a:fontRef>
+          </p:style>
+        </p:cxnSp>
+        <p:cxnSp>
+          <p:nvCxnSpPr>
+            <p:cNvPr id="24" name="Straight Arrow Connector 23">
+              <a:extLst>
+                <a:ext uri="{FF2B5EF4-FFF2-40B4-BE49-F238E27FC236}">
+                  <a16:creationId xmlns:a16="http://schemas.microsoft.com/office/drawing/2014/main" id="{E04D859A-8B0B-414A-AA40-CEF32942CA03}"/>
+                </a:ext>
+              </a:extLst>
+            </p:cNvPr>
+            <p:cNvCxnSpPr>
+              <a:cxnSpLocks/>
+            </p:cNvCxnSpPr>
+            <p:nvPr/>
+          </p:nvCxnSpPr>
+          <p:spPr>
+            <a:xfrm>
+              <a:off x="5385732" y="2720477"/>
+              <a:ext cx="2919368" cy="0"/>
+            </a:xfrm>
+            <a:prstGeom prst="straightConnector1">
+              <a:avLst/>
+            </a:prstGeom>
+            <a:ln>
+              <a:solidFill>
+                <a:schemeClr val="tx1"/>
+              </a:solidFill>
+              <a:tailEnd type="triangle"/>
+            </a:ln>
+          </p:spPr>
+          <p:style>
+            <a:lnRef idx="1">
+              <a:schemeClr val="accent1"/>
+            </a:lnRef>
+            <a:fillRef idx="0">
+              <a:schemeClr val="accent1"/>
+            </a:fillRef>
+            <a:effectRef idx="0">
+              <a:schemeClr val="accent1"/>
+            </a:effectRef>
+            <a:fontRef idx="minor">
+              <a:schemeClr val="tx1"/>
+            </a:fontRef>
+          </p:style>
+        </p:cxnSp>
+        <p:cxnSp>
+          <p:nvCxnSpPr>
+            <p:cNvPr id="26" name="Straight Arrow Connector 25">
+              <a:extLst>
+                <a:ext uri="{FF2B5EF4-FFF2-40B4-BE49-F238E27FC236}">
+                  <a16:creationId xmlns:a16="http://schemas.microsoft.com/office/drawing/2014/main" id="{78880FC2-88EE-904A-AD94-BD64E438DF4B}"/>
+                </a:ext>
+              </a:extLst>
+            </p:cNvPr>
+            <p:cNvCxnSpPr>
+              <a:cxnSpLocks/>
+            </p:cNvCxnSpPr>
+            <p:nvPr/>
+          </p:nvCxnSpPr>
+          <p:spPr>
+            <a:xfrm>
+              <a:off x="6035705" y="3887945"/>
+              <a:ext cx="2269395" cy="0"/>
+            </a:xfrm>
+            <a:prstGeom prst="straightConnector1">
+              <a:avLst/>
+            </a:prstGeom>
+            <a:ln>
+              <a:solidFill>
+                <a:schemeClr val="tx1"/>
+              </a:solidFill>
+              <a:tailEnd type="triangle"/>
+            </a:ln>
+          </p:spPr>
+          <p:style>
+            <a:lnRef idx="1">
+              <a:schemeClr val="accent1"/>
+            </a:lnRef>
+            <a:fillRef idx="0">
+              <a:schemeClr val="accent1"/>
+            </a:fillRef>
+            <a:effectRef idx="0">
+              <a:schemeClr val="accent1"/>
+            </a:effectRef>
+            <a:fontRef idx="minor">
+              <a:schemeClr val="tx1"/>
+            </a:fontRef>
+          </p:style>
+        </p:cxnSp>
+        <p:cxnSp>
+          <p:nvCxnSpPr>
+            <p:cNvPr id="29" name="Straight Arrow Connector 28">
+              <a:extLst>
+                <a:ext uri="{FF2B5EF4-FFF2-40B4-BE49-F238E27FC236}">
+                  <a16:creationId xmlns:a16="http://schemas.microsoft.com/office/drawing/2014/main" id="{B8AD4A7D-8081-9B49-B304-1F2FFB29A681}"/>
+                </a:ext>
+              </a:extLst>
+            </p:cNvPr>
+            <p:cNvCxnSpPr>
+              <a:cxnSpLocks/>
+            </p:cNvCxnSpPr>
+            <p:nvPr/>
+          </p:nvCxnSpPr>
+          <p:spPr>
+            <a:xfrm>
+              <a:off x="5264705" y="4559064"/>
+              <a:ext cx="3040395" cy="0"/>
+            </a:xfrm>
+            <a:prstGeom prst="straightConnector1">
+              <a:avLst/>
+            </a:prstGeom>
+            <a:ln>
+              <a:solidFill>
+                <a:schemeClr val="tx1"/>
+              </a:solidFill>
+              <a:tailEnd type="triangle"/>
+            </a:ln>
+          </p:spPr>
+          <p:style>
+            <a:lnRef idx="1">
+              <a:schemeClr val="accent1"/>
+            </a:lnRef>
+            <a:fillRef idx="0">
+              <a:schemeClr val="accent1"/>
+            </a:fillRef>
+            <a:effectRef idx="0">
+              <a:schemeClr val="accent1"/>
+            </a:effectRef>
+            <a:fontRef idx="minor">
+              <a:schemeClr val="tx1"/>
+            </a:fontRef>
+          </p:style>
+        </p:cxnSp>
+        <p:cxnSp>
+          <p:nvCxnSpPr>
+            <p:cNvPr id="31" name="Straight Arrow Connector 30">
+              <a:extLst>
+                <a:ext uri="{FF2B5EF4-FFF2-40B4-BE49-F238E27FC236}">
+                  <a16:creationId xmlns:a16="http://schemas.microsoft.com/office/drawing/2014/main" id="{C73DA19B-892A-FB4E-9E96-109757051CBC}"/>
+                </a:ext>
+              </a:extLst>
+            </p:cNvPr>
+            <p:cNvCxnSpPr>
+              <a:cxnSpLocks/>
+            </p:cNvCxnSpPr>
+            <p:nvPr/>
+          </p:nvCxnSpPr>
+          <p:spPr>
+            <a:xfrm>
+              <a:off x="7404509" y="3428998"/>
+              <a:ext cx="900591" cy="0"/>
+            </a:xfrm>
+            <a:prstGeom prst="straightConnector1">
+              <a:avLst/>
+            </a:prstGeom>
+            <a:ln>
+              <a:solidFill>
+                <a:schemeClr val="tx1"/>
+              </a:solidFill>
+              <a:tailEnd type="triangle"/>
+            </a:ln>
+          </p:spPr>
+          <p:style>
+            <a:lnRef idx="1">
+              <a:schemeClr val="accent1"/>
+            </a:lnRef>
+            <a:fillRef idx="0">
+              <a:schemeClr val="accent1"/>
+            </a:fillRef>
+            <a:effectRef idx="0">
+              <a:schemeClr val="accent1"/>
+            </a:effectRef>
+            <a:fontRef idx="minor">
+              <a:schemeClr val="tx1"/>
+            </a:fontRef>
+          </p:style>
+        </p:cxnSp>
+        <p:cxnSp>
+          <p:nvCxnSpPr>
+            <p:cNvPr id="33" name="Straight Arrow Connector 32">
+              <a:extLst>
+                <a:ext uri="{FF2B5EF4-FFF2-40B4-BE49-F238E27FC236}">
+                  <a16:creationId xmlns:a16="http://schemas.microsoft.com/office/drawing/2014/main" id="{904C3783-8FBC-6245-AF46-748157299395}"/>
+                </a:ext>
+              </a:extLst>
+            </p:cNvPr>
+            <p:cNvCxnSpPr>
+              <a:cxnSpLocks/>
+            </p:cNvCxnSpPr>
+            <p:nvPr/>
+          </p:nvCxnSpPr>
+          <p:spPr>
+            <a:xfrm>
+              <a:off x="7404508" y="4974583"/>
+              <a:ext cx="900592" cy="0"/>
+            </a:xfrm>
+            <a:prstGeom prst="straightConnector1">
+              <a:avLst/>
+            </a:prstGeom>
+            <a:ln>
+              <a:solidFill>
+                <a:schemeClr val="tx1"/>
+              </a:solidFill>
+              <a:tailEnd type="triangle"/>
+            </a:ln>
+          </p:spPr>
+          <p:style>
+            <a:lnRef idx="1">
+              <a:schemeClr val="accent1"/>
+            </a:lnRef>
+            <a:fillRef idx="0">
+              <a:schemeClr val="accent1"/>
+            </a:fillRef>
+            <a:effectRef idx="0">
+              <a:schemeClr val="accent1"/>
+            </a:effectRef>
+            <a:fontRef idx="minor">
+              <a:schemeClr val="tx1"/>
+            </a:fontRef>
+          </p:style>
+        </p:cxnSp>
+        <p:pic>
+          <p:nvPicPr>
+            <p:cNvPr id="16" name="Picture 15">
+              <a:extLst>
+                <a:ext uri="{FF2B5EF4-FFF2-40B4-BE49-F238E27FC236}">
+                  <a16:creationId xmlns:a16="http://schemas.microsoft.com/office/drawing/2014/main" id="{2D8E5285-7EE4-E744-A74B-456DD022CF7F}"/>
+                </a:ext>
+              </a:extLst>
+            </p:cNvPr>
+            <p:cNvPicPr>
+              <a:picLocks noChangeAspect="1"/>
+            </p:cNvPicPr>
+            <p:nvPr/>
+          </p:nvPicPr>
+          <p:blipFill>
+            <a:blip r:embed="rId3"/>
+            <a:stretch>
+              <a:fillRect/>
+            </a:stretch>
+          </p:blipFill>
+          <p:spPr>
+            <a:xfrm>
+              <a:off x="8305100" y="2230305"/>
+              <a:ext cx="965200" cy="279400"/>
+            </a:xfrm>
+            <a:prstGeom prst="rect">
+              <a:avLst/>
+            </a:prstGeom>
+          </p:spPr>
+        </p:pic>
+        <p:pic>
+          <p:nvPicPr>
+            <p:cNvPr id="40" name="Picture 39">
+              <a:extLst>
+                <a:ext uri="{FF2B5EF4-FFF2-40B4-BE49-F238E27FC236}">
+                  <a16:creationId xmlns:a16="http://schemas.microsoft.com/office/drawing/2014/main" id="{A7BC3F27-9678-EF4B-97E1-60244304A3CB}"/>
+                </a:ext>
+              </a:extLst>
+            </p:cNvPr>
+            <p:cNvPicPr>
+              <a:picLocks noChangeAspect="1"/>
+            </p:cNvPicPr>
+            <p:nvPr/>
+          </p:nvPicPr>
+          <p:blipFill>
+            <a:blip r:embed="rId3"/>
+            <a:stretch>
+              <a:fillRect/>
+            </a:stretch>
+          </p:blipFill>
+          <p:spPr>
+            <a:xfrm>
+              <a:off x="8320543" y="2577193"/>
+              <a:ext cx="965200" cy="279400"/>
+            </a:xfrm>
+            <a:prstGeom prst="rect">
+              <a:avLst/>
+            </a:prstGeom>
+          </p:spPr>
+        </p:pic>
+        <p:pic>
+          <p:nvPicPr>
+            <p:cNvPr id="41" name="Picture 40">
+              <a:extLst>
+                <a:ext uri="{FF2B5EF4-FFF2-40B4-BE49-F238E27FC236}">
+                  <a16:creationId xmlns:a16="http://schemas.microsoft.com/office/drawing/2014/main" id="{B3D81402-C746-7A4C-B900-48AC710A32E2}"/>
+                </a:ext>
+              </a:extLst>
+            </p:cNvPr>
+            <p:cNvPicPr>
+              <a:picLocks noChangeAspect="1"/>
+            </p:cNvPicPr>
+            <p:nvPr/>
+          </p:nvPicPr>
+          <p:blipFill>
+            <a:blip r:embed="rId3"/>
+            <a:stretch>
+              <a:fillRect/>
+            </a:stretch>
+          </p:blipFill>
+          <p:spPr>
+            <a:xfrm>
+              <a:off x="8339286" y="3289298"/>
+              <a:ext cx="965200" cy="279400"/>
+            </a:xfrm>
+            <a:prstGeom prst="rect">
+              <a:avLst/>
+            </a:prstGeom>
+          </p:spPr>
+        </p:pic>
+        <p:pic>
+          <p:nvPicPr>
+            <p:cNvPr id="42" name="Picture 41">
+              <a:extLst>
+                <a:ext uri="{FF2B5EF4-FFF2-40B4-BE49-F238E27FC236}">
+                  <a16:creationId xmlns:a16="http://schemas.microsoft.com/office/drawing/2014/main" id="{9E1424E0-564A-0449-AE33-9675BF60EB4F}"/>
+                </a:ext>
+              </a:extLst>
+            </p:cNvPr>
+            <p:cNvPicPr>
+              <a:picLocks noChangeAspect="1"/>
+            </p:cNvPicPr>
+            <p:nvPr/>
+          </p:nvPicPr>
+          <p:blipFill>
+            <a:blip r:embed="rId3"/>
+            <a:stretch>
+              <a:fillRect/>
+            </a:stretch>
+          </p:blipFill>
+          <p:spPr>
+            <a:xfrm>
+              <a:off x="8339286" y="3731147"/>
+              <a:ext cx="965200" cy="279400"/>
+            </a:xfrm>
+            <a:prstGeom prst="rect">
+              <a:avLst/>
+            </a:prstGeom>
+          </p:spPr>
+        </p:pic>
+        <p:pic>
+          <p:nvPicPr>
+            <p:cNvPr id="43" name="Picture 42">
+              <a:extLst>
+                <a:ext uri="{FF2B5EF4-FFF2-40B4-BE49-F238E27FC236}">
+                  <a16:creationId xmlns:a16="http://schemas.microsoft.com/office/drawing/2014/main" id="{0E433B59-BF1C-214C-A4D2-431016C03042}"/>
+                </a:ext>
+              </a:extLst>
+            </p:cNvPr>
+            <p:cNvPicPr>
+              <a:picLocks noChangeAspect="1"/>
+            </p:cNvPicPr>
+            <p:nvPr/>
+          </p:nvPicPr>
+          <p:blipFill>
+            <a:blip r:embed="rId3"/>
+            <a:stretch>
+              <a:fillRect/>
+            </a:stretch>
+          </p:blipFill>
+          <p:spPr>
+            <a:xfrm>
+              <a:off x="8320543" y="4418347"/>
+              <a:ext cx="965200" cy="279400"/>
+            </a:xfrm>
+            <a:prstGeom prst="rect">
+              <a:avLst/>
+            </a:prstGeom>
+          </p:spPr>
+        </p:pic>
+        <p:pic>
+          <p:nvPicPr>
+            <p:cNvPr id="44" name="Picture 43">
+              <a:extLst>
+                <a:ext uri="{FF2B5EF4-FFF2-40B4-BE49-F238E27FC236}">
+                  <a16:creationId xmlns:a16="http://schemas.microsoft.com/office/drawing/2014/main" id="{AFA0A763-222D-1D4C-85A8-DA0BE1C94718}"/>
+                </a:ext>
+              </a:extLst>
+            </p:cNvPr>
+            <p:cNvPicPr>
+              <a:picLocks noChangeAspect="1"/>
+            </p:cNvPicPr>
+            <p:nvPr/>
+          </p:nvPicPr>
+          <p:blipFill>
+            <a:blip r:embed="rId3"/>
+            <a:stretch>
+              <a:fillRect/>
+            </a:stretch>
+          </p:blipFill>
+          <p:spPr>
+            <a:xfrm>
+              <a:off x="8320543" y="4860196"/>
+              <a:ext cx="965200" cy="279400"/>
+            </a:xfrm>
+            <a:prstGeom prst="rect">
+              <a:avLst/>
+            </a:prstGeom>
+          </p:spPr>
+        </p:pic>
+      </p:grpSp>
+      <p:grpSp>
+        <p:nvGrpSpPr>
+          <p:cNvPr id="45" name="Group 44">
+            <a:extLst>
+              <a:ext uri="{FF2B5EF4-FFF2-40B4-BE49-F238E27FC236}">
+                <a16:creationId xmlns:a16="http://schemas.microsoft.com/office/drawing/2014/main" id="{646D7F05-3D40-7B41-82DF-4497C63A58C3}"/>
+              </a:ext>
+            </a:extLst>
+          </p:cNvPr>
+          <p:cNvGrpSpPr/>
+          <p:nvPr/>
+        </p:nvGrpSpPr>
+        <p:grpSpPr>
+          <a:xfrm>
+            <a:off x="7803508" y="998673"/>
+            <a:ext cx="2066360" cy="1143461"/>
+            <a:chOff x="8546402" y="968798"/>
+            <a:chExt cx="2066360" cy="1143461"/>
+          </a:xfrm>
+        </p:grpSpPr>
+        <p:cxnSp>
+          <p:nvCxnSpPr>
+            <p:cNvPr id="47" name="Straight Connector 46">
+              <a:extLst>
+                <a:ext uri="{FF2B5EF4-FFF2-40B4-BE49-F238E27FC236}">
+                  <a16:creationId xmlns:a16="http://schemas.microsoft.com/office/drawing/2014/main" id="{6A4533B4-0102-CB48-B903-414CEB60E1A5}"/>
+                </a:ext>
+              </a:extLst>
+            </p:cNvPr>
+            <p:cNvCxnSpPr>
+              <a:endCxn id="39" idx="6"/>
+            </p:cNvCxnSpPr>
+            <p:nvPr/>
+          </p:nvCxnSpPr>
+          <p:spPr>
+            <a:xfrm flipV="1">
+              <a:off x="8823631" y="1695315"/>
+              <a:ext cx="276444" cy="6467"/>
+            </a:xfrm>
+            <a:prstGeom prst="line">
+              <a:avLst/>
+            </a:prstGeom>
+            <a:ln w="12700"/>
+          </p:spPr>
+          <p:style>
+            <a:lnRef idx="1">
+              <a:schemeClr val="dk1"/>
+            </a:lnRef>
+            <a:fillRef idx="0">
+              <a:schemeClr val="dk1"/>
+            </a:fillRef>
+            <a:effectRef idx="0">
+              <a:schemeClr val="dk1"/>
+            </a:effectRef>
+            <a:fontRef idx="minor">
+              <a:schemeClr val="tx1"/>
+            </a:fontRef>
+          </p:style>
+        </p:cxnSp>
+        <p:pic>
+          <p:nvPicPr>
+            <p:cNvPr id="48" name="Picture 47">
+              <a:extLst>
+                <a:ext uri="{FF2B5EF4-FFF2-40B4-BE49-F238E27FC236}">
+                  <a16:creationId xmlns:a16="http://schemas.microsoft.com/office/drawing/2014/main" id="{3948BB92-BBE2-8448-AA4F-A29B4AB3E9F4}"/>
+                </a:ext>
+              </a:extLst>
+            </p:cNvPr>
+            <p:cNvPicPr>
+              <a:picLocks noChangeAspect="1"/>
+            </p:cNvPicPr>
+            <p:nvPr/>
+          </p:nvPicPr>
+          <p:blipFill>
+            <a:blip r:embed="rId4"/>
+            <a:stretch>
+              <a:fillRect/>
+            </a:stretch>
+          </p:blipFill>
+          <p:spPr>
+            <a:xfrm>
+              <a:off x="10033922" y="1832859"/>
+              <a:ext cx="228600" cy="279400"/>
+            </a:xfrm>
+            <a:prstGeom prst="rect">
+              <a:avLst/>
+            </a:prstGeom>
+          </p:spPr>
+        </p:pic>
+        <p:sp>
+          <p:nvSpPr>
+            <p:cNvPr id="55" name="Rectangle 54">
+              <a:extLst>
+                <a:ext uri="{FF2B5EF4-FFF2-40B4-BE49-F238E27FC236}">
+                  <a16:creationId xmlns:a16="http://schemas.microsoft.com/office/drawing/2014/main" id="{EE1703C6-C061-8748-B37F-01096DBD4A67}"/>
+                </a:ext>
+              </a:extLst>
+            </p:cNvPr>
+            <p:cNvSpPr/>
+            <p:nvPr/>
+          </p:nvSpPr>
+          <p:spPr>
+            <a:xfrm>
+              <a:off x="9983588" y="968798"/>
+              <a:ext cx="100668" cy="782534"/>
+            </a:xfrm>
+            <a:prstGeom prst="rect">
+              <a:avLst/>
+            </a:prstGeom>
+          </p:spPr>
+          <p:style>
+            <a:lnRef idx="2">
+              <a:schemeClr val="accent1">
+                <a:shade val="50000"/>
+              </a:schemeClr>
+            </a:lnRef>
+            <a:fillRef idx="1">
+              <a:schemeClr val="accent1"/>
+            </a:fillRef>
+            <a:effectRef idx="0">
+              <a:schemeClr val="accent1"/>
+            </a:effectRef>
+            <a:fontRef idx="minor">
+              <a:schemeClr val="lt1"/>
+            </a:fontRef>
+          </p:style>
+          <p:txBody>
+            <a:bodyPr rtlCol="0" anchor="ctr"/>
+            <a:lstStyle/>
+            <a:p>
+              <a:pPr algn="ctr"/>
+              <a:endParaRPr lang="es-ES_tradnl"/>
+            </a:p>
+          </p:txBody>
+        </p:sp>
+        <p:grpSp>
+          <p:nvGrpSpPr>
+            <p:cNvPr id="32" name="Group 31">
+              <a:extLst>
+                <a:ext uri="{FF2B5EF4-FFF2-40B4-BE49-F238E27FC236}">
+                  <a16:creationId xmlns:a16="http://schemas.microsoft.com/office/drawing/2014/main" id="{835DC045-0684-294A-AD34-8C91E86A2902}"/>
+                </a:ext>
+              </a:extLst>
+            </p:cNvPr>
+            <p:cNvGrpSpPr/>
+            <p:nvPr/>
+          </p:nvGrpSpPr>
+          <p:grpSpPr>
+            <a:xfrm>
+              <a:off x="8546402" y="1088602"/>
+              <a:ext cx="2066360" cy="883549"/>
+              <a:chOff x="8546402" y="1088602"/>
+              <a:chExt cx="2066360" cy="883549"/>
+            </a:xfrm>
+          </p:grpSpPr>
+          <p:sp>
+            <p:nvSpPr>
+              <p:cNvPr id="39" name="Oval 38">
+                <a:extLst>
+                  <a:ext uri="{FF2B5EF4-FFF2-40B4-BE49-F238E27FC236}">
+                    <a16:creationId xmlns:a16="http://schemas.microsoft.com/office/drawing/2014/main" id="{0005139C-72C4-9C42-8478-96667BBAF7E4}"/>
+                  </a:ext>
+                </a:extLst>
+              </p:cNvPr>
+              <p:cNvSpPr/>
+              <p:nvPr/>
+            </p:nvSpPr>
+            <p:spPr>
+              <a:xfrm>
+                <a:off x="8546402" y="1418478"/>
+                <a:ext cx="553673" cy="553673"/>
+              </a:xfrm>
+              <a:prstGeom prst="ellipse">
+                <a:avLst/>
+              </a:prstGeom>
+            </p:spPr>
+            <p:style>
+              <a:lnRef idx="2">
+                <a:schemeClr val="accent1">
+                  <a:shade val="50000"/>
+                </a:schemeClr>
+              </a:lnRef>
+              <a:fillRef idx="1">
+                <a:schemeClr val="accent1"/>
+              </a:fillRef>
+              <a:effectRef idx="0">
+                <a:schemeClr val="accent1"/>
+              </a:effectRef>
+              <a:fontRef idx="minor">
+                <a:schemeClr val="lt1"/>
+              </a:fontRef>
+            </p:style>
+            <p:txBody>
+              <a:bodyPr rtlCol="0" anchor="ctr"/>
+              <a:lstStyle/>
+              <a:p>
+                <a:pPr algn="ctr"/>
+                <a:endParaRPr lang="es-ES_tradnl"/>
+              </a:p>
+            </p:txBody>
+          </p:sp>
+          <p:pic>
+            <p:nvPicPr>
+              <p:cNvPr id="11" name="Picture 10">
+                <a:extLst>
+                  <a:ext uri="{FF2B5EF4-FFF2-40B4-BE49-F238E27FC236}">
+                    <a16:creationId xmlns:a16="http://schemas.microsoft.com/office/drawing/2014/main" id="{464C74D9-4A7E-684D-8B3D-EFFE0FE8CD7B}"/>
+                  </a:ext>
+                </a:extLst>
+              </p:cNvPr>
+              <p:cNvPicPr>
+                <a:picLocks noChangeAspect="1"/>
+              </p:cNvPicPr>
+              <p:nvPr/>
+            </p:nvPicPr>
+            <p:blipFill>
+              <a:blip r:embed="rId4"/>
+              <a:stretch>
+                <a:fillRect/>
+              </a:stretch>
+            </p:blipFill>
+            <p:spPr>
+              <a:xfrm>
+                <a:off x="9148704" y="1562082"/>
+                <a:ext cx="228600" cy="279400"/>
+              </a:xfrm>
+              <a:prstGeom prst="rect">
+                <a:avLst/>
+              </a:prstGeom>
+            </p:spPr>
+          </p:pic>
+          <p:sp>
+            <p:nvSpPr>
+              <p:cNvPr id="25" name="Rectangle 24">
+                <a:extLst>
+                  <a:ext uri="{FF2B5EF4-FFF2-40B4-BE49-F238E27FC236}">
+                    <a16:creationId xmlns:a16="http://schemas.microsoft.com/office/drawing/2014/main" id="{FAE6542D-8C10-2C43-8244-EDD137C9B626}"/>
+                  </a:ext>
+                </a:extLst>
+              </p:cNvPr>
+              <p:cNvSpPr/>
+              <p:nvPr/>
+            </p:nvSpPr>
+            <p:spPr>
+              <a:xfrm>
+                <a:off x="9728773" y="1379855"/>
+                <a:ext cx="100668" cy="371477"/>
+              </a:xfrm>
+              <a:prstGeom prst="rect">
+                <a:avLst/>
+              </a:prstGeom>
+            </p:spPr>
+            <p:style>
+              <a:lnRef idx="2">
+                <a:schemeClr val="accent1">
+                  <a:shade val="50000"/>
+                </a:schemeClr>
+              </a:lnRef>
+              <a:fillRef idx="1">
+                <a:schemeClr val="accent1"/>
+              </a:fillRef>
+              <a:effectRef idx="0">
+                <a:schemeClr val="accent1"/>
+              </a:effectRef>
+              <a:fontRef idx="minor">
+                <a:schemeClr val="lt1"/>
+              </a:fontRef>
+            </p:style>
+            <p:txBody>
+              <a:bodyPr rtlCol="0" anchor="ctr"/>
+              <a:lstStyle/>
+              <a:p>
+                <a:pPr algn="ctr"/>
+                <a:endParaRPr lang="es-ES_tradnl"/>
+              </a:p>
+            </p:txBody>
+          </p:sp>
+          <p:sp>
+            <p:nvSpPr>
+              <p:cNvPr id="54" name="Rectangle 53">
+                <a:extLst>
+                  <a:ext uri="{FF2B5EF4-FFF2-40B4-BE49-F238E27FC236}">
+                    <a16:creationId xmlns:a16="http://schemas.microsoft.com/office/drawing/2014/main" id="{9E613424-107E-D945-83CC-7ABCE80EC588}"/>
+                  </a:ext>
+                </a:extLst>
+              </p:cNvPr>
+              <p:cNvSpPr/>
+              <p:nvPr/>
+            </p:nvSpPr>
+            <p:spPr>
+              <a:xfrm>
+                <a:off x="9856704" y="1088602"/>
+                <a:ext cx="100668" cy="662729"/>
+              </a:xfrm>
+              <a:prstGeom prst="rect">
+                <a:avLst/>
+              </a:prstGeom>
+            </p:spPr>
+            <p:style>
+              <a:lnRef idx="2">
+                <a:schemeClr val="accent1">
+                  <a:shade val="50000"/>
+                </a:schemeClr>
+              </a:lnRef>
+              <a:fillRef idx="1">
+                <a:schemeClr val="accent1"/>
+              </a:fillRef>
+              <a:effectRef idx="0">
+                <a:schemeClr val="accent1"/>
+              </a:effectRef>
+              <a:fontRef idx="minor">
+                <a:schemeClr val="lt1"/>
+              </a:fontRef>
+            </p:style>
+            <p:txBody>
+              <a:bodyPr rtlCol="0" anchor="ctr"/>
+              <a:lstStyle/>
+              <a:p>
+                <a:pPr algn="ctr"/>
+                <a:endParaRPr lang="es-ES_tradnl"/>
+              </a:p>
+            </p:txBody>
+          </p:sp>
+          <p:sp>
+            <p:nvSpPr>
+              <p:cNvPr id="57" name="Rectangle 56">
+                <a:extLst>
+                  <a:ext uri="{FF2B5EF4-FFF2-40B4-BE49-F238E27FC236}">
+                    <a16:creationId xmlns:a16="http://schemas.microsoft.com/office/drawing/2014/main" id="{84DC8950-7563-3648-AABA-806F1CFE8EC9}"/>
+                  </a:ext>
+                </a:extLst>
+              </p:cNvPr>
+              <p:cNvSpPr/>
+              <p:nvPr/>
+            </p:nvSpPr>
+            <p:spPr>
+              <a:xfrm>
+                <a:off x="10110472" y="1167657"/>
+                <a:ext cx="100668" cy="584347"/>
+              </a:xfrm>
+              <a:prstGeom prst="rect">
+                <a:avLst/>
+              </a:prstGeom>
+            </p:spPr>
+            <p:style>
+              <a:lnRef idx="2">
+                <a:schemeClr val="accent1">
+                  <a:shade val="50000"/>
+                </a:schemeClr>
+              </a:lnRef>
+              <a:fillRef idx="1">
+                <a:schemeClr val="accent1"/>
+              </a:fillRef>
+              <a:effectRef idx="0">
+                <a:schemeClr val="accent1"/>
+              </a:effectRef>
+              <a:fontRef idx="minor">
+                <a:schemeClr val="lt1"/>
+              </a:fontRef>
+            </p:style>
+            <p:txBody>
+              <a:bodyPr rtlCol="0" anchor="ctr"/>
+              <a:lstStyle/>
+              <a:p>
+                <a:pPr algn="ctr"/>
+                <a:endParaRPr lang="es-ES_tradnl"/>
+              </a:p>
+            </p:txBody>
+          </p:sp>
+          <p:sp>
+            <p:nvSpPr>
+              <p:cNvPr id="58" name="Rectangle 57">
+                <a:extLst>
+                  <a:ext uri="{FF2B5EF4-FFF2-40B4-BE49-F238E27FC236}">
+                    <a16:creationId xmlns:a16="http://schemas.microsoft.com/office/drawing/2014/main" id="{CC98EB78-86AB-C341-8971-76F7C84FAA12}"/>
+                  </a:ext>
+                </a:extLst>
+              </p:cNvPr>
+              <p:cNvSpPr/>
+              <p:nvPr/>
+            </p:nvSpPr>
+            <p:spPr>
+              <a:xfrm>
+                <a:off x="10236254" y="1448332"/>
+                <a:ext cx="100668" cy="304887"/>
+              </a:xfrm>
+              <a:prstGeom prst="rect">
+                <a:avLst/>
+              </a:prstGeom>
+            </p:spPr>
+            <p:style>
+              <a:lnRef idx="2">
+                <a:schemeClr val="accent1">
+                  <a:shade val="50000"/>
+                </a:schemeClr>
+              </a:lnRef>
+              <a:fillRef idx="1">
+                <a:schemeClr val="accent1"/>
+              </a:fillRef>
+              <a:effectRef idx="0">
+                <a:schemeClr val="accent1"/>
+              </a:effectRef>
+              <a:fontRef idx="minor">
+                <a:schemeClr val="lt1"/>
+              </a:fontRef>
+            </p:style>
+            <p:txBody>
+              <a:bodyPr rtlCol="0" anchor="ctr"/>
+              <a:lstStyle/>
+              <a:p>
+                <a:pPr algn="ctr"/>
+                <a:endParaRPr lang="es-ES_tradnl"/>
+              </a:p>
+            </p:txBody>
+          </p:sp>
+          <p:cxnSp>
+            <p:nvCxnSpPr>
+              <p:cNvPr id="23" name="Straight Arrow Connector 22">
+                <a:extLst>
+                  <a:ext uri="{FF2B5EF4-FFF2-40B4-BE49-F238E27FC236}">
+                    <a16:creationId xmlns:a16="http://schemas.microsoft.com/office/drawing/2014/main" id="{C4DF6819-3C4C-5A4B-81E8-18D4F4D9B7FA}"/>
+                  </a:ext>
+                </a:extLst>
+              </p:cNvPr>
+              <p:cNvCxnSpPr>
+                <a:cxnSpLocks/>
+              </p:cNvCxnSpPr>
+              <p:nvPr/>
+            </p:nvCxnSpPr>
+            <p:spPr>
+              <a:xfrm>
+                <a:off x="9455081" y="1752643"/>
+                <a:ext cx="1157681" cy="0"/>
+              </a:xfrm>
+              <a:prstGeom prst="straightConnector1">
+                <a:avLst/>
+              </a:prstGeom>
+              <a:ln w="12700">
+                <a:headEnd type="arrow" w="med" len="med"/>
+                <a:tailEnd type="arrow" w="med" len="med"/>
+              </a:ln>
+            </p:spPr>
+            <p:style>
+              <a:lnRef idx="1">
+                <a:schemeClr val="dk1"/>
+              </a:lnRef>
+              <a:fillRef idx="0">
+                <a:schemeClr val="dk1"/>
+              </a:fillRef>
+              <a:effectRef idx="0">
+                <a:schemeClr val="dk1"/>
+              </a:effectRef>
+              <a:fontRef idx="minor">
+                <a:schemeClr val="tx1"/>
+              </a:fontRef>
+            </p:style>
+          </p:cxnSp>
+        </p:grpSp>
+      </p:grpSp>
+    </p:spTree>
+    <p:extLst>
+      <p:ext uri="{BB962C8B-B14F-4D97-AF65-F5344CB8AC3E}">
+        <p14:creationId xmlns:p14="http://schemas.microsoft.com/office/powerpoint/2010/main" val="1754796485"/>
+      </p:ext>
+    </p:extLst>
+  </p:cSld>
+  <p:clrMapOvr>
+    <a:masterClrMapping/>
+  </p:clrMapOvr>
+  <p:timing>
+    <p:tnLst>
+      <p:par>
+        <p:cTn id="1" dur="indefinite" restart="never" nodeType="tmRoot">
+          <p:childTnLst>
+            <p:seq concurrent="1" nextAc="seek">
+              <p:cTn id="2" dur="indefinite" nodeType="mainSeq">
+                <p:childTnLst>
+                  <p:par>
+                    <p:cTn id="3" fill="hold">
+                      <p:stCondLst>
+                        <p:cond delay="indefinite"/>
+                      </p:stCondLst>
+                      <p:childTnLst>
+                        <p:par>
+                          <p:cTn id="4" fill="hold">
+                            <p:stCondLst>
+                              <p:cond delay="0"/>
+                            </p:stCondLst>
+                            <p:childTnLst>
+                              <p:par>
+                                <p:cTn id="5" presetID="1" presetClass="entr" presetSubtype="0" fill="hold" nodeType="clickEffect">
+                                  <p:stCondLst>
+                                    <p:cond delay="0"/>
+                                  </p:stCondLst>
+                                  <p:childTnLst>
+                                    <p:set>
+                                      <p:cBhvr>
+                                        <p:cTn id="6" dur="1" fill="hold">
+                                          <p:stCondLst>
+                                            <p:cond delay="0"/>
+                                          </p:stCondLst>
+                                        </p:cTn>
+                                        <p:tgtEl>
+                                          <p:spTgt spid="50"/>
+                                        </p:tgtEl>
+                                        <p:attrNameLst>
+                                          <p:attrName>style.visibility</p:attrName>
+                                        </p:attrNameLst>
+                                      </p:cBhvr>
+                                      <p:to>
+                                        <p:strVal val="visible"/>
+                                      </p:to>
+                                    </p:set>
+                                  </p:childTnLst>
+                                </p:cTn>
+                              </p:par>
+                            </p:childTnLst>
+                          </p:cTn>
+                        </p:par>
+                      </p:childTnLst>
+                    </p:cTn>
+                  </p:par>
+                  <p:par>
+                    <p:cTn id="7" fill="hold">
+                      <p:stCondLst>
+                        <p:cond delay="indefinite"/>
+                      </p:stCondLst>
+                      <p:childTnLst>
+                        <p:par>
+                          <p:cTn id="8" fill="hold">
+                            <p:stCondLst>
+                              <p:cond delay="0"/>
+                            </p:stCondLst>
+                            <p:childTnLst>
+                              <p:par>
+                                <p:cTn id="9" presetID="9" presetClass="entr" presetSubtype="0" fill="hold" nodeType="clickEffect">
+                                  <p:stCondLst>
+                                    <p:cond delay="0"/>
+                                  </p:stCondLst>
+                                  <p:childTnLst>
+                                    <p:set>
+                                      <p:cBhvr>
+                                        <p:cTn id="10" dur="1" fill="hold">
+                                          <p:stCondLst>
+                                            <p:cond delay="0"/>
+                                          </p:stCondLst>
+                                        </p:cTn>
+                                        <p:tgtEl>
+                                          <p:spTgt spid="46"/>
+                                        </p:tgtEl>
+                                        <p:attrNameLst>
+                                          <p:attrName>style.visibility</p:attrName>
+                                        </p:attrNameLst>
+                                      </p:cBhvr>
+                                      <p:to>
+                                        <p:strVal val="visible"/>
+                                      </p:to>
+                                    </p:set>
+                                    <p:animEffect transition="in" filter="dissolve">
+                                      <p:cBhvr>
+                                        <p:cTn id="11" dur="500"/>
+                                        <p:tgtEl>
+                                          <p:spTgt spid="46"/>
+                                        </p:tgtEl>
+                                      </p:cBhvr>
+                                    </p:animEffect>
+                                  </p:childTnLst>
+                                </p:cTn>
+                              </p:par>
+                            </p:childTnLst>
+                          </p:cTn>
+                        </p:par>
+                      </p:childTnLst>
+                    </p:cTn>
+                  </p:par>
+                  <p:par>
+                    <p:cTn id="12" fill="hold">
+                      <p:stCondLst>
+                        <p:cond delay="indefinite"/>
+                      </p:stCondLst>
+                      <p:childTnLst>
+                        <p:par>
+                          <p:cTn id="13" fill="hold">
+                            <p:stCondLst>
+                              <p:cond delay="0"/>
+                            </p:stCondLst>
+                            <p:childTnLst>
+                              <p:par>
+                                <p:cTn id="14" presetID="1" presetClass="entr" presetSubtype="0" fill="hold" nodeType="clickEffect">
+                                  <p:stCondLst>
+                                    <p:cond delay="0"/>
+                                  </p:stCondLst>
+                                  <p:childTnLst>
+                                    <p:set>
+                                      <p:cBhvr>
+                                        <p:cTn id="15" dur="1" fill="hold">
+                                          <p:stCondLst>
+                                            <p:cond delay="0"/>
+                                          </p:stCondLst>
+                                        </p:cTn>
+                                        <p:tgtEl>
+                                          <p:spTgt spid="30"/>
+                                        </p:tgtEl>
+                                        <p:attrNameLst>
+                                          <p:attrName>style.visibility</p:attrName>
+                                        </p:attrNameLst>
+                                      </p:cBhvr>
+                                      <p:to>
+                                        <p:strVal val="visible"/>
+                                      </p:to>
+                                    </p:set>
+                                  </p:childTnLst>
+                                </p:cTn>
+                              </p:par>
+                            </p:childTnLst>
+                          </p:cTn>
+                        </p:par>
+                      </p:childTnLst>
+                    </p:cTn>
+                  </p:par>
+                  <p:par>
+                    <p:cTn id="16" fill="hold">
+                      <p:stCondLst>
+                        <p:cond delay="indefinite"/>
+                      </p:stCondLst>
+                      <p:childTnLst>
+                        <p:par>
+                          <p:cTn id="17" fill="hold">
+                            <p:stCondLst>
+                              <p:cond delay="0"/>
+                            </p:stCondLst>
+                            <p:childTnLst>
+                              <p:par>
+                                <p:cTn id="18" presetID="1" presetClass="entr" presetSubtype="0" fill="hold" nodeType="clickEffect">
+                                  <p:stCondLst>
+                                    <p:cond delay="0"/>
+                                  </p:stCondLst>
+                                  <p:childTnLst>
+                                    <p:set>
+                                      <p:cBhvr>
+                                        <p:cTn id="19" dur="1" fill="hold">
+                                          <p:stCondLst>
+                                            <p:cond delay="0"/>
+                                          </p:stCondLst>
+                                        </p:cTn>
+                                        <p:tgtEl>
+                                          <p:spTgt spid="45"/>
+                                        </p:tgtEl>
+                                        <p:attrNameLst>
+                                          <p:attrName>style.visibility</p:attrName>
+                                        </p:attrNameLst>
+                                      </p:cBhvr>
+                                      <p:to>
+                                        <p:strVal val="visible"/>
+                                      </p:to>
+                                    </p:set>
+                                  </p:childTnLst>
+                                </p:cTn>
+                              </p:par>
+                            </p:childTnLst>
+                          </p:cTn>
+                        </p:par>
+                      </p:childTnLst>
+                    </p:cTn>
+                  </p:par>
+                </p:childTnLst>
+              </p:cTn>
+              <p:prevCondLst>
+                <p:cond evt="onPrev" delay="0">
+                  <p:tgtEl>
+                    <p:sldTgt/>
+                  </p:tgtEl>
+                </p:cond>
+              </p:prevCondLst>
+              <p:nextCondLst>
+                <p:cond evt="onNext" delay="0">
+                  <p:tgtEl>
+                    <p:sldTgt/>
+                  </p:tgtEl>
+                </p:cond>
+              </p:nextCondLst>
+            </p:seq>
+          </p:childTnLst>
+        </p:cTn>
+      </p:par>
+    </p:tnLst>
+  </p:timing>
 </p:sld>
 </file>
 

--- a/2020_11_XX_pycon_ar_pypsdier/images/charla_GIFs.pptx
+++ b/2020_11_XX_pycon_ar_pypsdier/images/charla_GIFs.pptx
@@ -7,6 +7,9 @@
   <p:sldIdLst>
     <p:sldId id="256" r:id="rId2"/>
     <p:sldId id="257" r:id="rId3"/>
+    <p:sldId id="258" r:id="rId4"/>
+    <p:sldId id="259" r:id="rId5"/>
+    <p:sldId id="260" r:id="rId6"/>
   </p:sldIdLst>
   <p:sldSz cx="12192000" cy="6858000"/>
   <p:notesSz cx="6858000" cy="9144000"/>
@@ -260,7 +263,7 @@
           <a:p>
             <a:fld id="{58B6A854-94FC-0E4E-ADC7-3E14D6700B05}" type="datetimeFigureOut">
               <a:rPr lang="en-US" smtClean="0"/>
-              <a:t>9/20/20</a:t>
+              <a:t>10/10/20</a:t>
             </a:fld>
             <a:endParaRPr lang="en-US"/>
           </a:p>
@@ -458,7 +461,7 @@
           <a:p>
             <a:fld id="{58B6A854-94FC-0E4E-ADC7-3E14D6700B05}" type="datetimeFigureOut">
               <a:rPr lang="en-US" smtClean="0"/>
-              <a:t>9/20/20</a:t>
+              <a:t>10/10/20</a:t>
             </a:fld>
             <a:endParaRPr lang="en-US"/>
           </a:p>
@@ -666,7 +669,7 @@
           <a:p>
             <a:fld id="{58B6A854-94FC-0E4E-ADC7-3E14D6700B05}" type="datetimeFigureOut">
               <a:rPr lang="en-US" smtClean="0"/>
-              <a:t>9/20/20</a:t>
+              <a:t>10/10/20</a:t>
             </a:fld>
             <a:endParaRPr lang="en-US"/>
           </a:p>
@@ -864,7 +867,7 @@
           <a:p>
             <a:fld id="{58B6A854-94FC-0E4E-ADC7-3E14D6700B05}" type="datetimeFigureOut">
               <a:rPr lang="en-US" smtClean="0"/>
-              <a:t>9/20/20</a:t>
+              <a:t>10/10/20</a:t>
             </a:fld>
             <a:endParaRPr lang="en-US"/>
           </a:p>
@@ -1139,7 +1142,7 @@
           <a:p>
             <a:fld id="{58B6A854-94FC-0E4E-ADC7-3E14D6700B05}" type="datetimeFigureOut">
               <a:rPr lang="en-US" smtClean="0"/>
-              <a:t>9/20/20</a:t>
+              <a:t>10/10/20</a:t>
             </a:fld>
             <a:endParaRPr lang="en-US"/>
           </a:p>
@@ -1404,7 +1407,7 @@
           <a:p>
             <a:fld id="{58B6A854-94FC-0E4E-ADC7-3E14D6700B05}" type="datetimeFigureOut">
               <a:rPr lang="en-US" smtClean="0"/>
-              <a:t>9/20/20</a:t>
+              <a:t>10/10/20</a:t>
             </a:fld>
             <a:endParaRPr lang="en-US"/>
           </a:p>
@@ -1816,7 +1819,7 @@
           <a:p>
             <a:fld id="{58B6A854-94FC-0E4E-ADC7-3E14D6700B05}" type="datetimeFigureOut">
               <a:rPr lang="en-US" smtClean="0"/>
-              <a:t>9/20/20</a:t>
+              <a:t>10/10/20</a:t>
             </a:fld>
             <a:endParaRPr lang="en-US"/>
           </a:p>
@@ -1957,7 +1960,7 @@
           <a:p>
             <a:fld id="{58B6A854-94FC-0E4E-ADC7-3E14D6700B05}" type="datetimeFigureOut">
               <a:rPr lang="en-US" smtClean="0"/>
-              <a:t>9/20/20</a:t>
+              <a:t>10/10/20</a:t>
             </a:fld>
             <a:endParaRPr lang="en-US"/>
           </a:p>
@@ -2070,7 +2073,7 @@
           <a:p>
             <a:fld id="{58B6A854-94FC-0E4E-ADC7-3E14D6700B05}" type="datetimeFigureOut">
               <a:rPr lang="en-US" smtClean="0"/>
-              <a:t>9/20/20</a:t>
+              <a:t>10/10/20</a:t>
             </a:fld>
             <a:endParaRPr lang="en-US"/>
           </a:p>
@@ -2381,7 +2384,7 @@
           <a:p>
             <a:fld id="{58B6A854-94FC-0E4E-ADC7-3E14D6700B05}" type="datetimeFigureOut">
               <a:rPr lang="en-US" smtClean="0"/>
-              <a:t>9/20/20</a:t>
+              <a:t>10/10/20</a:t>
             </a:fld>
             <a:endParaRPr lang="en-US"/>
           </a:p>
@@ -2669,7 +2672,7 @@
           <a:p>
             <a:fld id="{58B6A854-94FC-0E4E-ADC7-3E14D6700B05}" type="datetimeFigureOut">
               <a:rPr lang="en-US" smtClean="0"/>
-              <a:t>9/20/20</a:t>
+              <a:t>10/10/20</a:t>
             </a:fld>
             <a:endParaRPr lang="en-US"/>
           </a:p>
@@ -2910,7 +2913,7 @@
           <a:p>
             <a:fld id="{58B6A854-94FC-0E4E-ADC7-3E14D6700B05}" type="datetimeFigureOut">
               <a:rPr lang="en-US" smtClean="0"/>
-              <a:t>9/20/20</a:t>
+              <a:t>10/10/20</a:t>
             </a:fld>
             <a:endParaRPr lang="en-US"/>
           </a:p>
@@ -6525,6 +6528,1644 @@
 </p:sld>
 </file>
 
+<file path=ppt/slides/slide3.xml><?xml version="1.0" encoding="utf-8"?>
+<p:sld xmlns:a="http://schemas.openxmlformats.org/drawingml/2006/main" xmlns:r="http://schemas.openxmlformats.org/officeDocument/2006/relationships" xmlns:p="http://schemas.openxmlformats.org/presentationml/2006/main">
+  <p:cSld>
+    <p:spTree>
+      <p:nvGrpSpPr>
+        <p:cNvPr id="1" name=""/>
+        <p:cNvGrpSpPr/>
+        <p:nvPr/>
+      </p:nvGrpSpPr>
+      <p:grpSpPr>
+        <a:xfrm>
+          <a:off x="0" y="0"/>
+          <a:ext cx="0" cy="0"/>
+          <a:chOff x="0" y="0"/>
+          <a:chExt cx="0" cy="0"/>
+        </a:xfrm>
+      </p:grpSpPr>
+      <p:sp>
+        <p:nvSpPr>
+          <p:cNvPr id="49" name="Oval 48">
+            <a:extLst>
+              <a:ext uri="{FF2B5EF4-FFF2-40B4-BE49-F238E27FC236}">
+                <a16:creationId xmlns:a16="http://schemas.microsoft.com/office/drawing/2014/main" id="{04B85D18-A1FA-7441-94A1-A5713A09C1EC}"/>
+              </a:ext>
+            </a:extLst>
+          </p:cNvPr>
+          <p:cNvSpPr/>
+          <p:nvPr/>
+        </p:nvSpPr>
+        <p:spPr>
+          <a:xfrm>
+            <a:off x="7888666" y="3579611"/>
+            <a:ext cx="801303" cy="801303"/>
+          </a:xfrm>
+          <a:prstGeom prst="ellipse">
+            <a:avLst/>
+          </a:prstGeom>
+        </p:spPr>
+        <p:style>
+          <a:lnRef idx="2">
+            <a:schemeClr val="accent1">
+              <a:shade val="50000"/>
+            </a:schemeClr>
+          </a:lnRef>
+          <a:fillRef idx="1">
+            <a:schemeClr val="accent1"/>
+          </a:fillRef>
+          <a:effectRef idx="0">
+            <a:schemeClr val="accent1"/>
+          </a:effectRef>
+          <a:fontRef idx="minor">
+            <a:schemeClr val="lt1"/>
+          </a:fontRef>
+        </p:style>
+        <p:txBody>
+          <a:bodyPr rtlCol="0" anchor="ctr"/>
+          <a:lstStyle/>
+          <a:p>
+            <a:pPr algn="ctr"/>
+            <a:endParaRPr lang="es-ES_tradnl"/>
+          </a:p>
+        </p:txBody>
+      </p:sp>
+      <p:sp>
+        <p:nvSpPr>
+          <p:cNvPr id="52" name="Oval 51">
+            <a:extLst>
+              <a:ext uri="{FF2B5EF4-FFF2-40B4-BE49-F238E27FC236}">
+                <a16:creationId xmlns:a16="http://schemas.microsoft.com/office/drawing/2014/main" id="{01EE861E-7840-7042-9FA7-7C0E6C6992DC}"/>
+              </a:ext>
+            </a:extLst>
+          </p:cNvPr>
+          <p:cNvSpPr/>
+          <p:nvPr/>
+        </p:nvSpPr>
+        <p:spPr>
+          <a:xfrm>
+            <a:off x="8043098" y="1657755"/>
+            <a:ext cx="387684" cy="387684"/>
+          </a:xfrm>
+          <a:prstGeom prst="ellipse">
+            <a:avLst/>
+          </a:prstGeom>
+        </p:spPr>
+        <p:style>
+          <a:lnRef idx="2">
+            <a:schemeClr val="accent1">
+              <a:shade val="50000"/>
+            </a:schemeClr>
+          </a:lnRef>
+          <a:fillRef idx="1">
+            <a:schemeClr val="accent1"/>
+          </a:fillRef>
+          <a:effectRef idx="0">
+            <a:schemeClr val="accent1"/>
+          </a:effectRef>
+          <a:fontRef idx="minor">
+            <a:schemeClr val="lt1"/>
+          </a:fontRef>
+        </p:style>
+        <p:txBody>
+          <a:bodyPr rtlCol="0" anchor="ctr"/>
+          <a:lstStyle/>
+          <a:p>
+            <a:pPr algn="ctr"/>
+            <a:endParaRPr lang="es-ES_tradnl"/>
+          </a:p>
+        </p:txBody>
+      </p:sp>
+      <p:sp>
+        <p:nvSpPr>
+          <p:cNvPr id="53" name="Oval 52">
+            <a:extLst>
+              <a:ext uri="{FF2B5EF4-FFF2-40B4-BE49-F238E27FC236}">
+                <a16:creationId xmlns:a16="http://schemas.microsoft.com/office/drawing/2014/main" id="{2937C6E0-E83E-104C-AD07-8A78CAB0D146}"/>
+              </a:ext>
+            </a:extLst>
+          </p:cNvPr>
+          <p:cNvSpPr/>
+          <p:nvPr/>
+        </p:nvSpPr>
+        <p:spPr>
+          <a:xfrm>
+            <a:off x="7960103" y="2571141"/>
+            <a:ext cx="553673" cy="553673"/>
+          </a:xfrm>
+          <a:prstGeom prst="ellipse">
+            <a:avLst/>
+          </a:prstGeom>
+        </p:spPr>
+        <p:style>
+          <a:lnRef idx="2">
+            <a:schemeClr val="accent1">
+              <a:shade val="50000"/>
+            </a:schemeClr>
+          </a:lnRef>
+          <a:fillRef idx="1">
+            <a:schemeClr val="accent1"/>
+          </a:fillRef>
+          <a:effectRef idx="0">
+            <a:schemeClr val="accent1"/>
+          </a:effectRef>
+          <a:fontRef idx="minor">
+            <a:schemeClr val="lt1"/>
+          </a:fontRef>
+        </p:style>
+        <p:txBody>
+          <a:bodyPr rtlCol="0" anchor="ctr"/>
+          <a:lstStyle/>
+          <a:p>
+            <a:pPr algn="ctr"/>
+            <a:endParaRPr lang="es-ES_tradnl"/>
+          </a:p>
+        </p:txBody>
+      </p:sp>
+      <p:pic>
+        <p:nvPicPr>
+          <p:cNvPr id="56" name="Picture 55">
+            <a:extLst>
+              <a:ext uri="{FF2B5EF4-FFF2-40B4-BE49-F238E27FC236}">
+                <a16:creationId xmlns:a16="http://schemas.microsoft.com/office/drawing/2014/main" id="{C26BE782-1235-4A41-ACB7-4580AD85008D}"/>
+              </a:ext>
+            </a:extLst>
+          </p:cNvPr>
+          <p:cNvPicPr>
+            <a:picLocks noChangeAspect="1"/>
+          </p:cNvPicPr>
+          <p:nvPr/>
+        </p:nvPicPr>
+        <p:blipFill>
+          <a:blip r:embed="rId2"/>
+          <a:stretch>
+            <a:fillRect/>
+          </a:stretch>
+        </p:blipFill>
+        <p:spPr>
+          <a:xfrm>
+            <a:off x="8043098" y="4927374"/>
+            <a:ext cx="520700" cy="279400"/>
+          </a:xfrm>
+          <a:prstGeom prst="rect">
+            <a:avLst/>
+          </a:prstGeom>
+        </p:spPr>
+      </p:pic>
+      <p:sp>
+        <p:nvSpPr>
+          <p:cNvPr id="4" name="Rectangle 3">
+            <a:extLst>
+              <a:ext uri="{FF2B5EF4-FFF2-40B4-BE49-F238E27FC236}">
+                <a16:creationId xmlns:a16="http://schemas.microsoft.com/office/drawing/2014/main" id="{DA8CDC97-3D06-C04C-AC73-3AF8DBFB6F5A}"/>
+              </a:ext>
+            </a:extLst>
+          </p:cNvPr>
+          <p:cNvSpPr/>
+          <p:nvPr/>
+        </p:nvSpPr>
+        <p:spPr>
+          <a:xfrm>
+            <a:off x="8778240" y="1380412"/>
+            <a:ext cx="1663337" cy="804494"/>
+          </a:xfrm>
+          <a:prstGeom prst="rect">
+            <a:avLst/>
+          </a:prstGeom>
+        </p:spPr>
+        <p:style>
+          <a:lnRef idx="2">
+            <a:schemeClr val="accent6"/>
+          </a:lnRef>
+          <a:fillRef idx="1">
+            <a:schemeClr val="lt1"/>
+          </a:fillRef>
+          <a:effectRef idx="0">
+            <a:schemeClr val="accent6"/>
+          </a:effectRef>
+          <a:fontRef idx="minor">
+            <a:schemeClr val="dk1"/>
+          </a:fontRef>
+        </p:style>
+        <p:txBody>
+          <a:bodyPr rtlCol="0" anchor="ctr"/>
+          <a:lstStyle/>
+          <a:p>
+            <a:pPr algn="ctr"/>
+            <a:endParaRPr lang="es-ES_tradnl"/>
+          </a:p>
+        </p:txBody>
+      </p:sp>
+      <p:sp>
+        <p:nvSpPr>
+          <p:cNvPr id="59" name="Rectangle 58">
+            <a:extLst>
+              <a:ext uri="{FF2B5EF4-FFF2-40B4-BE49-F238E27FC236}">
+                <a16:creationId xmlns:a16="http://schemas.microsoft.com/office/drawing/2014/main" id="{AFC46CDA-CFD2-DD47-A231-86512C9E6BCA}"/>
+              </a:ext>
+            </a:extLst>
+          </p:cNvPr>
+          <p:cNvSpPr/>
+          <p:nvPr/>
+        </p:nvSpPr>
+        <p:spPr>
+          <a:xfrm>
+            <a:off x="8775655" y="2497526"/>
+            <a:ext cx="1663337" cy="804494"/>
+          </a:xfrm>
+          <a:prstGeom prst="rect">
+            <a:avLst/>
+          </a:prstGeom>
+        </p:spPr>
+        <p:style>
+          <a:lnRef idx="2">
+            <a:schemeClr val="accent6"/>
+          </a:lnRef>
+          <a:fillRef idx="1">
+            <a:schemeClr val="lt1"/>
+          </a:fillRef>
+          <a:effectRef idx="0">
+            <a:schemeClr val="accent6"/>
+          </a:effectRef>
+          <a:fontRef idx="minor">
+            <a:schemeClr val="dk1"/>
+          </a:fontRef>
+        </p:style>
+        <p:txBody>
+          <a:bodyPr rtlCol="0" anchor="ctr"/>
+          <a:lstStyle/>
+          <a:p>
+            <a:pPr algn="ctr"/>
+            <a:endParaRPr lang="es-ES_tradnl"/>
+          </a:p>
+        </p:txBody>
+      </p:sp>
+      <p:sp>
+        <p:nvSpPr>
+          <p:cNvPr id="60" name="Rectangle 59">
+            <a:extLst>
+              <a:ext uri="{FF2B5EF4-FFF2-40B4-BE49-F238E27FC236}">
+                <a16:creationId xmlns:a16="http://schemas.microsoft.com/office/drawing/2014/main" id="{CD65067E-1CF2-8047-BCC1-BE9918F567A4}"/>
+              </a:ext>
+            </a:extLst>
+          </p:cNvPr>
+          <p:cNvSpPr/>
+          <p:nvPr/>
+        </p:nvSpPr>
+        <p:spPr>
+          <a:xfrm>
+            <a:off x="8775655" y="3609701"/>
+            <a:ext cx="1663337" cy="804494"/>
+          </a:xfrm>
+          <a:prstGeom prst="rect">
+            <a:avLst/>
+          </a:prstGeom>
+        </p:spPr>
+        <p:style>
+          <a:lnRef idx="2">
+            <a:schemeClr val="accent6"/>
+          </a:lnRef>
+          <a:fillRef idx="1">
+            <a:schemeClr val="lt1"/>
+          </a:fillRef>
+          <a:effectRef idx="0">
+            <a:schemeClr val="accent6"/>
+          </a:effectRef>
+          <a:fontRef idx="minor">
+            <a:schemeClr val="dk1"/>
+          </a:fontRef>
+        </p:style>
+        <p:txBody>
+          <a:bodyPr rtlCol="0" anchor="ctr"/>
+          <a:lstStyle/>
+          <a:p>
+            <a:pPr algn="ctr"/>
+            <a:endParaRPr lang="es-ES_tradnl"/>
+          </a:p>
+        </p:txBody>
+      </p:sp>
+      <p:sp>
+        <p:nvSpPr>
+          <p:cNvPr id="61" name="Rectangle 60">
+            <a:extLst>
+              <a:ext uri="{FF2B5EF4-FFF2-40B4-BE49-F238E27FC236}">
+                <a16:creationId xmlns:a16="http://schemas.microsoft.com/office/drawing/2014/main" id="{1BA117A8-0D62-CA48-A190-B13F837B9ABF}"/>
+              </a:ext>
+            </a:extLst>
+          </p:cNvPr>
+          <p:cNvSpPr/>
+          <p:nvPr/>
+        </p:nvSpPr>
+        <p:spPr>
+          <a:xfrm>
+            <a:off x="8775655" y="4755216"/>
+            <a:ext cx="1663337" cy="804494"/>
+          </a:xfrm>
+          <a:prstGeom prst="rect">
+            <a:avLst/>
+          </a:prstGeom>
+        </p:spPr>
+        <p:style>
+          <a:lnRef idx="2">
+            <a:schemeClr val="accent6"/>
+          </a:lnRef>
+          <a:fillRef idx="1">
+            <a:schemeClr val="lt1"/>
+          </a:fillRef>
+          <a:effectRef idx="0">
+            <a:schemeClr val="accent6"/>
+          </a:effectRef>
+          <a:fontRef idx="minor">
+            <a:schemeClr val="dk1"/>
+          </a:fontRef>
+        </p:style>
+        <p:txBody>
+          <a:bodyPr rtlCol="0" anchor="ctr"/>
+          <a:lstStyle/>
+          <a:p>
+            <a:pPr algn="ctr"/>
+            <a:endParaRPr lang="es-ES_tradnl"/>
+          </a:p>
+        </p:txBody>
+      </p:sp>
+      <p:cxnSp>
+        <p:nvCxnSpPr>
+          <p:cNvPr id="13" name="Straight Connector 12">
+            <a:extLst>
+              <a:ext uri="{FF2B5EF4-FFF2-40B4-BE49-F238E27FC236}">
+                <a16:creationId xmlns:a16="http://schemas.microsoft.com/office/drawing/2014/main" id="{6E4E1EF5-5F83-A94B-AB15-8D8300CBA165}"/>
+              </a:ext>
+            </a:extLst>
+          </p:cNvPr>
+          <p:cNvCxnSpPr>
+            <a:cxnSpLocks/>
+          </p:cNvCxnSpPr>
+          <p:nvPr/>
+        </p:nvCxnSpPr>
+        <p:spPr>
+          <a:xfrm flipV="1">
+            <a:off x="8805542" y="1498592"/>
+            <a:ext cx="1603562" cy="400595"/>
+          </a:xfrm>
+          <a:prstGeom prst="line">
+            <a:avLst/>
+          </a:prstGeom>
+          <a:ln w="12700">
+            <a:prstDash val="sysDash"/>
+          </a:ln>
+        </p:spPr>
+        <p:style>
+          <a:lnRef idx="1">
+            <a:schemeClr val="accent1"/>
+          </a:lnRef>
+          <a:fillRef idx="0">
+            <a:schemeClr val="accent1"/>
+          </a:fillRef>
+          <a:effectRef idx="0">
+            <a:schemeClr val="accent1"/>
+          </a:effectRef>
+          <a:fontRef idx="minor">
+            <a:schemeClr val="tx1"/>
+          </a:fontRef>
+        </p:style>
+      </p:cxnSp>
+      <p:cxnSp>
+        <p:nvCxnSpPr>
+          <p:cNvPr id="62" name="Straight Connector 61">
+            <a:extLst>
+              <a:ext uri="{FF2B5EF4-FFF2-40B4-BE49-F238E27FC236}">
+                <a16:creationId xmlns:a16="http://schemas.microsoft.com/office/drawing/2014/main" id="{D67F7255-78BE-454F-85C8-8E31EBCE43C9}"/>
+              </a:ext>
+            </a:extLst>
+          </p:cNvPr>
+          <p:cNvCxnSpPr>
+            <a:cxnSpLocks/>
+          </p:cNvCxnSpPr>
+          <p:nvPr/>
+        </p:nvCxnSpPr>
+        <p:spPr>
+          <a:xfrm flipV="1">
+            <a:off x="8805542" y="2647679"/>
+            <a:ext cx="1603562" cy="400595"/>
+          </a:xfrm>
+          <a:prstGeom prst="line">
+            <a:avLst/>
+          </a:prstGeom>
+          <a:ln w="12700">
+            <a:prstDash val="sysDash"/>
+          </a:ln>
+        </p:spPr>
+        <p:style>
+          <a:lnRef idx="1">
+            <a:schemeClr val="accent1"/>
+          </a:lnRef>
+          <a:fillRef idx="0">
+            <a:schemeClr val="accent1"/>
+          </a:fillRef>
+          <a:effectRef idx="0">
+            <a:schemeClr val="accent1"/>
+          </a:effectRef>
+          <a:fontRef idx="minor">
+            <a:schemeClr val="tx1"/>
+          </a:fontRef>
+        </p:style>
+      </p:cxnSp>
+      <p:cxnSp>
+        <p:nvCxnSpPr>
+          <p:cNvPr id="63" name="Straight Connector 62">
+            <a:extLst>
+              <a:ext uri="{FF2B5EF4-FFF2-40B4-BE49-F238E27FC236}">
+                <a16:creationId xmlns:a16="http://schemas.microsoft.com/office/drawing/2014/main" id="{32DE87CE-4C94-2045-8EA7-1A477A2D4699}"/>
+              </a:ext>
+            </a:extLst>
+          </p:cNvPr>
+          <p:cNvCxnSpPr>
+            <a:cxnSpLocks/>
+          </p:cNvCxnSpPr>
+          <p:nvPr/>
+        </p:nvCxnSpPr>
+        <p:spPr>
+          <a:xfrm flipV="1">
+            <a:off x="8805542" y="3751760"/>
+            <a:ext cx="1603562" cy="400595"/>
+          </a:xfrm>
+          <a:prstGeom prst="line">
+            <a:avLst/>
+          </a:prstGeom>
+          <a:ln w="12700">
+            <a:prstDash val="sysDash"/>
+          </a:ln>
+        </p:spPr>
+        <p:style>
+          <a:lnRef idx="1">
+            <a:schemeClr val="accent1"/>
+          </a:lnRef>
+          <a:fillRef idx="0">
+            <a:schemeClr val="accent1"/>
+          </a:fillRef>
+          <a:effectRef idx="0">
+            <a:schemeClr val="accent1"/>
+          </a:effectRef>
+          <a:fontRef idx="minor">
+            <a:schemeClr val="tx1"/>
+          </a:fontRef>
+        </p:style>
+      </p:cxnSp>
+      <p:cxnSp>
+        <p:nvCxnSpPr>
+          <p:cNvPr id="64" name="Straight Connector 63">
+            <a:extLst>
+              <a:ext uri="{FF2B5EF4-FFF2-40B4-BE49-F238E27FC236}">
+                <a16:creationId xmlns:a16="http://schemas.microsoft.com/office/drawing/2014/main" id="{2B4FFAF4-89BC-9C4F-90DE-0C14D12184BE}"/>
+              </a:ext>
+            </a:extLst>
+          </p:cNvPr>
+          <p:cNvCxnSpPr>
+            <a:cxnSpLocks/>
+          </p:cNvCxnSpPr>
+          <p:nvPr/>
+        </p:nvCxnSpPr>
+        <p:spPr>
+          <a:xfrm flipV="1">
+            <a:off x="8805542" y="5067074"/>
+            <a:ext cx="94618" cy="1"/>
+          </a:xfrm>
+          <a:prstGeom prst="line">
+            <a:avLst/>
+          </a:prstGeom>
+          <a:ln w="12700">
+            <a:prstDash val="sysDash"/>
+          </a:ln>
+        </p:spPr>
+        <p:style>
+          <a:lnRef idx="1">
+            <a:schemeClr val="accent1"/>
+          </a:lnRef>
+          <a:fillRef idx="0">
+            <a:schemeClr val="accent1"/>
+          </a:fillRef>
+          <a:effectRef idx="0">
+            <a:schemeClr val="accent1"/>
+          </a:effectRef>
+          <a:fontRef idx="minor">
+            <a:schemeClr val="tx1"/>
+          </a:fontRef>
+        </p:style>
+      </p:cxnSp>
+    </p:spTree>
+    <p:extLst>
+      <p:ext uri="{BB962C8B-B14F-4D97-AF65-F5344CB8AC3E}">
+        <p14:creationId xmlns:p14="http://schemas.microsoft.com/office/powerpoint/2010/main" val="4172284793"/>
+      </p:ext>
+    </p:extLst>
+  </p:cSld>
+  <p:clrMapOvr>
+    <a:masterClrMapping/>
+  </p:clrMapOvr>
+</p:sld>
+</file>
+
+<file path=ppt/slides/slide4.xml><?xml version="1.0" encoding="utf-8"?>
+<p:sld xmlns:a="http://schemas.openxmlformats.org/drawingml/2006/main" xmlns:r="http://schemas.openxmlformats.org/officeDocument/2006/relationships" xmlns:p="http://schemas.openxmlformats.org/presentationml/2006/main">
+  <p:cSld>
+    <p:spTree>
+      <p:nvGrpSpPr>
+        <p:cNvPr id="1" name=""/>
+        <p:cNvGrpSpPr/>
+        <p:nvPr/>
+      </p:nvGrpSpPr>
+      <p:grpSpPr>
+        <a:xfrm>
+          <a:off x="0" y="0"/>
+          <a:ext cx="0" cy="0"/>
+          <a:chOff x="0" y="0"/>
+          <a:chExt cx="0" cy="0"/>
+        </a:xfrm>
+      </p:grpSpPr>
+      <p:sp>
+        <p:nvSpPr>
+          <p:cNvPr id="49" name="Oval 48">
+            <a:extLst>
+              <a:ext uri="{FF2B5EF4-FFF2-40B4-BE49-F238E27FC236}">
+                <a16:creationId xmlns:a16="http://schemas.microsoft.com/office/drawing/2014/main" id="{04B85D18-A1FA-7441-94A1-A5713A09C1EC}"/>
+              </a:ext>
+            </a:extLst>
+          </p:cNvPr>
+          <p:cNvSpPr/>
+          <p:nvPr/>
+        </p:nvSpPr>
+        <p:spPr>
+          <a:xfrm>
+            <a:off x="7888666" y="3579611"/>
+            <a:ext cx="801303" cy="801303"/>
+          </a:xfrm>
+          <a:prstGeom prst="ellipse">
+            <a:avLst/>
+          </a:prstGeom>
+        </p:spPr>
+        <p:style>
+          <a:lnRef idx="2">
+            <a:schemeClr val="accent1">
+              <a:shade val="50000"/>
+            </a:schemeClr>
+          </a:lnRef>
+          <a:fillRef idx="1">
+            <a:schemeClr val="accent1"/>
+          </a:fillRef>
+          <a:effectRef idx="0">
+            <a:schemeClr val="accent1"/>
+          </a:effectRef>
+          <a:fontRef idx="minor">
+            <a:schemeClr val="lt1"/>
+          </a:fontRef>
+        </p:style>
+        <p:txBody>
+          <a:bodyPr rtlCol="0" anchor="ctr"/>
+          <a:lstStyle/>
+          <a:p>
+            <a:pPr algn="ctr"/>
+            <a:endParaRPr lang="es-ES_tradnl"/>
+          </a:p>
+        </p:txBody>
+      </p:sp>
+      <p:sp>
+        <p:nvSpPr>
+          <p:cNvPr id="52" name="Oval 51">
+            <a:extLst>
+              <a:ext uri="{FF2B5EF4-FFF2-40B4-BE49-F238E27FC236}">
+                <a16:creationId xmlns:a16="http://schemas.microsoft.com/office/drawing/2014/main" id="{01EE861E-7840-7042-9FA7-7C0E6C6992DC}"/>
+              </a:ext>
+            </a:extLst>
+          </p:cNvPr>
+          <p:cNvSpPr/>
+          <p:nvPr/>
+        </p:nvSpPr>
+        <p:spPr>
+          <a:xfrm>
+            <a:off x="8043098" y="1657755"/>
+            <a:ext cx="387684" cy="387684"/>
+          </a:xfrm>
+          <a:prstGeom prst="ellipse">
+            <a:avLst/>
+          </a:prstGeom>
+        </p:spPr>
+        <p:style>
+          <a:lnRef idx="2">
+            <a:schemeClr val="accent1">
+              <a:shade val="50000"/>
+            </a:schemeClr>
+          </a:lnRef>
+          <a:fillRef idx="1">
+            <a:schemeClr val="accent1"/>
+          </a:fillRef>
+          <a:effectRef idx="0">
+            <a:schemeClr val="accent1"/>
+          </a:effectRef>
+          <a:fontRef idx="minor">
+            <a:schemeClr val="lt1"/>
+          </a:fontRef>
+        </p:style>
+        <p:txBody>
+          <a:bodyPr rtlCol="0" anchor="ctr"/>
+          <a:lstStyle/>
+          <a:p>
+            <a:pPr algn="ctr"/>
+            <a:endParaRPr lang="es-ES_tradnl"/>
+          </a:p>
+        </p:txBody>
+      </p:sp>
+      <p:sp>
+        <p:nvSpPr>
+          <p:cNvPr id="53" name="Oval 52">
+            <a:extLst>
+              <a:ext uri="{FF2B5EF4-FFF2-40B4-BE49-F238E27FC236}">
+                <a16:creationId xmlns:a16="http://schemas.microsoft.com/office/drawing/2014/main" id="{2937C6E0-E83E-104C-AD07-8A78CAB0D146}"/>
+              </a:ext>
+            </a:extLst>
+          </p:cNvPr>
+          <p:cNvSpPr/>
+          <p:nvPr/>
+        </p:nvSpPr>
+        <p:spPr>
+          <a:xfrm>
+            <a:off x="7960103" y="2571141"/>
+            <a:ext cx="553673" cy="553673"/>
+          </a:xfrm>
+          <a:prstGeom prst="ellipse">
+            <a:avLst/>
+          </a:prstGeom>
+        </p:spPr>
+        <p:style>
+          <a:lnRef idx="2">
+            <a:schemeClr val="accent1">
+              <a:shade val="50000"/>
+            </a:schemeClr>
+          </a:lnRef>
+          <a:fillRef idx="1">
+            <a:schemeClr val="accent1"/>
+          </a:fillRef>
+          <a:effectRef idx="0">
+            <a:schemeClr val="accent1"/>
+          </a:effectRef>
+          <a:fontRef idx="minor">
+            <a:schemeClr val="lt1"/>
+          </a:fontRef>
+        </p:style>
+        <p:txBody>
+          <a:bodyPr rtlCol="0" anchor="ctr"/>
+          <a:lstStyle/>
+          <a:p>
+            <a:pPr algn="ctr"/>
+            <a:endParaRPr lang="es-ES_tradnl"/>
+          </a:p>
+        </p:txBody>
+      </p:sp>
+      <p:pic>
+        <p:nvPicPr>
+          <p:cNvPr id="56" name="Picture 55">
+            <a:extLst>
+              <a:ext uri="{FF2B5EF4-FFF2-40B4-BE49-F238E27FC236}">
+                <a16:creationId xmlns:a16="http://schemas.microsoft.com/office/drawing/2014/main" id="{C26BE782-1235-4A41-ACB7-4580AD85008D}"/>
+              </a:ext>
+            </a:extLst>
+          </p:cNvPr>
+          <p:cNvPicPr>
+            <a:picLocks noChangeAspect="1"/>
+          </p:cNvPicPr>
+          <p:nvPr/>
+        </p:nvPicPr>
+        <p:blipFill>
+          <a:blip r:embed="rId2"/>
+          <a:stretch>
+            <a:fillRect/>
+          </a:stretch>
+        </p:blipFill>
+        <p:spPr>
+          <a:xfrm>
+            <a:off x="8043098" y="4927374"/>
+            <a:ext cx="520700" cy="279400"/>
+          </a:xfrm>
+          <a:prstGeom prst="rect">
+            <a:avLst/>
+          </a:prstGeom>
+        </p:spPr>
+      </p:pic>
+      <p:sp>
+        <p:nvSpPr>
+          <p:cNvPr id="4" name="Rectangle 3">
+            <a:extLst>
+              <a:ext uri="{FF2B5EF4-FFF2-40B4-BE49-F238E27FC236}">
+                <a16:creationId xmlns:a16="http://schemas.microsoft.com/office/drawing/2014/main" id="{DA8CDC97-3D06-C04C-AC73-3AF8DBFB6F5A}"/>
+              </a:ext>
+            </a:extLst>
+          </p:cNvPr>
+          <p:cNvSpPr/>
+          <p:nvPr/>
+        </p:nvSpPr>
+        <p:spPr>
+          <a:xfrm>
+            <a:off x="8778240" y="1380412"/>
+            <a:ext cx="1663337" cy="804494"/>
+          </a:xfrm>
+          <a:prstGeom prst="rect">
+            <a:avLst/>
+          </a:prstGeom>
+        </p:spPr>
+        <p:style>
+          <a:lnRef idx="2">
+            <a:schemeClr val="accent6"/>
+          </a:lnRef>
+          <a:fillRef idx="1">
+            <a:schemeClr val="lt1"/>
+          </a:fillRef>
+          <a:effectRef idx="0">
+            <a:schemeClr val="accent6"/>
+          </a:effectRef>
+          <a:fontRef idx="minor">
+            <a:schemeClr val="dk1"/>
+          </a:fontRef>
+        </p:style>
+        <p:txBody>
+          <a:bodyPr rtlCol="0" anchor="ctr"/>
+          <a:lstStyle/>
+          <a:p>
+            <a:pPr algn="ctr"/>
+            <a:endParaRPr lang="es-ES_tradnl"/>
+          </a:p>
+        </p:txBody>
+      </p:sp>
+      <p:sp>
+        <p:nvSpPr>
+          <p:cNvPr id="59" name="Rectangle 58">
+            <a:extLst>
+              <a:ext uri="{FF2B5EF4-FFF2-40B4-BE49-F238E27FC236}">
+                <a16:creationId xmlns:a16="http://schemas.microsoft.com/office/drawing/2014/main" id="{AFC46CDA-CFD2-DD47-A231-86512C9E6BCA}"/>
+              </a:ext>
+            </a:extLst>
+          </p:cNvPr>
+          <p:cNvSpPr/>
+          <p:nvPr/>
+        </p:nvSpPr>
+        <p:spPr>
+          <a:xfrm>
+            <a:off x="8775655" y="2497526"/>
+            <a:ext cx="1663337" cy="804494"/>
+          </a:xfrm>
+          <a:prstGeom prst="rect">
+            <a:avLst/>
+          </a:prstGeom>
+        </p:spPr>
+        <p:style>
+          <a:lnRef idx="2">
+            <a:schemeClr val="accent6"/>
+          </a:lnRef>
+          <a:fillRef idx="1">
+            <a:schemeClr val="lt1"/>
+          </a:fillRef>
+          <a:effectRef idx="0">
+            <a:schemeClr val="accent6"/>
+          </a:effectRef>
+          <a:fontRef idx="minor">
+            <a:schemeClr val="dk1"/>
+          </a:fontRef>
+        </p:style>
+        <p:txBody>
+          <a:bodyPr rtlCol="0" anchor="ctr"/>
+          <a:lstStyle/>
+          <a:p>
+            <a:pPr algn="ctr"/>
+            <a:endParaRPr lang="es-ES_tradnl"/>
+          </a:p>
+        </p:txBody>
+      </p:sp>
+      <p:sp>
+        <p:nvSpPr>
+          <p:cNvPr id="60" name="Rectangle 59">
+            <a:extLst>
+              <a:ext uri="{FF2B5EF4-FFF2-40B4-BE49-F238E27FC236}">
+                <a16:creationId xmlns:a16="http://schemas.microsoft.com/office/drawing/2014/main" id="{CD65067E-1CF2-8047-BCC1-BE9918F567A4}"/>
+              </a:ext>
+            </a:extLst>
+          </p:cNvPr>
+          <p:cNvSpPr/>
+          <p:nvPr/>
+        </p:nvSpPr>
+        <p:spPr>
+          <a:xfrm>
+            <a:off x="8775655" y="3609701"/>
+            <a:ext cx="1663337" cy="804494"/>
+          </a:xfrm>
+          <a:prstGeom prst="rect">
+            <a:avLst/>
+          </a:prstGeom>
+        </p:spPr>
+        <p:style>
+          <a:lnRef idx="2">
+            <a:schemeClr val="accent6"/>
+          </a:lnRef>
+          <a:fillRef idx="1">
+            <a:schemeClr val="lt1"/>
+          </a:fillRef>
+          <a:effectRef idx="0">
+            <a:schemeClr val="accent6"/>
+          </a:effectRef>
+          <a:fontRef idx="minor">
+            <a:schemeClr val="dk1"/>
+          </a:fontRef>
+        </p:style>
+        <p:txBody>
+          <a:bodyPr rtlCol="0" anchor="ctr"/>
+          <a:lstStyle/>
+          <a:p>
+            <a:pPr algn="ctr"/>
+            <a:endParaRPr lang="es-ES_tradnl"/>
+          </a:p>
+        </p:txBody>
+      </p:sp>
+      <p:sp>
+        <p:nvSpPr>
+          <p:cNvPr id="61" name="Rectangle 60">
+            <a:extLst>
+              <a:ext uri="{FF2B5EF4-FFF2-40B4-BE49-F238E27FC236}">
+                <a16:creationId xmlns:a16="http://schemas.microsoft.com/office/drawing/2014/main" id="{1BA117A8-0D62-CA48-A190-B13F837B9ABF}"/>
+              </a:ext>
+            </a:extLst>
+          </p:cNvPr>
+          <p:cNvSpPr/>
+          <p:nvPr/>
+        </p:nvSpPr>
+        <p:spPr>
+          <a:xfrm>
+            <a:off x="8775655" y="4755216"/>
+            <a:ext cx="1663337" cy="804494"/>
+          </a:xfrm>
+          <a:prstGeom prst="rect">
+            <a:avLst/>
+          </a:prstGeom>
+        </p:spPr>
+        <p:style>
+          <a:lnRef idx="2">
+            <a:schemeClr val="accent6"/>
+          </a:lnRef>
+          <a:fillRef idx="1">
+            <a:schemeClr val="lt1"/>
+          </a:fillRef>
+          <a:effectRef idx="0">
+            <a:schemeClr val="accent6"/>
+          </a:effectRef>
+          <a:fontRef idx="minor">
+            <a:schemeClr val="dk1"/>
+          </a:fontRef>
+        </p:style>
+        <p:txBody>
+          <a:bodyPr rtlCol="0" anchor="ctr"/>
+          <a:lstStyle/>
+          <a:p>
+            <a:pPr algn="ctr"/>
+            <a:endParaRPr lang="es-ES_tradnl"/>
+          </a:p>
+        </p:txBody>
+      </p:sp>
+      <p:cxnSp>
+        <p:nvCxnSpPr>
+          <p:cNvPr id="62" name="Straight Connector 61">
+            <a:extLst>
+              <a:ext uri="{FF2B5EF4-FFF2-40B4-BE49-F238E27FC236}">
+                <a16:creationId xmlns:a16="http://schemas.microsoft.com/office/drawing/2014/main" id="{D67F7255-78BE-454F-85C8-8E31EBCE43C9}"/>
+              </a:ext>
+            </a:extLst>
+          </p:cNvPr>
+          <p:cNvCxnSpPr>
+            <a:cxnSpLocks/>
+          </p:cNvCxnSpPr>
+          <p:nvPr/>
+        </p:nvCxnSpPr>
+        <p:spPr>
+          <a:xfrm flipV="1">
+            <a:off x="8805542" y="2760073"/>
+            <a:ext cx="1603562" cy="279401"/>
+          </a:xfrm>
+          <a:prstGeom prst="line">
+            <a:avLst/>
+          </a:prstGeom>
+          <a:ln w="12700">
+            <a:prstDash val="sysDash"/>
+          </a:ln>
+        </p:spPr>
+        <p:style>
+          <a:lnRef idx="1">
+            <a:schemeClr val="accent1"/>
+          </a:lnRef>
+          <a:fillRef idx="0">
+            <a:schemeClr val="accent1"/>
+          </a:fillRef>
+          <a:effectRef idx="0">
+            <a:schemeClr val="accent1"/>
+          </a:effectRef>
+          <a:fontRef idx="minor">
+            <a:schemeClr val="tx1"/>
+          </a:fontRef>
+        </p:style>
+      </p:cxnSp>
+      <p:cxnSp>
+        <p:nvCxnSpPr>
+          <p:cNvPr id="63" name="Straight Connector 62">
+            <a:extLst>
+              <a:ext uri="{FF2B5EF4-FFF2-40B4-BE49-F238E27FC236}">
+                <a16:creationId xmlns:a16="http://schemas.microsoft.com/office/drawing/2014/main" id="{32DE87CE-4C94-2045-8EA7-1A477A2D4699}"/>
+              </a:ext>
+            </a:extLst>
+          </p:cNvPr>
+          <p:cNvCxnSpPr>
+            <a:cxnSpLocks/>
+          </p:cNvCxnSpPr>
+          <p:nvPr/>
+        </p:nvCxnSpPr>
+        <p:spPr>
+          <a:xfrm flipV="1">
+            <a:off x="8900160" y="3888715"/>
+            <a:ext cx="1508944" cy="182110"/>
+          </a:xfrm>
+          <a:prstGeom prst="line">
+            <a:avLst/>
+          </a:prstGeom>
+          <a:ln w="12700">
+            <a:prstDash val="sysDash"/>
+          </a:ln>
+        </p:spPr>
+        <p:style>
+          <a:lnRef idx="1">
+            <a:schemeClr val="accent1"/>
+          </a:lnRef>
+          <a:fillRef idx="0">
+            <a:schemeClr val="accent1"/>
+          </a:fillRef>
+          <a:effectRef idx="0">
+            <a:schemeClr val="accent1"/>
+          </a:effectRef>
+          <a:fontRef idx="minor">
+            <a:schemeClr val="tx1"/>
+          </a:fontRef>
+        </p:style>
+      </p:cxnSp>
+      <p:cxnSp>
+        <p:nvCxnSpPr>
+          <p:cNvPr id="64" name="Straight Connector 63">
+            <a:extLst>
+              <a:ext uri="{FF2B5EF4-FFF2-40B4-BE49-F238E27FC236}">
+                <a16:creationId xmlns:a16="http://schemas.microsoft.com/office/drawing/2014/main" id="{2B4FFAF4-89BC-9C4F-90DE-0C14D12184BE}"/>
+              </a:ext>
+            </a:extLst>
+          </p:cNvPr>
+          <p:cNvCxnSpPr>
+            <a:cxnSpLocks/>
+          </p:cNvCxnSpPr>
+          <p:nvPr/>
+        </p:nvCxnSpPr>
+        <p:spPr>
+          <a:xfrm>
+            <a:off x="8805542" y="5067076"/>
+            <a:ext cx="321041" cy="90387"/>
+          </a:xfrm>
+          <a:prstGeom prst="line">
+            <a:avLst/>
+          </a:prstGeom>
+          <a:ln w="12700">
+            <a:prstDash val="sysDash"/>
+          </a:ln>
+        </p:spPr>
+        <p:style>
+          <a:lnRef idx="1">
+            <a:schemeClr val="accent1"/>
+          </a:lnRef>
+          <a:fillRef idx="0">
+            <a:schemeClr val="accent1"/>
+          </a:fillRef>
+          <a:effectRef idx="0">
+            <a:schemeClr val="accent1"/>
+          </a:effectRef>
+          <a:fontRef idx="minor">
+            <a:schemeClr val="tx1"/>
+          </a:fontRef>
+        </p:style>
+      </p:cxnSp>
+      <p:cxnSp>
+        <p:nvCxnSpPr>
+          <p:cNvPr id="65" name="Straight Connector 64">
+            <a:extLst>
+              <a:ext uri="{FF2B5EF4-FFF2-40B4-BE49-F238E27FC236}">
+                <a16:creationId xmlns:a16="http://schemas.microsoft.com/office/drawing/2014/main" id="{CC772F4A-EA91-8C46-A8F9-B5913F14D307}"/>
+              </a:ext>
+            </a:extLst>
+          </p:cNvPr>
+          <p:cNvCxnSpPr>
+            <a:cxnSpLocks/>
+          </p:cNvCxnSpPr>
+          <p:nvPr/>
+        </p:nvCxnSpPr>
+        <p:spPr>
+          <a:xfrm flipV="1">
+            <a:off x="8805542" y="1507301"/>
+            <a:ext cx="1603562" cy="400595"/>
+          </a:xfrm>
+          <a:prstGeom prst="line">
+            <a:avLst/>
+          </a:prstGeom>
+          <a:ln w="12700">
+            <a:prstDash val="sysDash"/>
+          </a:ln>
+        </p:spPr>
+        <p:style>
+          <a:lnRef idx="1">
+            <a:schemeClr val="accent1"/>
+          </a:lnRef>
+          <a:fillRef idx="0">
+            <a:schemeClr val="accent1"/>
+          </a:fillRef>
+          <a:effectRef idx="0">
+            <a:schemeClr val="accent1"/>
+          </a:effectRef>
+          <a:fontRef idx="minor">
+            <a:schemeClr val="tx1"/>
+          </a:fontRef>
+        </p:style>
+      </p:cxnSp>
+    </p:spTree>
+    <p:extLst>
+      <p:ext uri="{BB962C8B-B14F-4D97-AF65-F5344CB8AC3E}">
+        <p14:creationId xmlns:p14="http://schemas.microsoft.com/office/powerpoint/2010/main" val="2667636379"/>
+      </p:ext>
+    </p:extLst>
+  </p:cSld>
+  <p:clrMapOvr>
+    <a:masterClrMapping/>
+  </p:clrMapOvr>
+  <mc:AlternateContent xmlns:mc="http://schemas.openxmlformats.org/markup-compatibility/2006">
+    <mc:Choice xmlns:p159="http://schemas.microsoft.com/office/powerpoint/2015/09/main" Requires="p159">
+      <p:transition xmlns:p14="http://schemas.microsoft.com/office/powerpoint/2010/main" spd="slow" p14:dur="2000">
+        <p159:morph option="byObject"/>
+      </p:transition>
+    </mc:Choice>
+    <mc:Fallback>
+      <p:transition spd="slow">
+        <p:fade/>
+      </p:transition>
+    </mc:Fallback>
+  </mc:AlternateContent>
+</p:sld>
+</file>
+
+<file path=ppt/slides/slide5.xml><?xml version="1.0" encoding="utf-8"?>
+<p:sld xmlns:a="http://schemas.openxmlformats.org/drawingml/2006/main" xmlns:r="http://schemas.openxmlformats.org/officeDocument/2006/relationships" xmlns:p="http://schemas.openxmlformats.org/presentationml/2006/main">
+  <p:cSld>
+    <p:spTree>
+      <p:nvGrpSpPr>
+        <p:cNvPr id="1" name=""/>
+        <p:cNvGrpSpPr/>
+        <p:nvPr/>
+      </p:nvGrpSpPr>
+      <p:grpSpPr>
+        <a:xfrm>
+          <a:off x="0" y="0"/>
+          <a:ext cx="0" cy="0"/>
+          <a:chOff x="0" y="0"/>
+          <a:chExt cx="0" cy="0"/>
+        </a:xfrm>
+      </p:grpSpPr>
+      <p:sp>
+        <p:nvSpPr>
+          <p:cNvPr id="49" name="Oval 48">
+            <a:extLst>
+              <a:ext uri="{FF2B5EF4-FFF2-40B4-BE49-F238E27FC236}">
+                <a16:creationId xmlns:a16="http://schemas.microsoft.com/office/drawing/2014/main" id="{04B85D18-A1FA-7441-94A1-A5713A09C1EC}"/>
+              </a:ext>
+            </a:extLst>
+          </p:cNvPr>
+          <p:cNvSpPr/>
+          <p:nvPr/>
+        </p:nvSpPr>
+        <p:spPr>
+          <a:xfrm>
+            <a:off x="7888666" y="3579611"/>
+            <a:ext cx="801303" cy="801303"/>
+          </a:xfrm>
+          <a:prstGeom prst="ellipse">
+            <a:avLst/>
+          </a:prstGeom>
+        </p:spPr>
+        <p:style>
+          <a:lnRef idx="2">
+            <a:schemeClr val="accent1">
+              <a:shade val="50000"/>
+            </a:schemeClr>
+          </a:lnRef>
+          <a:fillRef idx="1">
+            <a:schemeClr val="accent1"/>
+          </a:fillRef>
+          <a:effectRef idx="0">
+            <a:schemeClr val="accent1"/>
+          </a:effectRef>
+          <a:fontRef idx="minor">
+            <a:schemeClr val="lt1"/>
+          </a:fontRef>
+        </p:style>
+        <p:txBody>
+          <a:bodyPr rtlCol="0" anchor="ctr"/>
+          <a:lstStyle/>
+          <a:p>
+            <a:pPr algn="ctr"/>
+            <a:endParaRPr lang="es-ES_tradnl"/>
+          </a:p>
+        </p:txBody>
+      </p:sp>
+      <p:sp>
+        <p:nvSpPr>
+          <p:cNvPr id="52" name="Oval 51">
+            <a:extLst>
+              <a:ext uri="{FF2B5EF4-FFF2-40B4-BE49-F238E27FC236}">
+                <a16:creationId xmlns:a16="http://schemas.microsoft.com/office/drawing/2014/main" id="{01EE861E-7840-7042-9FA7-7C0E6C6992DC}"/>
+              </a:ext>
+            </a:extLst>
+          </p:cNvPr>
+          <p:cNvSpPr/>
+          <p:nvPr/>
+        </p:nvSpPr>
+        <p:spPr>
+          <a:xfrm>
+            <a:off x="8043098" y="1657755"/>
+            <a:ext cx="387684" cy="387684"/>
+          </a:xfrm>
+          <a:prstGeom prst="ellipse">
+            <a:avLst/>
+          </a:prstGeom>
+        </p:spPr>
+        <p:style>
+          <a:lnRef idx="2">
+            <a:schemeClr val="accent1">
+              <a:shade val="50000"/>
+            </a:schemeClr>
+          </a:lnRef>
+          <a:fillRef idx="1">
+            <a:schemeClr val="accent1"/>
+          </a:fillRef>
+          <a:effectRef idx="0">
+            <a:schemeClr val="accent1"/>
+          </a:effectRef>
+          <a:fontRef idx="minor">
+            <a:schemeClr val="lt1"/>
+          </a:fontRef>
+        </p:style>
+        <p:txBody>
+          <a:bodyPr rtlCol="0" anchor="ctr"/>
+          <a:lstStyle/>
+          <a:p>
+            <a:pPr algn="ctr"/>
+            <a:endParaRPr lang="es-ES_tradnl"/>
+          </a:p>
+        </p:txBody>
+      </p:sp>
+      <p:sp>
+        <p:nvSpPr>
+          <p:cNvPr id="53" name="Oval 52">
+            <a:extLst>
+              <a:ext uri="{FF2B5EF4-FFF2-40B4-BE49-F238E27FC236}">
+                <a16:creationId xmlns:a16="http://schemas.microsoft.com/office/drawing/2014/main" id="{2937C6E0-E83E-104C-AD07-8A78CAB0D146}"/>
+              </a:ext>
+            </a:extLst>
+          </p:cNvPr>
+          <p:cNvSpPr/>
+          <p:nvPr/>
+        </p:nvSpPr>
+        <p:spPr>
+          <a:xfrm>
+            <a:off x="7960103" y="2571141"/>
+            <a:ext cx="553673" cy="553673"/>
+          </a:xfrm>
+          <a:prstGeom prst="ellipse">
+            <a:avLst/>
+          </a:prstGeom>
+        </p:spPr>
+        <p:style>
+          <a:lnRef idx="2">
+            <a:schemeClr val="accent1">
+              <a:shade val="50000"/>
+            </a:schemeClr>
+          </a:lnRef>
+          <a:fillRef idx="1">
+            <a:schemeClr val="accent1"/>
+          </a:fillRef>
+          <a:effectRef idx="0">
+            <a:schemeClr val="accent1"/>
+          </a:effectRef>
+          <a:fontRef idx="minor">
+            <a:schemeClr val="lt1"/>
+          </a:fontRef>
+        </p:style>
+        <p:txBody>
+          <a:bodyPr rtlCol="0" anchor="ctr"/>
+          <a:lstStyle/>
+          <a:p>
+            <a:pPr algn="ctr"/>
+            <a:endParaRPr lang="es-ES_tradnl"/>
+          </a:p>
+        </p:txBody>
+      </p:sp>
+      <p:pic>
+        <p:nvPicPr>
+          <p:cNvPr id="56" name="Picture 55">
+            <a:extLst>
+              <a:ext uri="{FF2B5EF4-FFF2-40B4-BE49-F238E27FC236}">
+                <a16:creationId xmlns:a16="http://schemas.microsoft.com/office/drawing/2014/main" id="{C26BE782-1235-4A41-ACB7-4580AD85008D}"/>
+              </a:ext>
+            </a:extLst>
+          </p:cNvPr>
+          <p:cNvPicPr>
+            <a:picLocks noChangeAspect="1"/>
+          </p:cNvPicPr>
+          <p:nvPr/>
+        </p:nvPicPr>
+        <p:blipFill>
+          <a:blip r:embed="rId2"/>
+          <a:stretch>
+            <a:fillRect/>
+          </a:stretch>
+        </p:blipFill>
+        <p:spPr>
+          <a:xfrm>
+            <a:off x="8043098" y="4927374"/>
+            <a:ext cx="520700" cy="279400"/>
+          </a:xfrm>
+          <a:prstGeom prst="rect">
+            <a:avLst/>
+          </a:prstGeom>
+        </p:spPr>
+      </p:pic>
+      <p:sp>
+        <p:nvSpPr>
+          <p:cNvPr id="4" name="Rectangle 3">
+            <a:extLst>
+              <a:ext uri="{FF2B5EF4-FFF2-40B4-BE49-F238E27FC236}">
+                <a16:creationId xmlns:a16="http://schemas.microsoft.com/office/drawing/2014/main" id="{DA8CDC97-3D06-C04C-AC73-3AF8DBFB6F5A}"/>
+              </a:ext>
+            </a:extLst>
+          </p:cNvPr>
+          <p:cNvSpPr/>
+          <p:nvPr/>
+        </p:nvSpPr>
+        <p:spPr>
+          <a:xfrm>
+            <a:off x="8778240" y="1380412"/>
+            <a:ext cx="1663337" cy="804494"/>
+          </a:xfrm>
+          <a:prstGeom prst="rect">
+            <a:avLst/>
+          </a:prstGeom>
+        </p:spPr>
+        <p:style>
+          <a:lnRef idx="2">
+            <a:schemeClr val="accent6"/>
+          </a:lnRef>
+          <a:fillRef idx="1">
+            <a:schemeClr val="lt1"/>
+          </a:fillRef>
+          <a:effectRef idx="0">
+            <a:schemeClr val="accent6"/>
+          </a:effectRef>
+          <a:fontRef idx="minor">
+            <a:schemeClr val="dk1"/>
+          </a:fontRef>
+        </p:style>
+        <p:txBody>
+          <a:bodyPr rtlCol="0" anchor="ctr"/>
+          <a:lstStyle/>
+          <a:p>
+            <a:pPr algn="ctr"/>
+            <a:endParaRPr lang="es-ES_tradnl"/>
+          </a:p>
+        </p:txBody>
+      </p:sp>
+      <p:sp>
+        <p:nvSpPr>
+          <p:cNvPr id="59" name="Rectangle 58">
+            <a:extLst>
+              <a:ext uri="{FF2B5EF4-FFF2-40B4-BE49-F238E27FC236}">
+                <a16:creationId xmlns:a16="http://schemas.microsoft.com/office/drawing/2014/main" id="{AFC46CDA-CFD2-DD47-A231-86512C9E6BCA}"/>
+              </a:ext>
+            </a:extLst>
+          </p:cNvPr>
+          <p:cNvSpPr/>
+          <p:nvPr/>
+        </p:nvSpPr>
+        <p:spPr>
+          <a:xfrm>
+            <a:off x="8775655" y="2497526"/>
+            <a:ext cx="1663337" cy="804494"/>
+          </a:xfrm>
+          <a:prstGeom prst="rect">
+            <a:avLst/>
+          </a:prstGeom>
+        </p:spPr>
+        <p:style>
+          <a:lnRef idx="2">
+            <a:schemeClr val="accent6"/>
+          </a:lnRef>
+          <a:fillRef idx="1">
+            <a:schemeClr val="lt1"/>
+          </a:fillRef>
+          <a:effectRef idx="0">
+            <a:schemeClr val="accent6"/>
+          </a:effectRef>
+          <a:fontRef idx="minor">
+            <a:schemeClr val="dk1"/>
+          </a:fontRef>
+        </p:style>
+        <p:txBody>
+          <a:bodyPr rtlCol="0" anchor="ctr"/>
+          <a:lstStyle/>
+          <a:p>
+            <a:pPr algn="ctr"/>
+            <a:endParaRPr lang="es-ES_tradnl"/>
+          </a:p>
+        </p:txBody>
+      </p:sp>
+      <p:sp>
+        <p:nvSpPr>
+          <p:cNvPr id="60" name="Rectangle 59">
+            <a:extLst>
+              <a:ext uri="{FF2B5EF4-FFF2-40B4-BE49-F238E27FC236}">
+                <a16:creationId xmlns:a16="http://schemas.microsoft.com/office/drawing/2014/main" id="{CD65067E-1CF2-8047-BCC1-BE9918F567A4}"/>
+              </a:ext>
+            </a:extLst>
+          </p:cNvPr>
+          <p:cNvSpPr/>
+          <p:nvPr/>
+        </p:nvSpPr>
+        <p:spPr>
+          <a:xfrm>
+            <a:off x="8775655" y="3609701"/>
+            <a:ext cx="1663337" cy="804494"/>
+          </a:xfrm>
+          <a:prstGeom prst="rect">
+            <a:avLst/>
+          </a:prstGeom>
+        </p:spPr>
+        <p:style>
+          <a:lnRef idx="2">
+            <a:schemeClr val="accent6"/>
+          </a:lnRef>
+          <a:fillRef idx="1">
+            <a:schemeClr val="lt1"/>
+          </a:fillRef>
+          <a:effectRef idx="0">
+            <a:schemeClr val="accent6"/>
+          </a:effectRef>
+          <a:fontRef idx="minor">
+            <a:schemeClr val="dk1"/>
+          </a:fontRef>
+        </p:style>
+        <p:txBody>
+          <a:bodyPr rtlCol="0" anchor="ctr"/>
+          <a:lstStyle/>
+          <a:p>
+            <a:pPr algn="ctr"/>
+            <a:endParaRPr lang="es-ES_tradnl"/>
+          </a:p>
+        </p:txBody>
+      </p:sp>
+      <p:sp>
+        <p:nvSpPr>
+          <p:cNvPr id="61" name="Rectangle 60">
+            <a:extLst>
+              <a:ext uri="{FF2B5EF4-FFF2-40B4-BE49-F238E27FC236}">
+                <a16:creationId xmlns:a16="http://schemas.microsoft.com/office/drawing/2014/main" id="{1BA117A8-0D62-CA48-A190-B13F837B9ABF}"/>
+              </a:ext>
+            </a:extLst>
+          </p:cNvPr>
+          <p:cNvSpPr/>
+          <p:nvPr/>
+        </p:nvSpPr>
+        <p:spPr>
+          <a:xfrm>
+            <a:off x="8775655" y="4755216"/>
+            <a:ext cx="1663337" cy="804494"/>
+          </a:xfrm>
+          <a:prstGeom prst="rect">
+            <a:avLst/>
+          </a:prstGeom>
+        </p:spPr>
+        <p:style>
+          <a:lnRef idx="2">
+            <a:schemeClr val="accent6"/>
+          </a:lnRef>
+          <a:fillRef idx="1">
+            <a:schemeClr val="lt1"/>
+          </a:fillRef>
+          <a:effectRef idx="0">
+            <a:schemeClr val="accent6"/>
+          </a:effectRef>
+          <a:fontRef idx="minor">
+            <a:schemeClr val="dk1"/>
+          </a:fontRef>
+        </p:style>
+        <p:txBody>
+          <a:bodyPr rtlCol="0" anchor="ctr"/>
+          <a:lstStyle/>
+          <a:p>
+            <a:pPr algn="ctr"/>
+            <a:endParaRPr lang="es-ES_tradnl"/>
+          </a:p>
+        </p:txBody>
+      </p:sp>
+      <p:cxnSp>
+        <p:nvCxnSpPr>
+          <p:cNvPr id="62" name="Straight Connector 61">
+            <a:extLst>
+              <a:ext uri="{FF2B5EF4-FFF2-40B4-BE49-F238E27FC236}">
+                <a16:creationId xmlns:a16="http://schemas.microsoft.com/office/drawing/2014/main" id="{D67F7255-78BE-454F-85C8-8E31EBCE43C9}"/>
+              </a:ext>
+            </a:extLst>
+          </p:cNvPr>
+          <p:cNvCxnSpPr>
+            <a:cxnSpLocks/>
+          </p:cNvCxnSpPr>
+          <p:nvPr/>
+        </p:nvCxnSpPr>
+        <p:spPr>
+          <a:xfrm flipV="1">
+            <a:off x="8805542" y="2903357"/>
+            <a:ext cx="1505407" cy="136118"/>
+          </a:xfrm>
+          <a:prstGeom prst="line">
+            <a:avLst/>
+          </a:prstGeom>
+          <a:ln w="12700">
+            <a:prstDash val="sysDash"/>
+          </a:ln>
+        </p:spPr>
+        <p:style>
+          <a:lnRef idx="1">
+            <a:schemeClr val="accent1"/>
+          </a:lnRef>
+          <a:fillRef idx="0">
+            <a:schemeClr val="accent1"/>
+          </a:fillRef>
+          <a:effectRef idx="0">
+            <a:schemeClr val="accent1"/>
+          </a:effectRef>
+          <a:fontRef idx="minor">
+            <a:schemeClr val="tx1"/>
+          </a:fontRef>
+        </p:style>
+      </p:cxnSp>
+      <p:cxnSp>
+        <p:nvCxnSpPr>
+          <p:cNvPr id="63" name="Straight Connector 62">
+            <a:extLst>
+              <a:ext uri="{FF2B5EF4-FFF2-40B4-BE49-F238E27FC236}">
+                <a16:creationId xmlns:a16="http://schemas.microsoft.com/office/drawing/2014/main" id="{32DE87CE-4C94-2045-8EA7-1A477A2D4699}"/>
+              </a:ext>
+            </a:extLst>
+          </p:cNvPr>
+          <p:cNvCxnSpPr>
+            <a:cxnSpLocks/>
+          </p:cNvCxnSpPr>
+          <p:nvPr/>
+        </p:nvCxnSpPr>
+        <p:spPr>
+          <a:xfrm flipV="1">
+            <a:off x="8891451" y="3888715"/>
+            <a:ext cx="1517653" cy="99811"/>
+          </a:xfrm>
+          <a:prstGeom prst="line">
+            <a:avLst/>
+          </a:prstGeom>
+          <a:ln w="12700">
+            <a:prstDash val="sysDash"/>
+          </a:ln>
+        </p:spPr>
+        <p:style>
+          <a:lnRef idx="1">
+            <a:schemeClr val="accent1"/>
+          </a:lnRef>
+          <a:fillRef idx="0">
+            <a:schemeClr val="accent1"/>
+          </a:fillRef>
+          <a:effectRef idx="0">
+            <a:schemeClr val="accent1"/>
+          </a:effectRef>
+          <a:fontRef idx="minor">
+            <a:schemeClr val="tx1"/>
+          </a:fontRef>
+        </p:style>
+      </p:cxnSp>
+      <p:cxnSp>
+        <p:nvCxnSpPr>
+          <p:cNvPr id="64" name="Straight Connector 63">
+            <a:extLst>
+              <a:ext uri="{FF2B5EF4-FFF2-40B4-BE49-F238E27FC236}">
+                <a16:creationId xmlns:a16="http://schemas.microsoft.com/office/drawing/2014/main" id="{2B4FFAF4-89BC-9C4F-90DE-0C14D12184BE}"/>
+              </a:ext>
+            </a:extLst>
+          </p:cNvPr>
+          <p:cNvCxnSpPr>
+            <a:cxnSpLocks/>
+          </p:cNvCxnSpPr>
+          <p:nvPr/>
+        </p:nvCxnSpPr>
+        <p:spPr>
+          <a:xfrm>
+            <a:off x="8805542" y="5067076"/>
+            <a:ext cx="800012" cy="139698"/>
+          </a:xfrm>
+          <a:prstGeom prst="line">
+            <a:avLst/>
+          </a:prstGeom>
+          <a:ln w="12700">
+            <a:prstDash val="sysDash"/>
+          </a:ln>
+        </p:spPr>
+        <p:style>
+          <a:lnRef idx="1">
+            <a:schemeClr val="accent1"/>
+          </a:lnRef>
+          <a:fillRef idx="0">
+            <a:schemeClr val="accent1"/>
+          </a:fillRef>
+          <a:effectRef idx="0">
+            <a:schemeClr val="accent1"/>
+          </a:effectRef>
+          <a:fontRef idx="minor">
+            <a:schemeClr val="tx1"/>
+          </a:fontRef>
+        </p:style>
+      </p:cxnSp>
+      <p:cxnSp>
+        <p:nvCxnSpPr>
+          <p:cNvPr id="65" name="Straight Connector 64">
+            <a:extLst>
+              <a:ext uri="{FF2B5EF4-FFF2-40B4-BE49-F238E27FC236}">
+                <a16:creationId xmlns:a16="http://schemas.microsoft.com/office/drawing/2014/main" id="{6B460E97-EE61-E94D-A215-8C4077A60393}"/>
+              </a:ext>
+            </a:extLst>
+          </p:cNvPr>
+          <p:cNvCxnSpPr>
+            <a:cxnSpLocks/>
+          </p:cNvCxnSpPr>
+          <p:nvPr/>
+        </p:nvCxnSpPr>
+        <p:spPr>
+          <a:xfrm flipV="1">
+            <a:off x="8805542" y="1524719"/>
+            <a:ext cx="1603562" cy="400595"/>
+          </a:xfrm>
+          <a:prstGeom prst="line">
+            <a:avLst/>
+          </a:prstGeom>
+          <a:ln w="12700">
+            <a:prstDash val="sysDash"/>
+          </a:ln>
+        </p:spPr>
+        <p:style>
+          <a:lnRef idx="1">
+            <a:schemeClr val="accent1"/>
+          </a:lnRef>
+          <a:fillRef idx="0">
+            <a:schemeClr val="accent1"/>
+          </a:fillRef>
+          <a:effectRef idx="0">
+            <a:schemeClr val="accent1"/>
+          </a:effectRef>
+          <a:fontRef idx="minor">
+            <a:schemeClr val="tx1"/>
+          </a:fontRef>
+        </p:style>
+      </p:cxnSp>
+    </p:spTree>
+    <p:extLst>
+      <p:ext uri="{BB962C8B-B14F-4D97-AF65-F5344CB8AC3E}">
+        <p14:creationId xmlns:p14="http://schemas.microsoft.com/office/powerpoint/2010/main" val="3344945310"/>
+      </p:ext>
+    </p:extLst>
+  </p:cSld>
+  <p:clrMapOvr>
+    <a:masterClrMapping/>
+  </p:clrMapOvr>
+  <mc:AlternateContent xmlns:mc="http://schemas.openxmlformats.org/markup-compatibility/2006">
+    <mc:Choice xmlns:p159="http://schemas.microsoft.com/office/powerpoint/2015/09/main" Requires="p159">
+      <p:transition xmlns:p14="http://schemas.microsoft.com/office/powerpoint/2010/main" spd="slow" p14:dur="2000">
+        <p159:morph option="byObject"/>
+      </p:transition>
+    </mc:Choice>
+    <mc:Fallback>
+      <p:transition spd="slow">
+        <p:fade/>
+      </p:transition>
+    </mc:Fallback>
+  </mc:AlternateContent>
+</p:sld>
+</file>
+
 <file path=ppt/theme/theme1.xml><?xml version="1.0" encoding="utf-8"?>
 <a:theme xmlns:a="http://schemas.openxmlformats.org/drawingml/2006/main" name="Office Theme">
   <a:themeElements>

--- a/2020_11_XX_pycon_ar_pypsdier/images/charla_GIFs.pptx
+++ b/2020_11_XX_pycon_ar_pypsdier/images/charla_GIFs.pptx
@@ -5,11 +5,10 @@
     <p:sldMasterId id="2147483648" r:id="rId1"/>
   </p:sldMasterIdLst>
   <p:sldIdLst>
-    <p:sldId id="256" r:id="rId2"/>
+    <p:sldId id="259" r:id="rId2"/>
     <p:sldId id="257" r:id="rId3"/>
     <p:sldId id="258" r:id="rId4"/>
-    <p:sldId id="259" r:id="rId5"/>
-    <p:sldId id="260" r:id="rId6"/>
+    <p:sldId id="256" r:id="rId5"/>
   </p:sldIdLst>
   <p:sldSz cx="12192000" cy="6858000"/>
   <p:notesSz cx="6858000" cy="9144000"/>
@@ -263,7 +262,7 @@
           <a:p>
             <a:fld id="{58B6A854-94FC-0E4E-ADC7-3E14D6700B05}" type="datetimeFigureOut">
               <a:rPr lang="en-US" smtClean="0"/>
-              <a:t>10/10/20</a:t>
+              <a:t>10/24/20</a:t>
             </a:fld>
             <a:endParaRPr lang="en-US"/>
           </a:p>
@@ -461,7 +460,7 @@
           <a:p>
             <a:fld id="{58B6A854-94FC-0E4E-ADC7-3E14D6700B05}" type="datetimeFigureOut">
               <a:rPr lang="en-US" smtClean="0"/>
-              <a:t>10/10/20</a:t>
+              <a:t>10/24/20</a:t>
             </a:fld>
             <a:endParaRPr lang="en-US"/>
           </a:p>
@@ -669,7 +668,7 @@
           <a:p>
             <a:fld id="{58B6A854-94FC-0E4E-ADC7-3E14D6700B05}" type="datetimeFigureOut">
               <a:rPr lang="en-US" smtClean="0"/>
-              <a:t>10/10/20</a:t>
+              <a:t>10/24/20</a:t>
             </a:fld>
             <a:endParaRPr lang="en-US"/>
           </a:p>
@@ -867,7 +866,7 @@
           <a:p>
             <a:fld id="{58B6A854-94FC-0E4E-ADC7-3E14D6700B05}" type="datetimeFigureOut">
               <a:rPr lang="en-US" smtClean="0"/>
-              <a:t>10/10/20</a:t>
+              <a:t>10/24/20</a:t>
             </a:fld>
             <a:endParaRPr lang="en-US"/>
           </a:p>
@@ -1142,7 +1141,7 @@
           <a:p>
             <a:fld id="{58B6A854-94FC-0E4E-ADC7-3E14D6700B05}" type="datetimeFigureOut">
               <a:rPr lang="en-US" smtClean="0"/>
-              <a:t>10/10/20</a:t>
+              <a:t>10/24/20</a:t>
             </a:fld>
             <a:endParaRPr lang="en-US"/>
           </a:p>
@@ -1407,7 +1406,7 @@
           <a:p>
             <a:fld id="{58B6A854-94FC-0E4E-ADC7-3E14D6700B05}" type="datetimeFigureOut">
               <a:rPr lang="en-US" smtClean="0"/>
-              <a:t>10/10/20</a:t>
+              <a:t>10/24/20</a:t>
             </a:fld>
             <a:endParaRPr lang="en-US"/>
           </a:p>
@@ -1819,7 +1818,7 @@
           <a:p>
             <a:fld id="{58B6A854-94FC-0E4E-ADC7-3E14D6700B05}" type="datetimeFigureOut">
               <a:rPr lang="en-US" smtClean="0"/>
-              <a:t>10/10/20</a:t>
+              <a:t>10/24/20</a:t>
             </a:fld>
             <a:endParaRPr lang="en-US"/>
           </a:p>
@@ -1960,7 +1959,7 @@
           <a:p>
             <a:fld id="{58B6A854-94FC-0E4E-ADC7-3E14D6700B05}" type="datetimeFigureOut">
               <a:rPr lang="en-US" smtClean="0"/>
-              <a:t>10/10/20</a:t>
+              <a:t>10/24/20</a:t>
             </a:fld>
             <a:endParaRPr lang="en-US"/>
           </a:p>
@@ -2073,7 +2072,7 @@
           <a:p>
             <a:fld id="{58B6A854-94FC-0E4E-ADC7-3E14D6700B05}" type="datetimeFigureOut">
               <a:rPr lang="en-US" smtClean="0"/>
-              <a:t>10/10/20</a:t>
+              <a:t>10/24/20</a:t>
             </a:fld>
             <a:endParaRPr lang="en-US"/>
           </a:p>
@@ -2384,7 +2383,7 @@
           <a:p>
             <a:fld id="{58B6A854-94FC-0E4E-ADC7-3E14D6700B05}" type="datetimeFigureOut">
               <a:rPr lang="en-US" smtClean="0"/>
-              <a:t>10/10/20</a:t>
+              <a:t>10/24/20</a:t>
             </a:fld>
             <a:endParaRPr lang="en-US"/>
           </a:p>
@@ -2672,7 +2671,7 @@
           <a:p>
             <a:fld id="{58B6A854-94FC-0E4E-ADC7-3E14D6700B05}" type="datetimeFigureOut">
               <a:rPr lang="en-US" smtClean="0"/>
-              <a:t>10/10/20</a:t>
+              <a:t>10/24/20</a:t>
             </a:fld>
             <a:endParaRPr lang="en-US"/>
           </a:p>
@@ -2913,7 +2912,7 @@
           <a:p>
             <a:fld id="{58B6A854-94FC-0E4E-ADC7-3E14D6700B05}" type="datetimeFigureOut">
               <a:rPr lang="en-US" smtClean="0"/>
-              <a:t>10/10/20</a:t>
+              <a:t>10/24/20</a:t>
             </a:fld>
             <a:endParaRPr lang="en-US"/>
           </a:p>
@@ -3332,227 +3331,182 @@
       </p:grpSpPr>
       <p:sp>
         <p:nvSpPr>
-          <p:cNvPr id="2" name="Rectangle 1">
+          <p:cNvPr id="12" name="AutoShape 7">
             <a:extLst>
               <a:ext uri="{FF2B5EF4-FFF2-40B4-BE49-F238E27FC236}">
-                <a16:creationId xmlns:a16="http://schemas.microsoft.com/office/drawing/2014/main" id="{AD674C58-E5D6-1D44-8715-47B40CE647D8}"/>
+                <a16:creationId xmlns:a16="http://schemas.microsoft.com/office/drawing/2014/main" id="{7629CFBA-F877-A04B-A77A-9973ED5B6325}"/>
               </a:ext>
             </a:extLst>
           </p:cNvPr>
-          <p:cNvSpPr/>
+          <p:cNvSpPr>
+            <a:spLocks noChangeArrowheads="1"/>
+          </p:cNvSpPr>
           <p:nvPr/>
         </p:nvSpPr>
+        <p:spPr bwMode="auto">
+          <a:xfrm>
+            <a:off x="677267" y="2077940"/>
+            <a:ext cx="1871663" cy="2592388"/>
+          </a:xfrm>
+          <a:prstGeom prst="roundRect">
+            <a:avLst>
+              <a:gd name="adj" fmla="val 1537"/>
+            </a:avLst>
+          </a:prstGeom>
+          <a:noFill/>
+          <a:ln w="19050">
+            <a:solidFill>
+              <a:schemeClr val="tx1"/>
+            </a:solidFill>
+            <a:round/>
+            <a:headEnd/>
+            <a:tailEnd/>
+          </a:ln>
+        </p:spPr>
+        <p:txBody>
+          <a:bodyPr wrap="none" anchor="ctr"/>
+          <a:lstStyle/>
+          <a:p>
+            <a:endParaRPr lang="en-US"/>
+          </a:p>
+        </p:txBody>
+      </p:sp>
+      <p:pic>
+        <p:nvPicPr>
+          <p:cNvPr id="6" name="Picture 2">
+            <a:extLst>
+              <a:ext uri="{FF2B5EF4-FFF2-40B4-BE49-F238E27FC236}">
+                <a16:creationId xmlns:a16="http://schemas.microsoft.com/office/drawing/2014/main" id="{03F7B948-71DF-1B40-8FA1-FB72088551C5}"/>
+              </a:ext>
+            </a:extLst>
+          </p:cNvPr>
+          <p:cNvPicPr>
+            <a:picLocks noChangeAspect="1" noChangeArrowheads="1"/>
+          </p:cNvPicPr>
+          <p:nvPr/>
+        </p:nvPicPr>
+        <p:blipFill>
+          <a:blip r:embed="rId2" cstate="print"/>
+          <a:srcRect/>
+          <a:stretch>
+            <a:fillRect/>
+          </a:stretch>
+        </p:blipFill>
+        <p:spPr bwMode="auto">
+          <a:xfrm>
+            <a:off x="5752972" y="2689396"/>
+            <a:ext cx="3248025" cy="2124075"/>
+          </a:xfrm>
+          <a:prstGeom prst="rect">
+            <a:avLst/>
+          </a:prstGeom>
+          <a:noFill/>
+          <a:ln w="9525">
+            <a:noFill/>
+            <a:miter lim="800000"/>
+            <a:headEnd/>
+            <a:tailEnd/>
+          </a:ln>
+        </p:spPr>
+      </p:pic>
+      <p:pic>
+        <p:nvPicPr>
+          <p:cNvPr id="7" name="10 Imagen">
+            <a:extLst>
+              <a:ext uri="{FF2B5EF4-FFF2-40B4-BE49-F238E27FC236}">
+                <a16:creationId xmlns:a16="http://schemas.microsoft.com/office/drawing/2014/main" id="{7111E72D-0BFE-344E-A0AB-4030C20CD515}"/>
+              </a:ext>
+            </a:extLst>
+          </p:cNvPr>
+          <p:cNvPicPr>
+            <a:picLocks noChangeAspect="1"/>
+          </p:cNvPicPr>
+          <p:nvPr/>
+        </p:nvPicPr>
+        <p:blipFill>
+          <a:blip r:embed="rId3" cstate="print">
+            <a:alphaModFix/>
+            <a:extLst>
+              <a:ext uri="{BEBA8EAE-BF5A-486C-A8C5-ECC9F3942E4B}">
+                <a14:imgProps xmlns:a14="http://schemas.microsoft.com/office/drawing/2010/main">
+                  <a14:imgLayer r:embed="rId4">
+                    <a14:imgEffect>
+                      <a14:sharpenSoften amount="52000"/>
+                    </a14:imgEffect>
+                    <a14:imgEffect>
+                      <a14:colorTemperature colorTemp="3261"/>
+                    </a14:imgEffect>
+                    <a14:imgEffect>
+                      <a14:saturation sat="0"/>
+                    </a14:imgEffect>
+                  </a14:imgLayer>
+                </a14:imgProps>
+              </a:ext>
+              <a:ext uri="{28A0092B-C50C-407E-A947-70E740481C1C}">
+                <a14:useLocalDpi xmlns:a14="http://schemas.microsoft.com/office/drawing/2010/main" val="0"/>
+              </a:ext>
+            </a:extLst>
+          </a:blip>
+          <a:stretch>
+            <a:fillRect/>
+          </a:stretch>
+        </p:blipFill>
         <p:spPr>
           <a:xfrm>
-            <a:off x="4451058" y="1360065"/>
-            <a:ext cx="3289883" cy="4137869"/>
+            <a:off x="3161864" y="1557862"/>
+            <a:ext cx="2484276" cy="3312368"/>
+          </a:xfrm>
+          <a:prstGeom prst="rect">
+            <a:avLst/>
+          </a:prstGeom>
+        </p:spPr>
+      </p:pic>
+      <p:sp>
+        <p:nvSpPr>
+          <p:cNvPr id="13" name="Rectangle 8">
+            <a:extLst>
+              <a:ext uri="{FF2B5EF4-FFF2-40B4-BE49-F238E27FC236}">
+                <a16:creationId xmlns:a16="http://schemas.microsoft.com/office/drawing/2014/main" id="{54EFC1C4-C587-6E4F-8A3B-5A318DEDAA8E}"/>
+              </a:ext>
+            </a:extLst>
+          </p:cNvPr>
+          <p:cNvSpPr>
+            <a:spLocks noChangeArrowheads="1"/>
+          </p:cNvSpPr>
+          <p:nvPr/>
+        </p:nvSpPr>
+        <p:spPr bwMode="auto">
+          <a:xfrm>
+            <a:off x="687776" y="2637491"/>
+            <a:ext cx="1850643" cy="2019888"/>
           </a:xfrm>
           <a:prstGeom prst="rect">
             <a:avLst/>
           </a:prstGeom>
           <a:solidFill>
-            <a:schemeClr val="bg1"/>
+            <a:srgbClr val="CCECFF"/>
           </a:solidFill>
-          <a:ln>
-            <a:solidFill>
-              <a:schemeClr val="tx1"/>
-            </a:solidFill>
+          <a:ln w="9525">
+            <a:noFill/>
+            <a:miter lim="800000"/>
+            <a:headEnd/>
+            <a:tailEnd/>
           </a:ln>
         </p:spPr>
-        <p:style>
-          <a:lnRef idx="2">
-            <a:schemeClr val="accent1">
-              <a:shade val="50000"/>
-            </a:schemeClr>
-          </a:lnRef>
-          <a:fillRef idx="1">
-            <a:schemeClr val="accent1"/>
-          </a:fillRef>
-          <a:effectRef idx="0">
-            <a:schemeClr val="accent1"/>
-          </a:effectRef>
-          <a:fontRef idx="minor">
-            <a:schemeClr val="lt1"/>
-          </a:fontRef>
-        </p:style>
         <p:txBody>
-          <a:bodyPr rtlCol="0" anchor="ctr"/>
+          <a:bodyPr wrap="none" anchor="ctr"/>
           <a:lstStyle/>
           <a:p>
-            <a:pPr algn="ctr"/>
-            <a:endParaRPr lang="es-ES_tradnl"/>
-          </a:p>
-        </p:txBody>
-      </p:sp>
-      <p:sp>
-        <p:nvSpPr>
-          <p:cNvPr id="5" name="Rectangle 4">
-            <a:extLst>
-              <a:ext uri="{FF2B5EF4-FFF2-40B4-BE49-F238E27FC236}">
-                <a16:creationId xmlns:a16="http://schemas.microsoft.com/office/drawing/2014/main" id="{2DB4804A-9D1B-0448-8449-0390C103C290}"/>
-              </a:ext>
-            </a:extLst>
-          </p:cNvPr>
-          <p:cNvSpPr/>
-          <p:nvPr/>
-        </p:nvSpPr>
-        <p:spPr>
-          <a:xfrm>
-            <a:off x="4513625" y="1360065"/>
-            <a:ext cx="3164748" cy="4060270"/>
-          </a:xfrm>
-          <a:prstGeom prst="rect">
-            <a:avLst/>
-          </a:prstGeom>
-          <a:solidFill>
-            <a:schemeClr val="accent1">
-              <a:lumMod val="20000"/>
-              <a:lumOff val="80000"/>
-            </a:schemeClr>
-          </a:solidFill>
-          <a:ln>
-            <a:solidFill>
-              <a:schemeClr val="tx1"/>
-            </a:solidFill>
-          </a:ln>
-        </p:spPr>
-        <p:style>
-          <a:lnRef idx="2">
-            <a:schemeClr val="accent1">
-              <a:shade val="50000"/>
-            </a:schemeClr>
-          </a:lnRef>
-          <a:fillRef idx="1">
-            <a:schemeClr val="accent1"/>
-          </a:fillRef>
-          <a:effectRef idx="0">
-            <a:schemeClr val="accent1"/>
-          </a:effectRef>
-          <a:fontRef idx="minor">
-            <a:schemeClr val="lt1"/>
-          </a:fontRef>
-        </p:style>
-        <p:txBody>
-          <a:bodyPr rtlCol="0" anchor="ctr"/>
-          <a:lstStyle/>
-          <a:p>
-            <a:pPr algn="ctr"/>
-            <a:endParaRPr lang="es-ES_tradnl"/>
-          </a:p>
-        </p:txBody>
-      </p:sp>
-      <p:sp>
-        <p:nvSpPr>
-          <p:cNvPr id="6" name="Rectangle 5">
-            <a:extLst>
-              <a:ext uri="{FF2B5EF4-FFF2-40B4-BE49-F238E27FC236}">
-                <a16:creationId xmlns:a16="http://schemas.microsoft.com/office/drawing/2014/main" id="{5598D73A-75AC-0C40-81AD-DA0FEF95C380}"/>
-              </a:ext>
-            </a:extLst>
-          </p:cNvPr>
-          <p:cNvSpPr/>
-          <p:nvPr/>
-        </p:nvSpPr>
-        <p:spPr>
-          <a:xfrm>
-            <a:off x="4513625" y="1006678"/>
-            <a:ext cx="3164748" cy="687897"/>
-          </a:xfrm>
-          <a:prstGeom prst="rect">
-            <a:avLst/>
-          </a:prstGeom>
-          <a:solidFill>
-            <a:schemeClr val="bg1"/>
-          </a:solidFill>
-          <a:ln>
-            <a:solidFill>
-              <a:schemeClr val="tx1"/>
-            </a:solidFill>
-          </a:ln>
-        </p:spPr>
-        <p:style>
-          <a:lnRef idx="2">
-            <a:schemeClr val="accent1">
-              <a:shade val="50000"/>
-            </a:schemeClr>
-          </a:lnRef>
-          <a:fillRef idx="1">
-            <a:schemeClr val="accent1"/>
-          </a:fillRef>
-          <a:effectRef idx="0">
-            <a:schemeClr val="accent1"/>
-          </a:effectRef>
-          <a:fontRef idx="minor">
-            <a:schemeClr val="lt1"/>
-          </a:fontRef>
-        </p:style>
-        <p:txBody>
-          <a:bodyPr rtlCol="0" anchor="ctr"/>
-          <a:lstStyle/>
-          <a:p>
-            <a:pPr algn="ctr"/>
-            <a:endParaRPr lang="es-ES_tradnl"/>
-          </a:p>
-        </p:txBody>
-      </p:sp>
-      <p:sp>
-        <p:nvSpPr>
-          <p:cNvPr id="7" name="Rectangle 6">
-            <a:extLst>
-              <a:ext uri="{FF2B5EF4-FFF2-40B4-BE49-F238E27FC236}">
-                <a16:creationId xmlns:a16="http://schemas.microsoft.com/office/drawing/2014/main" id="{6F1FFE73-A8CE-0349-8D75-F3C42ADB707E}"/>
-              </a:ext>
-            </a:extLst>
-          </p:cNvPr>
-          <p:cNvSpPr/>
-          <p:nvPr/>
-        </p:nvSpPr>
-        <p:spPr>
-          <a:xfrm>
-            <a:off x="4355631" y="687897"/>
-            <a:ext cx="3513241" cy="662729"/>
-          </a:xfrm>
-          <a:prstGeom prst="rect">
-            <a:avLst/>
-          </a:prstGeom>
-          <a:solidFill>
-            <a:schemeClr val="bg1"/>
-          </a:solidFill>
-          <a:ln>
-            <a:noFill/>
-          </a:ln>
-        </p:spPr>
-        <p:style>
-          <a:lnRef idx="2">
-            <a:schemeClr val="accent1">
-              <a:shade val="50000"/>
-            </a:schemeClr>
-          </a:lnRef>
-          <a:fillRef idx="1">
-            <a:schemeClr val="accent1"/>
-          </a:fillRef>
-          <a:effectRef idx="0">
-            <a:schemeClr val="accent1"/>
-          </a:effectRef>
-          <a:fontRef idx="minor">
-            <a:schemeClr val="lt1"/>
-          </a:fontRef>
-        </p:style>
-        <p:txBody>
-          <a:bodyPr rtlCol="0" anchor="ctr"/>
-          <a:lstStyle/>
-          <a:p>
-            <a:pPr algn="ctr"/>
-            <a:endParaRPr lang="es-ES_tradnl"/>
+            <a:endParaRPr lang="en-US"/>
           </a:p>
         </p:txBody>
       </p:sp>
       <p:grpSp>
         <p:nvGrpSpPr>
-          <p:cNvPr id="51" name="Group 50">
+          <p:cNvPr id="108" name="Group 107">
             <a:extLst>
               <a:ext uri="{FF2B5EF4-FFF2-40B4-BE49-F238E27FC236}">
-                <a16:creationId xmlns:a16="http://schemas.microsoft.com/office/drawing/2014/main" id="{D34F926A-F826-6440-B6A6-BB007BE1D028}"/>
+                <a16:creationId xmlns:a16="http://schemas.microsoft.com/office/drawing/2014/main" id="{2986A2AC-7CB9-6C49-B08A-BF2E204242B3}"/>
               </a:ext>
             </a:extLst>
           </p:cNvPr>
@@ -3561,18 +3515,186 @@
         </p:nvGrpSpPr>
         <p:grpSpPr>
           <a:xfrm>
-            <a:off x="4711032" y="2106160"/>
-            <a:ext cx="2627544" cy="3145260"/>
-            <a:chOff x="4711032" y="2106160"/>
-            <a:chExt cx="2627544" cy="3145260"/>
+            <a:off x="961002" y="1754971"/>
+            <a:ext cx="1221907" cy="2580014"/>
+            <a:chOff x="9204355" y="2870896"/>
+            <a:chExt cx="1221907" cy="2580014"/>
           </a:xfrm>
         </p:grpSpPr>
         <p:sp>
           <p:nvSpPr>
-            <p:cNvPr id="3" name="Oval 2">
+            <p:cNvPr id="15" name="Oval 10">
               <a:extLst>
                 <a:ext uri="{FF2B5EF4-FFF2-40B4-BE49-F238E27FC236}">
-                  <a16:creationId xmlns:a16="http://schemas.microsoft.com/office/drawing/2014/main" id="{E1AE95C7-349F-3F48-8AEE-AAB7E13DEFD5}"/>
+                  <a16:creationId xmlns:a16="http://schemas.microsoft.com/office/drawing/2014/main" id="{FD59D4B5-14A5-944D-BFCE-1C994F515D59}"/>
+                </a:ext>
+              </a:extLst>
+            </p:cNvPr>
+            <p:cNvSpPr>
+              <a:spLocks noChangeArrowheads="1"/>
+            </p:cNvSpPr>
+            <p:nvPr/>
+          </p:nvSpPr>
+          <p:spPr bwMode="auto">
+            <a:xfrm>
+              <a:off x="9953950" y="5293824"/>
+              <a:ext cx="319437" cy="124460"/>
+            </a:xfrm>
+            <a:prstGeom prst="ellipse">
+              <a:avLst/>
+            </a:prstGeom>
+            <a:solidFill>
+              <a:schemeClr val="accent3">
+                <a:lumMod val="75000"/>
+              </a:schemeClr>
+            </a:solidFill>
+            <a:ln w="9525">
+              <a:noFill/>
+              <a:round/>
+              <a:headEnd/>
+              <a:tailEnd/>
+            </a:ln>
+          </p:spPr>
+          <p:txBody>
+            <a:bodyPr wrap="none" anchor="ctr"/>
+            <a:lstStyle/>
+            <a:p>
+              <a:endParaRPr lang="en-US"/>
+            </a:p>
+          </p:txBody>
+        </p:sp>
+        <p:sp>
+          <p:nvSpPr>
+            <p:cNvPr id="16" name="Rectangle 11">
+              <a:extLst>
+                <a:ext uri="{FF2B5EF4-FFF2-40B4-BE49-F238E27FC236}">
+                  <a16:creationId xmlns:a16="http://schemas.microsoft.com/office/drawing/2014/main" id="{B59F2713-A29E-924D-BEE2-CE9702EDB4E5}"/>
+                </a:ext>
+              </a:extLst>
+            </p:cNvPr>
+            <p:cNvSpPr>
+              <a:spLocks noChangeArrowheads="1"/>
+            </p:cNvSpPr>
+            <p:nvPr/>
+          </p:nvSpPr>
+          <p:spPr bwMode="auto">
+            <a:xfrm>
+              <a:off x="9789950" y="2870896"/>
+              <a:ext cx="45719" cy="2508018"/>
+            </a:xfrm>
+            <a:prstGeom prst="rect">
+              <a:avLst/>
+            </a:prstGeom>
+            <a:solidFill>
+              <a:schemeClr val="accent3">
+                <a:lumMod val="75000"/>
+              </a:schemeClr>
+            </a:solidFill>
+            <a:ln w="9525">
+              <a:noFill/>
+              <a:miter lim="800000"/>
+              <a:headEnd/>
+              <a:tailEnd/>
+            </a:ln>
+          </p:spPr>
+          <p:txBody>
+            <a:bodyPr wrap="none" anchor="ctr"/>
+            <a:lstStyle/>
+            <a:p>
+              <a:endParaRPr lang="en-US"/>
+            </a:p>
+          </p:txBody>
+        </p:sp>
+        <p:sp>
+          <p:nvSpPr>
+            <p:cNvPr id="103" name="Rectangle 11">
+              <a:extLst>
+                <a:ext uri="{FF2B5EF4-FFF2-40B4-BE49-F238E27FC236}">
+                  <a16:creationId xmlns:a16="http://schemas.microsoft.com/office/drawing/2014/main" id="{59CD344E-DAE5-4948-BF0F-62C33ADF6150}"/>
+                </a:ext>
+              </a:extLst>
+            </p:cNvPr>
+            <p:cNvSpPr>
+              <a:spLocks noChangeArrowheads="1"/>
+            </p:cNvSpPr>
+            <p:nvPr/>
+          </p:nvSpPr>
+          <p:spPr bwMode="auto">
+            <a:xfrm rot="16200000">
+              <a:off x="9797706" y="5136664"/>
+              <a:ext cx="45719" cy="438780"/>
+            </a:xfrm>
+            <a:prstGeom prst="rect">
+              <a:avLst/>
+            </a:prstGeom>
+            <a:solidFill>
+              <a:schemeClr val="accent3">
+                <a:lumMod val="75000"/>
+              </a:schemeClr>
+            </a:solidFill>
+            <a:ln w="9525">
+              <a:noFill/>
+              <a:miter lim="800000"/>
+              <a:headEnd/>
+              <a:tailEnd/>
+            </a:ln>
+          </p:spPr>
+          <p:txBody>
+            <a:bodyPr wrap="none" anchor="ctr"/>
+            <a:lstStyle/>
+            <a:p>
+              <a:endParaRPr lang="en-US"/>
+            </a:p>
+          </p:txBody>
+        </p:sp>
+        <p:sp>
+          <p:nvSpPr>
+            <p:cNvPr id="104" name="Oval 10">
+              <a:extLst>
+                <a:ext uri="{FF2B5EF4-FFF2-40B4-BE49-F238E27FC236}">
+                  <a16:creationId xmlns:a16="http://schemas.microsoft.com/office/drawing/2014/main" id="{43045F0F-D8E6-2044-A090-DB5A0C3D343E}"/>
+                </a:ext>
+              </a:extLst>
+            </p:cNvPr>
+            <p:cNvSpPr>
+              <a:spLocks noChangeArrowheads="1"/>
+            </p:cNvSpPr>
+            <p:nvPr/>
+          </p:nvSpPr>
+          <p:spPr bwMode="auto">
+            <a:xfrm>
+              <a:off x="9330226" y="5293824"/>
+              <a:ext cx="319437" cy="124460"/>
+            </a:xfrm>
+            <a:prstGeom prst="ellipse">
+              <a:avLst/>
+            </a:prstGeom>
+            <a:solidFill>
+              <a:schemeClr val="accent3">
+                <a:lumMod val="75000"/>
+              </a:schemeClr>
+            </a:solidFill>
+            <a:ln w="9525">
+              <a:noFill/>
+              <a:round/>
+              <a:headEnd/>
+              <a:tailEnd/>
+            </a:ln>
+          </p:spPr>
+          <p:txBody>
+            <a:bodyPr wrap="none" anchor="ctr"/>
+            <a:lstStyle/>
+            <a:p>
+              <a:endParaRPr lang="en-US"/>
+            </a:p>
+          </p:txBody>
+        </p:sp>
+        <p:sp>
+          <p:nvSpPr>
+            <p:cNvPr id="106" name="Curved Left Arrow 105">
+              <a:extLst>
+                <a:ext uri="{FF2B5EF4-FFF2-40B4-BE49-F238E27FC236}">
+                  <a16:creationId xmlns:a16="http://schemas.microsoft.com/office/drawing/2014/main" id="{1B5631B7-736D-FC41-B1F3-833B3B98D201}"/>
                 </a:ext>
               </a:extLst>
             </p:cNvPr>
@@ -3581,12 +3703,15 @@
           </p:nvSpPr>
           <p:spPr>
             <a:xfrm>
-              <a:off x="4711032" y="4397836"/>
-              <a:ext cx="553673" cy="553673"/>
+              <a:off x="10273387" y="5215477"/>
+              <a:ext cx="152875" cy="235433"/>
             </a:xfrm>
-            <a:prstGeom prst="ellipse">
+            <a:prstGeom prst="curvedLeftArrow">
               <a:avLst/>
             </a:prstGeom>
+            <a:solidFill>
+              <a:schemeClr val="bg1"/>
+            </a:solidFill>
           </p:spPr>
           <p:style>
             <a:lnRef idx="2">
@@ -3609,16 +3734,20 @@
             <a:lstStyle/>
             <a:p>
               <a:pPr algn="ctr"/>
-              <a:endParaRPr lang="es-ES_tradnl"/>
+              <a:endParaRPr lang="es-ES_tradnl">
+                <a:solidFill>
+                  <a:schemeClr val="tx1"/>
+                </a:solidFill>
+              </a:endParaRPr>
             </a:p>
           </p:txBody>
         </p:sp>
         <p:sp>
           <p:nvSpPr>
-            <p:cNvPr id="9" name="Oval 8">
+            <p:cNvPr id="107" name="Curved Left Arrow 106">
               <a:extLst>
                 <a:ext uri="{FF2B5EF4-FFF2-40B4-BE49-F238E27FC236}">
-                  <a16:creationId xmlns:a16="http://schemas.microsoft.com/office/drawing/2014/main" id="{6961A2D9-341E-D24E-BEC9-31EEDE4FF893}"/>
+                  <a16:creationId xmlns:a16="http://schemas.microsoft.com/office/drawing/2014/main" id="{45215276-8E31-BC46-8AC0-41A7FB0C09B1}"/>
                 </a:ext>
               </a:extLst>
             </p:cNvPr>
@@ -3626,13 +3755,16 @@
             <p:nvPr/>
           </p:nvSpPr>
           <p:spPr>
-            <a:xfrm>
-              <a:off x="5426015" y="3598877"/>
-              <a:ext cx="553673" cy="553673"/>
+            <a:xfrm rot="10800000">
+              <a:off x="9204355" y="5215477"/>
+              <a:ext cx="152875" cy="235433"/>
             </a:xfrm>
-            <a:prstGeom prst="ellipse">
+            <a:prstGeom prst="curvedLeftArrow">
               <a:avLst/>
             </a:prstGeom>
+            <a:solidFill>
+              <a:schemeClr val="bg1"/>
+            </a:solidFill>
           </p:spPr>
           <p:style>
             <a:lnRef idx="2">
@@ -3655,16 +3787,3752 @@
             <a:lstStyle/>
             <a:p>
               <a:pPr algn="ctr"/>
-              <a:endParaRPr lang="es-ES_tradnl"/>
+              <a:endParaRPr lang="es-ES_tradnl">
+                <a:solidFill>
+                  <a:schemeClr val="tx1"/>
+                </a:solidFill>
+              </a:endParaRPr>
+            </a:p>
+          </p:txBody>
+        </p:sp>
+      </p:grpSp>
+      <p:grpSp>
+        <p:nvGrpSpPr>
+          <p:cNvPr id="111" name="Group 110">
+            <a:extLst>
+              <a:ext uri="{FF2B5EF4-FFF2-40B4-BE49-F238E27FC236}">
+                <a16:creationId xmlns:a16="http://schemas.microsoft.com/office/drawing/2014/main" id="{FEA68220-9EDD-8D4D-A1CF-EA58DB113E8E}"/>
+              </a:ext>
+            </a:extLst>
+          </p:cNvPr>
+          <p:cNvGrpSpPr/>
+          <p:nvPr/>
+        </p:nvGrpSpPr>
+        <p:grpSpPr>
+          <a:xfrm>
+            <a:off x="747909" y="2674297"/>
+            <a:ext cx="1730375" cy="1946275"/>
+            <a:chOff x="7282135" y="4722759"/>
+            <a:chExt cx="1730375" cy="1946275"/>
+          </a:xfrm>
+        </p:grpSpPr>
+        <p:sp>
+          <p:nvSpPr>
+            <p:cNvPr id="17" name="Oval 12">
+              <a:extLst>
+                <a:ext uri="{FF2B5EF4-FFF2-40B4-BE49-F238E27FC236}">
+                  <a16:creationId xmlns:a16="http://schemas.microsoft.com/office/drawing/2014/main" id="{DDCCCEF3-9ABC-0A46-BE6B-DC6DBF32C79A}"/>
+                </a:ext>
+              </a:extLst>
+            </p:cNvPr>
+            <p:cNvSpPr>
+              <a:spLocks noChangeArrowheads="1"/>
+            </p:cNvSpPr>
+            <p:nvPr/>
+          </p:nvSpPr>
+          <p:spPr bwMode="auto">
+            <a:xfrm>
+              <a:off x="8766939" y="4737858"/>
+              <a:ext cx="73025" cy="73025"/>
+            </a:xfrm>
+            <a:prstGeom prst="ellipse">
+              <a:avLst/>
+            </a:prstGeom>
+            <a:solidFill>
+              <a:schemeClr val="tx1">
+                <a:lumMod val="50000"/>
+                <a:lumOff val="50000"/>
+              </a:schemeClr>
+            </a:solidFill>
+            <a:ln w="9525">
+              <a:solidFill>
+                <a:schemeClr val="tx1"/>
+              </a:solidFill>
+              <a:round/>
+              <a:headEnd/>
+              <a:tailEnd/>
+            </a:ln>
+          </p:spPr>
+          <p:txBody>
+            <a:bodyPr wrap="none" anchor="ctr"/>
+            <a:lstStyle/>
+            <a:p>
+              <a:endParaRPr lang="en-US"/>
             </a:p>
           </p:txBody>
         </p:sp>
         <p:sp>
           <p:nvSpPr>
-            <p:cNvPr id="10" name="Oval 9">
+            <p:cNvPr id="18" name="Oval 13">
               <a:extLst>
                 <a:ext uri="{FF2B5EF4-FFF2-40B4-BE49-F238E27FC236}">
-                  <a16:creationId xmlns:a16="http://schemas.microsoft.com/office/drawing/2014/main" id="{C5DD4850-E90F-9740-875B-CBA10137C051}"/>
+                  <a16:creationId xmlns:a16="http://schemas.microsoft.com/office/drawing/2014/main" id="{B0AD452A-5BA6-6F43-B039-F94459F3E16A}"/>
+                </a:ext>
+              </a:extLst>
+            </p:cNvPr>
+            <p:cNvSpPr>
+              <a:spLocks noChangeArrowheads="1"/>
+            </p:cNvSpPr>
+            <p:nvPr/>
+          </p:nvSpPr>
+          <p:spPr bwMode="auto">
+            <a:xfrm>
+              <a:off x="7355160" y="4867221"/>
+              <a:ext cx="73025" cy="73025"/>
+            </a:xfrm>
+            <a:prstGeom prst="ellipse">
+              <a:avLst/>
+            </a:prstGeom>
+            <a:solidFill>
+              <a:schemeClr val="tx1">
+                <a:lumMod val="50000"/>
+                <a:lumOff val="50000"/>
+              </a:schemeClr>
+            </a:solidFill>
+            <a:ln w="9525">
+              <a:solidFill>
+                <a:schemeClr val="tx1"/>
+              </a:solidFill>
+              <a:round/>
+              <a:headEnd/>
+              <a:tailEnd/>
+            </a:ln>
+          </p:spPr>
+          <p:txBody>
+            <a:bodyPr wrap="none" anchor="ctr"/>
+            <a:lstStyle/>
+            <a:p>
+              <a:endParaRPr lang="en-US"/>
+            </a:p>
+          </p:txBody>
+        </p:sp>
+        <p:sp>
+          <p:nvSpPr>
+            <p:cNvPr id="19" name="Oval 14">
+              <a:extLst>
+                <a:ext uri="{FF2B5EF4-FFF2-40B4-BE49-F238E27FC236}">
+                  <a16:creationId xmlns:a16="http://schemas.microsoft.com/office/drawing/2014/main" id="{10520AD5-6417-3447-A1DC-6E52B8A0FC1B}"/>
+                </a:ext>
+              </a:extLst>
+            </p:cNvPr>
+            <p:cNvSpPr>
+              <a:spLocks noChangeArrowheads="1"/>
+            </p:cNvSpPr>
+            <p:nvPr/>
+          </p:nvSpPr>
+          <p:spPr bwMode="auto">
+            <a:xfrm>
+              <a:off x="7715523" y="4724346"/>
+              <a:ext cx="73025" cy="73025"/>
+            </a:xfrm>
+            <a:prstGeom prst="ellipse">
+              <a:avLst/>
+            </a:prstGeom>
+            <a:solidFill>
+              <a:schemeClr val="tx1">
+                <a:lumMod val="50000"/>
+                <a:lumOff val="50000"/>
+              </a:schemeClr>
+            </a:solidFill>
+            <a:ln w="9525">
+              <a:solidFill>
+                <a:schemeClr val="tx1"/>
+              </a:solidFill>
+              <a:round/>
+              <a:headEnd/>
+              <a:tailEnd/>
+            </a:ln>
+          </p:spPr>
+          <p:txBody>
+            <a:bodyPr wrap="none" anchor="ctr"/>
+            <a:lstStyle/>
+            <a:p>
+              <a:endParaRPr lang="en-US"/>
+            </a:p>
+          </p:txBody>
+        </p:sp>
+        <p:sp>
+          <p:nvSpPr>
+            <p:cNvPr id="20" name="Oval 15">
+              <a:extLst>
+                <a:ext uri="{FF2B5EF4-FFF2-40B4-BE49-F238E27FC236}">
+                  <a16:creationId xmlns:a16="http://schemas.microsoft.com/office/drawing/2014/main" id="{3559AC87-2E5F-2B49-9F78-D068FAF0253F}"/>
+                </a:ext>
+              </a:extLst>
+            </p:cNvPr>
+            <p:cNvSpPr>
+              <a:spLocks noChangeArrowheads="1"/>
+            </p:cNvSpPr>
+            <p:nvPr/>
+          </p:nvSpPr>
+          <p:spPr bwMode="auto">
+            <a:xfrm>
+              <a:off x="7713935" y="5227584"/>
+              <a:ext cx="73025" cy="73025"/>
+            </a:xfrm>
+            <a:prstGeom prst="ellipse">
+              <a:avLst/>
+            </a:prstGeom>
+            <a:solidFill>
+              <a:schemeClr val="tx1">
+                <a:lumMod val="50000"/>
+                <a:lumOff val="50000"/>
+              </a:schemeClr>
+            </a:solidFill>
+            <a:ln w="9525">
+              <a:solidFill>
+                <a:schemeClr val="tx1"/>
+              </a:solidFill>
+              <a:round/>
+              <a:headEnd/>
+              <a:tailEnd/>
+            </a:ln>
+          </p:spPr>
+          <p:txBody>
+            <a:bodyPr wrap="none" anchor="ctr"/>
+            <a:lstStyle/>
+            <a:p>
+              <a:endParaRPr lang="en-US"/>
+            </a:p>
+          </p:txBody>
+        </p:sp>
+        <p:sp>
+          <p:nvSpPr>
+            <p:cNvPr id="21" name="Oval 16">
+              <a:extLst>
+                <a:ext uri="{FF2B5EF4-FFF2-40B4-BE49-F238E27FC236}">
+                  <a16:creationId xmlns:a16="http://schemas.microsoft.com/office/drawing/2014/main" id="{5E7E7BC2-DAD2-1949-B600-8B156234D945}"/>
+                </a:ext>
+              </a:extLst>
+            </p:cNvPr>
+            <p:cNvSpPr>
+              <a:spLocks noChangeArrowheads="1"/>
+            </p:cNvSpPr>
+            <p:nvPr/>
+          </p:nvSpPr>
+          <p:spPr bwMode="auto">
+            <a:xfrm>
+              <a:off x="7571060" y="5154559"/>
+              <a:ext cx="73025" cy="73025"/>
+            </a:xfrm>
+            <a:prstGeom prst="ellipse">
+              <a:avLst/>
+            </a:prstGeom>
+            <a:solidFill>
+              <a:schemeClr val="tx1">
+                <a:lumMod val="50000"/>
+                <a:lumOff val="50000"/>
+              </a:schemeClr>
+            </a:solidFill>
+            <a:ln w="9525">
+              <a:solidFill>
+                <a:schemeClr val="tx1"/>
+              </a:solidFill>
+              <a:round/>
+              <a:headEnd/>
+              <a:tailEnd/>
+            </a:ln>
+          </p:spPr>
+          <p:txBody>
+            <a:bodyPr wrap="none" anchor="ctr"/>
+            <a:lstStyle/>
+            <a:p>
+              <a:endParaRPr lang="en-US"/>
+            </a:p>
+          </p:txBody>
+        </p:sp>
+        <p:sp>
+          <p:nvSpPr>
+            <p:cNvPr id="22" name="Oval 17">
+              <a:extLst>
+                <a:ext uri="{FF2B5EF4-FFF2-40B4-BE49-F238E27FC236}">
+                  <a16:creationId xmlns:a16="http://schemas.microsoft.com/office/drawing/2014/main" id="{90547C83-5295-3E47-A568-0B4B921AA469}"/>
+                </a:ext>
+              </a:extLst>
+            </p:cNvPr>
+            <p:cNvSpPr>
+              <a:spLocks noChangeArrowheads="1"/>
+            </p:cNvSpPr>
+            <p:nvPr/>
+          </p:nvSpPr>
+          <p:spPr bwMode="auto">
+            <a:xfrm>
+              <a:off x="8290198" y="5297434"/>
+              <a:ext cx="73025" cy="73025"/>
+            </a:xfrm>
+            <a:prstGeom prst="ellipse">
+              <a:avLst/>
+            </a:prstGeom>
+            <a:solidFill>
+              <a:schemeClr val="tx1">
+                <a:lumMod val="50000"/>
+                <a:lumOff val="50000"/>
+              </a:schemeClr>
+            </a:solidFill>
+            <a:ln w="9525">
+              <a:solidFill>
+                <a:schemeClr val="tx1"/>
+              </a:solidFill>
+              <a:round/>
+              <a:headEnd/>
+              <a:tailEnd/>
+            </a:ln>
+          </p:spPr>
+          <p:txBody>
+            <a:bodyPr wrap="none" anchor="ctr"/>
+            <a:lstStyle/>
+            <a:p>
+              <a:endParaRPr lang="en-US"/>
+            </a:p>
+          </p:txBody>
+        </p:sp>
+        <p:sp>
+          <p:nvSpPr>
+            <p:cNvPr id="23" name="Oval 18">
+              <a:extLst>
+                <a:ext uri="{FF2B5EF4-FFF2-40B4-BE49-F238E27FC236}">
+                  <a16:creationId xmlns:a16="http://schemas.microsoft.com/office/drawing/2014/main" id="{57275307-2043-3849-A9B0-7976763A8423}"/>
+                </a:ext>
+              </a:extLst>
+            </p:cNvPr>
+            <p:cNvSpPr>
+              <a:spLocks noChangeArrowheads="1"/>
+            </p:cNvSpPr>
+            <p:nvPr/>
+          </p:nvSpPr>
+          <p:spPr bwMode="auto">
+            <a:xfrm>
+              <a:off x="7498035" y="4722759"/>
+              <a:ext cx="73025" cy="73025"/>
+            </a:xfrm>
+            <a:prstGeom prst="ellipse">
+              <a:avLst/>
+            </a:prstGeom>
+            <a:solidFill>
+              <a:schemeClr val="tx1">
+                <a:lumMod val="50000"/>
+                <a:lumOff val="50000"/>
+              </a:schemeClr>
+            </a:solidFill>
+            <a:ln w="9525">
+              <a:solidFill>
+                <a:schemeClr val="tx1"/>
+              </a:solidFill>
+              <a:round/>
+              <a:headEnd/>
+              <a:tailEnd/>
+            </a:ln>
+          </p:spPr>
+          <p:txBody>
+            <a:bodyPr wrap="none" anchor="ctr"/>
+            <a:lstStyle/>
+            <a:p>
+              <a:endParaRPr lang="en-US"/>
+            </a:p>
+          </p:txBody>
+        </p:sp>
+        <p:sp>
+          <p:nvSpPr>
+            <p:cNvPr id="24" name="Oval 19">
+              <a:extLst>
+                <a:ext uri="{FF2B5EF4-FFF2-40B4-BE49-F238E27FC236}">
+                  <a16:creationId xmlns:a16="http://schemas.microsoft.com/office/drawing/2014/main" id="{4C607492-5A34-3643-97D6-E5BB647F93C4}"/>
+                </a:ext>
+              </a:extLst>
+            </p:cNvPr>
+            <p:cNvSpPr>
+              <a:spLocks noChangeArrowheads="1"/>
+            </p:cNvSpPr>
+            <p:nvPr/>
+          </p:nvSpPr>
+          <p:spPr bwMode="auto">
+            <a:xfrm>
+              <a:off x="7498035" y="5083121"/>
+              <a:ext cx="73025" cy="73025"/>
+            </a:xfrm>
+            <a:prstGeom prst="ellipse">
+              <a:avLst/>
+            </a:prstGeom>
+            <a:solidFill>
+              <a:schemeClr val="tx1">
+                <a:lumMod val="50000"/>
+                <a:lumOff val="50000"/>
+              </a:schemeClr>
+            </a:solidFill>
+            <a:ln w="9525">
+              <a:solidFill>
+                <a:schemeClr val="tx1"/>
+              </a:solidFill>
+              <a:round/>
+              <a:headEnd/>
+              <a:tailEnd/>
+            </a:ln>
+          </p:spPr>
+          <p:txBody>
+            <a:bodyPr wrap="none" anchor="ctr"/>
+            <a:lstStyle/>
+            <a:p>
+              <a:endParaRPr lang="en-US"/>
+            </a:p>
+          </p:txBody>
+        </p:sp>
+        <p:sp>
+          <p:nvSpPr>
+            <p:cNvPr id="25" name="Oval 20">
+              <a:extLst>
+                <a:ext uri="{FF2B5EF4-FFF2-40B4-BE49-F238E27FC236}">
+                  <a16:creationId xmlns:a16="http://schemas.microsoft.com/office/drawing/2014/main" id="{45089EE4-213D-A04F-9702-2DBEE9C2E505}"/>
+                </a:ext>
+              </a:extLst>
+            </p:cNvPr>
+            <p:cNvSpPr>
+              <a:spLocks noChangeArrowheads="1"/>
+            </p:cNvSpPr>
+            <p:nvPr/>
+          </p:nvSpPr>
+          <p:spPr bwMode="auto">
+            <a:xfrm>
+              <a:off x="7858398" y="5156146"/>
+              <a:ext cx="73025" cy="73025"/>
+            </a:xfrm>
+            <a:prstGeom prst="ellipse">
+              <a:avLst/>
+            </a:prstGeom>
+            <a:solidFill>
+              <a:schemeClr val="tx1">
+                <a:lumMod val="50000"/>
+                <a:lumOff val="50000"/>
+              </a:schemeClr>
+            </a:solidFill>
+            <a:ln w="9525">
+              <a:solidFill>
+                <a:schemeClr val="tx1"/>
+              </a:solidFill>
+              <a:round/>
+              <a:headEnd/>
+              <a:tailEnd/>
+            </a:ln>
+          </p:spPr>
+          <p:txBody>
+            <a:bodyPr wrap="none" anchor="ctr"/>
+            <a:lstStyle/>
+            <a:p>
+              <a:endParaRPr lang="en-US"/>
+            </a:p>
+          </p:txBody>
+        </p:sp>
+        <p:sp>
+          <p:nvSpPr>
+            <p:cNvPr id="26" name="Oval 21">
+              <a:extLst>
+                <a:ext uri="{FF2B5EF4-FFF2-40B4-BE49-F238E27FC236}">
+                  <a16:creationId xmlns:a16="http://schemas.microsoft.com/office/drawing/2014/main" id="{737A860D-0136-574A-A3A2-6A1FDCEBDFCD}"/>
+                </a:ext>
+              </a:extLst>
+            </p:cNvPr>
+            <p:cNvSpPr>
+              <a:spLocks noChangeArrowheads="1"/>
+            </p:cNvSpPr>
+            <p:nvPr/>
+          </p:nvSpPr>
+          <p:spPr bwMode="auto">
+            <a:xfrm>
+              <a:off x="8363223" y="6019746"/>
+              <a:ext cx="73025" cy="73025"/>
+            </a:xfrm>
+            <a:prstGeom prst="ellipse">
+              <a:avLst/>
+            </a:prstGeom>
+            <a:solidFill>
+              <a:schemeClr val="tx1">
+                <a:lumMod val="50000"/>
+                <a:lumOff val="50000"/>
+              </a:schemeClr>
+            </a:solidFill>
+            <a:ln w="9525">
+              <a:solidFill>
+                <a:schemeClr val="tx1"/>
+              </a:solidFill>
+              <a:round/>
+              <a:headEnd/>
+              <a:tailEnd/>
+            </a:ln>
+          </p:spPr>
+          <p:txBody>
+            <a:bodyPr wrap="none" anchor="ctr"/>
+            <a:lstStyle/>
+            <a:p>
+              <a:endParaRPr lang="en-US"/>
+            </a:p>
+          </p:txBody>
+        </p:sp>
+        <p:sp>
+          <p:nvSpPr>
+            <p:cNvPr id="27" name="Oval 22">
+              <a:extLst>
+                <a:ext uri="{FF2B5EF4-FFF2-40B4-BE49-F238E27FC236}">
+                  <a16:creationId xmlns:a16="http://schemas.microsoft.com/office/drawing/2014/main" id="{81572DA9-A659-D448-9AC1-5375ABE3E97D}"/>
+                </a:ext>
+              </a:extLst>
+            </p:cNvPr>
+            <p:cNvSpPr>
+              <a:spLocks noChangeArrowheads="1"/>
+            </p:cNvSpPr>
+            <p:nvPr/>
+          </p:nvSpPr>
+          <p:spPr bwMode="auto">
+            <a:xfrm>
+              <a:off x="7644085" y="4940246"/>
+              <a:ext cx="73025" cy="73025"/>
+            </a:xfrm>
+            <a:prstGeom prst="ellipse">
+              <a:avLst/>
+            </a:prstGeom>
+            <a:solidFill>
+              <a:schemeClr val="tx1">
+                <a:lumMod val="50000"/>
+                <a:lumOff val="50000"/>
+              </a:schemeClr>
+            </a:solidFill>
+            <a:ln w="9525">
+              <a:solidFill>
+                <a:schemeClr val="tx1"/>
+              </a:solidFill>
+              <a:round/>
+              <a:headEnd/>
+              <a:tailEnd/>
+            </a:ln>
+          </p:spPr>
+          <p:txBody>
+            <a:bodyPr wrap="none" anchor="ctr"/>
+            <a:lstStyle/>
+            <a:p>
+              <a:endParaRPr lang="en-US"/>
+            </a:p>
+          </p:txBody>
+        </p:sp>
+        <p:sp>
+          <p:nvSpPr>
+            <p:cNvPr id="28" name="Oval 23">
+              <a:extLst>
+                <a:ext uri="{FF2B5EF4-FFF2-40B4-BE49-F238E27FC236}">
+                  <a16:creationId xmlns:a16="http://schemas.microsoft.com/office/drawing/2014/main" id="{B9B3B45E-81B8-4944-A3B6-ECB219325545}"/>
+                </a:ext>
+              </a:extLst>
+            </p:cNvPr>
+            <p:cNvSpPr>
+              <a:spLocks noChangeArrowheads="1"/>
+            </p:cNvSpPr>
+            <p:nvPr/>
+          </p:nvSpPr>
+          <p:spPr bwMode="auto">
+            <a:xfrm>
+              <a:off x="8361635" y="5152971"/>
+              <a:ext cx="73025" cy="73025"/>
+            </a:xfrm>
+            <a:prstGeom prst="ellipse">
+              <a:avLst/>
+            </a:prstGeom>
+            <a:solidFill>
+              <a:schemeClr val="tx1">
+                <a:lumMod val="50000"/>
+                <a:lumOff val="50000"/>
+              </a:schemeClr>
+            </a:solidFill>
+            <a:ln w="9525">
+              <a:solidFill>
+                <a:schemeClr val="tx1"/>
+              </a:solidFill>
+              <a:round/>
+              <a:headEnd/>
+              <a:tailEnd/>
+            </a:ln>
+          </p:spPr>
+          <p:txBody>
+            <a:bodyPr wrap="none" anchor="ctr"/>
+            <a:lstStyle/>
+            <a:p>
+              <a:endParaRPr lang="en-US"/>
+            </a:p>
+          </p:txBody>
+        </p:sp>
+        <p:sp>
+          <p:nvSpPr>
+            <p:cNvPr id="29" name="Oval 24">
+              <a:extLst>
+                <a:ext uri="{FF2B5EF4-FFF2-40B4-BE49-F238E27FC236}">
+                  <a16:creationId xmlns:a16="http://schemas.microsoft.com/office/drawing/2014/main" id="{45F9B4F5-CA54-C14E-B30A-8B71EA8C7BF9}"/>
+                </a:ext>
+              </a:extLst>
+            </p:cNvPr>
+            <p:cNvSpPr>
+              <a:spLocks noChangeArrowheads="1"/>
+            </p:cNvSpPr>
+            <p:nvPr/>
+          </p:nvSpPr>
+          <p:spPr bwMode="auto">
+            <a:xfrm>
+              <a:off x="7640910" y="4938659"/>
+              <a:ext cx="73025" cy="73025"/>
+            </a:xfrm>
+            <a:prstGeom prst="ellipse">
+              <a:avLst/>
+            </a:prstGeom>
+            <a:solidFill>
+              <a:schemeClr val="tx1">
+                <a:lumMod val="50000"/>
+                <a:lumOff val="50000"/>
+              </a:schemeClr>
+            </a:solidFill>
+            <a:ln w="9525">
+              <a:solidFill>
+                <a:schemeClr val="tx1"/>
+              </a:solidFill>
+              <a:round/>
+              <a:headEnd/>
+              <a:tailEnd/>
+            </a:ln>
+          </p:spPr>
+          <p:txBody>
+            <a:bodyPr wrap="none" anchor="ctr"/>
+            <a:lstStyle/>
+            <a:p>
+              <a:endParaRPr lang="en-US"/>
+            </a:p>
+          </p:txBody>
+        </p:sp>
+        <p:sp>
+          <p:nvSpPr>
+            <p:cNvPr id="30" name="Oval 25">
+              <a:extLst>
+                <a:ext uri="{FF2B5EF4-FFF2-40B4-BE49-F238E27FC236}">
+                  <a16:creationId xmlns:a16="http://schemas.microsoft.com/office/drawing/2014/main" id="{7C4430CE-8964-E743-B049-EE52B64030BC}"/>
+                </a:ext>
+              </a:extLst>
+            </p:cNvPr>
+            <p:cNvSpPr>
+              <a:spLocks noChangeArrowheads="1"/>
+            </p:cNvSpPr>
+            <p:nvPr/>
+          </p:nvSpPr>
+          <p:spPr bwMode="auto">
+            <a:xfrm>
+              <a:off x="8147323" y="6091184"/>
+              <a:ext cx="73025" cy="73025"/>
+            </a:xfrm>
+            <a:prstGeom prst="ellipse">
+              <a:avLst/>
+            </a:prstGeom>
+            <a:solidFill>
+              <a:schemeClr val="tx1">
+                <a:lumMod val="50000"/>
+                <a:lumOff val="50000"/>
+              </a:schemeClr>
+            </a:solidFill>
+            <a:ln w="9525">
+              <a:solidFill>
+                <a:schemeClr val="tx1"/>
+              </a:solidFill>
+              <a:round/>
+              <a:headEnd/>
+              <a:tailEnd/>
+            </a:ln>
+          </p:spPr>
+          <p:txBody>
+            <a:bodyPr wrap="none" anchor="ctr"/>
+            <a:lstStyle/>
+            <a:p>
+              <a:endParaRPr lang="en-US"/>
+            </a:p>
+          </p:txBody>
+        </p:sp>
+        <p:sp>
+          <p:nvSpPr>
+            <p:cNvPr id="31" name="Oval 26">
+              <a:extLst>
+                <a:ext uri="{FF2B5EF4-FFF2-40B4-BE49-F238E27FC236}">
+                  <a16:creationId xmlns:a16="http://schemas.microsoft.com/office/drawing/2014/main" id="{775E3418-9D00-E249-90DB-530DA5A4C7E8}"/>
+                </a:ext>
+              </a:extLst>
+            </p:cNvPr>
+            <p:cNvSpPr>
+              <a:spLocks noChangeArrowheads="1"/>
+            </p:cNvSpPr>
+            <p:nvPr/>
+          </p:nvSpPr>
+          <p:spPr bwMode="auto">
+            <a:xfrm>
+              <a:off x="8145735" y="5225996"/>
+              <a:ext cx="73025" cy="73025"/>
+            </a:xfrm>
+            <a:prstGeom prst="ellipse">
+              <a:avLst/>
+            </a:prstGeom>
+            <a:solidFill>
+              <a:schemeClr val="tx1">
+                <a:lumMod val="50000"/>
+                <a:lumOff val="50000"/>
+              </a:schemeClr>
+            </a:solidFill>
+            <a:ln w="9525">
+              <a:solidFill>
+                <a:schemeClr val="tx1"/>
+              </a:solidFill>
+              <a:round/>
+              <a:headEnd/>
+              <a:tailEnd/>
+            </a:ln>
+          </p:spPr>
+          <p:txBody>
+            <a:bodyPr wrap="none" anchor="ctr"/>
+            <a:lstStyle/>
+            <a:p>
+              <a:endParaRPr lang="en-US"/>
+            </a:p>
+          </p:txBody>
+        </p:sp>
+        <p:sp>
+          <p:nvSpPr>
+            <p:cNvPr id="32" name="Oval 27">
+              <a:extLst>
+                <a:ext uri="{FF2B5EF4-FFF2-40B4-BE49-F238E27FC236}">
+                  <a16:creationId xmlns:a16="http://schemas.microsoft.com/office/drawing/2014/main" id="{AEE2D4D5-5FAF-DB47-B5CF-0B6617EED922}"/>
+                </a:ext>
+              </a:extLst>
+            </p:cNvPr>
+            <p:cNvSpPr>
+              <a:spLocks noChangeArrowheads="1"/>
+            </p:cNvSpPr>
+            <p:nvPr/>
+          </p:nvSpPr>
+          <p:spPr bwMode="auto">
+            <a:xfrm>
+              <a:off x="8579123" y="6235646"/>
+              <a:ext cx="73025" cy="73025"/>
+            </a:xfrm>
+            <a:prstGeom prst="ellipse">
+              <a:avLst/>
+            </a:prstGeom>
+            <a:solidFill>
+              <a:schemeClr val="tx1">
+                <a:lumMod val="50000"/>
+                <a:lumOff val="50000"/>
+              </a:schemeClr>
+            </a:solidFill>
+            <a:ln w="9525">
+              <a:solidFill>
+                <a:schemeClr val="tx1"/>
+              </a:solidFill>
+              <a:round/>
+              <a:headEnd/>
+              <a:tailEnd/>
+            </a:ln>
+          </p:spPr>
+          <p:txBody>
+            <a:bodyPr wrap="none" anchor="ctr"/>
+            <a:lstStyle/>
+            <a:p>
+              <a:endParaRPr lang="en-US"/>
+            </a:p>
+          </p:txBody>
+        </p:sp>
+        <p:sp>
+          <p:nvSpPr>
+            <p:cNvPr id="33" name="Oval 28">
+              <a:extLst>
+                <a:ext uri="{FF2B5EF4-FFF2-40B4-BE49-F238E27FC236}">
+                  <a16:creationId xmlns:a16="http://schemas.microsoft.com/office/drawing/2014/main" id="{F9E6A551-80D2-ED4A-A612-F3DE8955210D}"/>
+                </a:ext>
+              </a:extLst>
+            </p:cNvPr>
+            <p:cNvSpPr>
+              <a:spLocks noChangeArrowheads="1"/>
+            </p:cNvSpPr>
+            <p:nvPr/>
+          </p:nvSpPr>
+          <p:spPr bwMode="auto">
+            <a:xfrm>
+              <a:off x="7929835" y="5010096"/>
+              <a:ext cx="73025" cy="73025"/>
+            </a:xfrm>
+            <a:prstGeom prst="ellipse">
+              <a:avLst/>
+            </a:prstGeom>
+            <a:solidFill>
+              <a:schemeClr val="tx1">
+                <a:lumMod val="50000"/>
+                <a:lumOff val="50000"/>
+              </a:schemeClr>
+            </a:solidFill>
+            <a:ln w="9525">
+              <a:solidFill>
+                <a:schemeClr val="tx1"/>
+              </a:solidFill>
+              <a:round/>
+              <a:headEnd/>
+              <a:tailEnd/>
+            </a:ln>
+          </p:spPr>
+          <p:txBody>
+            <a:bodyPr wrap="none" anchor="ctr"/>
+            <a:lstStyle/>
+            <a:p>
+              <a:endParaRPr lang="en-US"/>
+            </a:p>
+          </p:txBody>
+        </p:sp>
+        <p:sp>
+          <p:nvSpPr>
+            <p:cNvPr id="34" name="Oval 29">
+              <a:extLst>
+                <a:ext uri="{FF2B5EF4-FFF2-40B4-BE49-F238E27FC236}">
+                  <a16:creationId xmlns:a16="http://schemas.microsoft.com/office/drawing/2014/main" id="{2FCA9114-F64C-8A49-B208-71892D62AA10}"/>
+                </a:ext>
+              </a:extLst>
+            </p:cNvPr>
+            <p:cNvSpPr>
+              <a:spLocks noChangeArrowheads="1"/>
+            </p:cNvSpPr>
+            <p:nvPr/>
+          </p:nvSpPr>
+          <p:spPr bwMode="auto">
+            <a:xfrm>
+              <a:off x="8939485" y="6091184"/>
+              <a:ext cx="73025" cy="73025"/>
+            </a:xfrm>
+            <a:prstGeom prst="ellipse">
+              <a:avLst/>
+            </a:prstGeom>
+            <a:solidFill>
+              <a:schemeClr val="tx1">
+                <a:lumMod val="50000"/>
+                <a:lumOff val="50000"/>
+              </a:schemeClr>
+            </a:solidFill>
+            <a:ln w="9525">
+              <a:solidFill>
+                <a:schemeClr val="tx1"/>
+              </a:solidFill>
+              <a:round/>
+              <a:headEnd/>
+              <a:tailEnd/>
+            </a:ln>
+          </p:spPr>
+          <p:txBody>
+            <a:bodyPr wrap="none" anchor="ctr"/>
+            <a:lstStyle/>
+            <a:p>
+              <a:endParaRPr lang="en-US"/>
+            </a:p>
+          </p:txBody>
+        </p:sp>
+        <p:sp>
+          <p:nvSpPr>
+            <p:cNvPr id="35" name="Oval 30">
+              <a:extLst>
+                <a:ext uri="{FF2B5EF4-FFF2-40B4-BE49-F238E27FC236}">
+                  <a16:creationId xmlns:a16="http://schemas.microsoft.com/office/drawing/2014/main" id="{040DC0B0-B8A7-5B43-97A6-282A63FE9631}"/>
+                </a:ext>
+              </a:extLst>
+            </p:cNvPr>
+            <p:cNvSpPr>
+              <a:spLocks noChangeArrowheads="1"/>
+            </p:cNvSpPr>
+            <p:nvPr/>
+          </p:nvSpPr>
+          <p:spPr bwMode="auto">
+            <a:xfrm>
+              <a:off x="7856810" y="5370459"/>
+              <a:ext cx="73025" cy="73025"/>
+            </a:xfrm>
+            <a:prstGeom prst="ellipse">
+              <a:avLst/>
+            </a:prstGeom>
+            <a:solidFill>
+              <a:schemeClr val="tx1">
+                <a:lumMod val="50000"/>
+                <a:lumOff val="50000"/>
+              </a:schemeClr>
+            </a:solidFill>
+            <a:ln w="9525">
+              <a:solidFill>
+                <a:schemeClr val="tx1"/>
+              </a:solidFill>
+              <a:round/>
+              <a:headEnd/>
+              <a:tailEnd/>
+            </a:ln>
+          </p:spPr>
+          <p:txBody>
+            <a:bodyPr wrap="none" anchor="ctr"/>
+            <a:lstStyle/>
+            <a:p>
+              <a:endParaRPr lang="en-US"/>
+            </a:p>
+          </p:txBody>
+        </p:sp>
+        <p:sp>
+          <p:nvSpPr>
+            <p:cNvPr id="36" name="Oval 31">
+              <a:extLst>
+                <a:ext uri="{FF2B5EF4-FFF2-40B4-BE49-F238E27FC236}">
+                  <a16:creationId xmlns:a16="http://schemas.microsoft.com/office/drawing/2014/main" id="{DB25414A-7EC4-9E4D-9628-4B7042D9B140}"/>
+                </a:ext>
+              </a:extLst>
+            </p:cNvPr>
+            <p:cNvSpPr>
+              <a:spLocks noChangeArrowheads="1"/>
+            </p:cNvSpPr>
+            <p:nvPr/>
+          </p:nvSpPr>
+          <p:spPr bwMode="auto">
+            <a:xfrm>
+              <a:off x="8363223" y="6307084"/>
+              <a:ext cx="73025" cy="73025"/>
+            </a:xfrm>
+            <a:prstGeom prst="ellipse">
+              <a:avLst/>
+            </a:prstGeom>
+            <a:solidFill>
+              <a:schemeClr val="tx1">
+                <a:lumMod val="50000"/>
+                <a:lumOff val="50000"/>
+              </a:schemeClr>
+            </a:solidFill>
+            <a:ln w="9525">
+              <a:solidFill>
+                <a:schemeClr val="tx1"/>
+              </a:solidFill>
+              <a:round/>
+              <a:headEnd/>
+              <a:tailEnd/>
+            </a:ln>
+          </p:spPr>
+          <p:txBody>
+            <a:bodyPr wrap="none" anchor="ctr"/>
+            <a:lstStyle/>
+            <a:p>
+              <a:endParaRPr lang="en-US"/>
+            </a:p>
+          </p:txBody>
+        </p:sp>
+        <p:sp>
+          <p:nvSpPr>
+            <p:cNvPr id="37" name="Oval 32">
+              <a:extLst>
+                <a:ext uri="{FF2B5EF4-FFF2-40B4-BE49-F238E27FC236}">
+                  <a16:creationId xmlns:a16="http://schemas.microsoft.com/office/drawing/2014/main" id="{5F21606D-4FC2-1A48-8489-4C967D441C16}"/>
+                </a:ext>
+              </a:extLst>
+            </p:cNvPr>
+            <p:cNvSpPr>
+              <a:spLocks noChangeArrowheads="1"/>
+            </p:cNvSpPr>
+            <p:nvPr/>
+          </p:nvSpPr>
+          <p:spPr bwMode="auto">
+            <a:xfrm>
+              <a:off x="8723585" y="6164209"/>
+              <a:ext cx="73025" cy="73025"/>
+            </a:xfrm>
+            <a:prstGeom prst="ellipse">
+              <a:avLst/>
+            </a:prstGeom>
+            <a:solidFill>
+              <a:schemeClr val="tx1">
+                <a:lumMod val="50000"/>
+                <a:lumOff val="50000"/>
+              </a:schemeClr>
+            </a:solidFill>
+            <a:ln w="9525">
+              <a:solidFill>
+                <a:schemeClr val="tx1"/>
+              </a:solidFill>
+              <a:round/>
+              <a:headEnd/>
+              <a:tailEnd/>
+            </a:ln>
+          </p:spPr>
+          <p:txBody>
+            <a:bodyPr wrap="none" anchor="ctr"/>
+            <a:lstStyle/>
+            <a:p>
+              <a:endParaRPr lang="en-US"/>
+            </a:p>
+          </p:txBody>
+        </p:sp>
+        <p:sp>
+          <p:nvSpPr>
+            <p:cNvPr id="38" name="Oval 33">
+              <a:extLst>
+                <a:ext uri="{FF2B5EF4-FFF2-40B4-BE49-F238E27FC236}">
+                  <a16:creationId xmlns:a16="http://schemas.microsoft.com/office/drawing/2014/main" id="{DB27D25F-BEC2-F04E-91A8-9388B7351B51}"/>
+                </a:ext>
+              </a:extLst>
+            </p:cNvPr>
+            <p:cNvSpPr>
+              <a:spLocks noChangeArrowheads="1"/>
+            </p:cNvSpPr>
+            <p:nvPr/>
+          </p:nvSpPr>
+          <p:spPr bwMode="auto">
+            <a:xfrm>
+              <a:off x="7788548" y="4940246"/>
+              <a:ext cx="73025" cy="73025"/>
+            </a:xfrm>
+            <a:prstGeom prst="ellipse">
+              <a:avLst/>
+            </a:prstGeom>
+            <a:solidFill>
+              <a:schemeClr val="tx1">
+                <a:lumMod val="50000"/>
+                <a:lumOff val="50000"/>
+              </a:schemeClr>
+            </a:solidFill>
+            <a:ln w="9525">
+              <a:solidFill>
+                <a:schemeClr val="tx1"/>
+              </a:solidFill>
+              <a:round/>
+              <a:headEnd/>
+              <a:tailEnd/>
+            </a:ln>
+          </p:spPr>
+          <p:txBody>
+            <a:bodyPr wrap="none" anchor="ctr"/>
+            <a:lstStyle/>
+            <a:p>
+              <a:endParaRPr lang="en-US"/>
+            </a:p>
+          </p:txBody>
+        </p:sp>
+        <p:sp>
+          <p:nvSpPr>
+            <p:cNvPr id="39" name="Oval 34">
+              <a:extLst>
+                <a:ext uri="{FF2B5EF4-FFF2-40B4-BE49-F238E27FC236}">
+                  <a16:creationId xmlns:a16="http://schemas.microsoft.com/office/drawing/2014/main" id="{2036C70A-A72A-6A49-9201-37399E921A55}"/>
+                </a:ext>
+              </a:extLst>
+            </p:cNvPr>
+            <p:cNvSpPr>
+              <a:spLocks noChangeArrowheads="1"/>
+            </p:cNvSpPr>
+            <p:nvPr/>
+          </p:nvSpPr>
+          <p:spPr bwMode="auto">
+            <a:xfrm>
+              <a:off x="8288610" y="5152971"/>
+              <a:ext cx="73025" cy="73025"/>
+            </a:xfrm>
+            <a:prstGeom prst="ellipse">
+              <a:avLst/>
+            </a:prstGeom>
+            <a:solidFill>
+              <a:schemeClr val="tx1">
+                <a:lumMod val="50000"/>
+                <a:lumOff val="50000"/>
+              </a:schemeClr>
+            </a:solidFill>
+            <a:ln w="9525">
+              <a:solidFill>
+                <a:schemeClr val="tx1"/>
+              </a:solidFill>
+              <a:round/>
+              <a:headEnd/>
+              <a:tailEnd/>
+            </a:ln>
+          </p:spPr>
+          <p:txBody>
+            <a:bodyPr wrap="none" anchor="ctr"/>
+            <a:lstStyle/>
+            <a:p>
+              <a:endParaRPr lang="en-US"/>
+            </a:p>
+          </p:txBody>
+        </p:sp>
+        <p:sp>
+          <p:nvSpPr>
+            <p:cNvPr id="40" name="Oval 35">
+              <a:extLst>
+                <a:ext uri="{FF2B5EF4-FFF2-40B4-BE49-F238E27FC236}">
+                  <a16:creationId xmlns:a16="http://schemas.microsoft.com/office/drawing/2014/main" id="{D9FFD90F-D9B3-DF4C-88A3-730498724FB4}"/>
+                </a:ext>
+              </a:extLst>
+            </p:cNvPr>
+            <p:cNvSpPr>
+              <a:spLocks noChangeArrowheads="1"/>
+            </p:cNvSpPr>
+            <p:nvPr/>
+          </p:nvSpPr>
+          <p:spPr bwMode="auto">
+            <a:xfrm>
+              <a:off x="8148910" y="4795784"/>
+              <a:ext cx="73025" cy="73025"/>
+            </a:xfrm>
+            <a:prstGeom prst="ellipse">
+              <a:avLst/>
+            </a:prstGeom>
+            <a:solidFill>
+              <a:schemeClr val="tx1">
+                <a:lumMod val="50000"/>
+                <a:lumOff val="50000"/>
+              </a:schemeClr>
+            </a:solidFill>
+            <a:ln w="9525">
+              <a:solidFill>
+                <a:schemeClr val="tx1"/>
+              </a:solidFill>
+              <a:round/>
+              <a:headEnd/>
+              <a:tailEnd/>
+            </a:ln>
+          </p:spPr>
+          <p:txBody>
+            <a:bodyPr wrap="none" anchor="ctr"/>
+            <a:lstStyle/>
+            <a:p>
+              <a:endParaRPr lang="en-US"/>
+            </a:p>
+          </p:txBody>
+        </p:sp>
+        <p:sp>
+          <p:nvSpPr>
+            <p:cNvPr id="41" name="Oval 36">
+              <a:extLst>
+                <a:ext uri="{FF2B5EF4-FFF2-40B4-BE49-F238E27FC236}">
+                  <a16:creationId xmlns:a16="http://schemas.microsoft.com/office/drawing/2014/main" id="{4541A2B7-8D87-A141-8DEA-6B3C6CE86131}"/>
+                </a:ext>
+              </a:extLst>
+            </p:cNvPr>
+            <p:cNvSpPr>
+              <a:spLocks noChangeArrowheads="1"/>
+            </p:cNvSpPr>
+            <p:nvPr/>
+          </p:nvSpPr>
+          <p:spPr bwMode="auto">
+            <a:xfrm>
+              <a:off x="8506098" y="6162621"/>
+              <a:ext cx="73025" cy="73025"/>
+            </a:xfrm>
+            <a:prstGeom prst="ellipse">
+              <a:avLst/>
+            </a:prstGeom>
+            <a:solidFill>
+              <a:schemeClr val="tx1">
+                <a:lumMod val="50000"/>
+                <a:lumOff val="50000"/>
+              </a:schemeClr>
+            </a:solidFill>
+            <a:ln w="9525">
+              <a:solidFill>
+                <a:schemeClr val="tx1"/>
+              </a:solidFill>
+              <a:round/>
+              <a:headEnd/>
+              <a:tailEnd/>
+            </a:ln>
+          </p:spPr>
+          <p:txBody>
+            <a:bodyPr wrap="none" anchor="ctr"/>
+            <a:lstStyle/>
+            <a:p>
+              <a:endParaRPr lang="en-US"/>
+            </a:p>
+          </p:txBody>
+        </p:sp>
+        <p:sp>
+          <p:nvSpPr>
+            <p:cNvPr id="42" name="Oval 37">
+              <a:extLst>
+                <a:ext uri="{FF2B5EF4-FFF2-40B4-BE49-F238E27FC236}">
+                  <a16:creationId xmlns:a16="http://schemas.microsoft.com/office/drawing/2014/main" id="{76B2D749-B81D-844E-AC32-E7C387EFBBA3}"/>
+                </a:ext>
+              </a:extLst>
+            </p:cNvPr>
+            <p:cNvSpPr>
+              <a:spLocks noChangeArrowheads="1"/>
+            </p:cNvSpPr>
+            <p:nvPr/>
+          </p:nvSpPr>
+          <p:spPr bwMode="auto">
+            <a:xfrm>
+              <a:off x="8579123" y="6522984"/>
+              <a:ext cx="73025" cy="73025"/>
+            </a:xfrm>
+            <a:prstGeom prst="ellipse">
+              <a:avLst/>
+            </a:prstGeom>
+            <a:solidFill>
+              <a:schemeClr val="tx1">
+                <a:lumMod val="50000"/>
+                <a:lumOff val="50000"/>
+              </a:schemeClr>
+            </a:solidFill>
+            <a:ln w="9525">
+              <a:solidFill>
+                <a:schemeClr val="tx1"/>
+              </a:solidFill>
+              <a:round/>
+              <a:headEnd/>
+              <a:tailEnd/>
+            </a:ln>
+          </p:spPr>
+          <p:txBody>
+            <a:bodyPr wrap="none" anchor="ctr"/>
+            <a:lstStyle/>
+            <a:p>
+              <a:endParaRPr lang="en-US"/>
+            </a:p>
+          </p:txBody>
+        </p:sp>
+        <p:sp>
+          <p:nvSpPr>
+            <p:cNvPr id="43" name="Oval 38">
+              <a:extLst>
+                <a:ext uri="{FF2B5EF4-FFF2-40B4-BE49-F238E27FC236}">
+                  <a16:creationId xmlns:a16="http://schemas.microsoft.com/office/drawing/2014/main" id="{B1EC3EC9-DAA4-634B-8880-D03963FF4049}"/>
+                </a:ext>
+              </a:extLst>
+            </p:cNvPr>
+            <p:cNvSpPr>
+              <a:spLocks noChangeArrowheads="1"/>
+            </p:cNvSpPr>
+            <p:nvPr/>
+          </p:nvSpPr>
+          <p:spPr bwMode="auto">
+            <a:xfrm>
+              <a:off x="7933010" y="4795784"/>
+              <a:ext cx="73025" cy="73025"/>
+            </a:xfrm>
+            <a:prstGeom prst="ellipse">
+              <a:avLst/>
+            </a:prstGeom>
+            <a:solidFill>
+              <a:schemeClr val="tx1">
+                <a:lumMod val="50000"/>
+                <a:lumOff val="50000"/>
+              </a:schemeClr>
+            </a:solidFill>
+            <a:ln w="9525">
+              <a:solidFill>
+                <a:schemeClr val="tx1"/>
+              </a:solidFill>
+              <a:round/>
+              <a:headEnd/>
+              <a:tailEnd/>
+            </a:ln>
+          </p:spPr>
+          <p:txBody>
+            <a:bodyPr wrap="none" anchor="ctr"/>
+            <a:lstStyle/>
+            <a:p>
+              <a:endParaRPr lang="en-US"/>
+            </a:p>
+          </p:txBody>
+        </p:sp>
+        <p:sp>
+          <p:nvSpPr>
+            <p:cNvPr id="44" name="Oval 39">
+              <a:extLst>
+                <a:ext uri="{FF2B5EF4-FFF2-40B4-BE49-F238E27FC236}">
+                  <a16:creationId xmlns:a16="http://schemas.microsoft.com/office/drawing/2014/main" id="{4C05FF1A-72F6-8745-BDAC-91C14541EAAD}"/>
+                </a:ext>
+              </a:extLst>
+            </p:cNvPr>
+            <p:cNvSpPr>
+              <a:spLocks noChangeArrowheads="1"/>
+            </p:cNvSpPr>
+            <p:nvPr/>
+          </p:nvSpPr>
+          <p:spPr bwMode="auto">
+            <a:xfrm>
+              <a:off x="8218760" y="4867221"/>
+              <a:ext cx="73025" cy="73025"/>
+            </a:xfrm>
+            <a:prstGeom prst="ellipse">
+              <a:avLst/>
+            </a:prstGeom>
+            <a:solidFill>
+              <a:schemeClr val="tx1">
+                <a:lumMod val="50000"/>
+                <a:lumOff val="50000"/>
+              </a:schemeClr>
+            </a:solidFill>
+            <a:ln w="9525">
+              <a:solidFill>
+                <a:schemeClr val="tx1"/>
+              </a:solidFill>
+              <a:round/>
+              <a:headEnd/>
+              <a:tailEnd/>
+            </a:ln>
+          </p:spPr>
+          <p:txBody>
+            <a:bodyPr wrap="none" anchor="ctr"/>
+            <a:lstStyle/>
+            <a:p>
+              <a:endParaRPr lang="en-US"/>
+            </a:p>
+          </p:txBody>
+        </p:sp>
+        <p:sp>
+          <p:nvSpPr>
+            <p:cNvPr id="45" name="Oval 40">
+              <a:extLst>
+                <a:ext uri="{FF2B5EF4-FFF2-40B4-BE49-F238E27FC236}">
+                  <a16:creationId xmlns:a16="http://schemas.microsoft.com/office/drawing/2014/main" id="{07C87B7A-2707-584B-B649-CB9054A73873}"/>
+                </a:ext>
+              </a:extLst>
+            </p:cNvPr>
+            <p:cNvSpPr>
+              <a:spLocks noChangeArrowheads="1"/>
+            </p:cNvSpPr>
+            <p:nvPr/>
+          </p:nvSpPr>
+          <p:spPr bwMode="auto">
+            <a:xfrm>
+              <a:off x="8866460" y="5875284"/>
+              <a:ext cx="73025" cy="73025"/>
+            </a:xfrm>
+            <a:prstGeom prst="ellipse">
+              <a:avLst/>
+            </a:prstGeom>
+            <a:solidFill>
+              <a:schemeClr val="tx1">
+                <a:lumMod val="50000"/>
+                <a:lumOff val="50000"/>
+              </a:schemeClr>
+            </a:solidFill>
+            <a:ln w="9525">
+              <a:solidFill>
+                <a:schemeClr val="tx1"/>
+              </a:solidFill>
+              <a:round/>
+              <a:headEnd/>
+              <a:tailEnd/>
+            </a:ln>
+          </p:spPr>
+          <p:txBody>
+            <a:bodyPr wrap="none" anchor="ctr"/>
+            <a:lstStyle/>
+            <a:p>
+              <a:endParaRPr lang="en-US"/>
+            </a:p>
+          </p:txBody>
+        </p:sp>
+        <p:sp>
+          <p:nvSpPr>
+            <p:cNvPr id="46" name="Oval 41">
+              <a:extLst>
+                <a:ext uri="{FF2B5EF4-FFF2-40B4-BE49-F238E27FC236}">
+                  <a16:creationId xmlns:a16="http://schemas.microsoft.com/office/drawing/2014/main" id="{F13B0082-F70E-244A-A64F-9D9F8D3C4080}"/>
+                </a:ext>
+              </a:extLst>
+            </p:cNvPr>
+            <p:cNvSpPr>
+              <a:spLocks noChangeArrowheads="1"/>
+            </p:cNvSpPr>
+            <p:nvPr/>
+          </p:nvSpPr>
+          <p:spPr bwMode="auto">
+            <a:xfrm>
+              <a:off x="8364810" y="5586359"/>
+              <a:ext cx="73025" cy="73025"/>
+            </a:xfrm>
+            <a:prstGeom prst="ellipse">
+              <a:avLst/>
+            </a:prstGeom>
+            <a:solidFill>
+              <a:schemeClr val="tx1">
+                <a:lumMod val="50000"/>
+                <a:lumOff val="50000"/>
+              </a:schemeClr>
+            </a:solidFill>
+            <a:ln w="9525">
+              <a:solidFill>
+                <a:schemeClr val="tx1"/>
+              </a:solidFill>
+              <a:round/>
+              <a:headEnd/>
+              <a:tailEnd/>
+            </a:ln>
+          </p:spPr>
+          <p:txBody>
+            <a:bodyPr wrap="none" anchor="ctr"/>
+            <a:lstStyle/>
+            <a:p>
+              <a:endParaRPr lang="en-US"/>
+            </a:p>
+          </p:txBody>
+        </p:sp>
+        <p:sp>
+          <p:nvSpPr>
+            <p:cNvPr id="47" name="Oval 42">
+              <a:extLst>
+                <a:ext uri="{FF2B5EF4-FFF2-40B4-BE49-F238E27FC236}">
+                  <a16:creationId xmlns:a16="http://schemas.microsoft.com/office/drawing/2014/main" id="{8C521CE3-EE8A-CC44-9277-1E657D69229D}"/>
+                </a:ext>
+              </a:extLst>
+            </p:cNvPr>
+            <p:cNvSpPr>
+              <a:spLocks noChangeArrowheads="1"/>
+            </p:cNvSpPr>
+            <p:nvPr/>
+          </p:nvSpPr>
+          <p:spPr bwMode="auto">
+            <a:xfrm>
+              <a:off x="7282135" y="6091184"/>
+              <a:ext cx="73025" cy="73025"/>
+            </a:xfrm>
+            <a:prstGeom prst="ellipse">
+              <a:avLst/>
+            </a:prstGeom>
+            <a:solidFill>
+              <a:schemeClr val="tx1">
+                <a:lumMod val="50000"/>
+                <a:lumOff val="50000"/>
+              </a:schemeClr>
+            </a:solidFill>
+            <a:ln w="9525">
+              <a:solidFill>
+                <a:schemeClr val="tx1"/>
+              </a:solidFill>
+              <a:round/>
+              <a:headEnd/>
+              <a:tailEnd/>
+            </a:ln>
+          </p:spPr>
+          <p:txBody>
+            <a:bodyPr wrap="none" anchor="ctr"/>
+            <a:lstStyle/>
+            <a:p>
+              <a:endParaRPr lang="en-US"/>
+            </a:p>
+          </p:txBody>
+        </p:sp>
+        <p:sp>
+          <p:nvSpPr>
+            <p:cNvPr id="48" name="Oval 43">
+              <a:extLst>
+                <a:ext uri="{FF2B5EF4-FFF2-40B4-BE49-F238E27FC236}">
+                  <a16:creationId xmlns:a16="http://schemas.microsoft.com/office/drawing/2014/main" id="{80222FCF-123F-5448-944C-9EC1472B729A}"/>
+                </a:ext>
+              </a:extLst>
+            </p:cNvPr>
+            <p:cNvSpPr>
+              <a:spLocks noChangeArrowheads="1"/>
+            </p:cNvSpPr>
+            <p:nvPr/>
+          </p:nvSpPr>
+          <p:spPr bwMode="auto">
+            <a:xfrm>
+              <a:off x="7355160" y="6451546"/>
+              <a:ext cx="73025" cy="73025"/>
+            </a:xfrm>
+            <a:prstGeom prst="ellipse">
+              <a:avLst/>
+            </a:prstGeom>
+            <a:solidFill>
+              <a:schemeClr val="tx1">
+                <a:lumMod val="50000"/>
+                <a:lumOff val="50000"/>
+              </a:schemeClr>
+            </a:solidFill>
+            <a:ln w="9525">
+              <a:solidFill>
+                <a:schemeClr val="tx1"/>
+              </a:solidFill>
+              <a:round/>
+              <a:headEnd/>
+              <a:tailEnd/>
+            </a:ln>
+          </p:spPr>
+          <p:txBody>
+            <a:bodyPr wrap="none" anchor="ctr"/>
+            <a:lstStyle/>
+            <a:p>
+              <a:endParaRPr lang="en-US"/>
+            </a:p>
+          </p:txBody>
+        </p:sp>
+        <p:sp>
+          <p:nvSpPr>
+            <p:cNvPr id="49" name="Oval 44">
+              <a:extLst>
+                <a:ext uri="{FF2B5EF4-FFF2-40B4-BE49-F238E27FC236}">
+                  <a16:creationId xmlns:a16="http://schemas.microsoft.com/office/drawing/2014/main" id="{6ABDC430-CE02-7A48-94AA-E570B9D9518A}"/>
+                </a:ext>
+              </a:extLst>
+            </p:cNvPr>
+            <p:cNvSpPr>
+              <a:spLocks noChangeArrowheads="1"/>
+            </p:cNvSpPr>
+            <p:nvPr/>
+          </p:nvSpPr>
+          <p:spPr bwMode="auto">
+            <a:xfrm>
+              <a:off x="7715523" y="6308671"/>
+              <a:ext cx="73025" cy="73025"/>
+            </a:xfrm>
+            <a:prstGeom prst="ellipse">
+              <a:avLst/>
+            </a:prstGeom>
+            <a:solidFill>
+              <a:schemeClr val="tx1">
+                <a:lumMod val="50000"/>
+                <a:lumOff val="50000"/>
+              </a:schemeClr>
+            </a:solidFill>
+            <a:ln w="9525">
+              <a:solidFill>
+                <a:schemeClr val="tx1"/>
+              </a:solidFill>
+              <a:round/>
+              <a:headEnd/>
+              <a:tailEnd/>
+            </a:ln>
+          </p:spPr>
+          <p:txBody>
+            <a:bodyPr wrap="none" anchor="ctr"/>
+            <a:lstStyle/>
+            <a:p>
+              <a:endParaRPr lang="en-US"/>
+            </a:p>
+          </p:txBody>
+        </p:sp>
+        <p:sp>
+          <p:nvSpPr>
+            <p:cNvPr id="50" name="Oval 45">
+              <a:extLst>
+                <a:ext uri="{FF2B5EF4-FFF2-40B4-BE49-F238E27FC236}">
+                  <a16:creationId xmlns:a16="http://schemas.microsoft.com/office/drawing/2014/main" id="{7B6176F5-0180-054D-B80A-EA59A3EB5ACA}"/>
+                </a:ext>
+              </a:extLst>
+            </p:cNvPr>
+            <p:cNvSpPr>
+              <a:spLocks noChangeArrowheads="1"/>
+            </p:cNvSpPr>
+            <p:nvPr/>
+          </p:nvSpPr>
+          <p:spPr bwMode="auto">
+            <a:xfrm>
+              <a:off x="7786960" y="6596009"/>
+              <a:ext cx="73025" cy="73025"/>
+            </a:xfrm>
+            <a:prstGeom prst="ellipse">
+              <a:avLst/>
+            </a:prstGeom>
+            <a:solidFill>
+              <a:schemeClr val="tx1">
+                <a:lumMod val="50000"/>
+                <a:lumOff val="50000"/>
+              </a:schemeClr>
+            </a:solidFill>
+            <a:ln w="9525">
+              <a:solidFill>
+                <a:schemeClr val="tx1"/>
+              </a:solidFill>
+              <a:round/>
+              <a:headEnd/>
+              <a:tailEnd/>
+            </a:ln>
+          </p:spPr>
+          <p:txBody>
+            <a:bodyPr wrap="none" anchor="ctr"/>
+            <a:lstStyle/>
+            <a:p>
+              <a:endParaRPr lang="en-US"/>
+            </a:p>
+          </p:txBody>
+        </p:sp>
+        <p:sp>
+          <p:nvSpPr>
+            <p:cNvPr id="51" name="Oval 46">
+              <a:extLst>
+                <a:ext uri="{FF2B5EF4-FFF2-40B4-BE49-F238E27FC236}">
+                  <a16:creationId xmlns:a16="http://schemas.microsoft.com/office/drawing/2014/main" id="{89E13905-EFB3-794C-836D-3A093FE9FD12}"/>
+                </a:ext>
+              </a:extLst>
+            </p:cNvPr>
+            <p:cNvSpPr>
+              <a:spLocks noChangeArrowheads="1"/>
+            </p:cNvSpPr>
+            <p:nvPr/>
+          </p:nvSpPr>
+          <p:spPr bwMode="auto">
+            <a:xfrm>
+              <a:off x="7642498" y="6019746"/>
+              <a:ext cx="73025" cy="73025"/>
+            </a:xfrm>
+            <a:prstGeom prst="ellipse">
+              <a:avLst/>
+            </a:prstGeom>
+            <a:solidFill>
+              <a:schemeClr val="tx1">
+                <a:lumMod val="50000"/>
+                <a:lumOff val="50000"/>
+              </a:schemeClr>
+            </a:solidFill>
+            <a:ln w="9525">
+              <a:solidFill>
+                <a:schemeClr val="tx1"/>
+              </a:solidFill>
+              <a:round/>
+              <a:headEnd/>
+              <a:tailEnd/>
+            </a:ln>
+          </p:spPr>
+          <p:txBody>
+            <a:bodyPr wrap="none" anchor="ctr"/>
+            <a:lstStyle/>
+            <a:p>
+              <a:endParaRPr lang="en-US"/>
+            </a:p>
+          </p:txBody>
+        </p:sp>
+        <p:sp>
+          <p:nvSpPr>
+            <p:cNvPr id="52" name="Oval 47">
+              <a:extLst>
+                <a:ext uri="{FF2B5EF4-FFF2-40B4-BE49-F238E27FC236}">
+                  <a16:creationId xmlns:a16="http://schemas.microsoft.com/office/drawing/2014/main" id="{35E33C8A-AA6F-304E-880E-13B91D7E0217}"/>
+                </a:ext>
+              </a:extLst>
+            </p:cNvPr>
+            <p:cNvSpPr>
+              <a:spLocks noChangeArrowheads="1"/>
+            </p:cNvSpPr>
+            <p:nvPr/>
+          </p:nvSpPr>
+          <p:spPr bwMode="auto">
+            <a:xfrm>
+              <a:off x="8147323" y="6451546"/>
+              <a:ext cx="73025" cy="73025"/>
+            </a:xfrm>
+            <a:prstGeom prst="ellipse">
+              <a:avLst/>
+            </a:prstGeom>
+            <a:solidFill>
+              <a:schemeClr val="tx1">
+                <a:lumMod val="50000"/>
+                <a:lumOff val="50000"/>
+              </a:schemeClr>
+            </a:solidFill>
+            <a:ln w="9525">
+              <a:solidFill>
+                <a:schemeClr val="tx1"/>
+              </a:solidFill>
+              <a:round/>
+              <a:headEnd/>
+              <a:tailEnd/>
+            </a:ln>
+          </p:spPr>
+          <p:txBody>
+            <a:bodyPr wrap="none" anchor="ctr"/>
+            <a:lstStyle/>
+            <a:p>
+              <a:endParaRPr lang="en-US"/>
+            </a:p>
+          </p:txBody>
+        </p:sp>
+        <p:sp>
+          <p:nvSpPr>
+            <p:cNvPr id="53" name="Oval 48">
+              <a:extLst>
+                <a:ext uri="{FF2B5EF4-FFF2-40B4-BE49-F238E27FC236}">
+                  <a16:creationId xmlns:a16="http://schemas.microsoft.com/office/drawing/2014/main" id="{701A0E88-75AE-254E-AF5B-316E7EB45203}"/>
+                </a:ext>
+              </a:extLst>
+            </p:cNvPr>
+            <p:cNvSpPr>
+              <a:spLocks noChangeArrowheads="1"/>
+            </p:cNvSpPr>
+            <p:nvPr/>
+          </p:nvSpPr>
+          <p:spPr bwMode="auto">
+            <a:xfrm>
+              <a:off x="8436248" y="5443484"/>
+              <a:ext cx="73025" cy="73025"/>
+            </a:xfrm>
+            <a:prstGeom prst="ellipse">
+              <a:avLst/>
+            </a:prstGeom>
+            <a:solidFill>
+              <a:schemeClr val="tx1">
+                <a:lumMod val="50000"/>
+                <a:lumOff val="50000"/>
+              </a:schemeClr>
+            </a:solidFill>
+            <a:ln w="9525">
+              <a:solidFill>
+                <a:schemeClr val="tx1"/>
+              </a:solidFill>
+              <a:round/>
+              <a:headEnd/>
+              <a:tailEnd/>
+            </a:ln>
+          </p:spPr>
+          <p:txBody>
+            <a:bodyPr wrap="none" anchor="ctr"/>
+            <a:lstStyle/>
+            <a:p>
+              <a:endParaRPr lang="en-US"/>
+            </a:p>
+          </p:txBody>
+        </p:sp>
+        <p:sp>
+          <p:nvSpPr>
+            <p:cNvPr id="54" name="Oval 49">
+              <a:extLst>
+                <a:ext uri="{FF2B5EF4-FFF2-40B4-BE49-F238E27FC236}">
+                  <a16:creationId xmlns:a16="http://schemas.microsoft.com/office/drawing/2014/main" id="{CC9E90A0-66CA-D944-BDD3-4030335ED14F}"/>
+                </a:ext>
+              </a:extLst>
+            </p:cNvPr>
+            <p:cNvSpPr>
+              <a:spLocks noChangeArrowheads="1"/>
+            </p:cNvSpPr>
+            <p:nvPr/>
+          </p:nvSpPr>
+          <p:spPr bwMode="auto">
+            <a:xfrm>
+              <a:off x="8220348" y="5514921"/>
+              <a:ext cx="73025" cy="73025"/>
+            </a:xfrm>
+            <a:prstGeom prst="ellipse">
+              <a:avLst/>
+            </a:prstGeom>
+            <a:solidFill>
+              <a:schemeClr val="tx1">
+                <a:lumMod val="50000"/>
+                <a:lumOff val="50000"/>
+              </a:schemeClr>
+            </a:solidFill>
+            <a:ln w="9525">
+              <a:solidFill>
+                <a:schemeClr val="tx1"/>
+              </a:solidFill>
+              <a:round/>
+              <a:headEnd/>
+              <a:tailEnd/>
+            </a:ln>
+          </p:spPr>
+          <p:txBody>
+            <a:bodyPr wrap="none" anchor="ctr"/>
+            <a:lstStyle/>
+            <a:p>
+              <a:endParaRPr lang="en-US"/>
+            </a:p>
+          </p:txBody>
+        </p:sp>
+        <p:sp>
+          <p:nvSpPr>
+            <p:cNvPr id="55" name="Oval 50">
+              <a:extLst>
+                <a:ext uri="{FF2B5EF4-FFF2-40B4-BE49-F238E27FC236}">
+                  <a16:creationId xmlns:a16="http://schemas.microsoft.com/office/drawing/2014/main" id="{01BD8AC8-51A1-8045-81D1-766FE1EC4FFB}"/>
+                </a:ext>
+              </a:extLst>
+            </p:cNvPr>
+            <p:cNvSpPr>
+              <a:spLocks noChangeArrowheads="1"/>
+            </p:cNvSpPr>
+            <p:nvPr/>
+          </p:nvSpPr>
+          <p:spPr bwMode="auto">
+            <a:xfrm>
+              <a:off x="8652148" y="5659384"/>
+              <a:ext cx="73025" cy="73025"/>
+            </a:xfrm>
+            <a:prstGeom prst="ellipse">
+              <a:avLst/>
+            </a:prstGeom>
+            <a:solidFill>
+              <a:schemeClr val="tx1">
+                <a:lumMod val="50000"/>
+                <a:lumOff val="50000"/>
+              </a:schemeClr>
+            </a:solidFill>
+            <a:ln w="9525">
+              <a:solidFill>
+                <a:schemeClr val="tx1"/>
+              </a:solidFill>
+              <a:round/>
+              <a:headEnd/>
+              <a:tailEnd/>
+            </a:ln>
+          </p:spPr>
+          <p:txBody>
+            <a:bodyPr wrap="none" anchor="ctr"/>
+            <a:lstStyle/>
+            <a:p>
+              <a:endParaRPr lang="en-US"/>
+            </a:p>
+          </p:txBody>
+        </p:sp>
+        <p:sp>
+          <p:nvSpPr>
+            <p:cNvPr id="56" name="Oval 51">
+              <a:extLst>
+                <a:ext uri="{FF2B5EF4-FFF2-40B4-BE49-F238E27FC236}">
+                  <a16:creationId xmlns:a16="http://schemas.microsoft.com/office/drawing/2014/main" id="{404255AA-1452-8148-B0F6-F85D302F87FB}"/>
+                </a:ext>
+              </a:extLst>
+            </p:cNvPr>
+            <p:cNvSpPr>
+              <a:spLocks noChangeArrowheads="1"/>
+            </p:cNvSpPr>
+            <p:nvPr/>
+          </p:nvSpPr>
+          <p:spPr bwMode="auto">
+            <a:xfrm>
+              <a:off x="8436248" y="5730821"/>
+              <a:ext cx="73025" cy="73025"/>
+            </a:xfrm>
+            <a:prstGeom prst="ellipse">
+              <a:avLst/>
+            </a:prstGeom>
+            <a:solidFill>
+              <a:schemeClr val="tx1">
+                <a:lumMod val="50000"/>
+                <a:lumOff val="50000"/>
+              </a:schemeClr>
+            </a:solidFill>
+            <a:ln w="9525">
+              <a:solidFill>
+                <a:schemeClr val="tx1"/>
+              </a:solidFill>
+              <a:round/>
+              <a:headEnd/>
+              <a:tailEnd/>
+            </a:ln>
+          </p:spPr>
+          <p:txBody>
+            <a:bodyPr wrap="none" anchor="ctr"/>
+            <a:lstStyle/>
+            <a:p>
+              <a:endParaRPr lang="en-US"/>
+            </a:p>
+          </p:txBody>
+        </p:sp>
+        <p:sp>
+          <p:nvSpPr>
+            <p:cNvPr id="57" name="Oval 52">
+              <a:extLst>
+                <a:ext uri="{FF2B5EF4-FFF2-40B4-BE49-F238E27FC236}">
+                  <a16:creationId xmlns:a16="http://schemas.microsoft.com/office/drawing/2014/main" id="{FD7A7C24-F4CB-A34E-8BA0-F460AF501A8C}"/>
+                </a:ext>
+              </a:extLst>
+            </p:cNvPr>
+            <p:cNvSpPr>
+              <a:spLocks noChangeArrowheads="1"/>
+            </p:cNvSpPr>
+            <p:nvPr/>
+          </p:nvSpPr>
+          <p:spPr bwMode="auto">
+            <a:xfrm>
+              <a:off x="8796610" y="5587946"/>
+              <a:ext cx="73025" cy="73025"/>
+            </a:xfrm>
+            <a:prstGeom prst="ellipse">
+              <a:avLst/>
+            </a:prstGeom>
+            <a:solidFill>
+              <a:schemeClr val="tx1">
+                <a:lumMod val="50000"/>
+                <a:lumOff val="50000"/>
+              </a:schemeClr>
+            </a:solidFill>
+            <a:ln w="9525">
+              <a:solidFill>
+                <a:schemeClr val="tx1"/>
+              </a:solidFill>
+              <a:round/>
+              <a:headEnd/>
+              <a:tailEnd/>
+            </a:ln>
+          </p:spPr>
+          <p:txBody>
+            <a:bodyPr wrap="none" anchor="ctr"/>
+            <a:lstStyle/>
+            <a:p>
+              <a:endParaRPr lang="en-US"/>
+            </a:p>
+          </p:txBody>
+        </p:sp>
+        <p:sp>
+          <p:nvSpPr>
+            <p:cNvPr id="58" name="Oval 53">
+              <a:extLst>
+                <a:ext uri="{FF2B5EF4-FFF2-40B4-BE49-F238E27FC236}">
+                  <a16:creationId xmlns:a16="http://schemas.microsoft.com/office/drawing/2014/main" id="{462E3027-597E-2048-B5C4-8969456ABAF1}"/>
+                </a:ext>
+              </a:extLst>
+            </p:cNvPr>
+            <p:cNvSpPr>
+              <a:spLocks noChangeArrowheads="1"/>
+            </p:cNvSpPr>
+            <p:nvPr/>
+          </p:nvSpPr>
+          <p:spPr bwMode="auto">
+            <a:xfrm>
+              <a:off x="8579123" y="5586359"/>
+              <a:ext cx="73025" cy="73025"/>
+            </a:xfrm>
+            <a:prstGeom prst="ellipse">
+              <a:avLst/>
+            </a:prstGeom>
+            <a:solidFill>
+              <a:schemeClr val="tx1">
+                <a:lumMod val="50000"/>
+                <a:lumOff val="50000"/>
+              </a:schemeClr>
+            </a:solidFill>
+            <a:ln w="9525">
+              <a:solidFill>
+                <a:schemeClr val="tx1"/>
+              </a:solidFill>
+              <a:round/>
+              <a:headEnd/>
+              <a:tailEnd/>
+            </a:ln>
+          </p:spPr>
+          <p:txBody>
+            <a:bodyPr wrap="none" anchor="ctr"/>
+            <a:lstStyle/>
+            <a:p>
+              <a:endParaRPr lang="en-US"/>
+            </a:p>
+          </p:txBody>
+        </p:sp>
+        <p:sp>
+          <p:nvSpPr>
+            <p:cNvPr id="59" name="Oval 54">
+              <a:extLst>
+                <a:ext uri="{FF2B5EF4-FFF2-40B4-BE49-F238E27FC236}">
+                  <a16:creationId xmlns:a16="http://schemas.microsoft.com/office/drawing/2014/main" id="{DDD99F81-0A61-FF49-96A8-7FE13959B2AD}"/>
+                </a:ext>
+              </a:extLst>
+            </p:cNvPr>
+            <p:cNvSpPr>
+              <a:spLocks noChangeArrowheads="1"/>
+            </p:cNvSpPr>
+            <p:nvPr/>
+          </p:nvSpPr>
+          <p:spPr bwMode="auto">
+            <a:xfrm>
+              <a:off x="8652148" y="5946721"/>
+              <a:ext cx="73025" cy="73025"/>
+            </a:xfrm>
+            <a:prstGeom prst="ellipse">
+              <a:avLst/>
+            </a:prstGeom>
+            <a:solidFill>
+              <a:schemeClr val="tx1">
+                <a:lumMod val="50000"/>
+                <a:lumOff val="50000"/>
+              </a:schemeClr>
+            </a:solidFill>
+            <a:ln w="9525">
+              <a:solidFill>
+                <a:schemeClr val="tx1"/>
+              </a:solidFill>
+              <a:round/>
+              <a:headEnd/>
+              <a:tailEnd/>
+            </a:ln>
+          </p:spPr>
+          <p:txBody>
+            <a:bodyPr wrap="none" anchor="ctr"/>
+            <a:lstStyle/>
+            <a:p>
+              <a:endParaRPr lang="en-US"/>
+            </a:p>
+          </p:txBody>
+        </p:sp>
+        <p:sp>
+          <p:nvSpPr>
+            <p:cNvPr id="60" name="Oval 55">
+              <a:extLst>
+                <a:ext uri="{FF2B5EF4-FFF2-40B4-BE49-F238E27FC236}">
+                  <a16:creationId xmlns:a16="http://schemas.microsoft.com/office/drawing/2014/main" id="{06CF1C99-EEEE-9046-BCDE-189C9773086D}"/>
+                </a:ext>
+              </a:extLst>
+            </p:cNvPr>
+            <p:cNvSpPr>
+              <a:spLocks noChangeArrowheads="1"/>
+            </p:cNvSpPr>
+            <p:nvPr/>
+          </p:nvSpPr>
+          <p:spPr bwMode="auto">
+            <a:xfrm>
+              <a:off x="8939485" y="5514921"/>
+              <a:ext cx="73025" cy="73025"/>
+            </a:xfrm>
+            <a:prstGeom prst="ellipse">
+              <a:avLst/>
+            </a:prstGeom>
+            <a:solidFill>
+              <a:schemeClr val="tx1">
+                <a:lumMod val="50000"/>
+                <a:lumOff val="50000"/>
+              </a:schemeClr>
+            </a:solidFill>
+            <a:ln w="9525">
+              <a:solidFill>
+                <a:schemeClr val="tx1"/>
+              </a:solidFill>
+              <a:round/>
+              <a:headEnd/>
+              <a:tailEnd/>
+            </a:ln>
+          </p:spPr>
+          <p:txBody>
+            <a:bodyPr wrap="none" anchor="ctr"/>
+            <a:lstStyle/>
+            <a:p>
+              <a:endParaRPr lang="en-US"/>
+            </a:p>
+          </p:txBody>
+        </p:sp>
+        <p:sp>
+          <p:nvSpPr>
+            <p:cNvPr id="61" name="Oval 56">
+              <a:extLst>
+                <a:ext uri="{FF2B5EF4-FFF2-40B4-BE49-F238E27FC236}">
+                  <a16:creationId xmlns:a16="http://schemas.microsoft.com/office/drawing/2014/main" id="{8E73728F-115A-FC4B-BBA1-A4C5961434A8}"/>
+                </a:ext>
+              </a:extLst>
+            </p:cNvPr>
+            <p:cNvSpPr>
+              <a:spLocks noChangeArrowheads="1"/>
+            </p:cNvSpPr>
+            <p:nvPr/>
+          </p:nvSpPr>
+          <p:spPr bwMode="auto">
+            <a:xfrm>
+              <a:off x="7355160" y="5514921"/>
+              <a:ext cx="73025" cy="73025"/>
+            </a:xfrm>
+            <a:prstGeom prst="ellipse">
+              <a:avLst/>
+            </a:prstGeom>
+            <a:solidFill>
+              <a:schemeClr val="tx1">
+                <a:lumMod val="50000"/>
+                <a:lumOff val="50000"/>
+              </a:schemeClr>
+            </a:solidFill>
+            <a:ln w="9525">
+              <a:solidFill>
+                <a:schemeClr val="tx1"/>
+              </a:solidFill>
+              <a:round/>
+              <a:headEnd/>
+              <a:tailEnd/>
+            </a:ln>
+          </p:spPr>
+          <p:txBody>
+            <a:bodyPr wrap="none" anchor="ctr"/>
+            <a:lstStyle/>
+            <a:p>
+              <a:endParaRPr lang="en-US"/>
+            </a:p>
+          </p:txBody>
+        </p:sp>
+        <p:sp>
+          <p:nvSpPr>
+            <p:cNvPr id="62" name="Oval 57">
+              <a:extLst>
+                <a:ext uri="{FF2B5EF4-FFF2-40B4-BE49-F238E27FC236}">
+                  <a16:creationId xmlns:a16="http://schemas.microsoft.com/office/drawing/2014/main" id="{8FEE45A1-3069-C640-977A-C235143DFE91}"/>
+                </a:ext>
+              </a:extLst>
+            </p:cNvPr>
+            <p:cNvSpPr>
+              <a:spLocks noChangeArrowheads="1"/>
+            </p:cNvSpPr>
+            <p:nvPr/>
+          </p:nvSpPr>
+          <p:spPr bwMode="auto">
+            <a:xfrm>
+              <a:off x="7428185" y="5875284"/>
+              <a:ext cx="73025" cy="73025"/>
+            </a:xfrm>
+            <a:prstGeom prst="ellipse">
+              <a:avLst/>
+            </a:prstGeom>
+            <a:solidFill>
+              <a:schemeClr val="tx1">
+                <a:lumMod val="50000"/>
+                <a:lumOff val="50000"/>
+              </a:schemeClr>
+            </a:solidFill>
+            <a:ln w="9525">
+              <a:solidFill>
+                <a:schemeClr val="tx1"/>
+              </a:solidFill>
+              <a:round/>
+              <a:headEnd/>
+              <a:tailEnd/>
+            </a:ln>
+          </p:spPr>
+          <p:txBody>
+            <a:bodyPr wrap="none" anchor="ctr"/>
+            <a:lstStyle/>
+            <a:p>
+              <a:endParaRPr lang="en-US"/>
+            </a:p>
+          </p:txBody>
+        </p:sp>
+        <p:sp>
+          <p:nvSpPr>
+            <p:cNvPr id="63" name="Oval 58">
+              <a:extLst>
+                <a:ext uri="{FF2B5EF4-FFF2-40B4-BE49-F238E27FC236}">
+                  <a16:creationId xmlns:a16="http://schemas.microsoft.com/office/drawing/2014/main" id="{3E6BA56D-E66B-0740-A5C2-7385A2962C35}"/>
+                </a:ext>
+              </a:extLst>
+            </p:cNvPr>
+            <p:cNvSpPr>
+              <a:spLocks noChangeArrowheads="1"/>
+            </p:cNvSpPr>
+            <p:nvPr/>
+          </p:nvSpPr>
+          <p:spPr bwMode="auto">
+            <a:xfrm>
+              <a:off x="7788548" y="5732409"/>
+              <a:ext cx="73025" cy="73025"/>
+            </a:xfrm>
+            <a:prstGeom prst="ellipse">
+              <a:avLst/>
+            </a:prstGeom>
+            <a:solidFill>
+              <a:schemeClr val="tx1">
+                <a:lumMod val="50000"/>
+                <a:lumOff val="50000"/>
+              </a:schemeClr>
+            </a:solidFill>
+            <a:ln w="9525">
+              <a:solidFill>
+                <a:schemeClr val="tx1"/>
+              </a:solidFill>
+              <a:round/>
+              <a:headEnd/>
+              <a:tailEnd/>
+            </a:ln>
+          </p:spPr>
+          <p:txBody>
+            <a:bodyPr wrap="none" anchor="ctr"/>
+            <a:lstStyle/>
+            <a:p>
+              <a:endParaRPr lang="en-US"/>
+            </a:p>
+          </p:txBody>
+        </p:sp>
+        <p:sp>
+          <p:nvSpPr>
+            <p:cNvPr id="64" name="Oval 59">
+              <a:extLst>
+                <a:ext uri="{FF2B5EF4-FFF2-40B4-BE49-F238E27FC236}">
+                  <a16:creationId xmlns:a16="http://schemas.microsoft.com/office/drawing/2014/main" id="{7F44C653-68AB-374A-808C-89DD122E4F98}"/>
+                </a:ext>
+              </a:extLst>
+            </p:cNvPr>
+            <p:cNvSpPr>
+              <a:spLocks noChangeArrowheads="1"/>
+            </p:cNvSpPr>
+            <p:nvPr/>
+          </p:nvSpPr>
+          <p:spPr bwMode="auto">
+            <a:xfrm>
+              <a:off x="7859985" y="6019746"/>
+              <a:ext cx="73025" cy="73025"/>
+            </a:xfrm>
+            <a:prstGeom prst="ellipse">
+              <a:avLst/>
+            </a:prstGeom>
+            <a:solidFill>
+              <a:schemeClr val="tx1">
+                <a:lumMod val="50000"/>
+                <a:lumOff val="50000"/>
+              </a:schemeClr>
+            </a:solidFill>
+            <a:ln w="9525">
+              <a:solidFill>
+                <a:schemeClr val="tx1"/>
+              </a:solidFill>
+              <a:round/>
+              <a:headEnd/>
+              <a:tailEnd/>
+            </a:ln>
+          </p:spPr>
+          <p:txBody>
+            <a:bodyPr wrap="none" anchor="ctr"/>
+            <a:lstStyle/>
+            <a:p>
+              <a:endParaRPr lang="en-US"/>
+            </a:p>
+          </p:txBody>
+        </p:sp>
+        <p:sp>
+          <p:nvSpPr>
+            <p:cNvPr id="65" name="Oval 60">
+              <a:extLst>
+                <a:ext uri="{FF2B5EF4-FFF2-40B4-BE49-F238E27FC236}">
+                  <a16:creationId xmlns:a16="http://schemas.microsoft.com/office/drawing/2014/main" id="{8F0D4520-A5CE-FC4A-9712-AACF8658C985}"/>
+                </a:ext>
+              </a:extLst>
+            </p:cNvPr>
+            <p:cNvSpPr>
+              <a:spLocks noChangeArrowheads="1"/>
+            </p:cNvSpPr>
+            <p:nvPr/>
+          </p:nvSpPr>
+          <p:spPr bwMode="auto">
+            <a:xfrm>
+              <a:off x="7715523" y="5443484"/>
+              <a:ext cx="73025" cy="73025"/>
+            </a:xfrm>
+            <a:prstGeom prst="ellipse">
+              <a:avLst/>
+            </a:prstGeom>
+            <a:solidFill>
+              <a:schemeClr val="tx1">
+                <a:lumMod val="50000"/>
+                <a:lumOff val="50000"/>
+              </a:schemeClr>
+            </a:solidFill>
+            <a:ln w="9525">
+              <a:solidFill>
+                <a:schemeClr val="tx1"/>
+              </a:solidFill>
+              <a:round/>
+              <a:headEnd/>
+              <a:tailEnd/>
+            </a:ln>
+          </p:spPr>
+          <p:txBody>
+            <a:bodyPr wrap="none" anchor="ctr"/>
+            <a:lstStyle/>
+            <a:p>
+              <a:endParaRPr lang="en-US"/>
+            </a:p>
+          </p:txBody>
+        </p:sp>
+        <p:sp>
+          <p:nvSpPr>
+            <p:cNvPr id="66" name="Oval 61">
+              <a:extLst>
+                <a:ext uri="{FF2B5EF4-FFF2-40B4-BE49-F238E27FC236}">
+                  <a16:creationId xmlns:a16="http://schemas.microsoft.com/office/drawing/2014/main" id="{8179C6F7-E202-874B-A010-10C2D108E915}"/>
+                </a:ext>
+              </a:extLst>
+            </p:cNvPr>
+            <p:cNvSpPr>
+              <a:spLocks noChangeArrowheads="1"/>
+            </p:cNvSpPr>
+            <p:nvPr/>
+          </p:nvSpPr>
+          <p:spPr bwMode="auto">
+            <a:xfrm>
+              <a:off x="8220348" y="5875284"/>
+              <a:ext cx="73025" cy="73025"/>
+            </a:xfrm>
+            <a:prstGeom prst="ellipse">
+              <a:avLst/>
+            </a:prstGeom>
+            <a:solidFill>
+              <a:schemeClr val="tx1">
+                <a:lumMod val="50000"/>
+                <a:lumOff val="50000"/>
+              </a:schemeClr>
+            </a:solidFill>
+            <a:ln w="9525">
+              <a:solidFill>
+                <a:schemeClr val="tx1"/>
+              </a:solidFill>
+              <a:round/>
+              <a:headEnd/>
+              <a:tailEnd/>
+            </a:ln>
+          </p:spPr>
+          <p:txBody>
+            <a:bodyPr wrap="none" anchor="ctr"/>
+            <a:lstStyle/>
+            <a:p>
+              <a:endParaRPr lang="en-US"/>
+            </a:p>
+          </p:txBody>
+        </p:sp>
+        <p:sp>
+          <p:nvSpPr>
+            <p:cNvPr id="67" name="Oval 62">
+              <a:extLst>
+                <a:ext uri="{FF2B5EF4-FFF2-40B4-BE49-F238E27FC236}">
+                  <a16:creationId xmlns:a16="http://schemas.microsoft.com/office/drawing/2014/main" id="{FF155261-64ED-E448-97C6-6129D9E994BE}"/>
+                </a:ext>
+              </a:extLst>
+            </p:cNvPr>
+            <p:cNvSpPr>
+              <a:spLocks noChangeArrowheads="1"/>
+            </p:cNvSpPr>
+            <p:nvPr/>
+          </p:nvSpPr>
+          <p:spPr bwMode="auto">
+            <a:xfrm>
+              <a:off x="8579123" y="5013271"/>
+              <a:ext cx="73025" cy="73025"/>
+            </a:xfrm>
+            <a:prstGeom prst="ellipse">
+              <a:avLst/>
+            </a:prstGeom>
+            <a:solidFill>
+              <a:schemeClr val="tx1">
+                <a:lumMod val="50000"/>
+                <a:lumOff val="50000"/>
+              </a:schemeClr>
+            </a:solidFill>
+            <a:ln w="9525">
+              <a:solidFill>
+                <a:schemeClr val="tx1"/>
+              </a:solidFill>
+              <a:round/>
+              <a:headEnd/>
+              <a:tailEnd/>
+            </a:ln>
+          </p:spPr>
+          <p:txBody>
+            <a:bodyPr wrap="none" anchor="ctr"/>
+            <a:lstStyle/>
+            <a:p>
+              <a:endParaRPr lang="en-US"/>
+            </a:p>
+          </p:txBody>
+        </p:sp>
+        <p:sp>
+          <p:nvSpPr>
+            <p:cNvPr id="68" name="Oval 63">
+              <a:extLst>
+                <a:ext uri="{FF2B5EF4-FFF2-40B4-BE49-F238E27FC236}">
+                  <a16:creationId xmlns:a16="http://schemas.microsoft.com/office/drawing/2014/main" id="{65F1F218-40F9-8740-AEF9-2E708BED285C}"/>
+                </a:ext>
+              </a:extLst>
+            </p:cNvPr>
+            <p:cNvSpPr>
+              <a:spLocks noChangeArrowheads="1"/>
+            </p:cNvSpPr>
+            <p:nvPr/>
+          </p:nvSpPr>
+          <p:spPr bwMode="auto">
+            <a:xfrm>
+              <a:off x="8868048" y="5084709"/>
+              <a:ext cx="73025" cy="73025"/>
+            </a:xfrm>
+            <a:prstGeom prst="ellipse">
+              <a:avLst/>
+            </a:prstGeom>
+            <a:solidFill>
+              <a:schemeClr val="tx1">
+                <a:lumMod val="50000"/>
+                <a:lumOff val="50000"/>
+              </a:schemeClr>
+            </a:solidFill>
+            <a:ln w="9525">
+              <a:solidFill>
+                <a:schemeClr val="tx1"/>
+              </a:solidFill>
+              <a:round/>
+              <a:headEnd/>
+              <a:tailEnd/>
+            </a:ln>
+          </p:spPr>
+          <p:txBody>
+            <a:bodyPr wrap="none" anchor="ctr"/>
+            <a:lstStyle/>
+            <a:p>
+              <a:endParaRPr lang="en-US"/>
+            </a:p>
+          </p:txBody>
+        </p:sp>
+        <p:sp>
+          <p:nvSpPr>
+            <p:cNvPr id="69" name="Oval 64">
+              <a:extLst>
+                <a:ext uri="{FF2B5EF4-FFF2-40B4-BE49-F238E27FC236}">
+                  <a16:creationId xmlns:a16="http://schemas.microsoft.com/office/drawing/2014/main" id="{8F6A0101-8838-EF49-B937-EE4671E35EAF}"/>
+                </a:ext>
+              </a:extLst>
+            </p:cNvPr>
+            <p:cNvSpPr>
+              <a:spLocks noChangeArrowheads="1"/>
+            </p:cNvSpPr>
+            <p:nvPr/>
+          </p:nvSpPr>
+          <p:spPr bwMode="auto">
+            <a:xfrm>
+              <a:off x="8723585" y="5372046"/>
+              <a:ext cx="73025" cy="73025"/>
+            </a:xfrm>
+            <a:prstGeom prst="ellipse">
+              <a:avLst/>
+            </a:prstGeom>
+            <a:solidFill>
+              <a:schemeClr val="tx1">
+                <a:lumMod val="50000"/>
+                <a:lumOff val="50000"/>
+              </a:schemeClr>
+            </a:solidFill>
+            <a:ln w="9525">
+              <a:solidFill>
+                <a:schemeClr val="tx1"/>
+              </a:solidFill>
+              <a:round/>
+              <a:headEnd/>
+              <a:tailEnd/>
+            </a:ln>
+          </p:spPr>
+          <p:txBody>
+            <a:bodyPr wrap="none" anchor="ctr"/>
+            <a:lstStyle/>
+            <a:p>
+              <a:endParaRPr lang="en-US"/>
+            </a:p>
+          </p:txBody>
+        </p:sp>
+        <p:sp>
+          <p:nvSpPr>
+            <p:cNvPr id="70" name="Oval 65">
+              <a:extLst>
+                <a:ext uri="{FF2B5EF4-FFF2-40B4-BE49-F238E27FC236}">
+                  <a16:creationId xmlns:a16="http://schemas.microsoft.com/office/drawing/2014/main" id="{0BF413D6-FAA4-BD4A-9CCB-BCC4DCD33E29}"/>
+                </a:ext>
+              </a:extLst>
+            </p:cNvPr>
+            <p:cNvSpPr>
+              <a:spLocks noChangeArrowheads="1"/>
+            </p:cNvSpPr>
+            <p:nvPr/>
+          </p:nvSpPr>
+          <p:spPr bwMode="auto">
+            <a:xfrm>
+              <a:off x="8506098" y="5229171"/>
+              <a:ext cx="73025" cy="73025"/>
+            </a:xfrm>
+            <a:prstGeom prst="ellipse">
+              <a:avLst/>
+            </a:prstGeom>
+            <a:solidFill>
+              <a:schemeClr val="tx1">
+                <a:lumMod val="50000"/>
+                <a:lumOff val="50000"/>
+              </a:schemeClr>
+            </a:solidFill>
+            <a:ln w="9525">
+              <a:solidFill>
+                <a:schemeClr val="tx1"/>
+              </a:solidFill>
+              <a:round/>
+              <a:headEnd/>
+              <a:tailEnd/>
+            </a:ln>
+          </p:spPr>
+          <p:txBody>
+            <a:bodyPr wrap="none" anchor="ctr"/>
+            <a:lstStyle/>
+            <a:p>
+              <a:endParaRPr lang="en-US"/>
+            </a:p>
+          </p:txBody>
+        </p:sp>
+        <p:sp>
+          <p:nvSpPr>
+            <p:cNvPr id="71" name="Oval 66">
+              <a:extLst>
+                <a:ext uri="{FF2B5EF4-FFF2-40B4-BE49-F238E27FC236}">
+                  <a16:creationId xmlns:a16="http://schemas.microsoft.com/office/drawing/2014/main" id="{7EB391ED-BD8A-0646-A35F-213DCA7788DD}"/>
+                </a:ext>
+              </a:extLst>
+            </p:cNvPr>
+            <p:cNvSpPr>
+              <a:spLocks noChangeArrowheads="1"/>
+            </p:cNvSpPr>
+            <p:nvPr/>
+          </p:nvSpPr>
+          <p:spPr bwMode="auto">
+            <a:xfrm>
+              <a:off x="8866460" y="5299021"/>
+              <a:ext cx="73025" cy="73025"/>
+            </a:xfrm>
+            <a:prstGeom prst="ellipse">
+              <a:avLst/>
+            </a:prstGeom>
+            <a:solidFill>
+              <a:schemeClr val="tx1">
+                <a:lumMod val="50000"/>
+                <a:lumOff val="50000"/>
+              </a:schemeClr>
+            </a:solidFill>
+            <a:ln w="9525">
+              <a:solidFill>
+                <a:schemeClr val="tx1"/>
+              </a:solidFill>
+              <a:round/>
+              <a:headEnd/>
+              <a:tailEnd/>
+            </a:ln>
+          </p:spPr>
+          <p:txBody>
+            <a:bodyPr wrap="none" anchor="ctr"/>
+            <a:lstStyle/>
+            <a:p>
+              <a:endParaRPr lang="en-US"/>
+            </a:p>
+          </p:txBody>
+        </p:sp>
+        <p:sp>
+          <p:nvSpPr>
+            <p:cNvPr id="72" name="Oval 67">
+              <a:extLst>
+                <a:ext uri="{FF2B5EF4-FFF2-40B4-BE49-F238E27FC236}">
+                  <a16:creationId xmlns:a16="http://schemas.microsoft.com/office/drawing/2014/main" id="{1BE21906-B73C-0342-B5CA-EEE5A8CA4B84}"/>
+                </a:ext>
+              </a:extLst>
+            </p:cNvPr>
+            <p:cNvSpPr>
+              <a:spLocks noChangeArrowheads="1"/>
+            </p:cNvSpPr>
+            <p:nvPr/>
+          </p:nvSpPr>
+          <p:spPr bwMode="auto">
+            <a:xfrm>
+              <a:off x="8221935" y="4940246"/>
+              <a:ext cx="73025" cy="73025"/>
+            </a:xfrm>
+            <a:prstGeom prst="ellipse">
+              <a:avLst/>
+            </a:prstGeom>
+            <a:solidFill>
+              <a:schemeClr val="tx1">
+                <a:lumMod val="50000"/>
+                <a:lumOff val="50000"/>
+              </a:schemeClr>
+            </a:solidFill>
+            <a:ln w="9525">
+              <a:solidFill>
+                <a:schemeClr val="tx1"/>
+              </a:solidFill>
+              <a:round/>
+              <a:headEnd/>
+              <a:tailEnd/>
+            </a:ln>
+          </p:spPr>
+          <p:txBody>
+            <a:bodyPr wrap="none" anchor="ctr"/>
+            <a:lstStyle/>
+            <a:p>
+              <a:endParaRPr lang="en-US"/>
+            </a:p>
+          </p:txBody>
+        </p:sp>
+        <p:sp>
+          <p:nvSpPr>
+            <p:cNvPr id="73" name="Oval 68">
+              <a:extLst>
+                <a:ext uri="{FF2B5EF4-FFF2-40B4-BE49-F238E27FC236}">
+                  <a16:creationId xmlns:a16="http://schemas.microsoft.com/office/drawing/2014/main" id="{B9121C4B-0BB3-204E-8ADA-CE294D58117E}"/>
+                </a:ext>
+              </a:extLst>
+            </p:cNvPr>
+            <p:cNvSpPr>
+              <a:spLocks noChangeArrowheads="1"/>
+            </p:cNvSpPr>
+            <p:nvPr/>
+          </p:nvSpPr>
+          <p:spPr bwMode="auto">
+            <a:xfrm>
+              <a:off x="8723585" y="4940246"/>
+              <a:ext cx="73025" cy="73025"/>
+            </a:xfrm>
+            <a:prstGeom prst="ellipse">
+              <a:avLst/>
+            </a:prstGeom>
+            <a:solidFill>
+              <a:schemeClr val="tx1">
+                <a:lumMod val="50000"/>
+                <a:lumOff val="50000"/>
+              </a:schemeClr>
+            </a:solidFill>
+            <a:ln w="9525">
+              <a:solidFill>
+                <a:schemeClr val="tx1"/>
+              </a:solidFill>
+              <a:round/>
+              <a:headEnd/>
+              <a:tailEnd/>
+            </a:ln>
+          </p:spPr>
+          <p:txBody>
+            <a:bodyPr wrap="none" anchor="ctr"/>
+            <a:lstStyle/>
+            <a:p>
+              <a:endParaRPr lang="en-US"/>
+            </a:p>
+          </p:txBody>
+        </p:sp>
+        <p:sp>
+          <p:nvSpPr>
+            <p:cNvPr id="74" name="Oval 69">
+              <a:extLst>
+                <a:ext uri="{FF2B5EF4-FFF2-40B4-BE49-F238E27FC236}">
+                  <a16:creationId xmlns:a16="http://schemas.microsoft.com/office/drawing/2014/main" id="{5D00B8C4-BFF6-5640-97AD-33FF3C07F1FC}"/>
+                </a:ext>
+              </a:extLst>
+            </p:cNvPr>
+            <p:cNvSpPr>
+              <a:spLocks noChangeArrowheads="1"/>
+            </p:cNvSpPr>
+            <p:nvPr/>
+          </p:nvSpPr>
+          <p:spPr bwMode="auto">
+            <a:xfrm>
+              <a:off x="8436248" y="4938659"/>
+              <a:ext cx="73025" cy="73025"/>
+            </a:xfrm>
+            <a:prstGeom prst="ellipse">
+              <a:avLst/>
+            </a:prstGeom>
+            <a:solidFill>
+              <a:schemeClr val="tx1">
+                <a:lumMod val="50000"/>
+                <a:lumOff val="50000"/>
+              </a:schemeClr>
+            </a:solidFill>
+            <a:ln w="9525">
+              <a:solidFill>
+                <a:schemeClr val="tx1"/>
+              </a:solidFill>
+              <a:round/>
+              <a:headEnd/>
+              <a:tailEnd/>
+            </a:ln>
+          </p:spPr>
+          <p:txBody>
+            <a:bodyPr wrap="none" anchor="ctr"/>
+            <a:lstStyle/>
+            <a:p>
+              <a:endParaRPr lang="en-US"/>
+            </a:p>
+          </p:txBody>
+        </p:sp>
+        <p:sp>
+          <p:nvSpPr>
+            <p:cNvPr id="75" name="Oval 70">
+              <a:extLst>
+                <a:ext uri="{FF2B5EF4-FFF2-40B4-BE49-F238E27FC236}">
+                  <a16:creationId xmlns:a16="http://schemas.microsoft.com/office/drawing/2014/main" id="{BE975F60-711E-E449-9EFE-244918D06F53}"/>
+                </a:ext>
+              </a:extLst>
+            </p:cNvPr>
+            <p:cNvSpPr>
+              <a:spLocks noChangeArrowheads="1"/>
+            </p:cNvSpPr>
+            <p:nvPr/>
+          </p:nvSpPr>
+          <p:spPr bwMode="auto">
+            <a:xfrm>
+              <a:off x="8510860" y="4941834"/>
+              <a:ext cx="73025" cy="73025"/>
+            </a:xfrm>
+            <a:prstGeom prst="ellipse">
+              <a:avLst/>
+            </a:prstGeom>
+            <a:solidFill>
+              <a:schemeClr val="tx1">
+                <a:lumMod val="50000"/>
+                <a:lumOff val="50000"/>
+              </a:schemeClr>
+            </a:solidFill>
+            <a:ln w="9525">
+              <a:solidFill>
+                <a:schemeClr val="tx1"/>
+              </a:solidFill>
+              <a:round/>
+              <a:headEnd/>
+              <a:tailEnd/>
+            </a:ln>
+          </p:spPr>
+          <p:txBody>
+            <a:bodyPr wrap="none" anchor="ctr"/>
+            <a:lstStyle/>
+            <a:p>
+              <a:endParaRPr lang="en-US"/>
+            </a:p>
+          </p:txBody>
+        </p:sp>
+        <p:sp>
+          <p:nvSpPr>
+            <p:cNvPr id="76" name="Oval 71">
+              <a:extLst>
+                <a:ext uri="{FF2B5EF4-FFF2-40B4-BE49-F238E27FC236}">
+                  <a16:creationId xmlns:a16="http://schemas.microsoft.com/office/drawing/2014/main" id="{489C68B6-64E5-2946-AD7E-269CCDA640D3}"/>
+                </a:ext>
+              </a:extLst>
+            </p:cNvPr>
+            <p:cNvSpPr>
+              <a:spLocks noChangeArrowheads="1"/>
+            </p:cNvSpPr>
+            <p:nvPr/>
+          </p:nvSpPr>
+          <p:spPr bwMode="auto">
+            <a:xfrm>
+              <a:off x="8579123" y="4794196"/>
+              <a:ext cx="73025" cy="73025"/>
+            </a:xfrm>
+            <a:prstGeom prst="ellipse">
+              <a:avLst/>
+            </a:prstGeom>
+            <a:solidFill>
+              <a:schemeClr val="tx1">
+                <a:lumMod val="50000"/>
+                <a:lumOff val="50000"/>
+              </a:schemeClr>
+            </a:solidFill>
+            <a:ln w="9525">
+              <a:solidFill>
+                <a:schemeClr val="tx1"/>
+              </a:solidFill>
+              <a:round/>
+              <a:headEnd/>
+              <a:tailEnd/>
+            </a:ln>
+          </p:spPr>
+          <p:txBody>
+            <a:bodyPr wrap="none" anchor="ctr"/>
+            <a:lstStyle/>
+            <a:p>
+              <a:endParaRPr lang="en-US"/>
+            </a:p>
+          </p:txBody>
+        </p:sp>
+        <p:sp>
+          <p:nvSpPr>
+            <p:cNvPr id="77" name="Oval 72">
+              <a:extLst>
+                <a:ext uri="{FF2B5EF4-FFF2-40B4-BE49-F238E27FC236}">
+                  <a16:creationId xmlns:a16="http://schemas.microsoft.com/office/drawing/2014/main" id="{A2A3AD34-D295-7740-BFEC-9C8BBD9C58DF}"/>
+                </a:ext>
+              </a:extLst>
+            </p:cNvPr>
+            <p:cNvSpPr>
+              <a:spLocks noChangeArrowheads="1"/>
+            </p:cNvSpPr>
+            <p:nvPr/>
+          </p:nvSpPr>
+          <p:spPr bwMode="auto">
+            <a:xfrm>
+              <a:off x="8652148" y="5154559"/>
+              <a:ext cx="73025" cy="73025"/>
+            </a:xfrm>
+            <a:prstGeom prst="ellipse">
+              <a:avLst/>
+            </a:prstGeom>
+            <a:solidFill>
+              <a:schemeClr val="tx1">
+                <a:lumMod val="50000"/>
+                <a:lumOff val="50000"/>
+              </a:schemeClr>
+            </a:solidFill>
+            <a:ln w="9525">
+              <a:solidFill>
+                <a:schemeClr val="tx1"/>
+              </a:solidFill>
+              <a:round/>
+              <a:headEnd/>
+              <a:tailEnd/>
+            </a:ln>
+          </p:spPr>
+          <p:txBody>
+            <a:bodyPr wrap="none" anchor="ctr"/>
+            <a:lstStyle/>
+            <a:p>
+              <a:endParaRPr lang="en-US"/>
+            </a:p>
+          </p:txBody>
+        </p:sp>
+        <p:sp>
+          <p:nvSpPr>
+            <p:cNvPr id="78" name="Oval 73">
+              <a:extLst>
+                <a:ext uri="{FF2B5EF4-FFF2-40B4-BE49-F238E27FC236}">
+                  <a16:creationId xmlns:a16="http://schemas.microsoft.com/office/drawing/2014/main" id="{241EDBB5-4990-A64D-9FD4-005F72A59F99}"/>
+                </a:ext>
+              </a:extLst>
+            </p:cNvPr>
+            <p:cNvSpPr>
+              <a:spLocks noChangeArrowheads="1"/>
+            </p:cNvSpPr>
+            <p:nvPr/>
+          </p:nvSpPr>
+          <p:spPr bwMode="auto">
+            <a:xfrm>
+              <a:off x="8725173" y="5011684"/>
+              <a:ext cx="73025" cy="73025"/>
+            </a:xfrm>
+            <a:prstGeom prst="ellipse">
+              <a:avLst/>
+            </a:prstGeom>
+            <a:solidFill>
+              <a:schemeClr val="tx1">
+                <a:lumMod val="50000"/>
+                <a:lumOff val="50000"/>
+              </a:schemeClr>
+            </a:solidFill>
+            <a:ln w="9525">
+              <a:solidFill>
+                <a:schemeClr val="tx1"/>
+              </a:solidFill>
+              <a:round/>
+              <a:headEnd/>
+              <a:tailEnd/>
+            </a:ln>
+          </p:spPr>
+          <p:txBody>
+            <a:bodyPr wrap="none" anchor="ctr"/>
+            <a:lstStyle/>
+            <a:p>
+              <a:endParaRPr lang="en-US"/>
+            </a:p>
+          </p:txBody>
+        </p:sp>
+        <p:sp>
+          <p:nvSpPr>
+            <p:cNvPr id="79" name="Oval 74">
+              <a:extLst>
+                <a:ext uri="{FF2B5EF4-FFF2-40B4-BE49-F238E27FC236}">
+                  <a16:creationId xmlns:a16="http://schemas.microsoft.com/office/drawing/2014/main" id="{9A272502-EFC0-2142-AD51-CB4C2091432B}"/>
+                </a:ext>
+              </a:extLst>
+            </p:cNvPr>
+            <p:cNvSpPr>
+              <a:spLocks noChangeArrowheads="1"/>
+            </p:cNvSpPr>
+            <p:nvPr/>
+          </p:nvSpPr>
+          <p:spPr bwMode="auto">
+            <a:xfrm>
+              <a:off x="8795023" y="6380109"/>
+              <a:ext cx="73025" cy="73025"/>
+            </a:xfrm>
+            <a:prstGeom prst="ellipse">
+              <a:avLst/>
+            </a:prstGeom>
+            <a:solidFill>
+              <a:schemeClr val="tx1">
+                <a:lumMod val="50000"/>
+                <a:lumOff val="50000"/>
+              </a:schemeClr>
+            </a:solidFill>
+            <a:ln w="9525">
+              <a:solidFill>
+                <a:schemeClr val="tx1"/>
+              </a:solidFill>
+              <a:round/>
+              <a:headEnd/>
+              <a:tailEnd/>
+            </a:ln>
+          </p:spPr>
+          <p:txBody>
+            <a:bodyPr wrap="none" anchor="ctr"/>
+            <a:lstStyle/>
+            <a:p>
+              <a:endParaRPr lang="en-US"/>
+            </a:p>
+          </p:txBody>
+        </p:sp>
+        <p:sp>
+          <p:nvSpPr>
+            <p:cNvPr id="80" name="Oval 75">
+              <a:extLst>
+                <a:ext uri="{FF2B5EF4-FFF2-40B4-BE49-F238E27FC236}">
+                  <a16:creationId xmlns:a16="http://schemas.microsoft.com/office/drawing/2014/main" id="{9F430E04-6AF5-184F-88BF-5618543C4FE4}"/>
+                </a:ext>
+              </a:extLst>
+            </p:cNvPr>
+            <p:cNvSpPr>
+              <a:spLocks noChangeArrowheads="1"/>
+            </p:cNvSpPr>
+            <p:nvPr/>
+          </p:nvSpPr>
+          <p:spPr bwMode="auto">
+            <a:xfrm>
+              <a:off x="8866460" y="6596009"/>
+              <a:ext cx="73025" cy="73025"/>
+            </a:xfrm>
+            <a:prstGeom prst="ellipse">
+              <a:avLst/>
+            </a:prstGeom>
+            <a:solidFill>
+              <a:schemeClr val="tx1">
+                <a:lumMod val="50000"/>
+                <a:lumOff val="50000"/>
+              </a:schemeClr>
+            </a:solidFill>
+            <a:ln w="9525">
+              <a:solidFill>
+                <a:schemeClr val="tx1"/>
+              </a:solidFill>
+              <a:round/>
+              <a:headEnd/>
+              <a:tailEnd/>
+            </a:ln>
+          </p:spPr>
+          <p:txBody>
+            <a:bodyPr wrap="none" anchor="ctr"/>
+            <a:lstStyle/>
+            <a:p>
+              <a:endParaRPr lang="en-US"/>
+            </a:p>
+          </p:txBody>
+        </p:sp>
+        <p:sp>
+          <p:nvSpPr>
+            <p:cNvPr id="81" name="Oval 76">
+              <a:extLst>
+                <a:ext uri="{FF2B5EF4-FFF2-40B4-BE49-F238E27FC236}">
+                  <a16:creationId xmlns:a16="http://schemas.microsoft.com/office/drawing/2014/main" id="{B2731C37-209C-7F42-9042-64963BDC1E04}"/>
+                </a:ext>
+              </a:extLst>
+            </p:cNvPr>
+            <p:cNvSpPr>
+              <a:spLocks noChangeArrowheads="1"/>
+            </p:cNvSpPr>
+            <p:nvPr/>
+          </p:nvSpPr>
+          <p:spPr bwMode="auto">
+            <a:xfrm>
+              <a:off x="8363223" y="6596009"/>
+              <a:ext cx="73025" cy="73025"/>
+            </a:xfrm>
+            <a:prstGeom prst="ellipse">
+              <a:avLst/>
+            </a:prstGeom>
+            <a:solidFill>
+              <a:schemeClr val="tx1">
+                <a:lumMod val="50000"/>
+                <a:lumOff val="50000"/>
+              </a:schemeClr>
+            </a:solidFill>
+            <a:ln w="9525">
+              <a:solidFill>
+                <a:schemeClr val="tx1"/>
+              </a:solidFill>
+              <a:round/>
+              <a:headEnd/>
+              <a:tailEnd/>
+            </a:ln>
+          </p:spPr>
+          <p:txBody>
+            <a:bodyPr wrap="none" anchor="ctr"/>
+            <a:lstStyle/>
+            <a:p>
+              <a:endParaRPr lang="en-US"/>
+            </a:p>
+          </p:txBody>
+        </p:sp>
+        <p:sp>
+          <p:nvSpPr>
+            <p:cNvPr id="82" name="Oval 77">
+              <a:extLst>
+                <a:ext uri="{FF2B5EF4-FFF2-40B4-BE49-F238E27FC236}">
+                  <a16:creationId xmlns:a16="http://schemas.microsoft.com/office/drawing/2014/main" id="{ED13BDBC-7F72-9640-8658-59F9FC09BD21}"/>
+                </a:ext>
+              </a:extLst>
+            </p:cNvPr>
+            <p:cNvSpPr>
+              <a:spLocks noChangeArrowheads="1"/>
+            </p:cNvSpPr>
+            <p:nvPr/>
+          </p:nvSpPr>
+          <p:spPr bwMode="auto">
+            <a:xfrm>
+              <a:off x="7931423" y="6307084"/>
+              <a:ext cx="73025" cy="73025"/>
+            </a:xfrm>
+            <a:prstGeom prst="ellipse">
+              <a:avLst/>
+            </a:prstGeom>
+            <a:solidFill>
+              <a:schemeClr val="tx1">
+                <a:lumMod val="50000"/>
+                <a:lumOff val="50000"/>
+              </a:schemeClr>
+            </a:solidFill>
+            <a:ln w="9525">
+              <a:solidFill>
+                <a:schemeClr val="tx1"/>
+              </a:solidFill>
+              <a:round/>
+              <a:headEnd/>
+              <a:tailEnd/>
+            </a:ln>
+          </p:spPr>
+          <p:txBody>
+            <a:bodyPr wrap="none" anchor="ctr"/>
+            <a:lstStyle/>
+            <a:p>
+              <a:endParaRPr lang="en-US"/>
+            </a:p>
+          </p:txBody>
+        </p:sp>
+        <p:sp>
+          <p:nvSpPr>
+            <p:cNvPr id="83" name="Oval 78">
+              <a:extLst>
+                <a:ext uri="{FF2B5EF4-FFF2-40B4-BE49-F238E27FC236}">
+                  <a16:creationId xmlns:a16="http://schemas.microsoft.com/office/drawing/2014/main" id="{8D1B72E1-95F3-794F-A58A-F2A27145C944}"/>
+                </a:ext>
+              </a:extLst>
+            </p:cNvPr>
+            <p:cNvSpPr>
+              <a:spLocks noChangeArrowheads="1"/>
+            </p:cNvSpPr>
+            <p:nvPr/>
+          </p:nvSpPr>
+          <p:spPr bwMode="auto">
+            <a:xfrm>
+              <a:off x="7428185" y="6596009"/>
+              <a:ext cx="73025" cy="73025"/>
+            </a:xfrm>
+            <a:prstGeom prst="ellipse">
+              <a:avLst/>
+            </a:prstGeom>
+            <a:solidFill>
+              <a:schemeClr val="tx1">
+                <a:lumMod val="50000"/>
+                <a:lumOff val="50000"/>
+              </a:schemeClr>
+            </a:solidFill>
+            <a:ln w="9525">
+              <a:solidFill>
+                <a:schemeClr val="tx1"/>
+              </a:solidFill>
+              <a:round/>
+              <a:headEnd/>
+              <a:tailEnd/>
+            </a:ln>
+          </p:spPr>
+          <p:txBody>
+            <a:bodyPr wrap="none" anchor="ctr"/>
+            <a:lstStyle/>
+            <a:p>
+              <a:endParaRPr lang="en-US"/>
+            </a:p>
+          </p:txBody>
+        </p:sp>
+        <p:sp>
+          <p:nvSpPr>
+            <p:cNvPr id="84" name="Oval 79">
+              <a:extLst>
+                <a:ext uri="{FF2B5EF4-FFF2-40B4-BE49-F238E27FC236}">
+                  <a16:creationId xmlns:a16="http://schemas.microsoft.com/office/drawing/2014/main" id="{C8FD7EB2-9EDF-D144-A293-C7F458766577}"/>
+                </a:ext>
+              </a:extLst>
+            </p:cNvPr>
+            <p:cNvSpPr>
+              <a:spLocks noChangeArrowheads="1"/>
+            </p:cNvSpPr>
+            <p:nvPr/>
+          </p:nvSpPr>
+          <p:spPr bwMode="auto">
+            <a:xfrm>
+              <a:off x="7571060" y="6522984"/>
+              <a:ext cx="73025" cy="73025"/>
+            </a:xfrm>
+            <a:prstGeom prst="ellipse">
+              <a:avLst/>
+            </a:prstGeom>
+            <a:solidFill>
+              <a:schemeClr val="tx1">
+                <a:lumMod val="50000"/>
+                <a:lumOff val="50000"/>
+              </a:schemeClr>
+            </a:solidFill>
+            <a:ln w="9525">
+              <a:solidFill>
+                <a:schemeClr val="tx1"/>
+              </a:solidFill>
+              <a:round/>
+              <a:headEnd/>
+              <a:tailEnd/>
+            </a:ln>
+          </p:spPr>
+          <p:txBody>
+            <a:bodyPr wrap="none" anchor="ctr"/>
+            <a:lstStyle/>
+            <a:p>
+              <a:endParaRPr lang="en-US"/>
+            </a:p>
+          </p:txBody>
+        </p:sp>
+        <p:sp>
+          <p:nvSpPr>
+            <p:cNvPr id="85" name="Oval 80">
+              <a:extLst>
+                <a:ext uri="{FF2B5EF4-FFF2-40B4-BE49-F238E27FC236}">
+                  <a16:creationId xmlns:a16="http://schemas.microsoft.com/office/drawing/2014/main" id="{84FB6F68-06FA-DE44-8555-03ADCCA6F492}"/>
+                </a:ext>
+              </a:extLst>
+            </p:cNvPr>
+            <p:cNvSpPr>
+              <a:spLocks noChangeArrowheads="1"/>
+            </p:cNvSpPr>
+            <p:nvPr/>
+          </p:nvSpPr>
+          <p:spPr bwMode="auto">
+            <a:xfrm>
+              <a:off x="7499623" y="6235646"/>
+              <a:ext cx="73025" cy="73025"/>
+            </a:xfrm>
+            <a:prstGeom prst="ellipse">
+              <a:avLst/>
+            </a:prstGeom>
+            <a:solidFill>
+              <a:schemeClr val="tx1">
+                <a:lumMod val="50000"/>
+                <a:lumOff val="50000"/>
+              </a:schemeClr>
+            </a:solidFill>
+            <a:ln w="9525">
+              <a:solidFill>
+                <a:schemeClr val="tx1"/>
+              </a:solidFill>
+              <a:round/>
+              <a:headEnd/>
+              <a:tailEnd/>
+            </a:ln>
+          </p:spPr>
+          <p:txBody>
+            <a:bodyPr wrap="none" anchor="ctr"/>
+            <a:lstStyle/>
+            <a:p>
+              <a:endParaRPr lang="en-US"/>
+            </a:p>
+          </p:txBody>
+        </p:sp>
+        <p:sp>
+          <p:nvSpPr>
+            <p:cNvPr id="86" name="Oval 81">
+              <a:extLst>
+                <a:ext uri="{FF2B5EF4-FFF2-40B4-BE49-F238E27FC236}">
+                  <a16:creationId xmlns:a16="http://schemas.microsoft.com/office/drawing/2014/main" id="{CB300C75-6C5E-6747-B058-07EDE301DF0E}"/>
+                </a:ext>
+              </a:extLst>
+            </p:cNvPr>
+            <p:cNvSpPr>
+              <a:spLocks noChangeArrowheads="1"/>
+            </p:cNvSpPr>
+            <p:nvPr/>
+          </p:nvSpPr>
+          <p:spPr bwMode="auto">
+            <a:xfrm>
+              <a:off x="7644085" y="5659384"/>
+              <a:ext cx="73025" cy="73025"/>
+            </a:xfrm>
+            <a:prstGeom prst="ellipse">
+              <a:avLst/>
+            </a:prstGeom>
+            <a:solidFill>
+              <a:schemeClr val="tx1">
+                <a:lumMod val="50000"/>
+                <a:lumOff val="50000"/>
+              </a:schemeClr>
+            </a:solidFill>
+            <a:ln w="9525">
+              <a:solidFill>
+                <a:schemeClr val="tx1"/>
+              </a:solidFill>
+              <a:round/>
+              <a:headEnd/>
+              <a:tailEnd/>
+            </a:ln>
+          </p:spPr>
+          <p:txBody>
+            <a:bodyPr wrap="none" anchor="ctr"/>
+            <a:lstStyle/>
+            <a:p>
+              <a:endParaRPr lang="en-US"/>
+            </a:p>
+          </p:txBody>
+        </p:sp>
+        <p:sp>
+          <p:nvSpPr>
+            <p:cNvPr id="87" name="Oval 82">
+              <a:extLst>
+                <a:ext uri="{FF2B5EF4-FFF2-40B4-BE49-F238E27FC236}">
+                  <a16:creationId xmlns:a16="http://schemas.microsoft.com/office/drawing/2014/main" id="{7FB0934B-706C-4A4F-A9F7-33EE99DB8534}"/>
+                </a:ext>
+              </a:extLst>
+            </p:cNvPr>
+            <p:cNvSpPr>
+              <a:spLocks noChangeArrowheads="1"/>
+            </p:cNvSpPr>
+            <p:nvPr/>
+          </p:nvSpPr>
+          <p:spPr bwMode="auto">
+            <a:xfrm>
+              <a:off x="7571060" y="5372046"/>
+              <a:ext cx="73025" cy="73025"/>
+            </a:xfrm>
+            <a:prstGeom prst="ellipse">
+              <a:avLst/>
+            </a:prstGeom>
+            <a:solidFill>
+              <a:schemeClr val="tx1">
+                <a:lumMod val="50000"/>
+                <a:lumOff val="50000"/>
+              </a:schemeClr>
+            </a:solidFill>
+            <a:ln w="9525">
+              <a:solidFill>
+                <a:schemeClr val="tx1"/>
+              </a:solidFill>
+              <a:round/>
+              <a:headEnd/>
+              <a:tailEnd/>
+            </a:ln>
+          </p:spPr>
+          <p:txBody>
+            <a:bodyPr wrap="none" anchor="ctr"/>
+            <a:lstStyle/>
+            <a:p>
+              <a:endParaRPr lang="en-US"/>
+            </a:p>
+          </p:txBody>
+        </p:sp>
+        <p:sp>
+          <p:nvSpPr>
+            <p:cNvPr id="88" name="Oval 83">
+              <a:extLst>
+                <a:ext uri="{FF2B5EF4-FFF2-40B4-BE49-F238E27FC236}">
+                  <a16:creationId xmlns:a16="http://schemas.microsoft.com/office/drawing/2014/main" id="{CEABC5D7-E237-CE48-8EE1-CDB41AC67B37}"/>
+                </a:ext>
+              </a:extLst>
+            </p:cNvPr>
+            <p:cNvSpPr>
+              <a:spLocks noChangeArrowheads="1"/>
+            </p:cNvSpPr>
+            <p:nvPr/>
+          </p:nvSpPr>
+          <p:spPr bwMode="auto">
+            <a:xfrm>
+              <a:off x="7355160" y="5299021"/>
+              <a:ext cx="73025" cy="73025"/>
+            </a:xfrm>
+            <a:prstGeom prst="ellipse">
+              <a:avLst/>
+            </a:prstGeom>
+            <a:solidFill>
+              <a:schemeClr val="tx1">
+                <a:lumMod val="50000"/>
+                <a:lumOff val="50000"/>
+              </a:schemeClr>
+            </a:solidFill>
+            <a:ln w="9525">
+              <a:solidFill>
+                <a:schemeClr val="tx1"/>
+              </a:solidFill>
+              <a:round/>
+              <a:headEnd/>
+              <a:tailEnd/>
+            </a:ln>
+          </p:spPr>
+          <p:txBody>
+            <a:bodyPr wrap="none" anchor="ctr"/>
+            <a:lstStyle/>
+            <a:p>
+              <a:endParaRPr lang="en-US"/>
+            </a:p>
+          </p:txBody>
+        </p:sp>
+        <p:sp>
+          <p:nvSpPr>
+            <p:cNvPr id="89" name="Oval 84">
+              <a:extLst>
+                <a:ext uri="{FF2B5EF4-FFF2-40B4-BE49-F238E27FC236}">
+                  <a16:creationId xmlns:a16="http://schemas.microsoft.com/office/drawing/2014/main" id="{25A2415E-80E1-5B46-B749-812D10A78B73}"/>
+                </a:ext>
+              </a:extLst>
+            </p:cNvPr>
+            <p:cNvSpPr>
+              <a:spLocks noChangeArrowheads="1"/>
+            </p:cNvSpPr>
+            <p:nvPr/>
+          </p:nvSpPr>
+          <p:spPr bwMode="auto">
+            <a:xfrm>
+              <a:off x="7499623" y="5587946"/>
+              <a:ext cx="73025" cy="73025"/>
+            </a:xfrm>
+            <a:prstGeom prst="ellipse">
+              <a:avLst/>
+            </a:prstGeom>
+            <a:solidFill>
+              <a:schemeClr val="tx1">
+                <a:lumMod val="50000"/>
+                <a:lumOff val="50000"/>
+              </a:schemeClr>
+            </a:solidFill>
+            <a:ln w="9525">
+              <a:solidFill>
+                <a:schemeClr val="tx1"/>
+              </a:solidFill>
+              <a:round/>
+              <a:headEnd/>
+              <a:tailEnd/>
+            </a:ln>
+          </p:spPr>
+          <p:txBody>
+            <a:bodyPr wrap="none" anchor="ctr"/>
+            <a:lstStyle/>
+            <a:p>
+              <a:endParaRPr lang="en-US"/>
+            </a:p>
+          </p:txBody>
+        </p:sp>
+        <p:sp>
+          <p:nvSpPr>
+            <p:cNvPr id="90" name="Oval 85">
+              <a:extLst>
+                <a:ext uri="{FF2B5EF4-FFF2-40B4-BE49-F238E27FC236}">
+                  <a16:creationId xmlns:a16="http://schemas.microsoft.com/office/drawing/2014/main" id="{395C3DD4-EEB4-9D47-9D46-6FC61F648F00}"/>
+                </a:ext>
+              </a:extLst>
+            </p:cNvPr>
+            <p:cNvSpPr>
+              <a:spLocks noChangeArrowheads="1"/>
+            </p:cNvSpPr>
+            <p:nvPr/>
+          </p:nvSpPr>
+          <p:spPr bwMode="auto">
+            <a:xfrm>
+              <a:off x="7931423" y="5587946"/>
+              <a:ext cx="73025" cy="73025"/>
+            </a:xfrm>
+            <a:prstGeom prst="ellipse">
+              <a:avLst/>
+            </a:prstGeom>
+            <a:solidFill>
+              <a:schemeClr val="tx1">
+                <a:lumMod val="50000"/>
+                <a:lumOff val="50000"/>
+              </a:schemeClr>
+            </a:solidFill>
+            <a:ln w="9525">
+              <a:solidFill>
+                <a:schemeClr val="tx1"/>
+              </a:solidFill>
+              <a:round/>
+              <a:headEnd/>
+              <a:tailEnd/>
+            </a:ln>
+          </p:spPr>
+          <p:txBody>
+            <a:bodyPr wrap="none" anchor="ctr"/>
+            <a:lstStyle/>
+            <a:p>
+              <a:endParaRPr lang="en-US"/>
+            </a:p>
+          </p:txBody>
+        </p:sp>
+        <p:sp>
+          <p:nvSpPr>
+            <p:cNvPr id="91" name="Oval 86">
+              <a:extLst>
+                <a:ext uri="{FF2B5EF4-FFF2-40B4-BE49-F238E27FC236}">
+                  <a16:creationId xmlns:a16="http://schemas.microsoft.com/office/drawing/2014/main" id="{B5809568-7FCC-454F-A682-419E2FA827F9}"/>
+                </a:ext>
+              </a:extLst>
+            </p:cNvPr>
+            <p:cNvSpPr>
+              <a:spLocks noChangeArrowheads="1"/>
+            </p:cNvSpPr>
+            <p:nvPr/>
+          </p:nvSpPr>
+          <p:spPr bwMode="auto">
+            <a:xfrm>
+              <a:off x="8074298" y="5587946"/>
+              <a:ext cx="73025" cy="73025"/>
+            </a:xfrm>
+            <a:prstGeom prst="ellipse">
+              <a:avLst/>
+            </a:prstGeom>
+            <a:solidFill>
+              <a:schemeClr val="tx1">
+                <a:lumMod val="50000"/>
+                <a:lumOff val="50000"/>
+              </a:schemeClr>
+            </a:solidFill>
+            <a:ln w="9525">
+              <a:solidFill>
+                <a:schemeClr val="tx1"/>
+              </a:solidFill>
+              <a:round/>
+              <a:headEnd/>
+              <a:tailEnd/>
+            </a:ln>
+          </p:spPr>
+          <p:txBody>
+            <a:bodyPr wrap="none" anchor="ctr"/>
+            <a:lstStyle/>
+            <a:p>
+              <a:endParaRPr lang="en-US"/>
+            </a:p>
+          </p:txBody>
+        </p:sp>
+        <p:sp>
+          <p:nvSpPr>
+            <p:cNvPr id="92" name="Oval 87">
+              <a:extLst>
+                <a:ext uri="{FF2B5EF4-FFF2-40B4-BE49-F238E27FC236}">
+                  <a16:creationId xmlns:a16="http://schemas.microsoft.com/office/drawing/2014/main" id="{A439E01E-426C-C544-8F44-B443C4C5946E}"/>
+                </a:ext>
+              </a:extLst>
+            </p:cNvPr>
+            <p:cNvSpPr>
+              <a:spLocks noChangeArrowheads="1"/>
+            </p:cNvSpPr>
+            <p:nvPr/>
+          </p:nvSpPr>
+          <p:spPr bwMode="auto">
+            <a:xfrm>
+              <a:off x="7282135" y="5730821"/>
+              <a:ext cx="73025" cy="73025"/>
+            </a:xfrm>
+            <a:prstGeom prst="ellipse">
+              <a:avLst/>
+            </a:prstGeom>
+            <a:solidFill>
+              <a:schemeClr val="tx1">
+                <a:lumMod val="50000"/>
+                <a:lumOff val="50000"/>
+              </a:schemeClr>
+            </a:solidFill>
+            <a:ln w="9525">
+              <a:solidFill>
+                <a:schemeClr val="tx1"/>
+              </a:solidFill>
+              <a:round/>
+              <a:headEnd/>
+              <a:tailEnd/>
+            </a:ln>
+          </p:spPr>
+          <p:txBody>
+            <a:bodyPr wrap="none" anchor="ctr"/>
+            <a:lstStyle/>
+            <a:p>
+              <a:endParaRPr lang="en-US"/>
+            </a:p>
+          </p:txBody>
+        </p:sp>
+        <p:sp>
+          <p:nvSpPr>
+            <p:cNvPr id="93" name="Oval 88">
+              <a:extLst>
+                <a:ext uri="{FF2B5EF4-FFF2-40B4-BE49-F238E27FC236}">
+                  <a16:creationId xmlns:a16="http://schemas.microsoft.com/office/drawing/2014/main" id="{9FB5AF3E-A997-5E49-8E1D-D65F7675431E}"/>
+                </a:ext>
+              </a:extLst>
+            </p:cNvPr>
+            <p:cNvSpPr>
+              <a:spLocks noChangeArrowheads="1"/>
+            </p:cNvSpPr>
+            <p:nvPr/>
+          </p:nvSpPr>
+          <p:spPr bwMode="auto">
+            <a:xfrm>
+              <a:off x="7355160" y="5081534"/>
+              <a:ext cx="73025" cy="73025"/>
+            </a:xfrm>
+            <a:prstGeom prst="ellipse">
+              <a:avLst/>
+            </a:prstGeom>
+            <a:solidFill>
+              <a:schemeClr val="tx1">
+                <a:lumMod val="50000"/>
+                <a:lumOff val="50000"/>
+              </a:schemeClr>
+            </a:solidFill>
+            <a:ln w="9525">
+              <a:solidFill>
+                <a:schemeClr val="tx1"/>
+              </a:solidFill>
+              <a:round/>
+              <a:headEnd/>
+              <a:tailEnd/>
+            </a:ln>
+          </p:spPr>
+          <p:txBody>
+            <a:bodyPr wrap="none" anchor="ctr"/>
+            <a:lstStyle/>
+            <a:p>
+              <a:endParaRPr lang="en-US"/>
+            </a:p>
+          </p:txBody>
+        </p:sp>
+        <p:sp>
+          <p:nvSpPr>
+            <p:cNvPr id="94" name="Oval 89">
+              <a:extLst>
+                <a:ext uri="{FF2B5EF4-FFF2-40B4-BE49-F238E27FC236}">
+                  <a16:creationId xmlns:a16="http://schemas.microsoft.com/office/drawing/2014/main" id="{5D7F3ED6-A192-8E49-8B93-48EA4F91C29C}"/>
+                </a:ext>
+              </a:extLst>
+            </p:cNvPr>
+            <p:cNvSpPr>
+              <a:spLocks noChangeArrowheads="1"/>
+            </p:cNvSpPr>
+            <p:nvPr/>
+          </p:nvSpPr>
+          <p:spPr bwMode="auto">
+            <a:xfrm>
+              <a:off x="7644085" y="4795784"/>
+              <a:ext cx="73025" cy="73025"/>
+            </a:xfrm>
+            <a:prstGeom prst="ellipse">
+              <a:avLst/>
+            </a:prstGeom>
+            <a:solidFill>
+              <a:schemeClr val="tx1">
+                <a:lumMod val="50000"/>
+                <a:lumOff val="50000"/>
+              </a:schemeClr>
+            </a:solidFill>
+            <a:ln w="9525">
+              <a:solidFill>
+                <a:schemeClr val="tx1"/>
+              </a:solidFill>
+              <a:round/>
+              <a:headEnd/>
+              <a:tailEnd/>
+            </a:ln>
+          </p:spPr>
+          <p:txBody>
+            <a:bodyPr wrap="none" anchor="ctr"/>
+            <a:lstStyle/>
+            <a:p>
+              <a:endParaRPr lang="en-US"/>
+            </a:p>
+          </p:txBody>
+        </p:sp>
+        <p:sp>
+          <p:nvSpPr>
+            <p:cNvPr id="95" name="Oval 90">
+              <a:extLst>
+                <a:ext uri="{FF2B5EF4-FFF2-40B4-BE49-F238E27FC236}">
+                  <a16:creationId xmlns:a16="http://schemas.microsoft.com/office/drawing/2014/main" id="{5B720CE5-EC89-9B46-8E58-18C44CF16DAB}"/>
+                </a:ext>
+              </a:extLst>
+            </p:cNvPr>
+            <p:cNvSpPr>
+              <a:spLocks noChangeArrowheads="1"/>
+            </p:cNvSpPr>
+            <p:nvPr/>
+          </p:nvSpPr>
+          <p:spPr bwMode="auto">
+            <a:xfrm>
+              <a:off x="8437835" y="4795784"/>
+              <a:ext cx="73025" cy="73025"/>
+            </a:xfrm>
+            <a:prstGeom prst="ellipse">
+              <a:avLst/>
+            </a:prstGeom>
+            <a:solidFill>
+              <a:schemeClr val="tx1">
+                <a:lumMod val="50000"/>
+                <a:lumOff val="50000"/>
+              </a:schemeClr>
+            </a:solidFill>
+            <a:ln w="9525">
+              <a:solidFill>
+                <a:schemeClr val="tx1"/>
+              </a:solidFill>
+              <a:round/>
+              <a:headEnd/>
+              <a:tailEnd/>
+            </a:ln>
+          </p:spPr>
+          <p:txBody>
+            <a:bodyPr wrap="none" anchor="ctr"/>
+            <a:lstStyle/>
+            <a:p>
+              <a:endParaRPr lang="en-US"/>
+            </a:p>
+          </p:txBody>
+        </p:sp>
+        <p:sp>
+          <p:nvSpPr>
+            <p:cNvPr id="96" name="Oval 91">
+              <a:extLst>
+                <a:ext uri="{FF2B5EF4-FFF2-40B4-BE49-F238E27FC236}">
+                  <a16:creationId xmlns:a16="http://schemas.microsoft.com/office/drawing/2014/main" id="{6993DAD3-5317-804F-A3AC-D106D527C536}"/>
+                </a:ext>
+              </a:extLst>
+            </p:cNvPr>
+            <p:cNvSpPr>
+              <a:spLocks noChangeArrowheads="1"/>
+            </p:cNvSpPr>
+            <p:nvPr/>
+          </p:nvSpPr>
+          <p:spPr bwMode="auto">
+            <a:xfrm>
+              <a:off x="8075885" y="6234059"/>
+              <a:ext cx="73025" cy="73025"/>
+            </a:xfrm>
+            <a:prstGeom prst="ellipse">
+              <a:avLst/>
+            </a:prstGeom>
+            <a:solidFill>
+              <a:schemeClr val="tx1">
+                <a:lumMod val="50000"/>
+                <a:lumOff val="50000"/>
+              </a:schemeClr>
+            </a:solidFill>
+            <a:ln w="9525">
+              <a:solidFill>
+                <a:schemeClr val="tx1"/>
+              </a:solidFill>
+              <a:round/>
+              <a:headEnd/>
+              <a:tailEnd/>
+            </a:ln>
+          </p:spPr>
+          <p:txBody>
+            <a:bodyPr wrap="none" anchor="ctr"/>
+            <a:lstStyle/>
+            <a:p>
+              <a:endParaRPr lang="en-US"/>
+            </a:p>
+          </p:txBody>
+        </p:sp>
+        <p:sp>
+          <p:nvSpPr>
+            <p:cNvPr id="97" name="Oval 92">
+              <a:extLst>
+                <a:ext uri="{FF2B5EF4-FFF2-40B4-BE49-F238E27FC236}">
+                  <a16:creationId xmlns:a16="http://schemas.microsoft.com/office/drawing/2014/main" id="{B34E48C8-2EFB-6C47-BE4F-65CD850B28FC}"/>
+                </a:ext>
+              </a:extLst>
+            </p:cNvPr>
+            <p:cNvSpPr>
+              <a:spLocks noChangeArrowheads="1"/>
+            </p:cNvSpPr>
+            <p:nvPr/>
+          </p:nvSpPr>
+          <p:spPr bwMode="auto">
+            <a:xfrm>
+              <a:off x="8868048" y="4867221"/>
+              <a:ext cx="73025" cy="73025"/>
+            </a:xfrm>
+            <a:prstGeom prst="ellipse">
+              <a:avLst/>
+            </a:prstGeom>
+            <a:solidFill>
+              <a:schemeClr val="tx1">
+                <a:lumMod val="50000"/>
+                <a:lumOff val="50000"/>
+              </a:schemeClr>
+            </a:solidFill>
+            <a:ln w="9525">
+              <a:solidFill>
+                <a:schemeClr val="tx1"/>
+              </a:solidFill>
+              <a:round/>
+              <a:headEnd/>
+              <a:tailEnd/>
+            </a:ln>
+          </p:spPr>
+          <p:txBody>
+            <a:bodyPr wrap="none" anchor="ctr"/>
+            <a:lstStyle/>
+            <a:p>
+              <a:endParaRPr lang="en-US"/>
+            </a:p>
+          </p:txBody>
+        </p:sp>
+        <p:sp>
+          <p:nvSpPr>
+            <p:cNvPr id="98" name="Oval 93">
+              <a:extLst>
+                <a:ext uri="{FF2B5EF4-FFF2-40B4-BE49-F238E27FC236}">
+                  <a16:creationId xmlns:a16="http://schemas.microsoft.com/office/drawing/2014/main" id="{C896682D-928F-2F42-9D82-2373C3596D39}"/>
+                </a:ext>
+              </a:extLst>
+            </p:cNvPr>
+            <p:cNvSpPr>
+              <a:spLocks noChangeArrowheads="1"/>
+            </p:cNvSpPr>
+            <p:nvPr/>
+          </p:nvSpPr>
+          <p:spPr bwMode="auto">
+            <a:xfrm>
+              <a:off x="8074298" y="6594421"/>
+              <a:ext cx="73025" cy="73025"/>
+            </a:xfrm>
+            <a:prstGeom prst="ellipse">
+              <a:avLst/>
+            </a:prstGeom>
+            <a:solidFill>
+              <a:schemeClr val="tx1">
+                <a:lumMod val="50000"/>
+                <a:lumOff val="50000"/>
+              </a:schemeClr>
+            </a:solidFill>
+            <a:ln w="9525">
+              <a:solidFill>
+                <a:schemeClr val="tx1"/>
+              </a:solidFill>
+              <a:round/>
+              <a:headEnd/>
+              <a:tailEnd/>
+            </a:ln>
+          </p:spPr>
+          <p:txBody>
+            <a:bodyPr wrap="none" anchor="ctr"/>
+            <a:lstStyle/>
+            <a:p>
+              <a:endParaRPr lang="en-US"/>
+            </a:p>
+          </p:txBody>
+        </p:sp>
+      </p:grpSp>
+      <p:grpSp>
+        <p:nvGrpSpPr>
+          <p:cNvPr id="109" name="Group 108">
+            <a:extLst>
+              <a:ext uri="{FF2B5EF4-FFF2-40B4-BE49-F238E27FC236}">
+                <a16:creationId xmlns:a16="http://schemas.microsoft.com/office/drawing/2014/main" id="{FC712DA3-8149-A047-BB68-989F2E1ECF43}"/>
+              </a:ext>
+            </a:extLst>
+          </p:cNvPr>
+          <p:cNvGrpSpPr/>
+          <p:nvPr/>
+        </p:nvGrpSpPr>
+        <p:grpSpPr>
+          <a:xfrm>
+            <a:off x="1726639" y="2023458"/>
+            <a:ext cx="1856316" cy="1377001"/>
+            <a:chOff x="1726639" y="2023458"/>
+            <a:chExt cx="1856316" cy="1377001"/>
+          </a:xfrm>
+        </p:grpSpPr>
+        <p:sp>
+          <p:nvSpPr>
+            <p:cNvPr id="99" name="12 Elipse">
+              <a:extLst>
+                <a:ext uri="{FF2B5EF4-FFF2-40B4-BE49-F238E27FC236}">
+                  <a16:creationId xmlns:a16="http://schemas.microsoft.com/office/drawing/2014/main" id="{81C10D77-6D52-5A4F-B3F1-750082129B4F}"/>
                 </a:ext>
               </a:extLst>
             </p:cNvPr>
@@ -3673,23 +7541,27 @@
           </p:nvSpPr>
           <p:spPr>
             <a:xfrm>
-              <a:off x="6784903" y="4697747"/>
-              <a:ext cx="553673" cy="553673"/>
+              <a:off x="1726639" y="2737284"/>
+              <a:ext cx="671794" cy="624414"/>
             </a:xfrm>
             <a:prstGeom prst="ellipse">
               <a:avLst/>
             </a:prstGeom>
+            <a:noFill/>
+            <a:ln w="28575">
+              <a:solidFill>
+                <a:srgbClr val="FF0000"/>
+              </a:solidFill>
+            </a:ln>
           </p:spPr>
           <p:style>
-            <a:lnRef idx="2">
-              <a:schemeClr val="accent1">
-                <a:shade val="50000"/>
-              </a:schemeClr>
+            <a:lnRef idx="1">
+              <a:schemeClr val="accent1"/>
             </a:lnRef>
-            <a:fillRef idx="1">
+            <a:fillRef idx="3">
               <a:schemeClr val="accent1"/>
             </a:fillRef>
-            <a:effectRef idx="0">
+            <a:effectRef idx="2">
               <a:schemeClr val="accent1"/>
             </a:effectRef>
             <a:fontRef idx="minor">
@@ -3701,16 +7573,16 @@
             <a:lstStyle/>
             <a:p>
               <a:pPr algn="ctr"/>
-              <a:endParaRPr lang="es-ES_tradnl"/>
+              <a:endParaRPr lang="es-CL"/>
             </a:p>
           </p:txBody>
         </p:sp>
         <p:sp>
           <p:nvSpPr>
-            <p:cNvPr id="12" name="Oval 11">
+            <p:cNvPr id="100" name="11 Arco">
               <a:extLst>
                 <a:ext uri="{FF2B5EF4-FFF2-40B4-BE49-F238E27FC236}">
-                  <a16:creationId xmlns:a16="http://schemas.microsoft.com/office/drawing/2014/main" id="{CABFE7E7-5B4E-9043-AE66-52FB2E9C15F4}"/>
+                  <a16:creationId xmlns:a16="http://schemas.microsoft.com/office/drawing/2014/main" id="{736A8C04-FEF9-4941-B185-371483404126}"/>
                 </a:ext>
               </a:extLst>
             </p:cNvPr>
@@ -3719,23 +7591,101 @@
           </p:nvSpPr>
           <p:spPr>
             <a:xfrm>
-              <a:off x="4818515" y="2382996"/>
-              <a:ext cx="553673" cy="553673"/>
+              <a:off x="2064630" y="2023458"/>
+              <a:ext cx="1518325" cy="1377001"/>
+            </a:xfrm>
+            <a:prstGeom prst="arc">
+              <a:avLst>
+                <a:gd name="adj1" fmla="val 10740030"/>
+                <a:gd name="adj2" fmla="val 20579188"/>
+              </a:avLst>
+            </a:prstGeom>
+            <a:ln w="28575">
+              <a:solidFill>
+                <a:srgbClr val="FF0000"/>
+              </a:solidFill>
+              <a:tailEnd type="stealth" w="lg" len="lg"/>
+            </a:ln>
+          </p:spPr>
+          <p:style>
+            <a:lnRef idx="2">
+              <a:schemeClr val="accent1"/>
+            </a:lnRef>
+            <a:fillRef idx="0">
+              <a:schemeClr val="accent1"/>
+            </a:fillRef>
+            <a:effectRef idx="1">
+              <a:schemeClr val="accent1"/>
+            </a:effectRef>
+            <a:fontRef idx="minor">
+              <a:schemeClr val="tx1"/>
+            </a:fontRef>
+          </p:style>
+          <p:txBody>
+            <a:bodyPr rtlCol="0" anchor="ctr"/>
+            <a:lstStyle/>
+            <a:p>
+              <a:pPr algn="ctr"/>
+              <a:endParaRPr lang="es-CL"/>
+            </a:p>
+          </p:txBody>
+        </p:sp>
+      </p:grpSp>
+      <p:grpSp>
+        <p:nvGrpSpPr>
+          <p:cNvPr id="113" name="Group 112">
+            <a:extLst>
+              <a:ext uri="{FF2B5EF4-FFF2-40B4-BE49-F238E27FC236}">
+                <a16:creationId xmlns:a16="http://schemas.microsoft.com/office/drawing/2014/main" id="{7A1205C6-AC8E-BD48-8EE9-8426449185E1}"/>
+              </a:ext>
+            </a:extLst>
+          </p:cNvPr>
+          <p:cNvGrpSpPr/>
+          <p:nvPr/>
+        </p:nvGrpSpPr>
+        <p:grpSpPr>
+          <a:xfrm>
+            <a:off x="4389190" y="2859873"/>
+            <a:ext cx="1856316" cy="1377001"/>
+            <a:chOff x="1726639" y="2023458"/>
+            <a:chExt cx="1856316" cy="1377001"/>
+          </a:xfrm>
+        </p:grpSpPr>
+        <p:sp>
+          <p:nvSpPr>
+            <p:cNvPr id="114" name="12 Elipse">
+              <a:extLst>
+                <a:ext uri="{FF2B5EF4-FFF2-40B4-BE49-F238E27FC236}">
+                  <a16:creationId xmlns:a16="http://schemas.microsoft.com/office/drawing/2014/main" id="{71599EBE-FD52-6D44-96B7-2C4FCFE32886}"/>
+                </a:ext>
+              </a:extLst>
+            </p:cNvPr>
+            <p:cNvSpPr/>
+            <p:nvPr/>
+          </p:nvSpPr>
+          <p:spPr>
+            <a:xfrm>
+              <a:off x="1726639" y="2737284"/>
+              <a:ext cx="671794" cy="624414"/>
             </a:xfrm>
             <a:prstGeom prst="ellipse">
               <a:avLst/>
             </a:prstGeom>
+            <a:noFill/>
+            <a:ln w="28575">
+              <a:solidFill>
+                <a:srgbClr val="FF0000"/>
+              </a:solidFill>
+            </a:ln>
           </p:spPr>
           <p:style>
-            <a:lnRef idx="2">
-              <a:schemeClr val="accent1">
-                <a:shade val="50000"/>
-              </a:schemeClr>
+            <a:lnRef idx="1">
+              <a:schemeClr val="accent1"/>
             </a:lnRef>
-            <a:fillRef idx="1">
+            <a:fillRef idx="3">
               <a:schemeClr val="accent1"/>
             </a:fillRef>
-            <a:effectRef idx="0">
+            <a:effectRef idx="2">
               <a:schemeClr val="accent1"/>
             </a:effectRef>
             <a:fontRef idx="minor">
@@ -3747,16 +7697,16 @@
             <a:lstStyle/>
             <a:p>
               <a:pPr algn="ctr"/>
-              <a:endParaRPr lang="es-ES_tradnl"/>
+              <a:endParaRPr lang="es-CL"/>
             </a:p>
           </p:txBody>
         </p:sp>
         <p:sp>
           <p:nvSpPr>
-            <p:cNvPr id="14" name="Oval 13">
+            <p:cNvPr id="115" name="11 Arco">
               <a:extLst>
                 <a:ext uri="{FF2B5EF4-FFF2-40B4-BE49-F238E27FC236}">
-                  <a16:creationId xmlns:a16="http://schemas.microsoft.com/office/drawing/2014/main" id="{71213130-0060-524B-8057-F50E50669B4D}"/>
+                  <a16:creationId xmlns:a16="http://schemas.microsoft.com/office/drawing/2014/main" id="{ED096108-F572-AE48-84F9-115B3E604A35}"/>
                 </a:ext>
               </a:extLst>
             </p:cNvPr>
@@ -3765,23 +7715,170 @@
           </p:nvSpPr>
           <p:spPr>
             <a:xfrm>
-              <a:off x="6231230" y="2106160"/>
-              <a:ext cx="553673" cy="553673"/>
+              <a:off x="2064630" y="2023458"/>
+              <a:ext cx="1518325" cy="1377001"/>
+            </a:xfrm>
+            <a:prstGeom prst="arc">
+              <a:avLst>
+                <a:gd name="adj1" fmla="val 10740030"/>
+                <a:gd name="adj2" fmla="val 20579188"/>
+              </a:avLst>
+            </a:prstGeom>
+            <a:ln w="28575">
+              <a:solidFill>
+                <a:srgbClr val="FF0000"/>
+              </a:solidFill>
+              <a:tailEnd type="stealth" w="lg" len="lg"/>
+            </a:ln>
+          </p:spPr>
+          <p:style>
+            <a:lnRef idx="2">
+              <a:schemeClr val="accent1"/>
+            </a:lnRef>
+            <a:fillRef idx="0">
+              <a:schemeClr val="accent1"/>
+            </a:fillRef>
+            <a:effectRef idx="1">
+              <a:schemeClr val="accent1"/>
+            </a:effectRef>
+            <a:fontRef idx="minor">
+              <a:schemeClr val="tx1"/>
+            </a:fontRef>
+          </p:style>
+          <p:txBody>
+            <a:bodyPr rtlCol="0" anchor="ctr"/>
+            <a:lstStyle/>
+            <a:p>
+              <a:pPr algn="ctr"/>
+              <a:endParaRPr lang="es-CL"/>
+            </a:p>
+          </p:txBody>
+        </p:sp>
+      </p:grpSp>
+      <p:pic>
+        <p:nvPicPr>
+          <p:cNvPr id="101" name="Picture 11" descr="1JX9">
+            <a:extLst>
+              <a:ext uri="{FF2B5EF4-FFF2-40B4-BE49-F238E27FC236}">
+                <a16:creationId xmlns:a16="http://schemas.microsoft.com/office/drawing/2014/main" id="{B6819A2A-DFC0-5D47-B80C-A50DF1D36420}"/>
+              </a:ext>
+            </a:extLst>
+          </p:cNvPr>
+          <p:cNvPicPr>
+            <a:picLocks noChangeAspect="1" noChangeArrowheads="1"/>
+          </p:cNvPicPr>
+          <p:nvPr/>
+        </p:nvPicPr>
+        <p:blipFill>
+          <a:blip r:embed="rId5" cstate="print">
+            <a:extLst>
+              <a:ext uri="{BEBA8EAE-BF5A-486C-A8C5-ECC9F3942E4B}">
+                <a14:imgProps xmlns:a14="http://schemas.microsoft.com/office/drawing/2010/main">
+                  <a14:imgLayer r:embed="rId6">
+                    <a14:imgEffect>
+                      <a14:brightnessContrast contrast="-40000"/>
+                    </a14:imgEffect>
+                  </a14:imgLayer>
+                </a14:imgProps>
+              </a:ext>
+              <a:ext uri="{28A0092B-C50C-407E-A947-70E740481C1C}">
+                <a14:useLocalDpi xmlns:a14="http://schemas.microsoft.com/office/drawing/2010/main" val="0"/>
+              </a:ext>
+            </a:extLst>
+          </a:blip>
+          <a:srcRect l="8757" t="7909" r="11516" b="2727"/>
+          <a:stretch>
+            <a:fillRect/>
+          </a:stretch>
+        </p:blipFill>
+        <p:spPr bwMode="auto">
+          <a:xfrm>
+            <a:off x="8656778" y="3395022"/>
+            <a:ext cx="1470592" cy="1648338"/>
+          </a:xfrm>
+          <a:prstGeom prst="rect">
+            <a:avLst/>
+          </a:prstGeom>
+          <a:noFill/>
+          <a:ln>
+            <a:noFill/>
+          </a:ln>
+          <a:extLst>
+            <a:ext uri="{909E8E84-426E-40DD-AFC4-6F175D3DCCD1}">
+              <a14:hiddenFill xmlns:a14="http://schemas.microsoft.com/office/drawing/2010/main">
+                <a:solidFill>
+                  <a:srgbClr val="FFFFFF"/>
+                </a:solidFill>
+              </a14:hiddenFill>
+            </a:ext>
+            <a:ext uri="{91240B29-F687-4F45-9708-019B960494DF}">
+              <a14:hiddenLine xmlns:a14="http://schemas.microsoft.com/office/drawing/2010/main" w="9525">
+                <a:solidFill>
+                  <a:srgbClr val="000000"/>
+                </a:solidFill>
+                <a:miter lim="800000"/>
+                <a:headEnd/>
+                <a:tailEnd/>
+              </a14:hiddenLine>
+            </a:ext>
+          </a:extLst>
+        </p:spPr>
+      </p:pic>
+      <p:grpSp>
+        <p:nvGrpSpPr>
+          <p:cNvPr id="112" name="Group 111">
+            <a:extLst>
+              <a:ext uri="{FF2B5EF4-FFF2-40B4-BE49-F238E27FC236}">
+                <a16:creationId xmlns:a16="http://schemas.microsoft.com/office/drawing/2014/main" id="{891114B9-3B8A-AB4D-9F15-F2471FC3F17A}"/>
+              </a:ext>
+            </a:extLst>
+          </p:cNvPr>
+          <p:cNvGrpSpPr/>
+          <p:nvPr/>
+        </p:nvGrpSpPr>
+        <p:grpSpPr>
+          <a:xfrm>
+            <a:off x="7172079" y="3655496"/>
+            <a:ext cx="1671920" cy="1377001"/>
+            <a:chOff x="7348664" y="2729065"/>
+            <a:chExt cx="1671920" cy="1377001"/>
+          </a:xfrm>
+        </p:grpSpPr>
+        <p:sp>
+          <p:nvSpPr>
+            <p:cNvPr id="8" name="6 Elipse">
+              <a:extLst>
+                <a:ext uri="{FF2B5EF4-FFF2-40B4-BE49-F238E27FC236}">
+                  <a16:creationId xmlns:a16="http://schemas.microsoft.com/office/drawing/2014/main" id="{9EDEE4A4-14AA-0F48-A5A9-7B8C7784B2DA}"/>
+                </a:ext>
+              </a:extLst>
+            </p:cNvPr>
+            <p:cNvSpPr/>
+            <p:nvPr/>
+          </p:nvSpPr>
+          <p:spPr>
+            <a:xfrm>
+              <a:off x="7348664" y="3417565"/>
+              <a:ext cx="257456" cy="261618"/>
             </a:xfrm>
             <a:prstGeom prst="ellipse">
               <a:avLst/>
             </a:prstGeom>
+            <a:noFill/>
+            <a:ln w="28575">
+              <a:solidFill>
+                <a:srgbClr val="FF0000"/>
+              </a:solidFill>
+            </a:ln>
           </p:spPr>
           <p:style>
-            <a:lnRef idx="2">
-              <a:schemeClr val="accent1">
-                <a:shade val="50000"/>
-              </a:schemeClr>
+            <a:lnRef idx="1">
+              <a:schemeClr val="accent1"/>
             </a:lnRef>
-            <a:fillRef idx="1">
+            <a:fillRef idx="3">
               <a:schemeClr val="accent1"/>
             </a:fillRef>
-            <a:effectRef idx="0">
+            <a:effectRef idx="2">
               <a:schemeClr val="accent1"/>
             </a:effectRef>
             <a:fontRef idx="minor">
@@ -3793,16 +7890,16 @@
             <a:lstStyle/>
             <a:p>
               <a:pPr algn="ctr"/>
-              <a:endParaRPr lang="es-ES_tradnl"/>
+              <a:endParaRPr lang="es-CL"/>
             </a:p>
           </p:txBody>
         </p:sp>
         <p:sp>
           <p:nvSpPr>
-            <p:cNvPr id="15" name="Oval 14">
+            <p:cNvPr id="11" name="14 Arco">
               <a:extLst>
                 <a:ext uri="{FF2B5EF4-FFF2-40B4-BE49-F238E27FC236}">
-                  <a16:creationId xmlns:a16="http://schemas.microsoft.com/office/drawing/2014/main" id="{77210EF9-B1D0-2F49-BCE0-0D2CE7812ED6}"/>
+                  <a16:creationId xmlns:a16="http://schemas.microsoft.com/office/drawing/2014/main" id="{22794E93-978C-4043-8324-52DFDBA2DD3D}"/>
                 </a:ext>
               </a:extLst>
             </p:cNvPr>
@@ -3811,27 +7908,34 @@
           </p:nvSpPr>
           <p:spPr>
             <a:xfrm>
-              <a:off x="6784903" y="3152162"/>
-              <a:ext cx="553673" cy="553673"/>
+              <a:off x="7502259" y="2729065"/>
+              <a:ext cx="1518325" cy="1377001"/>
             </a:xfrm>
-            <a:prstGeom prst="ellipse">
-              <a:avLst/>
+            <a:prstGeom prst="arc">
+              <a:avLst>
+                <a:gd name="adj1" fmla="val 10740030"/>
+                <a:gd name="adj2" fmla="val 20579188"/>
+              </a:avLst>
             </a:prstGeom>
+            <a:ln w="28575">
+              <a:solidFill>
+                <a:srgbClr val="FF0000"/>
+              </a:solidFill>
+              <a:tailEnd type="stealth" w="lg" len="lg"/>
+            </a:ln>
           </p:spPr>
           <p:style>
             <a:lnRef idx="2">
-              <a:schemeClr val="accent1">
-                <a:shade val="50000"/>
-              </a:schemeClr>
+              <a:schemeClr val="accent1"/>
             </a:lnRef>
-            <a:fillRef idx="1">
+            <a:fillRef idx="0">
               <a:schemeClr val="accent1"/>
             </a:fillRef>
-            <a:effectRef idx="0">
+            <a:effectRef idx="1">
               <a:schemeClr val="accent1"/>
             </a:effectRef>
             <a:fontRef idx="minor">
-              <a:schemeClr val="lt1"/>
+              <a:schemeClr val="tx1"/>
             </a:fontRef>
           </p:style>
           <p:txBody>
@@ -3839,711 +7943,15 @@
             <a:lstStyle/>
             <a:p>
               <a:pPr algn="ctr"/>
-              <a:endParaRPr lang="es-ES_tradnl"/>
+              <a:endParaRPr lang="es-CL"/>
             </a:p>
           </p:txBody>
         </p:sp>
       </p:grpSp>
-      <p:grpSp>
-        <p:nvGrpSpPr>
-          <p:cNvPr id="50" name="Group 49">
-            <a:extLst>
-              <a:ext uri="{FF2B5EF4-FFF2-40B4-BE49-F238E27FC236}">
-                <a16:creationId xmlns:a16="http://schemas.microsoft.com/office/drawing/2014/main" id="{15ADAB69-2B54-1F43-ABF2-8B9CA2B6FD32}"/>
-              </a:ext>
-            </a:extLst>
-          </p:cNvPr>
-          <p:cNvGrpSpPr/>
-          <p:nvPr/>
-        </p:nvGrpSpPr>
-        <p:grpSpPr>
-          <a:xfrm>
-            <a:off x="3350756" y="3082195"/>
-            <a:ext cx="2612627" cy="279400"/>
-            <a:chOff x="3350756" y="3082195"/>
-            <a:chExt cx="2612627" cy="279400"/>
-          </a:xfrm>
-        </p:grpSpPr>
-        <p:pic>
-          <p:nvPicPr>
-            <p:cNvPr id="8" name="Picture 7">
-              <a:extLst>
-                <a:ext uri="{FF2B5EF4-FFF2-40B4-BE49-F238E27FC236}">
-                  <a16:creationId xmlns:a16="http://schemas.microsoft.com/office/drawing/2014/main" id="{86BF7FE9-0ABA-FF4E-96C5-A58F928C9D47}"/>
-                </a:ext>
-              </a:extLst>
-            </p:cNvPr>
-            <p:cNvPicPr>
-              <a:picLocks noChangeAspect="1"/>
-            </p:cNvPicPr>
-            <p:nvPr/>
-          </p:nvPicPr>
-          <p:blipFill>
-            <a:blip r:embed="rId2"/>
-            <a:stretch>
-              <a:fillRect/>
-            </a:stretch>
-          </p:blipFill>
-          <p:spPr>
-            <a:xfrm>
-              <a:off x="3350756" y="3082195"/>
-              <a:ext cx="520700" cy="279400"/>
-            </a:xfrm>
-            <a:prstGeom prst="rect">
-              <a:avLst/>
-            </a:prstGeom>
-          </p:spPr>
-        </p:pic>
-        <p:cxnSp>
-          <p:nvCxnSpPr>
-            <p:cNvPr id="20" name="Straight Arrow Connector 19">
-              <a:extLst>
-                <a:ext uri="{FF2B5EF4-FFF2-40B4-BE49-F238E27FC236}">
-                  <a16:creationId xmlns:a16="http://schemas.microsoft.com/office/drawing/2014/main" id="{1FBB840A-3731-3546-B0AC-8FA442AFC500}"/>
-                </a:ext>
-              </a:extLst>
-            </p:cNvPr>
-            <p:cNvCxnSpPr>
-              <a:cxnSpLocks/>
-            </p:cNvCxnSpPr>
-            <p:nvPr/>
-          </p:nvCxnSpPr>
-          <p:spPr>
-            <a:xfrm flipH="1">
-              <a:off x="4032288" y="3214029"/>
-              <a:ext cx="1931095" cy="0"/>
-            </a:xfrm>
-            <a:prstGeom prst="straightConnector1">
-              <a:avLst/>
-            </a:prstGeom>
-            <a:ln>
-              <a:solidFill>
-                <a:schemeClr val="tx1"/>
-              </a:solidFill>
-              <a:tailEnd type="triangle"/>
-            </a:ln>
-          </p:spPr>
-          <p:style>
-            <a:lnRef idx="1">
-              <a:schemeClr val="accent1"/>
-            </a:lnRef>
-            <a:fillRef idx="0">
-              <a:schemeClr val="accent1"/>
-            </a:fillRef>
-            <a:effectRef idx="0">
-              <a:schemeClr val="accent1"/>
-            </a:effectRef>
-            <a:fontRef idx="minor">
-              <a:schemeClr val="tx1"/>
-            </a:fontRef>
-          </p:style>
-        </p:cxnSp>
-      </p:grpSp>
-      <p:grpSp>
-        <p:nvGrpSpPr>
-          <p:cNvPr id="53" name="Group 52">
-            <a:extLst>
-              <a:ext uri="{FF2B5EF4-FFF2-40B4-BE49-F238E27FC236}">
-                <a16:creationId xmlns:a16="http://schemas.microsoft.com/office/drawing/2014/main" id="{60BFC5B6-A854-E347-9E3B-2BB2336DA9B1}"/>
-              </a:ext>
-            </a:extLst>
-          </p:cNvPr>
-          <p:cNvGrpSpPr/>
-          <p:nvPr/>
-        </p:nvGrpSpPr>
-        <p:grpSpPr>
-          <a:xfrm>
-            <a:off x="5264705" y="1469444"/>
-            <a:ext cx="3854768" cy="3644839"/>
-            <a:chOff x="5264705" y="1469444"/>
-            <a:chExt cx="3854768" cy="3644839"/>
-          </a:xfrm>
-        </p:grpSpPr>
-        <p:grpSp>
-          <p:nvGrpSpPr>
-            <p:cNvPr id="52" name="Group 51">
-              <a:extLst>
-                <a:ext uri="{FF2B5EF4-FFF2-40B4-BE49-F238E27FC236}">
-                  <a16:creationId xmlns:a16="http://schemas.microsoft.com/office/drawing/2014/main" id="{6EDCC883-571D-EB4A-8C47-5185D1F2CB2E}"/>
-                </a:ext>
-              </a:extLst>
-            </p:cNvPr>
-            <p:cNvGrpSpPr/>
-            <p:nvPr/>
-          </p:nvGrpSpPr>
-          <p:grpSpPr>
-            <a:xfrm>
-              <a:off x="5264705" y="2243296"/>
-              <a:ext cx="3719159" cy="2870987"/>
-              <a:chOff x="5264705" y="2243296"/>
-              <a:chExt cx="3719159" cy="2870987"/>
-            </a:xfrm>
-          </p:grpSpPr>
-          <p:pic>
-            <p:nvPicPr>
-              <p:cNvPr id="17" name="Picture 16">
-                <a:extLst>
-                  <a:ext uri="{FF2B5EF4-FFF2-40B4-BE49-F238E27FC236}">
-                    <a16:creationId xmlns:a16="http://schemas.microsoft.com/office/drawing/2014/main" id="{F6D9E4EB-C075-F745-9DB1-ABE9B888C9E7}"/>
-                  </a:ext>
-                </a:extLst>
-              </p:cNvPr>
-              <p:cNvPicPr>
-                <a:picLocks noChangeAspect="1"/>
-              </p:cNvPicPr>
-              <p:nvPr/>
-            </p:nvPicPr>
-            <p:blipFill>
-              <a:blip r:embed="rId3"/>
-              <a:stretch>
-                <a:fillRect/>
-              </a:stretch>
-            </p:blipFill>
-            <p:spPr>
-              <a:xfrm>
-                <a:off x="8344583" y="2243296"/>
-                <a:ext cx="635000" cy="279400"/>
-              </a:xfrm>
-              <a:prstGeom prst="rect">
-                <a:avLst/>
-              </a:prstGeom>
-            </p:spPr>
-          </p:pic>
-          <p:cxnSp>
-            <p:nvCxnSpPr>
-              <p:cNvPr id="19" name="Straight Arrow Connector 18">
-                <a:extLst>
-                  <a:ext uri="{FF2B5EF4-FFF2-40B4-BE49-F238E27FC236}">
-                    <a16:creationId xmlns:a16="http://schemas.microsoft.com/office/drawing/2014/main" id="{22918C56-1E6C-3E4E-805A-93386B0B0B77}"/>
-                  </a:ext>
-                </a:extLst>
-              </p:cNvPr>
-              <p:cNvCxnSpPr>
-                <a:cxnSpLocks/>
-              </p:cNvCxnSpPr>
-              <p:nvPr/>
-            </p:nvCxnSpPr>
-            <p:spPr>
-              <a:xfrm>
-                <a:off x="6844297" y="2383519"/>
-                <a:ext cx="1460803" cy="0"/>
-              </a:xfrm>
-              <a:prstGeom prst="straightConnector1">
-                <a:avLst/>
-              </a:prstGeom>
-              <a:ln>
-                <a:solidFill>
-                  <a:schemeClr val="tx1"/>
-                </a:solidFill>
-                <a:tailEnd type="triangle"/>
-              </a:ln>
-            </p:spPr>
-            <p:style>
-              <a:lnRef idx="1">
-                <a:schemeClr val="accent1"/>
-              </a:lnRef>
-              <a:fillRef idx="0">
-                <a:schemeClr val="accent1"/>
-              </a:fillRef>
-              <a:effectRef idx="0">
-                <a:schemeClr val="accent1"/>
-              </a:effectRef>
-              <a:fontRef idx="minor">
-                <a:schemeClr val="tx1"/>
-              </a:fontRef>
-            </p:style>
-          </p:cxnSp>
-          <p:cxnSp>
-            <p:nvCxnSpPr>
-              <p:cNvPr id="24" name="Straight Arrow Connector 23">
-                <a:extLst>
-                  <a:ext uri="{FF2B5EF4-FFF2-40B4-BE49-F238E27FC236}">
-                    <a16:creationId xmlns:a16="http://schemas.microsoft.com/office/drawing/2014/main" id="{E04D859A-8B0B-414A-AA40-CEF32942CA03}"/>
-                  </a:ext>
-                </a:extLst>
-              </p:cNvPr>
-              <p:cNvCxnSpPr>
-                <a:cxnSpLocks/>
-              </p:cNvCxnSpPr>
-              <p:nvPr/>
-            </p:nvCxnSpPr>
-            <p:spPr>
-              <a:xfrm>
-                <a:off x="5385732" y="2720477"/>
-                <a:ext cx="2919368" cy="0"/>
-              </a:xfrm>
-              <a:prstGeom prst="straightConnector1">
-                <a:avLst/>
-              </a:prstGeom>
-              <a:ln>
-                <a:solidFill>
-                  <a:schemeClr val="tx1"/>
-                </a:solidFill>
-                <a:tailEnd type="triangle"/>
-              </a:ln>
-            </p:spPr>
-            <p:style>
-              <a:lnRef idx="1">
-                <a:schemeClr val="accent1"/>
-              </a:lnRef>
-              <a:fillRef idx="0">
-                <a:schemeClr val="accent1"/>
-              </a:fillRef>
-              <a:effectRef idx="0">
-                <a:schemeClr val="accent1"/>
-              </a:effectRef>
-              <a:fontRef idx="minor">
-                <a:schemeClr val="tx1"/>
-              </a:fontRef>
-            </p:style>
-          </p:cxnSp>
-          <p:cxnSp>
-            <p:nvCxnSpPr>
-              <p:cNvPr id="26" name="Straight Arrow Connector 25">
-                <a:extLst>
-                  <a:ext uri="{FF2B5EF4-FFF2-40B4-BE49-F238E27FC236}">
-                    <a16:creationId xmlns:a16="http://schemas.microsoft.com/office/drawing/2014/main" id="{78880FC2-88EE-904A-AD94-BD64E438DF4B}"/>
-                  </a:ext>
-                </a:extLst>
-              </p:cNvPr>
-              <p:cNvCxnSpPr>
-                <a:cxnSpLocks/>
-              </p:cNvCxnSpPr>
-              <p:nvPr/>
-            </p:nvCxnSpPr>
-            <p:spPr>
-              <a:xfrm>
-                <a:off x="6035705" y="3887945"/>
-                <a:ext cx="2269395" cy="0"/>
-              </a:xfrm>
-              <a:prstGeom prst="straightConnector1">
-                <a:avLst/>
-              </a:prstGeom>
-              <a:ln>
-                <a:solidFill>
-                  <a:schemeClr val="tx1"/>
-                </a:solidFill>
-                <a:tailEnd type="triangle"/>
-              </a:ln>
-            </p:spPr>
-            <p:style>
-              <a:lnRef idx="1">
-                <a:schemeClr val="accent1"/>
-              </a:lnRef>
-              <a:fillRef idx="0">
-                <a:schemeClr val="accent1"/>
-              </a:fillRef>
-              <a:effectRef idx="0">
-                <a:schemeClr val="accent1"/>
-              </a:effectRef>
-              <a:fontRef idx="minor">
-                <a:schemeClr val="tx1"/>
-              </a:fontRef>
-            </p:style>
-          </p:cxnSp>
-          <p:pic>
-            <p:nvPicPr>
-              <p:cNvPr id="28" name="Picture 27">
-                <a:extLst>
-                  <a:ext uri="{FF2B5EF4-FFF2-40B4-BE49-F238E27FC236}">
-                    <a16:creationId xmlns:a16="http://schemas.microsoft.com/office/drawing/2014/main" id="{03596F5E-7786-AB44-B572-40AF54951244}"/>
-                  </a:ext>
-                </a:extLst>
-              </p:cNvPr>
-              <p:cNvPicPr>
-                <a:picLocks noChangeAspect="1"/>
-              </p:cNvPicPr>
-              <p:nvPr/>
-            </p:nvPicPr>
-            <p:blipFill>
-              <a:blip r:embed="rId3"/>
-              <a:stretch>
-                <a:fillRect/>
-              </a:stretch>
-            </p:blipFill>
-            <p:spPr>
-              <a:xfrm>
-                <a:off x="8344583" y="2577314"/>
-                <a:ext cx="635000" cy="279400"/>
-              </a:xfrm>
-              <a:prstGeom prst="rect">
-                <a:avLst/>
-              </a:prstGeom>
-            </p:spPr>
-          </p:pic>
-          <p:cxnSp>
-            <p:nvCxnSpPr>
-              <p:cNvPr id="29" name="Straight Arrow Connector 28">
-                <a:extLst>
-                  <a:ext uri="{FF2B5EF4-FFF2-40B4-BE49-F238E27FC236}">
-                    <a16:creationId xmlns:a16="http://schemas.microsoft.com/office/drawing/2014/main" id="{B8AD4A7D-8081-9B49-B304-1F2FFB29A681}"/>
-                  </a:ext>
-                </a:extLst>
-              </p:cNvPr>
-              <p:cNvCxnSpPr>
-                <a:cxnSpLocks/>
-              </p:cNvCxnSpPr>
-              <p:nvPr/>
-            </p:nvCxnSpPr>
-            <p:spPr>
-              <a:xfrm>
-                <a:off x="5264705" y="4559064"/>
-                <a:ext cx="3040395" cy="0"/>
-              </a:xfrm>
-              <a:prstGeom prst="straightConnector1">
-                <a:avLst/>
-              </a:prstGeom>
-              <a:ln>
-                <a:solidFill>
-                  <a:schemeClr val="tx1"/>
-                </a:solidFill>
-                <a:tailEnd type="triangle"/>
-              </a:ln>
-            </p:spPr>
-            <p:style>
-              <a:lnRef idx="1">
-                <a:schemeClr val="accent1"/>
-              </a:lnRef>
-              <a:fillRef idx="0">
-                <a:schemeClr val="accent1"/>
-              </a:fillRef>
-              <a:effectRef idx="0">
-                <a:schemeClr val="accent1"/>
-              </a:effectRef>
-              <a:fontRef idx="minor">
-                <a:schemeClr val="tx1"/>
-              </a:fontRef>
-            </p:style>
-          </p:cxnSp>
-          <p:cxnSp>
-            <p:nvCxnSpPr>
-              <p:cNvPr id="31" name="Straight Arrow Connector 30">
-                <a:extLst>
-                  <a:ext uri="{FF2B5EF4-FFF2-40B4-BE49-F238E27FC236}">
-                    <a16:creationId xmlns:a16="http://schemas.microsoft.com/office/drawing/2014/main" id="{C73DA19B-892A-FB4E-9E96-109757051CBC}"/>
-                  </a:ext>
-                </a:extLst>
-              </p:cNvPr>
-              <p:cNvCxnSpPr>
-                <a:cxnSpLocks/>
-              </p:cNvCxnSpPr>
-              <p:nvPr/>
-            </p:nvCxnSpPr>
-            <p:spPr>
-              <a:xfrm>
-                <a:off x="7404509" y="3428998"/>
-                <a:ext cx="900591" cy="0"/>
-              </a:xfrm>
-              <a:prstGeom prst="straightConnector1">
-                <a:avLst/>
-              </a:prstGeom>
-              <a:ln>
-                <a:solidFill>
-                  <a:schemeClr val="tx1"/>
-                </a:solidFill>
-                <a:tailEnd type="triangle"/>
-              </a:ln>
-            </p:spPr>
-            <p:style>
-              <a:lnRef idx="1">
-                <a:schemeClr val="accent1"/>
-              </a:lnRef>
-              <a:fillRef idx="0">
-                <a:schemeClr val="accent1"/>
-              </a:fillRef>
-              <a:effectRef idx="0">
-                <a:schemeClr val="accent1"/>
-              </a:effectRef>
-              <a:fontRef idx="minor">
-                <a:schemeClr val="tx1"/>
-              </a:fontRef>
-            </p:style>
-          </p:cxnSp>
-          <p:cxnSp>
-            <p:nvCxnSpPr>
-              <p:cNvPr id="33" name="Straight Arrow Connector 32">
-                <a:extLst>
-                  <a:ext uri="{FF2B5EF4-FFF2-40B4-BE49-F238E27FC236}">
-                    <a16:creationId xmlns:a16="http://schemas.microsoft.com/office/drawing/2014/main" id="{904C3783-8FBC-6245-AF46-748157299395}"/>
-                  </a:ext>
-                </a:extLst>
-              </p:cNvPr>
-              <p:cNvCxnSpPr>
-                <a:cxnSpLocks/>
-              </p:cNvCxnSpPr>
-              <p:nvPr/>
-            </p:nvCxnSpPr>
-            <p:spPr>
-              <a:xfrm>
-                <a:off x="7404508" y="4974583"/>
-                <a:ext cx="900592" cy="0"/>
-              </a:xfrm>
-              <a:prstGeom prst="straightConnector1">
-                <a:avLst/>
-              </a:prstGeom>
-              <a:ln>
-                <a:solidFill>
-                  <a:schemeClr val="tx1"/>
-                </a:solidFill>
-                <a:tailEnd type="triangle"/>
-              </a:ln>
-            </p:spPr>
-            <p:style>
-              <a:lnRef idx="1">
-                <a:schemeClr val="accent1"/>
-              </a:lnRef>
-              <a:fillRef idx="0">
-                <a:schemeClr val="accent1"/>
-              </a:fillRef>
-              <a:effectRef idx="0">
-                <a:schemeClr val="accent1"/>
-              </a:effectRef>
-              <a:fontRef idx="minor">
-                <a:schemeClr val="tx1"/>
-              </a:fontRef>
-            </p:style>
-          </p:cxnSp>
-          <p:pic>
-            <p:nvPicPr>
-              <p:cNvPr id="35" name="Picture 34">
-                <a:extLst>
-                  <a:ext uri="{FF2B5EF4-FFF2-40B4-BE49-F238E27FC236}">
-                    <a16:creationId xmlns:a16="http://schemas.microsoft.com/office/drawing/2014/main" id="{483C459E-C8AE-694A-9F2D-C8874E51F476}"/>
-                  </a:ext>
-                </a:extLst>
-              </p:cNvPr>
-              <p:cNvPicPr>
-                <a:picLocks noChangeAspect="1"/>
-              </p:cNvPicPr>
-              <p:nvPr/>
-            </p:nvPicPr>
-            <p:blipFill>
-              <a:blip r:embed="rId3"/>
-              <a:stretch>
-                <a:fillRect/>
-              </a:stretch>
-            </p:blipFill>
-            <p:spPr>
-              <a:xfrm>
-                <a:off x="8344583" y="3290520"/>
-                <a:ext cx="635000" cy="279400"/>
-              </a:xfrm>
-              <a:prstGeom prst="rect">
-                <a:avLst/>
-              </a:prstGeom>
-            </p:spPr>
-          </p:pic>
-          <p:pic>
-            <p:nvPicPr>
-              <p:cNvPr id="36" name="Picture 35">
-                <a:extLst>
-                  <a:ext uri="{FF2B5EF4-FFF2-40B4-BE49-F238E27FC236}">
-                    <a16:creationId xmlns:a16="http://schemas.microsoft.com/office/drawing/2014/main" id="{0CD8205A-7EDC-894F-9B19-82573285469D}"/>
-                  </a:ext>
-                </a:extLst>
-              </p:cNvPr>
-              <p:cNvPicPr>
-                <a:picLocks noChangeAspect="1"/>
-              </p:cNvPicPr>
-              <p:nvPr/>
-            </p:nvPicPr>
-            <p:blipFill>
-              <a:blip r:embed="rId3"/>
-              <a:stretch>
-                <a:fillRect/>
-              </a:stretch>
-            </p:blipFill>
-            <p:spPr>
-              <a:xfrm>
-                <a:off x="8345019" y="3748245"/>
-                <a:ext cx="635000" cy="279400"/>
-              </a:xfrm>
-              <a:prstGeom prst="rect">
-                <a:avLst/>
-              </a:prstGeom>
-            </p:spPr>
-          </p:pic>
-          <p:pic>
-            <p:nvPicPr>
-              <p:cNvPr id="37" name="Picture 36">
-                <a:extLst>
-                  <a:ext uri="{FF2B5EF4-FFF2-40B4-BE49-F238E27FC236}">
-                    <a16:creationId xmlns:a16="http://schemas.microsoft.com/office/drawing/2014/main" id="{F82E48C9-0954-9941-9C4D-AF959A4070B2}"/>
-                  </a:ext>
-                </a:extLst>
-              </p:cNvPr>
-              <p:cNvPicPr>
-                <a:picLocks noChangeAspect="1"/>
-              </p:cNvPicPr>
-              <p:nvPr/>
-            </p:nvPicPr>
-            <p:blipFill>
-              <a:blip r:embed="rId3"/>
-              <a:stretch>
-                <a:fillRect/>
-              </a:stretch>
-            </p:blipFill>
-            <p:spPr>
-              <a:xfrm>
-                <a:off x="8348864" y="4398744"/>
-                <a:ext cx="635000" cy="279400"/>
-              </a:xfrm>
-              <a:prstGeom prst="rect">
-                <a:avLst/>
-              </a:prstGeom>
-            </p:spPr>
-          </p:pic>
-          <p:pic>
-            <p:nvPicPr>
-              <p:cNvPr id="38" name="Picture 37">
-                <a:extLst>
-                  <a:ext uri="{FF2B5EF4-FFF2-40B4-BE49-F238E27FC236}">
-                    <a16:creationId xmlns:a16="http://schemas.microsoft.com/office/drawing/2014/main" id="{71475B98-62D9-AD45-83C0-A7FB551F4785}"/>
-                  </a:ext>
-                </a:extLst>
-              </p:cNvPr>
-              <p:cNvPicPr>
-                <a:picLocks noChangeAspect="1"/>
-              </p:cNvPicPr>
-              <p:nvPr/>
-            </p:nvPicPr>
-            <p:blipFill>
-              <a:blip r:embed="rId3"/>
-              <a:stretch>
-                <a:fillRect/>
-              </a:stretch>
-            </p:blipFill>
-            <p:spPr>
-              <a:xfrm>
-                <a:off x="8344583" y="4834883"/>
-                <a:ext cx="635000" cy="279400"/>
-              </a:xfrm>
-              <a:prstGeom prst="rect">
-                <a:avLst/>
-              </a:prstGeom>
-            </p:spPr>
-          </p:pic>
-        </p:grpSp>
-        <p:sp>
-          <p:nvSpPr>
-            <p:cNvPr id="39" name="Oval 38">
-              <a:extLst>
-                <a:ext uri="{FF2B5EF4-FFF2-40B4-BE49-F238E27FC236}">
-                  <a16:creationId xmlns:a16="http://schemas.microsoft.com/office/drawing/2014/main" id="{0005139C-72C4-9C42-8478-96667BBAF7E4}"/>
-                </a:ext>
-              </a:extLst>
-            </p:cNvPr>
-            <p:cNvSpPr/>
-            <p:nvPr/>
-          </p:nvSpPr>
-          <p:spPr>
-            <a:xfrm>
-              <a:off x="8344583" y="1469444"/>
-              <a:ext cx="553673" cy="553673"/>
-            </a:xfrm>
-            <a:prstGeom prst="ellipse">
-              <a:avLst/>
-            </a:prstGeom>
-          </p:spPr>
-          <p:style>
-            <a:lnRef idx="2">
-              <a:schemeClr val="accent1">
-                <a:shade val="50000"/>
-              </a:schemeClr>
-            </a:lnRef>
-            <a:fillRef idx="1">
-              <a:schemeClr val="accent1"/>
-            </a:fillRef>
-            <a:effectRef idx="0">
-              <a:schemeClr val="accent1"/>
-            </a:effectRef>
-            <a:fontRef idx="minor">
-              <a:schemeClr val="lt1"/>
-            </a:fontRef>
-          </p:style>
-          <p:txBody>
-            <a:bodyPr rtlCol="0" anchor="ctr"/>
-            <a:lstStyle/>
-            <a:p>
-              <a:pPr algn="ctr"/>
-              <a:endParaRPr lang="es-ES_tradnl"/>
-            </a:p>
-          </p:txBody>
-        </p:sp>
-        <p:cxnSp>
-          <p:nvCxnSpPr>
-            <p:cNvPr id="47" name="Straight Connector 46">
-              <a:extLst>
-                <a:ext uri="{FF2B5EF4-FFF2-40B4-BE49-F238E27FC236}">
-                  <a16:creationId xmlns:a16="http://schemas.microsoft.com/office/drawing/2014/main" id="{6A4533B4-0102-CB48-B903-414CEB60E1A5}"/>
-                </a:ext>
-              </a:extLst>
-            </p:cNvPr>
-            <p:cNvCxnSpPr>
-              <a:endCxn id="39" idx="6"/>
-            </p:cNvCxnSpPr>
-            <p:nvPr/>
-          </p:nvCxnSpPr>
-          <p:spPr>
-            <a:xfrm flipV="1">
-              <a:off x="8621812" y="1746281"/>
-              <a:ext cx="276444" cy="6467"/>
-            </a:xfrm>
-            <a:prstGeom prst="line">
-              <a:avLst/>
-            </a:prstGeom>
-            <a:ln w="12700"/>
-          </p:spPr>
-          <p:style>
-            <a:lnRef idx="1">
-              <a:schemeClr val="dk1"/>
-            </a:lnRef>
-            <a:fillRef idx="0">
-              <a:schemeClr val="dk1"/>
-            </a:fillRef>
-            <a:effectRef idx="0">
-              <a:schemeClr val="dk1"/>
-            </a:effectRef>
-            <a:fontRef idx="minor">
-              <a:schemeClr val="tx1"/>
-            </a:fontRef>
-          </p:style>
-        </p:cxnSp>
-        <p:pic>
-          <p:nvPicPr>
-            <p:cNvPr id="49" name="Picture 48">
-              <a:extLst>
-                <a:ext uri="{FF2B5EF4-FFF2-40B4-BE49-F238E27FC236}">
-                  <a16:creationId xmlns:a16="http://schemas.microsoft.com/office/drawing/2014/main" id="{599AF4EA-0CB0-8544-AD47-B4C7BD407D70}"/>
-                </a:ext>
-              </a:extLst>
-            </p:cNvPr>
-            <p:cNvPicPr>
-              <a:picLocks noChangeAspect="1"/>
-            </p:cNvPicPr>
-            <p:nvPr/>
-          </p:nvPicPr>
-          <p:blipFill>
-            <a:blip r:embed="rId4"/>
-            <a:stretch>
-              <a:fillRect/>
-            </a:stretch>
-          </p:blipFill>
-          <p:spPr>
-            <a:xfrm>
-              <a:off x="8928973" y="1613048"/>
-              <a:ext cx="190500" cy="279400"/>
-            </a:xfrm>
-            <a:prstGeom prst="rect">
-              <a:avLst/>
-            </a:prstGeom>
-          </p:spPr>
-        </p:pic>
-      </p:grpSp>
     </p:spTree>
     <p:extLst>
       <p:ext uri="{BB962C8B-B14F-4D97-AF65-F5344CB8AC3E}">
-        <p14:creationId xmlns:p14="http://schemas.microsoft.com/office/powerpoint/2010/main" val="2769821645"/>
+        <p14:creationId xmlns:p14="http://schemas.microsoft.com/office/powerpoint/2010/main" val="4173708082"/>
       </p:ext>
     </p:extLst>
   </p:cSld>
@@ -4584,7 +7992,7 @@
                                           </p:stCondLst>
                                         </p:cTn>
                                         <p:tgtEl>
-                                          <p:spTgt spid="50"/>
+                                          <p:spTgt spid="109"/>
                                         </p:tgtEl>
                                         <p:attrNameLst>
                                           <p:attrName>style.visibility</p:attrName>
@@ -4616,7 +8024,7 @@
                             </p:stCondLst>
                             <p:childTnLst>
                               <p:par>
-                                <p:cTn id="9" presetID="9" presetClass="entr" presetSubtype="0" fill="hold" nodeType="clickEffect">
+                                <p:cTn id="9" presetID="1" presetClass="entr" presetSubtype="0" fill="hold" nodeType="clickEffect">
                                   <p:stCondLst>
                                     <p:cond delay="0"/>
                                   </p:stCondLst>
@@ -4629,7 +8037,7 @@
                                           </p:stCondLst>
                                         </p:cTn>
                                         <p:tgtEl>
-                                          <p:spTgt spid="51"/>
+                                          <p:spTgt spid="7"/>
                                         </p:tgtEl>
                                         <p:attrNameLst>
                                           <p:attrName>style.visibility</p:attrName>
@@ -4639,14 +8047,6 @@
                                         <p:strVal val="visible"/>
                                       </p:to>
                                     </p:set>
-                                    <p:animEffect transition="in" filter="dissolve">
-                                      <p:cBhvr>
-                                        <p:cTn id="11" dur="500"/>
-                                        <p:tgtEl>
-                                          <p:spTgt spid="51"/>
-                                        </p:tgtEl>
-                                      </p:cBhvr>
-                                    </p:animEffect>
                                   </p:childTnLst>
                                 </p:cTn>
                               </p:par>
@@ -4657,32 +8057,167 @@
                     </p:cTn>
                   </p:par>
                   <p:par>
-                    <p:cTn id="12" fill="hold">
+                    <p:cTn id="11" fill="hold">
                       <p:stCondLst>
                         <p:cond delay="indefinite"/>
                       </p:stCondLst>
                       <p:childTnLst>
                         <p:par>
-                          <p:cTn id="13" fill="hold">
+                          <p:cTn id="12" fill="hold">
                             <p:stCondLst>
                               <p:cond delay="0"/>
                             </p:stCondLst>
                             <p:childTnLst>
                               <p:par>
-                                <p:cTn id="14" presetID="1" presetClass="entr" presetSubtype="0" fill="hold" nodeType="clickEffect">
+                                <p:cTn id="13" presetID="1" presetClass="entr" presetSubtype="0" fill="hold" nodeType="clickEffect">
                                   <p:stCondLst>
                                     <p:cond delay="0"/>
                                   </p:stCondLst>
                                   <p:childTnLst>
                                     <p:set>
                                       <p:cBhvr>
-                                        <p:cTn id="15" dur="1" fill="hold">
+                                        <p:cTn id="14" dur="1" fill="hold">
                                           <p:stCondLst>
                                             <p:cond delay="0"/>
                                           </p:stCondLst>
                                         </p:cTn>
                                         <p:tgtEl>
-                                          <p:spTgt spid="53"/>
+                                          <p:spTgt spid="113"/>
+                                        </p:tgtEl>
+                                        <p:attrNameLst>
+                                          <p:attrName>style.visibility</p:attrName>
+                                        </p:attrNameLst>
+                                      </p:cBhvr>
+                                      <p:to>
+                                        <p:strVal val="visible"/>
+                                      </p:to>
+                                    </p:set>
+                                  </p:childTnLst>
+                                </p:cTn>
+                              </p:par>
+                            </p:childTnLst>
+                          </p:cTn>
+                        </p:par>
+                      </p:childTnLst>
+                    </p:cTn>
+                  </p:par>
+                  <p:par>
+                    <p:cTn id="15" fill="hold">
+                      <p:stCondLst>
+                        <p:cond delay="indefinite"/>
+                      </p:stCondLst>
+                      <p:childTnLst>
+                        <p:par>
+                          <p:cTn id="16" fill="hold">
+                            <p:stCondLst>
+                              <p:cond delay="0"/>
+                            </p:stCondLst>
+                            <p:childTnLst>
+                              <p:par>
+                                <p:cTn id="17" presetID="1" presetClass="entr" presetSubtype="0" fill="hold" nodeType="clickEffect">
+                                  <p:stCondLst>
+                                    <p:cond delay="0"/>
+                                  </p:stCondLst>
+                                  <p:childTnLst>
+                                    <p:set>
+                                      <p:cBhvr>
+                                        <p:cTn id="18" dur="1" fill="hold">
+                                          <p:stCondLst>
+                                            <p:cond delay="0"/>
+                                          </p:stCondLst>
+                                        </p:cTn>
+                                        <p:tgtEl>
+                                          <p:spTgt spid="6"/>
+                                        </p:tgtEl>
+                                        <p:attrNameLst>
+                                          <p:attrName>style.visibility</p:attrName>
+                                        </p:attrNameLst>
+                                      </p:cBhvr>
+                                      <p:to>
+                                        <p:strVal val="visible"/>
+                                      </p:to>
+                                    </p:set>
+                                  </p:childTnLst>
+                                </p:cTn>
+                              </p:par>
+                            </p:childTnLst>
+                          </p:cTn>
+                        </p:par>
+                      </p:childTnLst>
+                    </p:cTn>
+                  </p:par>
+                  <p:par>
+                    <p:cTn id="19" fill="hold">
+                      <p:stCondLst>
+                        <p:cond delay="indefinite"/>
+                      </p:stCondLst>
+                      <p:childTnLst>
+                        <p:par>
+                          <p:cTn id="20" fill="hold">
+                            <p:stCondLst>
+                              <p:cond delay="0"/>
+                            </p:stCondLst>
+                            <p:childTnLst>
+                              <p:par>
+                                <p:cTn id="21" presetID="1" presetClass="entr" presetSubtype="0" fill="hold" nodeType="clickEffect">
+                                  <p:stCondLst>
+                                    <p:cond delay="0"/>
+                                  </p:stCondLst>
+                                  <p:childTnLst>
+                                    <p:set>
+                                      <p:cBhvr>
+                                        <p:cTn id="22" dur="1" fill="hold">
+                                          <p:stCondLst>
+                                            <p:cond delay="0"/>
+                                          </p:stCondLst>
+                                        </p:cTn>
+                                        <p:tgtEl>
+                                          <p:spTgt spid="112"/>
+                                        </p:tgtEl>
+                                        <p:attrNameLst>
+                                          <p:attrName>style.visibility</p:attrName>
+                                        </p:attrNameLst>
+                                      </p:cBhvr>
+                                      <p:to>
+                                        <p:strVal val="visible"/>
+                                      </p:to>
+                                    </p:set>
+                                  </p:childTnLst>
+                                </p:cTn>
+                              </p:par>
+                            </p:childTnLst>
+                          </p:cTn>
+                        </p:par>
+                      </p:childTnLst>
+                    </p:cTn>
+                  </p:par>
+                  <p:par>
+                    <p:cTn id="23" fill="hold">
+                      <p:stCondLst>
+                        <p:cond delay="indefinite"/>
+                      </p:stCondLst>
+                      <p:childTnLst>
+                        <p:par>
+                          <p:cTn id="24" fill="hold">
+                            <p:stCondLst>
+                              <p:cond delay="0"/>
+                            </p:stCondLst>
+                            <p:childTnLst>
+                              <p:par>
+                                <p:cTn id="25" presetID="1" presetClass="entr" presetSubtype="0" fill="hold" nodeType="clickEffect">
+                                  <p:stCondLst>
+                                    <p:cond delay="0"/>
+                                  </p:stCondLst>
+                                  <p:childTnLst>
+                                    <p:set>
+                                      <p:cBhvr>
+                                        <p:cTn id="26" dur="1" fill="hold">
+                                          <p:stCondLst>
+                                            <p:cond delay="0"/>
+                                          </p:stCondLst>
+                                        </p:cTn>
+                                        <p:tgtEl>
+                                          <p:spTgt spid="101"/>
                                         </p:tgtEl>
                                         <p:attrNameLst>
                                           <p:attrName>style.visibility</p:attrName>
@@ -6545,12 +10080,435 @@
           <a:chExt cx="0" cy="0"/>
         </a:xfrm>
       </p:grpSpPr>
+      <p:pic>
+        <p:nvPicPr>
+          <p:cNvPr id="3" name="Graphic 2" descr="Beaker">
+            <a:extLst>
+              <a:ext uri="{FF2B5EF4-FFF2-40B4-BE49-F238E27FC236}">
+                <a16:creationId xmlns:a16="http://schemas.microsoft.com/office/drawing/2014/main" id="{0E3B0DD9-F9FA-7547-A99C-15B88511EDAC}"/>
+              </a:ext>
+            </a:extLst>
+          </p:cNvPr>
+          <p:cNvPicPr>
+            <a:picLocks noChangeAspect="1"/>
+          </p:cNvPicPr>
+          <p:nvPr/>
+        </p:nvPicPr>
+        <p:blipFill>
+          <a:blip r:embed="rId2">
+            <a:duotone>
+              <a:schemeClr val="accent1">
+                <a:shade val="45000"/>
+                <a:satMod val="135000"/>
+              </a:schemeClr>
+              <a:prstClr val="white"/>
+            </a:duotone>
+            <a:extLst>
+              <a:ext uri="{96DAC541-7B7A-43D3-8B79-37D633B846F1}">
+                <asvg:svgBlip xmlns:asvg="http://schemas.microsoft.com/office/drawing/2016/SVG/main" r:embed="rId3"/>
+              </a:ext>
+            </a:extLst>
+          </a:blip>
+          <a:stretch>
+            <a:fillRect/>
+          </a:stretch>
+        </p:blipFill>
+        <p:spPr>
+          <a:xfrm>
+            <a:off x="4435816" y="2385551"/>
+            <a:ext cx="2086897" cy="2086897"/>
+          </a:xfrm>
+          <a:prstGeom prst="rect">
+            <a:avLst/>
+          </a:prstGeom>
+        </p:spPr>
+      </p:pic>
       <p:sp>
         <p:nvSpPr>
-          <p:cNvPr id="49" name="Oval 48">
+          <p:cNvPr id="5" name="TextBox 4">
             <a:extLst>
               <a:ext uri="{FF2B5EF4-FFF2-40B4-BE49-F238E27FC236}">
-                <a16:creationId xmlns:a16="http://schemas.microsoft.com/office/drawing/2014/main" id="{04B85D18-A1FA-7441-94A1-A5713A09C1EC}"/>
+                <a16:creationId xmlns:a16="http://schemas.microsoft.com/office/drawing/2014/main" id="{5A387150-4A8E-4045-9799-4D0946C4B397}"/>
+              </a:ext>
+            </a:extLst>
+          </p:cNvPr>
+          <p:cNvSpPr txBox="1"/>
+          <p:nvPr/>
+        </p:nvSpPr>
+        <p:spPr>
+          <a:xfrm>
+            <a:off x="2001648" y="3381176"/>
+            <a:ext cx="2509020" cy="276999"/>
+          </a:xfrm>
+          <a:prstGeom prst="rect">
+            <a:avLst/>
+          </a:prstGeom>
+          <a:noFill/>
+        </p:spPr>
+        <p:txBody>
+          <a:bodyPr wrap="none" rtlCol="0">
+            <a:spAutoFit/>
+          </a:bodyPr>
+          <a:lstStyle/>
+          <a:p>
+            <a:pPr algn="r"/>
+            <a:r>
+              <a:rPr lang="es-ES_tradnl" sz="1200" dirty="0">
+                <a:latin typeface="Courier" pitchFamily="2" charset="0"/>
+                <a:cs typeface="Arial" panose="020B0604020202020204" pitchFamily="34" charset="0"/>
+              </a:rPr>
+              <a:t>new(inputs, </a:t>
+            </a:r>
+            <a:r>
+              <a:rPr lang="es-ES_tradnl" sz="1200" dirty="0" err="1">
+                <a:latin typeface="Courier" pitchFamily="2" charset="0"/>
+                <a:cs typeface="Arial" panose="020B0604020202020204" pitchFamily="34" charset="0"/>
+              </a:rPr>
+              <a:t>plot_options</a:t>
+            </a:r>
+            <a:r>
+              <a:rPr lang="es-ES_tradnl" sz="1200" dirty="0">
+                <a:latin typeface="Courier" pitchFamily="2" charset="0"/>
+                <a:cs typeface="Arial" panose="020B0604020202020204" pitchFamily="34" charset="0"/>
+              </a:rPr>
+              <a:t>)</a:t>
+            </a:r>
+          </a:p>
+        </p:txBody>
+      </p:sp>
+      <p:sp>
+        <p:nvSpPr>
+          <p:cNvPr id="17" name="TextBox 16">
+            <a:extLst>
+              <a:ext uri="{FF2B5EF4-FFF2-40B4-BE49-F238E27FC236}">
+                <a16:creationId xmlns:a16="http://schemas.microsoft.com/office/drawing/2014/main" id="{8F67C41B-5F7F-8147-B3F5-084D7807D751}"/>
+              </a:ext>
+            </a:extLst>
+          </p:cNvPr>
+          <p:cNvSpPr txBox="1"/>
+          <p:nvPr/>
+        </p:nvSpPr>
+        <p:spPr>
+          <a:xfrm>
+            <a:off x="3024364" y="3738464"/>
+            <a:ext cx="1486304" cy="276999"/>
+          </a:xfrm>
+          <a:prstGeom prst="rect">
+            <a:avLst/>
+          </a:prstGeom>
+          <a:noFill/>
+        </p:spPr>
+        <p:txBody>
+          <a:bodyPr wrap="none" rtlCol="0" anchor="ctr">
+            <a:spAutoFit/>
+          </a:bodyPr>
+          <a:lstStyle/>
+          <a:p>
+            <a:pPr algn="r"/>
+            <a:r>
+              <a:rPr lang="es-ES_tradnl" sz="1200" dirty="0">
+                <a:latin typeface="Courier" pitchFamily="2" charset="0"/>
+                <a:cs typeface="Arial" panose="020B0604020202020204" pitchFamily="34" charset="0"/>
+              </a:rPr>
+              <a:t>load(</a:t>
+            </a:r>
+            <a:r>
+              <a:rPr lang="es-ES_tradnl" sz="1200" dirty="0" err="1">
+                <a:latin typeface="Courier" pitchFamily="2" charset="0"/>
+                <a:cs typeface="Arial" panose="020B0604020202020204" pitchFamily="34" charset="0"/>
+              </a:rPr>
+              <a:t>filename</a:t>
+            </a:r>
+            <a:r>
+              <a:rPr lang="es-ES_tradnl" sz="1200" dirty="0">
+                <a:latin typeface="Courier" pitchFamily="2" charset="0"/>
+                <a:cs typeface="Arial" panose="020B0604020202020204" pitchFamily="34" charset="0"/>
+              </a:rPr>
+              <a:t>)</a:t>
+            </a:r>
+          </a:p>
+        </p:txBody>
+      </p:sp>
+      <p:sp>
+        <p:nvSpPr>
+          <p:cNvPr id="18" name="TextBox 17">
+            <a:extLst>
+              <a:ext uri="{FF2B5EF4-FFF2-40B4-BE49-F238E27FC236}">
+                <a16:creationId xmlns:a16="http://schemas.microsoft.com/office/drawing/2014/main" id="{4ED7AB47-663F-AC45-8429-6524AD9D724B}"/>
+              </a:ext>
+            </a:extLst>
+          </p:cNvPr>
+          <p:cNvSpPr txBox="1"/>
+          <p:nvPr/>
+        </p:nvSpPr>
+        <p:spPr>
+          <a:xfrm>
+            <a:off x="6522713" y="3362703"/>
+            <a:ext cx="1486304" cy="276999"/>
+          </a:xfrm>
+          <a:prstGeom prst="rect">
+            <a:avLst/>
+          </a:prstGeom>
+          <a:noFill/>
+        </p:spPr>
+        <p:txBody>
+          <a:bodyPr wrap="none" rtlCol="0" anchor="ctr">
+            <a:spAutoFit/>
+          </a:bodyPr>
+          <a:lstStyle/>
+          <a:p>
+            <a:r>
+              <a:rPr lang="es-ES_tradnl" sz="1200" dirty="0" err="1">
+                <a:latin typeface="Courier" pitchFamily="2" charset="0"/>
+                <a:cs typeface="Arial" panose="020B0604020202020204" pitchFamily="34" charset="0"/>
+              </a:rPr>
+              <a:t>save</a:t>
+            </a:r>
+            <a:r>
+              <a:rPr lang="es-ES_tradnl" sz="1200" dirty="0">
+                <a:latin typeface="Courier" pitchFamily="2" charset="0"/>
+                <a:cs typeface="Arial" panose="020B0604020202020204" pitchFamily="34" charset="0"/>
+              </a:rPr>
+              <a:t>(</a:t>
+            </a:r>
+            <a:r>
+              <a:rPr lang="es-ES_tradnl" sz="1200" dirty="0" err="1">
+                <a:latin typeface="Courier" pitchFamily="2" charset="0"/>
+                <a:cs typeface="Arial" panose="020B0604020202020204" pitchFamily="34" charset="0"/>
+              </a:rPr>
+              <a:t>filename</a:t>
+            </a:r>
+            <a:r>
+              <a:rPr lang="es-ES_tradnl" sz="1200" dirty="0">
+                <a:latin typeface="Courier" pitchFamily="2" charset="0"/>
+                <a:cs typeface="Arial" panose="020B0604020202020204" pitchFamily="34" charset="0"/>
+              </a:rPr>
+              <a:t>)</a:t>
+            </a:r>
+          </a:p>
+        </p:txBody>
+      </p:sp>
+      <p:sp>
+        <p:nvSpPr>
+          <p:cNvPr id="19" name="TextBox 18">
+            <a:extLst>
+              <a:ext uri="{FF2B5EF4-FFF2-40B4-BE49-F238E27FC236}">
+                <a16:creationId xmlns:a16="http://schemas.microsoft.com/office/drawing/2014/main" id="{E27DA310-7BDB-CA46-957D-EAA03C1E9E55}"/>
+              </a:ext>
+            </a:extLst>
+          </p:cNvPr>
+          <p:cNvSpPr txBox="1"/>
+          <p:nvPr/>
+        </p:nvSpPr>
+        <p:spPr>
+          <a:xfrm>
+            <a:off x="6522713" y="3744112"/>
+            <a:ext cx="1486304" cy="276999"/>
+          </a:xfrm>
+          <a:prstGeom prst="rect">
+            <a:avLst/>
+          </a:prstGeom>
+          <a:noFill/>
+        </p:spPr>
+        <p:txBody>
+          <a:bodyPr wrap="none" rtlCol="0" anchor="ctr">
+            <a:spAutoFit/>
+          </a:bodyPr>
+          <a:lstStyle/>
+          <a:p>
+            <a:r>
+              <a:rPr lang="es-ES_tradnl" sz="1200" dirty="0" err="1">
+                <a:latin typeface="Courier" pitchFamily="2" charset="0"/>
+                <a:cs typeface="Arial" panose="020B0604020202020204" pitchFamily="34" charset="0"/>
+              </a:rPr>
+              <a:t>plot</a:t>
+            </a:r>
+            <a:r>
+              <a:rPr lang="es-ES_tradnl" sz="1200" dirty="0">
+                <a:latin typeface="Courier" pitchFamily="2" charset="0"/>
+                <a:cs typeface="Arial" panose="020B0604020202020204" pitchFamily="34" charset="0"/>
+              </a:rPr>
+              <a:t>(</a:t>
+            </a:r>
+            <a:r>
+              <a:rPr lang="es-ES_tradnl" sz="1200" dirty="0" err="1">
+                <a:latin typeface="Courier" pitchFamily="2" charset="0"/>
+                <a:cs typeface="Arial" panose="020B0604020202020204" pitchFamily="34" charset="0"/>
+              </a:rPr>
+              <a:t>filename</a:t>
+            </a:r>
+            <a:r>
+              <a:rPr lang="es-ES_tradnl" sz="1200" dirty="0">
+                <a:latin typeface="Courier" pitchFamily="2" charset="0"/>
+                <a:cs typeface="Arial" panose="020B0604020202020204" pitchFamily="34" charset="0"/>
+              </a:rPr>
+              <a:t>)</a:t>
+            </a:r>
+          </a:p>
+        </p:txBody>
+      </p:sp>
+      <p:sp>
+        <p:nvSpPr>
+          <p:cNvPr id="20" name="TextBox 19">
+            <a:extLst>
+              <a:ext uri="{FF2B5EF4-FFF2-40B4-BE49-F238E27FC236}">
+                <a16:creationId xmlns:a16="http://schemas.microsoft.com/office/drawing/2014/main" id="{ACA463DA-D664-F64E-97D8-B1CA8FD7834E}"/>
+              </a:ext>
+            </a:extLst>
+          </p:cNvPr>
+          <p:cNvSpPr txBox="1"/>
+          <p:nvPr/>
+        </p:nvSpPr>
+        <p:spPr>
+          <a:xfrm>
+            <a:off x="6530086" y="4120101"/>
+            <a:ext cx="1672253" cy="276999"/>
+          </a:xfrm>
+          <a:prstGeom prst="rect">
+            <a:avLst/>
+          </a:prstGeom>
+          <a:noFill/>
+        </p:spPr>
+        <p:txBody>
+          <a:bodyPr wrap="none" rtlCol="0" anchor="ctr">
+            <a:spAutoFit/>
+          </a:bodyPr>
+          <a:lstStyle/>
+          <a:p>
+            <a:r>
+              <a:rPr lang="es-ES_tradnl" sz="1200" dirty="0" err="1">
+                <a:latin typeface="Courier" pitchFamily="2" charset="0"/>
+                <a:cs typeface="Arial" panose="020B0604020202020204" pitchFamily="34" charset="0"/>
+              </a:rPr>
+              <a:t>export</a:t>
+            </a:r>
+            <a:r>
+              <a:rPr lang="es-ES_tradnl" sz="1200" dirty="0">
+                <a:latin typeface="Courier" pitchFamily="2" charset="0"/>
+                <a:cs typeface="Arial" panose="020B0604020202020204" pitchFamily="34" charset="0"/>
+              </a:rPr>
+              <a:t>(</a:t>
+            </a:r>
+            <a:r>
+              <a:rPr lang="es-ES_tradnl" sz="1200" dirty="0" err="1">
+                <a:latin typeface="Courier" pitchFamily="2" charset="0"/>
+                <a:cs typeface="Arial" panose="020B0604020202020204" pitchFamily="34" charset="0"/>
+              </a:rPr>
+              <a:t>filename</a:t>
+            </a:r>
+            <a:r>
+              <a:rPr lang="es-ES_tradnl" sz="1200" dirty="0">
+                <a:latin typeface="Courier" pitchFamily="2" charset="0"/>
+                <a:cs typeface="Arial" panose="020B0604020202020204" pitchFamily="34" charset="0"/>
+              </a:rPr>
+              <a:t>)</a:t>
+            </a:r>
+          </a:p>
+        </p:txBody>
+      </p:sp>
+      <p:sp>
+        <p:nvSpPr>
+          <p:cNvPr id="21" name="TextBox 20">
+            <a:extLst>
+              <a:ext uri="{FF2B5EF4-FFF2-40B4-BE49-F238E27FC236}">
+                <a16:creationId xmlns:a16="http://schemas.microsoft.com/office/drawing/2014/main" id="{B27C99DE-D22F-5944-8346-5D2003580ED0}"/>
+              </a:ext>
+            </a:extLst>
+          </p:cNvPr>
+          <p:cNvSpPr txBox="1"/>
+          <p:nvPr/>
+        </p:nvSpPr>
+        <p:spPr>
+          <a:xfrm>
+            <a:off x="4577458" y="4937664"/>
+            <a:ext cx="1858201" cy="276999"/>
+          </a:xfrm>
+          <a:prstGeom prst="rect">
+            <a:avLst/>
+          </a:prstGeom>
+          <a:noFill/>
+        </p:spPr>
+        <p:txBody>
+          <a:bodyPr wrap="none" rtlCol="0">
+            <a:spAutoFit/>
+          </a:bodyPr>
+          <a:lstStyle/>
+          <a:p>
+            <a:r>
+              <a:rPr lang="es-ES_tradnl" sz="1200" dirty="0" err="1">
+                <a:latin typeface="Courier" pitchFamily="2" charset="0"/>
+                <a:cs typeface="Arial" panose="020B0604020202020204" pitchFamily="34" charset="0"/>
+              </a:rPr>
+              <a:t>simulate</a:t>
+            </a:r>
+            <a:r>
+              <a:rPr lang="es-ES_tradnl" sz="1200" dirty="0">
+                <a:latin typeface="Courier" pitchFamily="2" charset="0"/>
+                <a:cs typeface="Arial" panose="020B0604020202020204" pitchFamily="34" charset="0"/>
+              </a:rPr>
+              <a:t>(</a:t>
+            </a:r>
+            <a:r>
+              <a:rPr lang="es-ES_tradnl" sz="1200" dirty="0" err="1">
+                <a:latin typeface="Courier" pitchFamily="2" charset="0"/>
+                <a:cs typeface="Arial" panose="020B0604020202020204" pitchFamily="34" charset="0"/>
+              </a:rPr>
+              <a:t>sim_type</a:t>
+            </a:r>
+            <a:r>
+              <a:rPr lang="es-ES_tradnl" sz="1200" dirty="0">
+                <a:latin typeface="Courier" pitchFamily="2" charset="0"/>
+                <a:cs typeface="Arial" panose="020B0604020202020204" pitchFamily="34" charset="0"/>
+              </a:rPr>
+              <a:t>)</a:t>
+            </a:r>
+          </a:p>
+        </p:txBody>
+      </p:sp>
+      <p:sp>
+        <p:nvSpPr>
+          <p:cNvPr id="22" name="TextBox 21">
+            <a:extLst>
+              <a:ext uri="{FF2B5EF4-FFF2-40B4-BE49-F238E27FC236}">
+                <a16:creationId xmlns:a16="http://schemas.microsoft.com/office/drawing/2014/main" id="{97CFC7A7-F7D1-F244-8E29-0CD92EEF280D}"/>
+              </a:ext>
+            </a:extLst>
+          </p:cNvPr>
+          <p:cNvSpPr txBox="1"/>
+          <p:nvPr/>
+        </p:nvSpPr>
+        <p:spPr>
+          <a:xfrm>
+            <a:off x="6526259" y="3006190"/>
+            <a:ext cx="1141210" cy="276999"/>
+          </a:xfrm>
+          <a:prstGeom prst="rect">
+            <a:avLst/>
+          </a:prstGeom>
+          <a:noFill/>
+        </p:spPr>
+        <p:txBody>
+          <a:bodyPr wrap="square" rtlCol="0" anchor="ctr">
+            <a:spAutoFit/>
+          </a:bodyPr>
+          <a:lstStyle/>
+          <a:p>
+            <a:r>
+              <a:rPr lang="es-ES_tradnl" sz="1200" dirty="0">
+                <a:latin typeface="Courier" pitchFamily="2" charset="0"/>
+                <a:cs typeface="Arial" panose="020B0604020202020204" pitchFamily="34" charset="0"/>
+              </a:rPr>
+              <a:t>status()</a:t>
+            </a:r>
+          </a:p>
+        </p:txBody>
+      </p:sp>
+      <p:sp>
+        <p:nvSpPr>
+          <p:cNvPr id="6" name="Right Arrow 5">
+            <a:extLst>
+              <a:ext uri="{FF2B5EF4-FFF2-40B4-BE49-F238E27FC236}">
+                <a16:creationId xmlns:a16="http://schemas.microsoft.com/office/drawing/2014/main" id="{E4813550-5A0D-354B-B305-5F9280300BCE}"/>
               </a:ext>
             </a:extLst>
           </p:cNvPr>
@@ -6559,12 +10517,388 @@
         </p:nvSpPr>
         <p:spPr>
           <a:xfrm>
-            <a:off x="7888666" y="3579611"/>
-            <a:ext cx="801303" cy="801303"/>
+            <a:off x="4510668" y="3427221"/>
+            <a:ext cx="388373" cy="215688"/>
           </a:xfrm>
-          <a:prstGeom prst="ellipse">
+          <a:prstGeom prst="rightArrow">
             <a:avLst/>
           </a:prstGeom>
+          <a:solidFill>
+            <a:schemeClr val="accent1">
+              <a:lumMod val="20000"/>
+              <a:lumOff val="80000"/>
+            </a:schemeClr>
+          </a:solidFill>
+          <a:ln>
+            <a:solidFill>
+              <a:schemeClr val="accent1">
+                <a:lumMod val="60000"/>
+                <a:lumOff val="40000"/>
+              </a:schemeClr>
+            </a:solidFill>
+          </a:ln>
+        </p:spPr>
+        <p:style>
+          <a:lnRef idx="2">
+            <a:schemeClr val="accent3">
+              <a:shade val="50000"/>
+            </a:schemeClr>
+          </a:lnRef>
+          <a:fillRef idx="1">
+            <a:schemeClr val="accent3"/>
+          </a:fillRef>
+          <a:effectRef idx="0">
+            <a:schemeClr val="accent3"/>
+          </a:effectRef>
+          <a:fontRef idx="minor">
+            <a:schemeClr val="lt1"/>
+          </a:fontRef>
+        </p:style>
+        <p:txBody>
+          <a:bodyPr rtlCol="0" anchor="ctr"/>
+          <a:lstStyle/>
+          <a:p>
+            <a:pPr algn="ctr"/>
+            <a:endParaRPr lang="es-ES_tradnl"/>
+          </a:p>
+        </p:txBody>
+      </p:sp>
+      <p:sp>
+        <p:nvSpPr>
+          <p:cNvPr id="24" name="Right Arrow 23">
+            <a:extLst>
+              <a:ext uri="{FF2B5EF4-FFF2-40B4-BE49-F238E27FC236}">
+                <a16:creationId xmlns:a16="http://schemas.microsoft.com/office/drawing/2014/main" id="{7D364F3A-7F46-8640-968C-48083325167A}"/>
+              </a:ext>
+            </a:extLst>
+          </p:cNvPr>
+          <p:cNvSpPr/>
+          <p:nvPr/>
+        </p:nvSpPr>
+        <p:spPr>
+          <a:xfrm>
+            <a:off x="4510668" y="3794856"/>
+            <a:ext cx="388373" cy="215688"/>
+          </a:xfrm>
+          <a:prstGeom prst="rightArrow">
+            <a:avLst/>
+          </a:prstGeom>
+          <a:solidFill>
+            <a:schemeClr val="accent1">
+              <a:lumMod val="20000"/>
+              <a:lumOff val="80000"/>
+            </a:schemeClr>
+          </a:solidFill>
+          <a:ln>
+            <a:solidFill>
+              <a:schemeClr val="accent1">
+                <a:lumMod val="60000"/>
+                <a:lumOff val="40000"/>
+              </a:schemeClr>
+            </a:solidFill>
+          </a:ln>
+        </p:spPr>
+        <p:style>
+          <a:lnRef idx="2">
+            <a:schemeClr val="accent3">
+              <a:shade val="50000"/>
+            </a:schemeClr>
+          </a:lnRef>
+          <a:fillRef idx="1">
+            <a:schemeClr val="accent3"/>
+          </a:fillRef>
+          <a:effectRef idx="0">
+            <a:schemeClr val="accent3"/>
+          </a:effectRef>
+          <a:fontRef idx="minor">
+            <a:schemeClr val="lt1"/>
+          </a:fontRef>
+        </p:style>
+        <p:txBody>
+          <a:bodyPr rtlCol="0" anchor="ctr"/>
+          <a:lstStyle/>
+          <a:p>
+            <a:pPr algn="ctr"/>
+            <a:endParaRPr lang="es-ES_tradnl"/>
+          </a:p>
+        </p:txBody>
+      </p:sp>
+      <p:sp>
+        <p:nvSpPr>
+          <p:cNvPr id="25" name="Right Arrow 24">
+            <a:extLst>
+              <a:ext uri="{FF2B5EF4-FFF2-40B4-BE49-F238E27FC236}">
+                <a16:creationId xmlns:a16="http://schemas.microsoft.com/office/drawing/2014/main" id="{B2CF4B96-A7FC-634A-AFB6-E97A6A43C615}"/>
+              </a:ext>
+            </a:extLst>
+          </p:cNvPr>
+          <p:cNvSpPr/>
+          <p:nvPr/>
+        </p:nvSpPr>
+        <p:spPr>
+          <a:xfrm>
+            <a:off x="6134340" y="3057994"/>
+            <a:ext cx="388373" cy="215688"/>
+          </a:xfrm>
+          <a:prstGeom prst="rightArrow">
+            <a:avLst/>
+          </a:prstGeom>
+          <a:solidFill>
+            <a:schemeClr val="accent1">
+              <a:lumMod val="20000"/>
+              <a:lumOff val="80000"/>
+            </a:schemeClr>
+          </a:solidFill>
+          <a:ln>
+            <a:solidFill>
+              <a:schemeClr val="accent1">
+                <a:lumMod val="60000"/>
+                <a:lumOff val="40000"/>
+              </a:schemeClr>
+            </a:solidFill>
+          </a:ln>
+        </p:spPr>
+        <p:style>
+          <a:lnRef idx="2">
+            <a:schemeClr val="accent3">
+              <a:shade val="50000"/>
+            </a:schemeClr>
+          </a:lnRef>
+          <a:fillRef idx="1">
+            <a:schemeClr val="accent3"/>
+          </a:fillRef>
+          <a:effectRef idx="0">
+            <a:schemeClr val="accent3"/>
+          </a:effectRef>
+          <a:fontRef idx="minor">
+            <a:schemeClr val="lt1"/>
+          </a:fontRef>
+        </p:style>
+        <p:txBody>
+          <a:bodyPr rtlCol="0" anchor="ctr"/>
+          <a:lstStyle/>
+          <a:p>
+            <a:pPr algn="ctr"/>
+            <a:endParaRPr lang="es-ES_tradnl"/>
+          </a:p>
+        </p:txBody>
+      </p:sp>
+      <p:sp>
+        <p:nvSpPr>
+          <p:cNvPr id="26" name="Right Arrow 25">
+            <a:extLst>
+              <a:ext uri="{FF2B5EF4-FFF2-40B4-BE49-F238E27FC236}">
+                <a16:creationId xmlns:a16="http://schemas.microsoft.com/office/drawing/2014/main" id="{930276DA-CCA3-264A-BF98-59C7C8491538}"/>
+              </a:ext>
+            </a:extLst>
+          </p:cNvPr>
+          <p:cNvSpPr/>
+          <p:nvPr/>
+        </p:nvSpPr>
+        <p:spPr>
+          <a:xfrm>
+            <a:off x="6141713" y="4150757"/>
+            <a:ext cx="388373" cy="215688"/>
+          </a:xfrm>
+          <a:prstGeom prst="rightArrow">
+            <a:avLst/>
+          </a:prstGeom>
+          <a:solidFill>
+            <a:schemeClr val="accent1">
+              <a:lumMod val="20000"/>
+              <a:lumOff val="80000"/>
+            </a:schemeClr>
+          </a:solidFill>
+          <a:ln>
+            <a:solidFill>
+              <a:schemeClr val="accent1">
+                <a:lumMod val="60000"/>
+                <a:lumOff val="40000"/>
+              </a:schemeClr>
+            </a:solidFill>
+          </a:ln>
+        </p:spPr>
+        <p:style>
+          <a:lnRef idx="2">
+            <a:schemeClr val="accent3">
+              <a:shade val="50000"/>
+            </a:schemeClr>
+          </a:lnRef>
+          <a:fillRef idx="1">
+            <a:schemeClr val="accent3"/>
+          </a:fillRef>
+          <a:effectRef idx="0">
+            <a:schemeClr val="accent3"/>
+          </a:effectRef>
+          <a:fontRef idx="minor">
+            <a:schemeClr val="lt1"/>
+          </a:fontRef>
+        </p:style>
+        <p:txBody>
+          <a:bodyPr rtlCol="0" anchor="ctr"/>
+          <a:lstStyle/>
+          <a:p>
+            <a:pPr algn="ctr"/>
+            <a:endParaRPr lang="es-ES_tradnl"/>
+          </a:p>
+        </p:txBody>
+      </p:sp>
+      <p:sp>
+        <p:nvSpPr>
+          <p:cNvPr id="27" name="Right Arrow 26">
+            <a:extLst>
+              <a:ext uri="{FF2B5EF4-FFF2-40B4-BE49-F238E27FC236}">
+                <a16:creationId xmlns:a16="http://schemas.microsoft.com/office/drawing/2014/main" id="{E7C92643-3C58-4F40-A67D-7BC0605E24C6}"/>
+              </a:ext>
+            </a:extLst>
+          </p:cNvPr>
+          <p:cNvSpPr/>
+          <p:nvPr/>
+        </p:nvSpPr>
+        <p:spPr>
+          <a:xfrm>
+            <a:off x="6134340" y="3788499"/>
+            <a:ext cx="388373" cy="215688"/>
+          </a:xfrm>
+          <a:prstGeom prst="rightArrow">
+            <a:avLst/>
+          </a:prstGeom>
+          <a:solidFill>
+            <a:schemeClr val="accent1">
+              <a:lumMod val="20000"/>
+              <a:lumOff val="80000"/>
+            </a:schemeClr>
+          </a:solidFill>
+          <a:ln>
+            <a:solidFill>
+              <a:schemeClr val="accent1">
+                <a:lumMod val="60000"/>
+                <a:lumOff val="40000"/>
+              </a:schemeClr>
+            </a:solidFill>
+          </a:ln>
+        </p:spPr>
+        <p:style>
+          <a:lnRef idx="2">
+            <a:schemeClr val="accent3">
+              <a:shade val="50000"/>
+            </a:schemeClr>
+          </a:lnRef>
+          <a:fillRef idx="1">
+            <a:schemeClr val="accent3"/>
+          </a:fillRef>
+          <a:effectRef idx="0">
+            <a:schemeClr val="accent3"/>
+          </a:effectRef>
+          <a:fontRef idx="minor">
+            <a:schemeClr val="lt1"/>
+          </a:fontRef>
+        </p:style>
+        <p:txBody>
+          <a:bodyPr rtlCol="0" anchor="ctr"/>
+          <a:lstStyle/>
+          <a:p>
+            <a:pPr algn="ctr"/>
+            <a:endParaRPr lang="es-ES_tradnl"/>
+          </a:p>
+        </p:txBody>
+      </p:sp>
+      <p:sp>
+        <p:nvSpPr>
+          <p:cNvPr id="28" name="Right Arrow 27">
+            <a:extLst>
+              <a:ext uri="{FF2B5EF4-FFF2-40B4-BE49-F238E27FC236}">
+                <a16:creationId xmlns:a16="http://schemas.microsoft.com/office/drawing/2014/main" id="{68690FDB-6AE8-1A42-9E9F-3B651F5317A1}"/>
+              </a:ext>
+            </a:extLst>
+          </p:cNvPr>
+          <p:cNvSpPr/>
+          <p:nvPr/>
+        </p:nvSpPr>
+        <p:spPr>
+          <a:xfrm>
+            <a:off x="6134340" y="3422248"/>
+            <a:ext cx="388373" cy="215688"/>
+          </a:xfrm>
+          <a:prstGeom prst="rightArrow">
+            <a:avLst/>
+          </a:prstGeom>
+          <a:solidFill>
+            <a:schemeClr val="accent1">
+              <a:lumMod val="20000"/>
+              <a:lumOff val="80000"/>
+            </a:schemeClr>
+          </a:solidFill>
+          <a:ln>
+            <a:solidFill>
+              <a:schemeClr val="accent1">
+                <a:lumMod val="60000"/>
+                <a:lumOff val="40000"/>
+              </a:schemeClr>
+            </a:solidFill>
+          </a:ln>
+        </p:spPr>
+        <p:style>
+          <a:lnRef idx="2">
+            <a:schemeClr val="accent3">
+              <a:shade val="50000"/>
+            </a:schemeClr>
+          </a:lnRef>
+          <a:fillRef idx="1">
+            <a:schemeClr val="accent3"/>
+          </a:fillRef>
+          <a:effectRef idx="0">
+            <a:schemeClr val="accent3"/>
+          </a:effectRef>
+          <a:fontRef idx="minor">
+            <a:schemeClr val="lt1"/>
+          </a:fontRef>
+        </p:style>
+        <p:txBody>
+          <a:bodyPr rtlCol="0" anchor="ctr"/>
+          <a:lstStyle/>
+          <a:p>
+            <a:pPr algn="ctr"/>
+            <a:endParaRPr lang="es-ES_tradnl"/>
+          </a:p>
+        </p:txBody>
+      </p:sp>
+      <p:sp>
+        <p:nvSpPr>
+          <p:cNvPr id="7" name="Donut 6">
+            <a:extLst>
+              <a:ext uri="{FF2B5EF4-FFF2-40B4-BE49-F238E27FC236}">
+                <a16:creationId xmlns:a16="http://schemas.microsoft.com/office/drawing/2014/main" id="{2018FFB0-F27A-9841-A5CA-0DB4ACD655A4}"/>
+              </a:ext>
+            </a:extLst>
+          </p:cNvPr>
+          <p:cNvSpPr/>
+          <p:nvPr/>
+        </p:nvSpPr>
+        <p:spPr>
+          <a:xfrm>
+            <a:off x="5245390" y="4412489"/>
+            <a:ext cx="522339" cy="522339"/>
+          </a:xfrm>
+          <a:prstGeom prst="donut">
+            <a:avLst>
+              <a:gd name="adj" fmla="val 17416"/>
+            </a:avLst>
+          </a:prstGeom>
+          <a:solidFill>
+            <a:schemeClr val="accent1">
+              <a:lumMod val="20000"/>
+              <a:lumOff val="80000"/>
+            </a:schemeClr>
+          </a:solidFill>
+          <a:ln>
+            <a:solidFill>
+              <a:schemeClr val="accent1">
+                <a:lumMod val="60000"/>
+                <a:lumOff val="40000"/>
+              </a:schemeClr>
+            </a:solidFill>
+          </a:ln>
         </p:spPr>
         <p:style>
           <a:lnRef idx="2">
@@ -6587,16 +10921,20 @@
           <a:lstStyle/>
           <a:p>
             <a:pPr algn="ctr"/>
-            <a:endParaRPr lang="es-ES_tradnl"/>
+            <a:endParaRPr lang="es-ES_tradnl">
+              <a:solidFill>
+                <a:schemeClr val="tx1"/>
+              </a:solidFill>
+            </a:endParaRPr>
           </a:p>
         </p:txBody>
       </p:sp>
       <p:sp>
         <p:nvSpPr>
-          <p:cNvPr id="52" name="Oval 51">
+          <p:cNvPr id="30" name="Right Arrow 29">
             <a:extLst>
               <a:ext uri="{FF2B5EF4-FFF2-40B4-BE49-F238E27FC236}">
-                <a16:creationId xmlns:a16="http://schemas.microsoft.com/office/drawing/2014/main" id="{01EE861E-7840-7042-9FA7-7C0E6C6992DC}"/>
+                <a16:creationId xmlns:a16="http://schemas.microsoft.com/office/drawing/2014/main" id="{D206CF18-D6E6-D746-9B30-53A00A02A9CC}"/>
               </a:ext>
             </a:extLst>
           </p:cNvPr>
@@ -6604,25 +10942,42 @@
           <p:nvPr/>
         </p:nvSpPr>
         <p:spPr>
-          <a:xfrm>
-            <a:off x="8043098" y="1657755"/>
-            <a:ext cx="387684" cy="387684"/>
+          <a:xfrm rot="5400000">
+            <a:off x="5666919" y="4561372"/>
+            <a:ext cx="119746" cy="224573"/>
           </a:xfrm>
-          <a:prstGeom prst="ellipse">
-            <a:avLst/>
+          <a:prstGeom prst="rightArrow">
+            <a:avLst>
+              <a:gd name="adj1" fmla="val 50000"/>
+              <a:gd name="adj2" fmla="val 93980"/>
+            </a:avLst>
           </a:prstGeom>
+          <a:solidFill>
+            <a:schemeClr val="accent1">
+              <a:lumMod val="20000"/>
+              <a:lumOff val="80000"/>
+            </a:schemeClr>
+          </a:solidFill>
+          <a:ln>
+            <a:solidFill>
+              <a:schemeClr val="accent1">
+                <a:lumMod val="60000"/>
+                <a:lumOff val="40000"/>
+              </a:schemeClr>
+            </a:solidFill>
+          </a:ln>
         </p:spPr>
         <p:style>
           <a:lnRef idx="2">
-            <a:schemeClr val="accent1">
+            <a:schemeClr val="accent3">
               <a:shade val="50000"/>
             </a:schemeClr>
           </a:lnRef>
           <a:fillRef idx="1">
-            <a:schemeClr val="accent1"/>
+            <a:schemeClr val="accent3"/>
           </a:fillRef>
           <a:effectRef idx="0">
-            <a:schemeClr val="accent1"/>
+            <a:schemeClr val="accent3"/>
           </a:effectRef>
           <a:fontRef idx="minor">
             <a:schemeClr val="lt1"/>
@@ -6639,10 +10994,10 @@
       </p:sp>
       <p:sp>
         <p:nvSpPr>
-          <p:cNvPr id="53" name="Oval 52">
+          <p:cNvPr id="32" name="Right Arrow 31">
             <a:extLst>
               <a:ext uri="{FF2B5EF4-FFF2-40B4-BE49-F238E27FC236}">
-                <a16:creationId xmlns:a16="http://schemas.microsoft.com/office/drawing/2014/main" id="{2937C6E0-E83E-104C-AD07-8A78CAB0D146}"/>
+                <a16:creationId xmlns:a16="http://schemas.microsoft.com/office/drawing/2014/main" id="{3AC1AE98-66BB-3244-B26C-DBB02744888B}"/>
               </a:ext>
             </a:extLst>
           </p:cNvPr>
@@ -6650,25 +11005,42 @@
           <p:nvPr/>
         </p:nvSpPr>
         <p:spPr>
-          <a:xfrm>
-            <a:off x="7960103" y="2571141"/>
-            <a:ext cx="553673" cy="553673"/>
+          <a:xfrm rot="16200000">
+            <a:off x="5226454" y="4561371"/>
+            <a:ext cx="119746" cy="224573"/>
           </a:xfrm>
-          <a:prstGeom prst="ellipse">
-            <a:avLst/>
+          <a:prstGeom prst="rightArrow">
+            <a:avLst>
+              <a:gd name="adj1" fmla="val 50000"/>
+              <a:gd name="adj2" fmla="val 93980"/>
+            </a:avLst>
           </a:prstGeom>
+          <a:solidFill>
+            <a:schemeClr val="accent1">
+              <a:lumMod val="20000"/>
+              <a:lumOff val="80000"/>
+            </a:schemeClr>
+          </a:solidFill>
+          <a:ln>
+            <a:solidFill>
+              <a:schemeClr val="accent1">
+                <a:lumMod val="60000"/>
+                <a:lumOff val="40000"/>
+              </a:schemeClr>
+            </a:solidFill>
+          </a:ln>
         </p:spPr>
         <p:style>
           <a:lnRef idx="2">
-            <a:schemeClr val="accent1">
+            <a:schemeClr val="accent3">
               <a:shade val="50000"/>
             </a:schemeClr>
           </a:lnRef>
           <a:fillRef idx="1">
-            <a:schemeClr val="accent1"/>
+            <a:schemeClr val="accent3"/>
           </a:fillRef>
           <a:effectRef idx="0">
-            <a:schemeClr val="accent1"/>
+            <a:schemeClr val="accent3"/>
           </a:effectRef>
           <a:fontRef idx="minor">
             <a:schemeClr val="lt1"/>
@@ -6683,376 +11055,6 @@
           </a:p>
         </p:txBody>
       </p:sp>
-      <p:pic>
-        <p:nvPicPr>
-          <p:cNvPr id="56" name="Picture 55">
-            <a:extLst>
-              <a:ext uri="{FF2B5EF4-FFF2-40B4-BE49-F238E27FC236}">
-                <a16:creationId xmlns:a16="http://schemas.microsoft.com/office/drawing/2014/main" id="{C26BE782-1235-4A41-ACB7-4580AD85008D}"/>
-              </a:ext>
-            </a:extLst>
-          </p:cNvPr>
-          <p:cNvPicPr>
-            <a:picLocks noChangeAspect="1"/>
-          </p:cNvPicPr>
-          <p:nvPr/>
-        </p:nvPicPr>
-        <p:blipFill>
-          <a:blip r:embed="rId2"/>
-          <a:stretch>
-            <a:fillRect/>
-          </a:stretch>
-        </p:blipFill>
-        <p:spPr>
-          <a:xfrm>
-            <a:off x="8043098" y="4927374"/>
-            <a:ext cx="520700" cy="279400"/>
-          </a:xfrm>
-          <a:prstGeom prst="rect">
-            <a:avLst/>
-          </a:prstGeom>
-        </p:spPr>
-      </p:pic>
-      <p:sp>
-        <p:nvSpPr>
-          <p:cNvPr id="4" name="Rectangle 3">
-            <a:extLst>
-              <a:ext uri="{FF2B5EF4-FFF2-40B4-BE49-F238E27FC236}">
-                <a16:creationId xmlns:a16="http://schemas.microsoft.com/office/drawing/2014/main" id="{DA8CDC97-3D06-C04C-AC73-3AF8DBFB6F5A}"/>
-              </a:ext>
-            </a:extLst>
-          </p:cNvPr>
-          <p:cNvSpPr/>
-          <p:nvPr/>
-        </p:nvSpPr>
-        <p:spPr>
-          <a:xfrm>
-            <a:off x="8778240" y="1380412"/>
-            <a:ext cx="1663337" cy="804494"/>
-          </a:xfrm>
-          <a:prstGeom prst="rect">
-            <a:avLst/>
-          </a:prstGeom>
-        </p:spPr>
-        <p:style>
-          <a:lnRef idx="2">
-            <a:schemeClr val="accent6"/>
-          </a:lnRef>
-          <a:fillRef idx="1">
-            <a:schemeClr val="lt1"/>
-          </a:fillRef>
-          <a:effectRef idx="0">
-            <a:schemeClr val="accent6"/>
-          </a:effectRef>
-          <a:fontRef idx="minor">
-            <a:schemeClr val="dk1"/>
-          </a:fontRef>
-        </p:style>
-        <p:txBody>
-          <a:bodyPr rtlCol="0" anchor="ctr"/>
-          <a:lstStyle/>
-          <a:p>
-            <a:pPr algn="ctr"/>
-            <a:endParaRPr lang="es-ES_tradnl"/>
-          </a:p>
-        </p:txBody>
-      </p:sp>
-      <p:sp>
-        <p:nvSpPr>
-          <p:cNvPr id="59" name="Rectangle 58">
-            <a:extLst>
-              <a:ext uri="{FF2B5EF4-FFF2-40B4-BE49-F238E27FC236}">
-                <a16:creationId xmlns:a16="http://schemas.microsoft.com/office/drawing/2014/main" id="{AFC46CDA-CFD2-DD47-A231-86512C9E6BCA}"/>
-              </a:ext>
-            </a:extLst>
-          </p:cNvPr>
-          <p:cNvSpPr/>
-          <p:nvPr/>
-        </p:nvSpPr>
-        <p:spPr>
-          <a:xfrm>
-            <a:off x="8775655" y="2497526"/>
-            <a:ext cx="1663337" cy="804494"/>
-          </a:xfrm>
-          <a:prstGeom prst="rect">
-            <a:avLst/>
-          </a:prstGeom>
-        </p:spPr>
-        <p:style>
-          <a:lnRef idx="2">
-            <a:schemeClr val="accent6"/>
-          </a:lnRef>
-          <a:fillRef idx="1">
-            <a:schemeClr val="lt1"/>
-          </a:fillRef>
-          <a:effectRef idx="0">
-            <a:schemeClr val="accent6"/>
-          </a:effectRef>
-          <a:fontRef idx="minor">
-            <a:schemeClr val="dk1"/>
-          </a:fontRef>
-        </p:style>
-        <p:txBody>
-          <a:bodyPr rtlCol="0" anchor="ctr"/>
-          <a:lstStyle/>
-          <a:p>
-            <a:pPr algn="ctr"/>
-            <a:endParaRPr lang="es-ES_tradnl"/>
-          </a:p>
-        </p:txBody>
-      </p:sp>
-      <p:sp>
-        <p:nvSpPr>
-          <p:cNvPr id="60" name="Rectangle 59">
-            <a:extLst>
-              <a:ext uri="{FF2B5EF4-FFF2-40B4-BE49-F238E27FC236}">
-                <a16:creationId xmlns:a16="http://schemas.microsoft.com/office/drawing/2014/main" id="{CD65067E-1CF2-8047-BCC1-BE9918F567A4}"/>
-              </a:ext>
-            </a:extLst>
-          </p:cNvPr>
-          <p:cNvSpPr/>
-          <p:nvPr/>
-        </p:nvSpPr>
-        <p:spPr>
-          <a:xfrm>
-            <a:off x="8775655" y="3609701"/>
-            <a:ext cx="1663337" cy="804494"/>
-          </a:xfrm>
-          <a:prstGeom prst="rect">
-            <a:avLst/>
-          </a:prstGeom>
-        </p:spPr>
-        <p:style>
-          <a:lnRef idx="2">
-            <a:schemeClr val="accent6"/>
-          </a:lnRef>
-          <a:fillRef idx="1">
-            <a:schemeClr val="lt1"/>
-          </a:fillRef>
-          <a:effectRef idx="0">
-            <a:schemeClr val="accent6"/>
-          </a:effectRef>
-          <a:fontRef idx="minor">
-            <a:schemeClr val="dk1"/>
-          </a:fontRef>
-        </p:style>
-        <p:txBody>
-          <a:bodyPr rtlCol="0" anchor="ctr"/>
-          <a:lstStyle/>
-          <a:p>
-            <a:pPr algn="ctr"/>
-            <a:endParaRPr lang="es-ES_tradnl"/>
-          </a:p>
-        </p:txBody>
-      </p:sp>
-      <p:sp>
-        <p:nvSpPr>
-          <p:cNvPr id="61" name="Rectangle 60">
-            <a:extLst>
-              <a:ext uri="{FF2B5EF4-FFF2-40B4-BE49-F238E27FC236}">
-                <a16:creationId xmlns:a16="http://schemas.microsoft.com/office/drawing/2014/main" id="{1BA117A8-0D62-CA48-A190-B13F837B9ABF}"/>
-              </a:ext>
-            </a:extLst>
-          </p:cNvPr>
-          <p:cNvSpPr/>
-          <p:nvPr/>
-        </p:nvSpPr>
-        <p:spPr>
-          <a:xfrm>
-            <a:off x="8775655" y="4755216"/>
-            <a:ext cx="1663337" cy="804494"/>
-          </a:xfrm>
-          <a:prstGeom prst="rect">
-            <a:avLst/>
-          </a:prstGeom>
-        </p:spPr>
-        <p:style>
-          <a:lnRef idx="2">
-            <a:schemeClr val="accent6"/>
-          </a:lnRef>
-          <a:fillRef idx="1">
-            <a:schemeClr val="lt1"/>
-          </a:fillRef>
-          <a:effectRef idx="0">
-            <a:schemeClr val="accent6"/>
-          </a:effectRef>
-          <a:fontRef idx="minor">
-            <a:schemeClr val="dk1"/>
-          </a:fontRef>
-        </p:style>
-        <p:txBody>
-          <a:bodyPr rtlCol="0" anchor="ctr"/>
-          <a:lstStyle/>
-          <a:p>
-            <a:pPr algn="ctr"/>
-            <a:endParaRPr lang="es-ES_tradnl"/>
-          </a:p>
-        </p:txBody>
-      </p:sp>
-      <p:cxnSp>
-        <p:nvCxnSpPr>
-          <p:cNvPr id="13" name="Straight Connector 12">
-            <a:extLst>
-              <a:ext uri="{FF2B5EF4-FFF2-40B4-BE49-F238E27FC236}">
-                <a16:creationId xmlns:a16="http://schemas.microsoft.com/office/drawing/2014/main" id="{6E4E1EF5-5F83-A94B-AB15-8D8300CBA165}"/>
-              </a:ext>
-            </a:extLst>
-          </p:cNvPr>
-          <p:cNvCxnSpPr>
-            <a:cxnSpLocks/>
-          </p:cNvCxnSpPr>
-          <p:nvPr/>
-        </p:nvCxnSpPr>
-        <p:spPr>
-          <a:xfrm flipV="1">
-            <a:off x="8805542" y="1498592"/>
-            <a:ext cx="1603562" cy="400595"/>
-          </a:xfrm>
-          <a:prstGeom prst="line">
-            <a:avLst/>
-          </a:prstGeom>
-          <a:ln w="12700">
-            <a:prstDash val="sysDash"/>
-          </a:ln>
-        </p:spPr>
-        <p:style>
-          <a:lnRef idx="1">
-            <a:schemeClr val="accent1"/>
-          </a:lnRef>
-          <a:fillRef idx="0">
-            <a:schemeClr val="accent1"/>
-          </a:fillRef>
-          <a:effectRef idx="0">
-            <a:schemeClr val="accent1"/>
-          </a:effectRef>
-          <a:fontRef idx="minor">
-            <a:schemeClr val="tx1"/>
-          </a:fontRef>
-        </p:style>
-      </p:cxnSp>
-      <p:cxnSp>
-        <p:nvCxnSpPr>
-          <p:cNvPr id="62" name="Straight Connector 61">
-            <a:extLst>
-              <a:ext uri="{FF2B5EF4-FFF2-40B4-BE49-F238E27FC236}">
-                <a16:creationId xmlns:a16="http://schemas.microsoft.com/office/drawing/2014/main" id="{D67F7255-78BE-454F-85C8-8E31EBCE43C9}"/>
-              </a:ext>
-            </a:extLst>
-          </p:cNvPr>
-          <p:cNvCxnSpPr>
-            <a:cxnSpLocks/>
-          </p:cNvCxnSpPr>
-          <p:nvPr/>
-        </p:nvCxnSpPr>
-        <p:spPr>
-          <a:xfrm flipV="1">
-            <a:off x="8805542" y="2647679"/>
-            <a:ext cx="1603562" cy="400595"/>
-          </a:xfrm>
-          <a:prstGeom prst="line">
-            <a:avLst/>
-          </a:prstGeom>
-          <a:ln w="12700">
-            <a:prstDash val="sysDash"/>
-          </a:ln>
-        </p:spPr>
-        <p:style>
-          <a:lnRef idx="1">
-            <a:schemeClr val="accent1"/>
-          </a:lnRef>
-          <a:fillRef idx="0">
-            <a:schemeClr val="accent1"/>
-          </a:fillRef>
-          <a:effectRef idx="0">
-            <a:schemeClr val="accent1"/>
-          </a:effectRef>
-          <a:fontRef idx="minor">
-            <a:schemeClr val="tx1"/>
-          </a:fontRef>
-        </p:style>
-      </p:cxnSp>
-      <p:cxnSp>
-        <p:nvCxnSpPr>
-          <p:cNvPr id="63" name="Straight Connector 62">
-            <a:extLst>
-              <a:ext uri="{FF2B5EF4-FFF2-40B4-BE49-F238E27FC236}">
-                <a16:creationId xmlns:a16="http://schemas.microsoft.com/office/drawing/2014/main" id="{32DE87CE-4C94-2045-8EA7-1A477A2D4699}"/>
-              </a:ext>
-            </a:extLst>
-          </p:cNvPr>
-          <p:cNvCxnSpPr>
-            <a:cxnSpLocks/>
-          </p:cNvCxnSpPr>
-          <p:nvPr/>
-        </p:nvCxnSpPr>
-        <p:spPr>
-          <a:xfrm flipV="1">
-            <a:off x="8805542" y="3751760"/>
-            <a:ext cx="1603562" cy="400595"/>
-          </a:xfrm>
-          <a:prstGeom prst="line">
-            <a:avLst/>
-          </a:prstGeom>
-          <a:ln w="12700">
-            <a:prstDash val="sysDash"/>
-          </a:ln>
-        </p:spPr>
-        <p:style>
-          <a:lnRef idx="1">
-            <a:schemeClr val="accent1"/>
-          </a:lnRef>
-          <a:fillRef idx="0">
-            <a:schemeClr val="accent1"/>
-          </a:fillRef>
-          <a:effectRef idx="0">
-            <a:schemeClr val="accent1"/>
-          </a:effectRef>
-          <a:fontRef idx="minor">
-            <a:schemeClr val="tx1"/>
-          </a:fontRef>
-        </p:style>
-      </p:cxnSp>
-      <p:cxnSp>
-        <p:nvCxnSpPr>
-          <p:cNvPr id="64" name="Straight Connector 63">
-            <a:extLst>
-              <a:ext uri="{FF2B5EF4-FFF2-40B4-BE49-F238E27FC236}">
-                <a16:creationId xmlns:a16="http://schemas.microsoft.com/office/drawing/2014/main" id="{2B4FFAF4-89BC-9C4F-90DE-0C14D12184BE}"/>
-              </a:ext>
-            </a:extLst>
-          </p:cNvPr>
-          <p:cNvCxnSpPr>
-            <a:cxnSpLocks/>
-          </p:cNvCxnSpPr>
-          <p:nvPr/>
-        </p:nvCxnSpPr>
-        <p:spPr>
-          <a:xfrm flipV="1">
-            <a:off x="8805542" y="5067074"/>
-            <a:ext cx="94618" cy="1"/>
-          </a:xfrm>
-          <a:prstGeom prst="line">
-            <a:avLst/>
-          </a:prstGeom>
-          <a:ln w="12700">
-            <a:prstDash val="sysDash"/>
-          </a:ln>
-        </p:spPr>
-        <p:style>
-          <a:lnRef idx="1">
-            <a:schemeClr val="accent1"/>
-          </a:lnRef>
-          <a:fillRef idx="0">
-            <a:schemeClr val="accent1"/>
-          </a:fillRef>
-          <a:effectRef idx="0">
-            <a:schemeClr val="accent1"/>
-          </a:effectRef>
-          <a:fontRef idx="minor">
-            <a:schemeClr val="tx1"/>
-          </a:fontRef>
-        </p:style>
-      </p:cxnSp>
     </p:spTree>
     <p:extLst>
       <p:ext uri="{BB962C8B-B14F-4D97-AF65-F5344CB8AC3E}">
@@ -7085,10 +11087,10 @@
       </p:grpSpPr>
       <p:sp>
         <p:nvSpPr>
-          <p:cNvPr id="49" name="Oval 48">
+          <p:cNvPr id="2" name="Rectangle 1">
             <a:extLst>
               <a:ext uri="{FF2B5EF4-FFF2-40B4-BE49-F238E27FC236}">
-                <a16:creationId xmlns:a16="http://schemas.microsoft.com/office/drawing/2014/main" id="{04B85D18-A1FA-7441-94A1-A5713A09C1EC}"/>
+                <a16:creationId xmlns:a16="http://schemas.microsoft.com/office/drawing/2014/main" id="{AD674C58-E5D6-1D44-8715-47B40CE647D8}"/>
               </a:ext>
             </a:extLst>
           </p:cNvPr>
@@ -7097,12 +11099,20 @@
         </p:nvSpPr>
         <p:spPr>
           <a:xfrm>
-            <a:off x="7888666" y="3579611"/>
-            <a:ext cx="801303" cy="801303"/>
+            <a:off x="4451058" y="1360065"/>
+            <a:ext cx="3289883" cy="4137869"/>
           </a:xfrm>
-          <a:prstGeom prst="ellipse">
+          <a:prstGeom prst="rect">
             <a:avLst/>
           </a:prstGeom>
+          <a:solidFill>
+            <a:schemeClr val="bg1"/>
+          </a:solidFill>
+          <a:ln>
+            <a:solidFill>
+              <a:schemeClr val="tx1"/>
+            </a:solidFill>
+          </a:ln>
         </p:spPr>
         <p:style>
           <a:lnRef idx="2">
@@ -7131,10 +11141,10 @@
       </p:sp>
       <p:sp>
         <p:nvSpPr>
-          <p:cNvPr id="52" name="Oval 51">
+          <p:cNvPr id="5" name="Rectangle 4">
             <a:extLst>
               <a:ext uri="{FF2B5EF4-FFF2-40B4-BE49-F238E27FC236}">
-                <a16:creationId xmlns:a16="http://schemas.microsoft.com/office/drawing/2014/main" id="{01EE861E-7840-7042-9FA7-7C0E6C6992DC}"/>
+                <a16:creationId xmlns:a16="http://schemas.microsoft.com/office/drawing/2014/main" id="{2DB4804A-9D1B-0448-8449-0390C103C290}"/>
               </a:ext>
             </a:extLst>
           </p:cNvPr>
@@ -7143,12 +11153,23 @@
         </p:nvSpPr>
         <p:spPr>
           <a:xfrm>
-            <a:off x="8043098" y="1657755"/>
-            <a:ext cx="387684" cy="387684"/>
+            <a:off x="4513625" y="1360065"/>
+            <a:ext cx="3164748" cy="4060270"/>
           </a:xfrm>
-          <a:prstGeom prst="ellipse">
+          <a:prstGeom prst="rect">
             <a:avLst/>
           </a:prstGeom>
+          <a:solidFill>
+            <a:schemeClr val="accent1">
+              <a:lumMod val="20000"/>
+              <a:lumOff val="80000"/>
+            </a:schemeClr>
+          </a:solidFill>
+          <a:ln>
+            <a:solidFill>
+              <a:schemeClr val="tx1"/>
+            </a:solidFill>
+          </a:ln>
         </p:spPr>
         <p:style>
           <a:lnRef idx="2">
@@ -7177,10 +11198,10 @@
       </p:sp>
       <p:sp>
         <p:nvSpPr>
-          <p:cNvPr id="53" name="Oval 52">
+          <p:cNvPr id="6" name="Rectangle 5">
             <a:extLst>
               <a:ext uri="{FF2B5EF4-FFF2-40B4-BE49-F238E27FC236}">
-                <a16:creationId xmlns:a16="http://schemas.microsoft.com/office/drawing/2014/main" id="{2937C6E0-E83E-104C-AD07-8A78CAB0D146}"/>
+                <a16:creationId xmlns:a16="http://schemas.microsoft.com/office/drawing/2014/main" id="{5598D73A-75AC-0C40-81AD-DA0FEF95C380}"/>
               </a:ext>
             </a:extLst>
           </p:cNvPr>
@@ -7189,470 +11210,20 @@
         </p:nvSpPr>
         <p:spPr>
           <a:xfrm>
-            <a:off x="7960103" y="2571141"/>
-            <a:ext cx="553673" cy="553673"/>
-          </a:xfrm>
-          <a:prstGeom prst="ellipse">
-            <a:avLst/>
-          </a:prstGeom>
-        </p:spPr>
-        <p:style>
-          <a:lnRef idx="2">
-            <a:schemeClr val="accent1">
-              <a:shade val="50000"/>
-            </a:schemeClr>
-          </a:lnRef>
-          <a:fillRef idx="1">
-            <a:schemeClr val="accent1"/>
-          </a:fillRef>
-          <a:effectRef idx="0">
-            <a:schemeClr val="accent1"/>
-          </a:effectRef>
-          <a:fontRef idx="minor">
-            <a:schemeClr val="lt1"/>
-          </a:fontRef>
-        </p:style>
-        <p:txBody>
-          <a:bodyPr rtlCol="0" anchor="ctr"/>
-          <a:lstStyle/>
-          <a:p>
-            <a:pPr algn="ctr"/>
-            <a:endParaRPr lang="es-ES_tradnl"/>
-          </a:p>
-        </p:txBody>
-      </p:sp>
-      <p:pic>
-        <p:nvPicPr>
-          <p:cNvPr id="56" name="Picture 55">
-            <a:extLst>
-              <a:ext uri="{FF2B5EF4-FFF2-40B4-BE49-F238E27FC236}">
-                <a16:creationId xmlns:a16="http://schemas.microsoft.com/office/drawing/2014/main" id="{C26BE782-1235-4A41-ACB7-4580AD85008D}"/>
-              </a:ext>
-            </a:extLst>
-          </p:cNvPr>
-          <p:cNvPicPr>
-            <a:picLocks noChangeAspect="1"/>
-          </p:cNvPicPr>
-          <p:nvPr/>
-        </p:nvPicPr>
-        <p:blipFill>
-          <a:blip r:embed="rId2"/>
-          <a:stretch>
-            <a:fillRect/>
-          </a:stretch>
-        </p:blipFill>
-        <p:spPr>
-          <a:xfrm>
-            <a:off x="8043098" y="4927374"/>
-            <a:ext cx="520700" cy="279400"/>
+            <a:off x="4513625" y="1006678"/>
+            <a:ext cx="3164748" cy="687897"/>
           </a:xfrm>
           <a:prstGeom prst="rect">
             <a:avLst/>
           </a:prstGeom>
-        </p:spPr>
-      </p:pic>
-      <p:sp>
-        <p:nvSpPr>
-          <p:cNvPr id="4" name="Rectangle 3">
-            <a:extLst>
-              <a:ext uri="{FF2B5EF4-FFF2-40B4-BE49-F238E27FC236}">
-                <a16:creationId xmlns:a16="http://schemas.microsoft.com/office/drawing/2014/main" id="{DA8CDC97-3D06-C04C-AC73-3AF8DBFB6F5A}"/>
-              </a:ext>
-            </a:extLst>
-          </p:cNvPr>
-          <p:cNvSpPr/>
-          <p:nvPr/>
-        </p:nvSpPr>
-        <p:spPr>
-          <a:xfrm>
-            <a:off x="8778240" y="1380412"/>
-            <a:ext cx="1663337" cy="804494"/>
-          </a:xfrm>
-          <a:prstGeom prst="rect">
-            <a:avLst/>
-          </a:prstGeom>
-        </p:spPr>
-        <p:style>
-          <a:lnRef idx="2">
-            <a:schemeClr val="accent6"/>
-          </a:lnRef>
-          <a:fillRef idx="1">
-            <a:schemeClr val="lt1"/>
-          </a:fillRef>
-          <a:effectRef idx="0">
-            <a:schemeClr val="accent6"/>
-          </a:effectRef>
-          <a:fontRef idx="minor">
-            <a:schemeClr val="dk1"/>
-          </a:fontRef>
-        </p:style>
-        <p:txBody>
-          <a:bodyPr rtlCol="0" anchor="ctr"/>
-          <a:lstStyle/>
-          <a:p>
-            <a:pPr algn="ctr"/>
-            <a:endParaRPr lang="es-ES_tradnl"/>
-          </a:p>
-        </p:txBody>
-      </p:sp>
-      <p:sp>
-        <p:nvSpPr>
-          <p:cNvPr id="59" name="Rectangle 58">
-            <a:extLst>
-              <a:ext uri="{FF2B5EF4-FFF2-40B4-BE49-F238E27FC236}">
-                <a16:creationId xmlns:a16="http://schemas.microsoft.com/office/drawing/2014/main" id="{AFC46CDA-CFD2-DD47-A231-86512C9E6BCA}"/>
-              </a:ext>
-            </a:extLst>
-          </p:cNvPr>
-          <p:cNvSpPr/>
-          <p:nvPr/>
-        </p:nvSpPr>
-        <p:spPr>
-          <a:xfrm>
-            <a:off x="8775655" y="2497526"/>
-            <a:ext cx="1663337" cy="804494"/>
-          </a:xfrm>
-          <a:prstGeom prst="rect">
-            <a:avLst/>
-          </a:prstGeom>
-        </p:spPr>
-        <p:style>
-          <a:lnRef idx="2">
-            <a:schemeClr val="accent6"/>
-          </a:lnRef>
-          <a:fillRef idx="1">
-            <a:schemeClr val="lt1"/>
-          </a:fillRef>
-          <a:effectRef idx="0">
-            <a:schemeClr val="accent6"/>
-          </a:effectRef>
-          <a:fontRef idx="minor">
-            <a:schemeClr val="dk1"/>
-          </a:fontRef>
-        </p:style>
-        <p:txBody>
-          <a:bodyPr rtlCol="0" anchor="ctr"/>
-          <a:lstStyle/>
-          <a:p>
-            <a:pPr algn="ctr"/>
-            <a:endParaRPr lang="es-ES_tradnl"/>
-          </a:p>
-        </p:txBody>
-      </p:sp>
-      <p:sp>
-        <p:nvSpPr>
-          <p:cNvPr id="60" name="Rectangle 59">
-            <a:extLst>
-              <a:ext uri="{FF2B5EF4-FFF2-40B4-BE49-F238E27FC236}">
-                <a16:creationId xmlns:a16="http://schemas.microsoft.com/office/drawing/2014/main" id="{CD65067E-1CF2-8047-BCC1-BE9918F567A4}"/>
-              </a:ext>
-            </a:extLst>
-          </p:cNvPr>
-          <p:cNvSpPr/>
-          <p:nvPr/>
-        </p:nvSpPr>
-        <p:spPr>
-          <a:xfrm>
-            <a:off x="8775655" y="3609701"/>
-            <a:ext cx="1663337" cy="804494"/>
-          </a:xfrm>
-          <a:prstGeom prst="rect">
-            <a:avLst/>
-          </a:prstGeom>
-        </p:spPr>
-        <p:style>
-          <a:lnRef idx="2">
-            <a:schemeClr val="accent6"/>
-          </a:lnRef>
-          <a:fillRef idx="1">
-            <a:schemeClr val="lt1"/>
-          </a:fillRef>
-          <a:effectRef idx="0">
-            <a:schemeClr val="accent6"/>
-          </a:effectRef>
-          <a:fontRef idx="minor">
-            <a:schemeClr val="dk1"/>
-          </a:fontRef>
-        </p:style>
-        <p:txBody>
-          <a:bodyPr rtlCol="0" anchor="ctr"/>
-          <a:lstStyle/>
-          <a:p>
-            <a:pPr algn="ctr"/>
-            <a:endParaRPr lang="es-ES_tradnl"/>
-          </a:p>
-        </p:txBody>
-      </p:sp>
-      <p:sp>
-        <p:nvSpPr>
-          <p:cNvPr id="61" name="Rectangle 60">
-            <a:extLst>
-              <a:ext uri="{FF2B5EF4-FFF2-40B4-BE49-F238E27FC236}">
-                <a16:creationId xmlns:a16="http://schemas.microsoft.com/office/drawing/2014/main" id="{1BA117A8-0D62-CA48-A190-B13F837B9ABF}"/>
-              </a:ext>
-            </a:extLst>
-          </p:cNvPr>
-          <p:cNvSpPr/>
-          <p:nvPr/>
-        </p:nvSpPr>
-        <p:spPr>
-          <a:xfrm>
-            <a:off x="8775655" y="4755216"/>
-            <a:ext cx="1663337" cy="804494"/>
-          </a:xfrm>
-          <a:prstGeom prst="rect">
-            <a:avLst/>
-          </a:prstGeom>
-        </p:spPr>
-        <p:style>
-          <a:lnRef idx="2">
-            <a:schemeClr val="accent6"/>
-          </a:lnRef>
-          <a:fillRef idx="1">
-            <a:schemeClr val="lt1"/>
-          </a:fillRef>
-          <a:effectRef idx="0">
-            <a:schemeClr val="accent6"/>
-          </a:effectRef>
-          <a:fontRef idx="minor">
-            <a:schemeClr val="dk1"/>
-          </a:fontRef>
-        </p:style>
-        <p:txBody>
-          <a:bodyPr rtlCol="0" anchor="ctr"/>
-          <a:lstStyle/>
-          <a:p>
-            <a:pPr algn="ctr"/>
-            <a:endParaRPr lang="es-ES_tradnl"/>
-          </a:p>
-        </p:txBody>
-      </p:sp>
-      <p:cxnSp>
-        <p:nvCxnSpPr>
-          <p:cNvPr id="62" name="Straight Connector 61">
-            <a:extLst>
-              <a:ext uri="{FF2B5EF4-FFF2-40B4-BE49-F238E27FC236}">
-                <a16:creationId xmlns:a16="http://schemas.microsoft.com/office/drawing/2014/main" id="{D67F7255-78BE-454F-85C8-8E31EBCE43C9}"/>
-              </a:ext>
-            </a:extLst>
-          </p:cNvPr>
-          <p:cNvCxnSpPr>
-            <a:cxnSpLocks/>
-          </p:cNvCxnSpPr>
-          <p:nvPr/>
-        </p:nvCxnSpPr>
-        <p:spPr>
-          <a:xfrm flipV="1">
-            <a:off x="8805542" y="2760073"/>
-            <a:ext cx="1603562" cy="279401"/>
-          </a:xfrm>
-          <a:prstGeom prst="line">
-            <a:avLst/>
-          </a:prstGeom>
-          <a:ln w="12700">
-            <a:prstDash val="sysDash"/>
+          <a:solidFill>
+            <a:schemeClr val="bg1"/>
+          </a:solidFill>
+          <a:ln>
+            <a:solidFill>
+              <a:schemeClr val="tx1"/>
+            </a:solidFill>
           </a:ln>
-        </p:spPr>
-        <p:style>
-          <a:lnRef idx="1">
-            <a:schemeClr val="accent1"/>
-          </a:lnRef>
-          <a:fillRef idx="0">
-            <a:schemeClr val="accent1"/>
-          </a:fillRef>
-          <a:effectRef idx="0">
-            <a:schemeClr val="accent1"/>
-          </a:effectRef>
-          <a:fontRef idx="minor">
-            <a:schemeClr val="tx1"/>
-          </a:fontRef>
-        </p:style>
-      </p:cxnSp>
-      <p:cxnSp>
-        <p:nvCxnSpPr>
-          <p:cNvPr id="63" name="Straight Connector 62">
-            <a:extLst>
-              <a:ext uri="{FF2B5EF4-FFF2-40B4-BE49-F238E27FC236}">
-                <a16:creationId xmlns:a16="http://schemas.microsoft.com/office/drawing/2014/main" id="{32DE87CE-4C94-2045-8EA7-1A477A2D4699}"/>
-              </a:ext>
-            </a:extLst>
-          </p:cNvPr>
-          <p:cNvCxnSpPr>
-            <a:cxnSpLocks/>
-          </p:cNvCxnSpPr>
-          <p:nvPr/>
-        </p:nvCxnSpPr>
-        <p:spPr>
-          <a:xfrm flipV="1">
-            <a:off x="8900160" y="3888715"/>
-            <a:ext cx="1508944" cy="182110"/>
-          </a:xfrm>
-          <a:prstGeom prst="line">
-            <a:avLst/>
-          </a:prstGeom>
-          <a:ln w="12700">
-            <a:prstDash val="sysDash"/>
-          </a:ln>
-        </p:spPr>
-        <p:style>
-          <a:lnRef idx="1">
-            <a:schemeClr val="accent1"/>
-          </a:lnRef>
-          <a:fillRef idx="0">
-            <a:schemeClr val="accent1"/>
-          </a:fillRef>
-          <a:effectRef idx="0">
-            <a:schemeClr val="accent1"/>
-          </a:effectRef>
-          <a:fontRef idx="minor">
-            <a:schemeClr val="tx1"/>
-          </a:fontRef>
-        </p:style>
-      </p:cxnSp>
-      <p:cxnSp>
-        <p:nvCxnSpPr>
-          <p:cNvPr id="64" name="Straight Connector 63">
-            <a:extLst>
-              <a:ext uri="{FF2B5EF4-FFF2-40B4-BE49-F238E27FC236}">
-                <a16:creationId xmlns:a16="http://schemas.microsoft.com/office/drawing/2014/main" id="{2B4FFAF4-89BC-9C4F-90DE-0C14D12184BE}"/>
-              </a:ext>
-            </a:extLst>
-          </p:cNvPr>
-          <p:cNvCxnSpPr>
-            <a:cxnSpLocks/>
-          </p:cNvCxnSpPr>
-          <p:nvPr/>
-        </p:nvCxnSpPr>
-        <p:spPr>
-          <a:xfrm>
-            <a:off x="8805542" y="5067076"/>
-            <a:ext cx="321041" cy="90387"/>
-          </a:xfrm>
-          <a:prstGeom prst="line">
-            <a:avLst/>
-          </a:prstGeom>
-          <a:ln w="12700">
-            <a:prstDash val="sysDash"/>
-          </a:ln>
-        </p:spPr>
-        <p:style>
-          <a:lnRef idx="1">
-            <a:schemeClr val="accent1"/>
-          </a:lnRef>
-          <a:fillRef idx="0">
-            <a:schemeClr val="accent1"/>
-          </a:fillRef>
-          <a:effectRef idx="0">
-            <a:schemeClr val="accent1"/>
-          </a:effectRef>
-          <a:fontRef idx="minor">
-            <a:schemeClr val="tx1"/>
-          </a:fontRef>
-        </p:style>
-      </p:cxnSp>
-      <p:cxnSp>
-        <p:nvCxnSpPr>
-          <p:cNvPr id="65" name="Straight Connector 64">
-            <a:extLst>
-              <a:ext uri="{FF2B5EF4-FFF2-40B4-BE49-F238E27FC236}">
-                <a16:creationId xmlns:a16="http://schemas.microsoft.com/office/drawing/2014/main" id="{CC772F4A-EA91-8C46-A8F9-B5913F14D307}"/>
-              </a:ext>
-            </a:extLst>
-          </p:cNvPr>
-          <p:cNvCxnSpPr>
-            <a:cxnSpLocks/>
-          </p:cNvCxnSpPr>
-          <p:nvPr/>
-        </p:nvCxnSpPr>
-        <p:spPr>
-          <a:xfrm flipV="1">
-            <a:off x="8805542" y="1507301"/>
-            <a:ext cx="1603562" cy="400595"/>
-          </a:xfrm>
-          <a:prstGeom prst="line">
-            <a:avLst/>
-          </a:prstGeom>
-          <a:ln w="12700">
-            <a:prstDash val="sysDash"/>
-          </a:ln>
-        </p:spPr>
-        <p:style>
-          <a:lnRef idx="1">
-            <a:schemeClr val="accent1"/>
-          </a:lnRef>
-          <a:fillRef idx="0">
-            <a:schemeClr val="accent1"/>
-          </a:fillRef>
-          <a:effectRef idx="0">
-            <a:schemeClr val="accent1"/>
-          </a:effectRef>
-          <a:fontRef idx="minor">
-            <a:schemeClr val="tx1"/>
-          </a:fontRef>
-        </p:style>
-      </p:cxnSp>
-    </p:spTree>
-    <p:extLst>
-      <p:ext uri="{BB962C8B-B14F-4D97-AF65-F5344CB8AC3E}">
-        <p14:creationId xmlns:p14="http://schemas.microsoft.com/office/powerpoint/2010/main" val="2667636379"/>
-      </p:ext>
-    </p:extLst>
-  </p:cSld>
-  <p:clrMapOvr>
-    <a:masterClrMapping/>
-  </p:clrMapOvr>
-  <mc:AlternateContent xmlns:mc="http://schemas.openxmlformats.org/markup-compatibility/2006">
-    <mc:Choice xmlns:p159="http://schemas.microsoft.com/office/powerpoint/2015/09/main" Requires="p159">
-      <p:transition xmlns:p14="http://schemas.microsoft.com/office/powerpoint/2010/main" spd="slow" p14:dur="2000">
-        <p159:morph option="byObject"/>
-      </p:transition>
-    </mc:Choice>
-    <mc:Fallback>
-      <p:transition spd="slow">
-        <p:fade/>
-      </p:transition>
-    </mc:Fallback>
-  </mc:AlternateContent>
-</p:sld>
-</file>
-
-<file path=ppt/slides/slide5.xml><?xml version="1.0" encoding="utf-8"?>
-<p:sld xmlns:a="http://schemas.openxmlformats.org/drawingml/2006/main" xmlns:r="http://schemas.openxmlformats.org/officeDocument/2006/relationships" xmlns:p="http://schemas.openxmlformats.org/presentationml/2006/main">
-  <p:cSld>
-    <p:spTree>
-      <p:nvGrpSpPr>
-        <p:cNvPr id="1" name=""/>
-        <p:cNvGrpSpPr/>
-        <p:nvPr/>
-      </p:nvGrpSpPr>
-      <p:grpSpPr>
-        <a:xfrm>
-          <a:off x="0" y="0"/>
-          <a:ext cx="0" cy="0"/>
-          <a:chOff x="0" y="0"/>
-          <a:chExt cx="0" cy="0"/>
-        </a:xfrm>
-      </p:grpSpPr>
-      <p:sp>
-        <p:nvSpPr>
-          <p:cNvPr id="49" name="Oval 48">
-            <a:extLst>
-              <a:ext uri="{FF2B5EF4-FFF2-40B4-BE49-F238E27FC236}">
-                <a16:creationId xmlns:a16="http://schemas.microsoft.com/office/drawing/2014/main" id="{04B85D18-A1FA-7441-94A1-A5713A09C1EC}"/>
-              </a:ext>
-            </a:extLst>
-          </p:cNvPr>
-          <p:cNvSpPr/>
-          <p:nvPr/>
-        </p:nvSpPr>
-        <p:spPr>
-          <a:xfrm>
-            <a:off x="7888666" y="3579611"/>
-            <a:ext cx="801303" cy="801303"/>
-          </a:xfrm>
-          <a:prstGeom prst="ellipse">
-            <a:avLst/>
-          </a:prstGeom>
         </p:spPr>
         <p:style>
           <a:lnRef idx="2">
@@ -7681,10 +11252,10 @@
       </p:sp>
       <p:sp>
         <p:nvSpPr>
-          <p:cNvPr id="52" name="Oval 51">
+          <p:cNvPr id="7" name="Rectangle 6">
             <a:extLst>
               <a:ext uri="{FF2B5EF4-FFF2-40B4-BE49-F238E27FC236}">
-                <a16:creationId xmlns:a16="http://schemas.microsoft.com/office/drawing/2014/main" id="{01EE861E-7840-7042-9FA7-7C0E6C6992DC}"/>
+                <a16:creationId xmlns:a16="http://schemas.microsoft.com/office/drawing/2014/main" id="{6F1FFE73-A8CE-0349-8D75-F3C42ADB707E}"/>
               </a:ext>
             </a:extLst>
           </p:cNvPr>
@@ -7693,12 +11264,18 @@
         </p:nvSpPr>
         <p:spPr>
           <a:xfrm>
-            <a:off x="8043098" y="1657755"/>
-            <a:ext cx="387684" cy="387684"/>
+            <a:off x="4355631" y="687897"/>
+            <a:ext cx="3513241" cy="662729"/>
           </a:xfrm>
-          <a:prstGeom prst="ellipse">
+          <a:prstGeom prst="rect">
             <a:avLst/>
           </a:prstGeom>
+          <a:solidFill>
+            <a:schemeClr val="bg1"/>
+          </a:solidFill>
+          <a:ln>
+            <a:noFill/>
+          </a:ln>
         </p:spPr>
         <p:style>
           <a:lnRef idx="2">
@@ -7725,444 +11302,1182 @@
           </a:p>
         </p:txBody>
       </p:sp>
-      <p:sp>
-        <p:nvSpPr>
-          <p:cNvPr id="53" name="Oval 52">
+      <p:grpSp>
+        <p:nvGrpSpPr>
+          <p:cNvPr id="51" name="Group 50">
             <a:extLst>
               <a:ext uri="{FF2B5EF4-FFF2-40B4-BE49-F238E27FC236}">
-                <a16:creationId xmlns:a16="http://schemas.microsoft.com/office/drawing/2014/main" id="{2937C6E0-E83E-104C-AD07-8A78CAB0D146}"/>
+                <a16:creationId xmlns:a16="http://schemas.microsoft.com/office/drawing/2014/main" id="{D34F926A-F826-6440-B6A6-BB007BE1D028}"/>
               </a:ext>
             </a:extLst>
           </p:cNvPr>
-          <p:cNvSpPr/>
+          <p:cNvGrpSpPr/>
           <p:nvPr/>
-        </p:nvSpPr>
-        <p:spPr>
+        </p:nvGrpSpPr>
+        <p:grpSpPr>
           <a:xfrm>
-            <a:off x="7960103" y="2571141"/>
-            <a:ext cx="553673" cy="553673"/>
+            <a:off x="4711032" y="2106160"/>
+            <a:ext cx="2627544" cy="3145260"/>
+            <a:chOff x="4711032" y="2106160"/>
+            <a:chExt cx="2627544" cy="3145260"/>
           </a:xfrm>
-          <a:prstGeom prst="ellipse">
-            <a:avLst/>
-          </a:prstGeom>
-        </p:spPr>
-        <p:style>
-          <a:lnRef idx="2">
-            <a:schemeClr val="accent1">
-              <a:shade val="50000"/>
-            </a:schemeClr>
-          </a:lnRef>
-          <a:fillRef idx="1">
-            <a:schemeClr val="accent1"/>
-          </a:fillRef>
-          <a:effectRef idx="0">
-            <a:schemeClr val="accent1"/>
-          </a:effectRef>
-          <a:fontRef idx="minor">
-            <a:schemeClr val="lt1"/>
-          </a:fontRef>
-        </p:style>
-        <p:txBody>
-          <a:bodyPr rtlCol="0" anchor="ctr"/>
-          <a:lstStyle/>
-          <a:p>
-            <a:pPr algn="ctr"/>
-            <a:endParaRPr lang="es-ES_tradnl"/>
-          </a:p>
-        </p:txBody>
-      </p:sp>
-      <p:pic>
-        <p:nvPicPr>
-          <p:cNvPr id="56" name="Picture 55">
+        </p:grpSpPr>
+        <p:sp>
+          <p:nvSpPr>
+            <p:cNvPr id="3" name="Oval 2">
+              <a:extLst>
+                <a:ext uri="{FF2B5EF4-FFF2-40B4-BE49-F238E27FC236}">
+                  <a16:creationId xmlns:a16="http://schemas.microsoft.com/office/drawing/2014/main" id="{E1AE95C7-349F-3F48-8AEE-AAB7E13DEFD5}"/>
+                </a:ext>
+              </a:extLst>
+            </p:cNvPr>
+            <p:cNvSpPr/>
+            <p:nvPr/>
+          </p:nvSpPr>
+          <p:spPr>
+            <a:xfrm>
+              <a:off x="4711032" y="4397836"/>
+              <a:ext cx="553673" cy="553673"/>
+            </a:xfrm>
+            <a:prstGeom prst="ellipse">
+              <a:avLst/>
+            </a:prstGeom>
+          </p:spPr>
+          <p:style>
+            <a:lnRef idx="2">
+              <a:schemeClr val="accent1">
+                <a:shade val="50000"/>
+              </a:schemeClr>
+            </a:lnRef>
+            <a:fillRef idx="1">
+              <a:schemeClr val="accent1"/>
+            </a:fillRef>
+            <a:effectRef idx="0">
+              <a:schemeClr val="accent1"/>
+            </a:effectRef>
+            <a:fontRef idx="minor">
+              <a:schemeClr val="lt1"/>
+            </a:fontRef>
+          </p:style>
+          <p:txBody>
+            <a:bodyPr rtlCol="0" anchor="ctr"/>
+            <a:lstStyle/>
+            <a:p>
+              <a:pPr algn="ctr"/>
+              <a:endParaRPr lang="es-ES_tradnl"/>
+            </a:p>
+          </p:txBody>
+        </p:sp>
+        <p:sp>
+          <p:nvSpPr>
+            <p:cNvPr id="9" name="Oval 8">
+              <a:extLst>
+                <a:ext uri="{FF2B5EF4-FFF2-40B4-BE49-F238E27FC236}">
+                  <a16:creationId xmlns:a16="http://schemas.microsoft.com/office/drawing/2014/main" id="{6961A2D9-341E-D24E-BEC9-31EEDE4FF893}"/>
+                </a:ext>
+              </a:extLst>
+            </p:cNvPr>
+            <p:cNvSpPr/>
+            <p:nvPr/>
+          </p:nvSpPr>
+          <p:spPr>
+            <a:xfrm>
+              <a:off x="5426015" y="3598877"/>
+              <a:ext cx="553673" cy="553673"/>
+            </a:xfrm>
+            <a:prstGeom prst="ellipse">
+              <a:avLst/>
+            </a:prstGeom>
+          </p:spPr>
+          <p:style>
+            <a:lnRef idx="2">
+              <a:schemeClr val="accent1">
+                <a:shade val="50000"/>
+              </a:schemeClr>
+            </a:lnRef>
+            <a:fillRef idx="1">
+              <a:schemeClr val="accent1"/>
+            </a:fillRef>
+            <a:effectRef idx="0">
+              <a:schemeClr val="accent1"/>
+            </a:effectRef>
+            <a:fontRef idx="minor">
+              <a:schemeClr val="lt1"/>
+            </a:fontRef>
+          </p:style>
+          <p:txBody>
+            <a:bodyPr rtlCol="0" anchor="ctr"/>
+            <a:lstStyle/>
+            <a:p>
+              <a:pPr algn="ctr"/>
+              <a:endParaRPr lang="es-ES_tradnl"/>
+            </a:p>
+          </p:txBody>
+        </p:sp>
+        <p:sp>
+          <p:nvSpPr>
+            <p:cNvPr id="10" name="Oval 9">
+              <a:extLst>
+                <a:ext uri="{FF2B5EF4-FFF2-40B4-BE49-F238E27FC236}">
+                  <a16:creationId xmlns:a16="http://schemas.microsoft.com/office/drawing/2014/main" id="{C5DD4850-E90F-9740-875B-CBA10137C051}"/>
+                </a:ext>
+              </a:extLst>
+            </p:cNvPr>
+            <p:cNvSpPr/>
+            <p:nvPr/>
+          </p:nvSpPr>
+          <p:spPr>
+            <a:xfrm>
+              <a:off x="6784903" y="4697747"/>
+              <a:ext cx="553673" cy="553673"/>
+            </a:xfrm>
+            <a:prstGeom prst="ellipse">
+              <a:avLst/>
+            </a:prstGeom>
+          </p:spPr>
+          <p:style>
+            <a:lnRef idx="2">
+              <a:schemeClr val="accent1">
+                <a:shade val="50000"/>
+              </a:schemeClr>
+            </a:lnRef>
+            <a:fillRef idx="1">
+              <a:schemeClr val="accent1"/>
+            </a:fillRef>
+            <a:effectRef idx="0">
+              <a:schemeClr val="accent1"/>
+            </a:effectRef>
+            <a:fontRef idx="minor">
+              <a:schemeClr val="lt1"/>
+            </a:fontRef>
+          </p:style>
+          <p:txBody>
+            <a:bodyPr rtlCol="0" anchor="ctr"/>
+            <a:lstStyle/>
+            <a:p>
+              <a:pPr algn="ctr"/>
+              <a:endParaRPr lang="es-ES_tradnl"/>
+            </a:p>
+          </p:txBody>
+        </p:sp>
+        <p:sp>
+          <p:nvSpPr>
+            <p:cNvPr id="12" name="Oval 11">
+              <a:extLst>
+                <a:ext uri="{FF2B5EF4-FFF2-40B4-BE49-F238E27FC236}">
+                  <a16:creationId xmlns:a16="http://schemas.microsoft.com/office/drawing/2014/main" id="{CABFE7E7-5B4E-9043-AE66-52FB2E9C15F4}"/>
+                </a:ext>
+              </a:extLst>
+            </p:cNvPr>
+            <p:cNvSpPr/>
+            <p:nvPr/>
+          </p:nvSpPr>
+          <p:spPr>
+            <a:xfrm>
+              <a:off x="4818515" y="2382996"/>
+              <a:ext cx="553673" cy="553673"/>
+            </a:xfrm>
+            <a:prstGeom prst="ellipse">
+              <a:avLst/>
+            </a:prstGeom>
+          </p:spPr>
+          <p:style>
+            <a:lnRef idx="2">
+              <a:schemeClr val="accent1">
+                <a:shade val="50000"/>
+              </a:schemeClr>
+            </a:lnRef>
+            <a:fillRef idx="1">
+              <a:schemeClr val="accent1"/>
+            </a:fillRef>
+            <a:effectRef idx="0">
+              <a:schemeClr val="accent1"/>
+            </a:effectRef>
+            <a:fontRef idx="minor">
+              <a:schemeClr val="lt1"/>
+            </a:fontRef>
+          </p:style>
+          <p:txBody>
+            <a:bodyPr rtlCol="0" anchor="ctr"/>
+            <a:lstStyle/>
+            <a:p>
+              <a:pPr algn="ctr"/>
+              <a:endParaRPr lang="es-ES_tradnl"/>
+            </a:p>
+          </p:txBody>
+        </p:sp>
+        <p:sp>
+          <p:nvSpPr>
+            <p:cNvPr id="14" name="Oval 13">
+              <a:extLst>
+                <a:ext uri="{FF2B5EF4-FFF2-40B4-BE49-F238E27FC236}">
+                  <a16:creationId xmlns:a16="http://schemas.microsoft.com/office/drawing/2014/main" id="{71213130-0060-524B-8057-F50E50669B4D}"/>
+                </a:ext>
+              </a:extLst>
+            </p:cNvPr>
+            <p:cNvSpPr/>
+            <p:nvPr/>
+          </p:nvSpPr>
+          <p:spPr>
+            <a:xfrm>
+              <a:off x="6231230" y="2106160"/>
+              <a:ext cx="553673" cy="553673"/>
+            </a:xfrm>
+            <a:prstGeom prst="ellipse">
+              <a:avLst/>
+            </a:prstGeom>
+          </p:spPr>
+          <p:style>
+            <a:lnRef idx="2">
+              <a:schemeClr val="accent1">
+                <a:shade val="50000"/>
+              </a:schemeClr>
+            </a:lnRef>
+            <a:fillRef idx="1">
+              <a:schemeClr val="accent1"/>
+            </a:fillRef>
+            <a:effectRef idx="0">
+              <a:schemeClr val="accent1"/>
+            </a:effectRef>
+            <a:fontRef idx="minor">
+              <a:schemeClr val="lt1"/>
+            </a:fontRef>
+          </p:style>
+          <p:txBody>
+            <a:bodyPr rtlCol="0" anchor="ctr"/>
+            <a:lstStyle/>
+            <a:p>
+              <a:pPr algn="ctr"/>
+              <a:endParaRPr lang="es-ES_tradnl"/>
+            </a:p>
+          </p:txBody>
+        </p:sp>
+        <p:sp>
+          <p:nvSpPr>
+            <p:cNvPr id="15" name="Oval 14">
+              <a:extLst>
+                <a:ext uri="{FF2B5EF4-FFF2-40B4-BE49-F238E27FC236}">
+                  <a16:creationId xmlns:a16="http://schemas.microsoft.com/office/drawing/2014/main" id="{77210EF9-B1D0-2F49-BCE0-0D2CE7812ED6}"/>
+                </a:ext>
+              </a:extLst>
+            </p:cNvPr>
+            <p:cNvSpPr/>
+            <p:nvPr/>
+          </p:nvSpPr>
+          <p:spPr>
+            <a:xfrm>
+              <a:off x="6784903" y="3152162"/>
+              <a:ext cx="553673" cy="553673"/>
+            </a:xfrm>
+            <a:prstGeom prst="ellipse">
+              <a:avLst/>
+            </a:prstGeom>
+          </p:spPr>
+          <p:style>
+            <a:lnRef idx="2">
+              <a:schemeClr val="accent1">
+                <a:shade val="50000"/>
+              </a:schemeClr>
+            </a:lnRef>
+            <a:fillRef idx="1">
+              <a:schemeClr val="accent1"/>
+            </a:fillRef>
+            <a:effectRef idx="0">
+              <a:schemeClr val="accent1"/>
+            </a:effectRef>
+            <a:fontRef idx="minor">
+              <a:schemeClr val="lt1"/>
+            </a:fontRef>
+          </p:style>
+          <p:txBody>
+            <a:bodyPr rtlCol="0" anchor="ctr"/>
+            <a:lstStyle/>
+            <a:p>
+              <a:pPr algn="ctr"/>
+              <a:endParaRPr lang="es-ES_tradnl"/>
+            </a:p>
+          </p:txBody>
+        </p:sp>
+      </p:grpSp>
+      <p:grpSp>
+        <p:nvGrpSpPr>
+          <p:cNvPr id="50" name="Group 49">
             <a:extLst>
               <a:ext uri="{FF2B5EF4-FFF2-40B4-BE49-F238E27FC236}">
-                <a16:creationId xmlns:a16="http://schemas.microsoft.com/office/drawing/2014/main" id="{C26BE782-1235-4A41-ACB7-4580AD85008D}"/>
+                <a16:creationId xmlns:a16="http://schemas.microsoft.com/office/drawing/2014/main" id="{15ADAB69-2B54-1F43-ABF2-8B9CA2B6FD32}"/>
               </a:ext>
             </a:extLst>
           </p:cNvPr>
-          <p:cNvPicPr>
-            <a:picLocks noChangeAspect="1"/>
-          </p:cNvPicPr>
+          <p:cNvGrpSpPr/>
           <p:nvPr/>
-        </p:nvPicPr>
-        <p:blipFill>
-          <a:blip r:embed="rId2"/>
-          <a:stretch>
-            <a:fillRect/>
-          </a:stretch>
-        </p:blipFill>
-        <p:spPr>
+        </p:nvGrpSpPr>
+        <p:grpSpPr>
           <a:xfrm>
-            <a:off x="8043098" y="4927374"/>
-            <a:ext cx="520700" cy="279400"/>
+            <a:off x="3350756" y="3082195"/>
+            <a:ext cx="2612627" cy="279400"/>
+            <a:chOff x="3350756" y="3082195"/>
+            <a:chExt cx="2612627" cy="279400"/>
           </a:xfrm>
-          <a:prstGeom prst="rect">
-            <a:avLst/>
-          </a:prstGeom>
-        </p:spPr>
-      </p:pic>
-      <p:sp>
-        <p:nvSpPr>
-          <p:cNvPr id="4" name="Rectangle 3">
+        </p:grpSpPr>
+        <p:pic>
+          <p:nvPicPr>
+            <p:cNvPr id="8" name="Picture 7">
+              <a:extLst>
+                <a:ext uri="{FF2B5EF4-FFF2-40B4-BE49-F238E27FC236}">
+                  <a16:creationId xmlns:a16="http://schemas.microsoft.com/office/drawing/2014/main" id="{86BF7FE9-0ABA-FF4E-96C5-A58F928C9D47}"/>
+                </a:ext>
+              </a:extLst>
+            </p:cNvPr>
+            <p:cNvPicPr>
+              <a:picLocks noChangeAspect="1"/>
+            </p:cNvPicPr>
+            <p:nvPr/>
+          </p:nvPicPr>
+          <p:blipFill>
+            <a:blip r:embed="rId2"/>
+            <a:stretch>
+              <a:fillRect/>
+            </a:stretch>
+          </p:blipFill>
+          <p:spPr>
+            <a:xfrm>
+              <a:off x="3350756" y="3082195"/>
+              <a:ext cx="520700" cy="279400"/>
+            </a:xfrm>
+            <a:prstGeom prst="rect">
+              <a:avLst/>
+            </a:prstGeom>
+          </p:spPr>
+        </p:pic>
+        <p:cxnSp>
+          <p:nvCxnSpPr>
+            <p:cNvPr id="20" name="Straight Arrow Connector 19">
+              <a:extLst>
+                <a:ext uri="{FF2B5EF4-FFF2-40B4-BE49-F238E27FC236}">
+                  <a16:creationId xmlns:a16="http://schemas.microsoft.com/office/drawing/2014/main" id="{1FBB840A-3731-3546-B0AC-8FA442AFC500}"/>
+                </a:ext>
+              </a:extLst>
+            </p:cNvPr>
+            <p:cNvCxnSpPr>
+              <a:cxnSpLocks/>
+            </p:cNvCxnSpPr>
+            <p:nvPr/>
+          </p:nvCxnSpPr>
+          <p:spPr>
+            <a:xfrm flipH="1">
+              <a:off x="4032288" y="3214029"/>
+              <a:ext cx="1931095" cy="0"/>
+            </a:xfrm>
+            <a:prstGeom prst="straightConnector1">
+              <a:avLst/>
+            </a:prstGeom>
+            <a:ln>
+              <a:solidFill>
+                <a:schemeClr val="tx1"/>
+              </a:solidFill>
+              <a:tailEnd type="triangle"/>
+            </a:ln>
+          </p:spPr>
+          <p:style>
+            <a:lnRef idx="1">
+              <a:schemeClr val="accent1"/>
+            </a:lnRef>
+            <a:fillRef idx="0">
+              <a:schemeClr val="accent1"/>
+            </a:fillRef>
+            <a:effectRef idx="0">
+              <a:schemeClr val="accent1"/>
+            </a:effectRef>
+            <a:fontRef idx="minor">
+              <a:schemeClr val="tx1"/>
+            </a:fontRef>
+          </p:style>
+        </p:cxnSp>
+      </p:grpSp>
+      <p:grpSp>
+        <p:nvGrpSpPr>
+          <p:cNvPr id="53" name="Group 52">
             <a:extLst>
               <a:ext uri="{FF2B5EF4-FFF2-40B4-BE49-F238E27FC236}">
-                <a16:creationId xmlns:a16="http://schemas.microsoft.com/office/drawing/2014/main" id="{DA8CDC97-3D06-C04C-AC73-3AF8DBFB6F5A}"/>
+                <a16:creationId xmlns:a16="http://schemas.microsoft.com/office/drawing/2014/main" id="{60BFC5B6-A854-E347-9E3B-2BB2336DA9B1}"/>
               </a:ext>
             </a:extLst>
           </p:cNvPr>
-          <p:cNvSpPr/>
+          <p:cNvGrpSpPr/>
           <p:nvPr/>
-        </p:nvSpPr>
-        <p:spPr>
+        </p:nvGrpSpPr>
+        <p:grpSpPr>
           <a:xfrm>
-            <a:off x="8778240" y="1380412"/>
-            <a:ext cx="1663337" cy="804494"/>
+            <a:off x="5264705" y="1469444"/>
+            <a:ext cx="3854768" cy="3644839"/>
+            <a:chOff x="5264705" y="1469444"/>
+            <a:chExt cx="3854768" cy="3644839"/>
           </a:xfrm>
-          <a:prstGeom prst="rect">
-            <a:avLst/>
-          </a:prstGeom>
-        </p:spPr>
-        <p:style>
-          <a:lnRef idx="2">
-            <a:schemeClr val="accent6"/>
-          </a:lnRef>
-          <a:fillRef idx="1">
-            <a:schemeClr val="lt1"/>
-          </a:fillRef>
-          <a:effectRef idx="0">
-            <a:schemeClr val="accent6"/>
-          </a:effectRef>
-          <a:fontRef idx="minor">
-            <a:schemeClr val="dk1"/>
-          </a:fontRef>
-        </p:style>
-        <p:txBody>
-          <a:bodyPr rtlCol="0" anchor="ctr"/>
-          <a:lstStyle/>
-          <a:p>
-            <a:pPr algn="ctr"/>
-            <a:endParaRPr lang="es-ES_tradnl"/>
-          </a:p>
-        </p:txBody>
-      </p:sp>
-      <p:sp>
-        <p:nvSpPr>
-          <p:cNvPr id="59" name="Rectangle 58">
-            <a:extLst>
-              <a:ext uri="{FF2B5EF4-FFF2-40B4-BE49-F238E27FC236}">
-                <a16:creationId xmlns:a16="http://schemas.microsoft.com/office/drawing/2014/main" id="{AFC46CDA-CFD2-DD47-A231-86512C9E6BCA}"/>
-              </a:ext>
-            </a:extLst>
-          </p:cNvPr>
-          <p:cNvSpPr/>
-          <p:nvPr/>
-        </p:nvSpPr>
-        <p:spPr>
-          <a:xfrm>
-            <a:off x="8775655" y="2497526"/>
-            <a:ext cx="1663337" cy="804494"/>
-          </a:xfrm>
-          <a:prstGeom prst="rect">
-            <a:avLst/>
-          </a:prstGeom>
-        </p:spPr>
-        <p:style>
-          <a:lnRef idx="2">
-            <a:schemeClr val="accent6"/>
-          </a:lnRef>
-          <a:fillRef idx="1">
-            <a:schemeClr val="lt1"/>
-          </a:fillRef>
-          <a:effectRef idx="0">
-            <a:schemeClr val="accent6"/>
-          </a:effectRef>
-          <a:fontRef idx="minor">
-            <a:schemeClr val="dk1"/>
-          </a:fontRef>
-        </p:style>
-        <p:txBody>
-          <a:bodyPr rtlCol="0" anchor="ctr"/>
-          <a:lstStyle/>
-          <a:p>
-            <a:pPr algn="ctr"/>
-            <a:endParaRPr lang="es-ES_tradnl"/>
-          </a:p>
-        </p:txBody>
-      </p:sp>
-      <p:sp>
-        <p:nvSpPr>
-          <p:cNvPr id="60" name="Rectangle 59">
-            <a:extLst>
-              <a:ext uri="{FF2B5EF4-FFF2-40B4-BE49-F238E27FC236}">
-                <a16:creationId xmlns:a16="http://schemas.microsoft.com/office/drawing/2014/main" id="{CD65067E-1CF2-8047-BCC1-BE9918F567A4}"/>
-              </a:ext>
-            </a:extLst>
-          </p:cNvPr>
-          <p:cNvSpPr/>
-          <p:nvPr/>
-        </p:nvSpPr>
-        <p:spPr>
-          <a:xfrm>
-            <a:off x="8775655" y="3609701"/>
-            <a:ext cx="1663337" cy="804494"/>
-          </a:xfrm>
-          <a:prstGeom prst="rect">
-            <a:avLst/>
-          </a:prstGeom>
-        </p:spPr>
-        <p:style>
-          <a:lnRef idx="2">
-            <a:schemeClr val="accent6"/>
-          </a:lnRef>
-          <a:fillRef idx="1">
-            <a:schemeClr val="lt1"/>
-          </a:fillRef>
-          <a:effectRef idx="0">
-            <a:schemeClr val="accent6"/>
-          </a:effectRef>
-          <a:fontRef idx="minor">
-            <a:schemeClr val="dk1"/>
-          </a:fontRef>
-        </p:style>
-        <p:txBody>
-          <a:bodyPr rtlCol="0" anchor="ctr"/>
-          <a:lstStyle/>
-          <a:p>
-            <a:pPr algn="ctr"/>
-            <a:endParaRPr lang="es-ES_tradnl"/>
-          </a:p>
-        </p:txBody>
-      </p:sp>
-      <p:sp>
-        <p:nvSpPr>
-          <p:cNvPr id="61" name="Rectangle 60">
-            <a:extLst>
-              <a:ext uri="{FF2B5EF4-FFF2-40B4-BE49-F238E27FC236}">
-                <a16:creationId xmlns:a16="http://schemas.microsoft.com/office/drawing/2014/main" id="{1BA117A8-0D62-CA48-A190-B13F837B9ABF}"/>
-              </a:ext>
-            </a:extLst>
-          </p:cNvPr>
-          <p:cNvSpPr/>
-          <p:nvPr/>
-        </p:nvSpPr>
-        <p:spPr>
-          <a:xfrm>
-            <a:off x="8775655" y="4755216"/>
-            <a:ext cx="1663337" cy="804494"/>
-          </a:xfrm>
-          <a:prstGeom prst="rect">
-            <a:avLst/>
-          </a:prstGeom>
-        </p:spPr>
-        <p:style>
-          <a:lnRef idx="2">
-            <a:schemeClr val="accent6"/>
-          </a:lnRef>
-          <a:fillRef idx="1">
-            <a:schemeClr val="lt1"/>
-          </a:fillRef>
-          <a:effectRef idx="0">
-            <a:schemeClr val="accent6"/>
-          </a:effectRef>
-          <a:fontRef idx="minor">
-            <a:schemeClr val="dk1"/>
-          </a:fontRef>
-        </p:style>
-        <p:txBody>
-          <a:bodyPr rtlCol="0" anchor="ctr"/>
-          <a:lstStyle/>
-          <a:p>
-            <a:pPr algn="ctr"/>
-            <a:endParaRPr lang="es-ES_tradnl"/>
-          </a:p>
-        </p:txBody>
-      </p:sp>
-      <p:cxnSp>
-        <p:nvCxnSpPr>
-          <p:cNvPr id="62" name="Straight Connector 61">
-            <a:extLst>
-              <a:ext uri="{FF2B5EF4-FFF2-40B4-BE49-F238E27FC236}">
-                <a16:creationId xmlns:a16="http://schemas.microsoft.com/office/drawing/2014/main" id="{D67F7255-78BE-454F-85C8-8E31EBCE43C9}"/>
-              </a:ext>
-            </a:extLst>
-          </p:cNvPr>
-          <p:cNvCxnSpPr>
-            <a:cxnSpLocks/>
-          </p:cNvCxnSpPr>
-          <p:nvPr/>
-        </p:nvCxnSpPr>
-        <p:spPr>
-          <a:xfrm flipV="1">
-            <a:off x="8805542" y="2903357"/>
-            <a:ext cx="1505407" cy="136118"/>
-          </a:xfrm>
-          <a:prstGeom prst="line">
-            <a:avLst/>
-          </a:prstGeom>
-          <a:ln w="12700">
-            <a:prstDash val="sysDash"/>
-          </a:ln>
-        </p:spPr>
-        <p:style>
-          <a:lnRef idx="1">
-            <a:schemeClr val="accent1"/>
-          </a:lnRef>
-          <a:fillRef idx="0">
-            <a:schemeClr val="accent1"/>
-          </a:fillRef>
-          <a:effectRef idx="0">
-            <a:schemeClr val="accent1"/>
-          </a:effectRef>
-          <a:fontRef idx="minor">
-            <a:schemeClr val="tx1"/>
-          </a:fontRef>
-        </p:style>
-      </p:cxnSp>
-      <p:cxnSp>
-        <p:nvCxnSpPr>
-          <p:cNvPr id="63" name="Straight Connector 62">
-            <a:extLst>
-              <a:ext uri="{FF2B5EF4-FFF2-40B4-BE49-F238E27FC236}">
-                <a16:creationId xmlns:a16="http://schemas.microsoft.com/office/drawing/2014/main" id="{32DE87CE-4C94-2045-8EA7-1A477A2D4699}"/>
-              </a:ext>
-            </a:extLst>
-          </p:cNvPr>
-          <p:cNvCxnSpPr>
-            <a:cxnSpLocks/>
-          </p:cNvCxnSpPr>
-          <p:nvPr/>
-        </p:nvCxnSpPr>
-        <p:spPr>
-          <a:xfrm flipV="1">
-            <a:off x="8891451" y="3888715"/>
-            <a:ext cx="1517653" cy="99811"/>
-          </a:xfrm>
-          <a:prstGeom prst="line">
-            <a:avLst/>
-          </a:prstGeom>
-          <a:ln w="12700">
-            <a:prstDash val="sysDash"/>
-          </a:ln>
-        </p:spPr>
-        <p:style>
-          <a:lnRef idx="1">
-            <a:schemeClr val="accent1"/>
-          </a:lnRef>
-          <a:fillRef idx="0">
-            <a:schemeClr val="accent1"/>
-          </a:fillRef>
-          <a:effectRef idx="0">
-            <a:schemeClr val="accent1"/>
-          </a:effectRef>
-          <a:fontRef idx="minor">
-            <a:schemeClr val="tx1"/>
-          </a:fontRef>
-        </p:style>
-      </p:cxnSp>
-      <p:cxnSp>
-        <p:nvCxnSpPr>
-          <p:cNvPr id="64" name="Straight Connector 63">
-            <a:extLst>
-              <a:ext uri="{FF2B5EF4-FFF2-40B4-BE49-F238E27FC236}">
-                <a16:creationId xmlns:a16="http://schemas.microsoft.com/office/drawing/2014/main" id="{2B4FFAF4-89BC-9C4F-90DE-0C14D12184BE}"/>
-              </a:ext>
-            </a:extLst>
-          </p:cNvPr>
-          <p:cNvCxnSpPr>
-            <a:cxnSpLocks/>
-          </p:cNvCxnSpPr>
-          <p:nvPr/>
-        </p:nvCxnSpPr>
-        <p:spPr>
-          <a:xfrm>
-            <a:off x="8805542" y="5067076"/>
-            <a:ext cx="800012" cy="139698"/>
-          </a:xfrm>
-          <a:prstGeom prst="line">
-            <a:avLst/>
-          </a:prstGeom>
-          <a:ln w="12700">
-            <a:prstDash val="sysDash"/>
-          </a:ln>
-        </p:spPr>
-        <p:style>
-          <a:lnRef idx="1">
-            <a:schemeClr val="accent1"/>
-          </a:lnRef>
-          <a:fillRef idx="0">
-            <a:schemeClr val="accent1"/>
-          </a:fillRef>
-          <a:effectRef idx="0">
-            <a:schemeClr val="accent1"/>
-          </a:effectRef>
-          <a:fontRef idx="minor">
-            <a:schemeClr val="tx1"/>
-          </a:fontRef>
-        </p:style>
-      </p:cxnSp>
-      <p:cxnSp>
-        <p:nvCxnSpPr>
-          <p:cNvPr id="65" name="Straight Connector 64">
-            <a:extLst>
-              <a:ext uri="{FF2B5EF4-FFF2-40B4-BE49-F238E27FC236}">
-                <a16:creationId xmlns:a16="http://schemas.microsoft.com/office/drawing/2014/main" id="{6B460E97-EE61-E94D-A215-8C4077A60393}"/>
-              </a:ext>
-            </a:extLst>
-          </p:cNvPr>
-          <p:cNvCxnSpPr>
-            <a:cxnSpLocks/>
-          </p:cNvCxnSpPr>
-          <p:nvPr/>
-        </p:nvCxnSpPr>
-        <p:spPr>
-          <a:xfrm flipV="1">
-            <a:off x="8805542" y="1524719"/>
-            <a:ext cx="1603562" cy="400595"/>
-          </a:xfrm>
-          <a:prstGeom prst="line">
-            <a:avLst/>
-          </a:prstGeom>
-          <a:ln w="12700">
-            <a:prstDash val="sysDash"/>
-          </a:ln>
-        </p:spPr>
-        <p:style>
-          <a:lnRef idx="1">
-            <a:schemeClr val="accent1"/>
-          </a:lnRef>
-          <a:fillRef idx="0">
-            <a:schemeClr val="accent1"/>
-          </a:fillRef>
-          <a:effectRef idx="0">
-            <a:schemeClr val="accent1"/>
-          </a:effectRef>
-          <a:fontRef idx="minor">
-            <a:schemeClr val="tx1"/>
-          </a:fontRef>
-        </p:style>
-      </p:cxnSp>
+        </p:grpSpPr>
+        <p:grpSp>
+          <p:nvGrpSpPr>
+            <p:cNvPr id="52" name="Group 51">
+              <a:extLst>
+                <a:ext uri="{FF2B5EF4-FFF2-40B4-BE49-F238E27FC236}">
+                  <a16:creationId xmlns:a16="http://schemas.microsoft.com/office/drawing/2014/main" id="{6EDCC883-571D-EB4A-8C47-5185D1F2CB2E}"/>
+                </a:ext>
+              </a:extLst>
+            </p:cNvPr>
+            <p:cNvGrpSpPr/>
+            <p:nvPr/>
+          </p:nvGrpSpPr>
+          <p:grpSpPr>
+            <a:xfrm>
+              <a:off x="5264705" y="2243296"/>
+              <a:ext cx="3719159" cy="2870987"/>
+              <a:chOff x="5264705" y="2243296"/>
+              <a:chExt cx="3719159" cy="2870987"/>
+            </a:xfrm>
+          </p:grpSpPr>
+          <p:pic>
+            <p:nvPicPr>
+              <p:cNvPr id="17" name="Picture 16">
+                <a:extLst>
+                  <a:ext uri="{FF2B5EF4-FFF2-40B4-BE49-F238E27FC236}">
+                    <a16:creationId xmlns:a16="http://schemas.microsoft.com/office/drawing/2014/main" id="{F6D9E4EB-C075-F745-9DB1-ABE9B888C9E7}"/>
+                  </a:ext>
+                </a:extLst>
+              </p:cNvPr>
+              <p:cNvPicPr>
+                <a:picLocks noChangeAspect="1"/>
+              </p:cNvPicPr>
+              <p:nvPr/>
+            </p:nvPicPr>
+            <p:blipFill>
+              <a:blip r:embed="rId3"/>
+              <a:stretch>
+                <a:fillRect/>
+              </a:stretch>
+            </p:blipFill>
+            <p:spPr>
+              <a:xfrm>
+                <a:off x="8344583" y="2243296"/>
+                <a:ext cx="635000" cy="279400"/>
+              </a:xfrm>
+              <a:prstGeom prst="rect">
+                <a:avLst/>
+              </a:prstGeom>
+            </p:spPr>
+          </p:pic>
+          <p:cxnSp>
+            <p:nvCxnSpPr>
+              <p:cNvPr id="19" name="Straight Arrow Connector 18">
+                <a:extLst>
+                  <a:ext uri="{FF2B5EF4-FFF2-40B4-BE49-F238E27FC236}">
+                    <a16:creationId xmlns:a16="http://schemas.microsoft.com/office/drawing/2014/main" id="{22918C56-1E6C-3E4E-805A-93386B0B0B77}"/>
+                  </a:ext>
+                </a:extLst>
+              </p:cNvPr>
+              <p:cNvCxnSpPr>
+                <a:cxnSpLocks/>
+              </p:cNvCxnSpPr>
+              <p:nvPr/>
+            </p:nvCxnSpPr>
+            <p:spPr>
+              <a:xfrm>
+                <a:off x="6844297" y="2383519"/>
+                <a:ext cx="1460803" cy="0"/>
+              </a:xfrm>
+              <a:prstGeom prst="straightConnector1">
+                <a:avLst/>
+              </a:prstGeom>
+              <a:ln>
+                <a:solidFill>
+                  <a:schemeClr val="tx1"/>
+                </a:solidFill>
+                <a:tailEnd type="triangle"/>
+              </a:ln>
+            </p:spPr>
+            <p:style>
+              <a:lnRef idx="1">
+                <a:schemeClr val="accent1"/>
+              </a:lnRef>
+              <a:fillRef idx="0">
+                <a:schemeClr val="accent1"/>
+              </a:fillRef>
+              <a:effectRef idx="0">
+                <a:schemeClr val="accent1"/>
+              </a:effectRef>
+              <a:fontRef idx="minor">
+                <a:schemeClr val="tx1"/>
+              </a:fontRef>
+            </p:style>
+          </p:cxnSp>
+          <p:cxnSp>
+            <p:nvCxnSpPr>
+              <p:cNvPr id="24" name="Straight Arrow Connector 23">
+                <a:extLst>
+                  <a:ext uri="{FF2B5EF4-FFF2-40B4-BE49-F238E27FC236}">
+                    <a16:creationId xmlns:a16="http://schemas.microsoft.com/office/drawing/2014/main" id="{E04D859A-8B0B-414A-AA40-CEF32942CA03}"/>
+                  </a:ext>
+                </a:extLst>
+              </p:cNvPr>
+              <p:cNvCxnSpPr>
+                <a:cxnSpLocks/>
+              </p:cNvCxnSpPr>
+              <p:nvPr/>
+            </p:nvCxnSpPr>
+            <p:spPr>
+              <a:xfrm>
+                <a:off x="5385732" y="2720477"/>
+                <a:ext cx="2919368" cy="0"/>
+              </a:xfrm>
+              <a:prstGeom prst="straightConnector1">
+                <a:avLst/>
+              </a:prstGeom>
+              <a:ln>
+                <a:solidFill>
+                  <a:schemeClr val="tx1"/>
+                </a:solidFill>
+                <a:tailEnd type="triangle"/>
+              </a:ln>
+            </p:spPr>
+            <p:style>
+              <a:lnRef idx="1">
+                <a:schemeClr val="accent1"/>
+              </a:lnRef>
+              <a:fillRef idx="0">
+                <a:schemeClr val="accent1"/>
+              </a:fillRef>
+              <a:effectRef idx="0">
+                <a:schemeClr val="accent1"/>
+              </a:effectRef>
+              <a:fontRef idx="minor">
+                <a:schemeClr val="tx1"/>
+              </a:fontRef>
+            </p:style>
+          </p:cxnSp>
+          <p:cxnSp>
+            <p:nvCxnSpPr>
+              <p:cNvPr id="26" name="Straight Arrow Connector 25">
+                <a:extLst>
+                  <a:ext uri="{FF2B5EF4-FFF2-40B4-BE49-F238E27FC236}">
+                    <a16:creationId xmlns:a16="http://schemas.microsoft.com/office/drawing/2014/main" id="{78880FC2-88EE-904A-AD94-BD64E438DF4B}"/>
+                  </a:ext>
+                </a:extLst>
+              </p:cNvPr>
+              <p:cNvCxnSpPr>
+                <a:cxnSpLocks/>
+              </p:cNvCxnSpPr>
+              <p:nvPr/>
+            </p:nvCxnSpPr>
+            <p:spPr>
+              <a:xfrm>
+                <a:off x="6035705" y="3887945"/>
+                <a:ext cx="2269395" cy="0"/>
+              </a:xfrm>
+              <a:prstGeom prst="straightConnector1">
+                <a:avLst/>
+              </a:prstGeom>
+              <a:ln>
+                <a:solidFill>
+                  <a:schemeClr val="tx1"/>
+                </a:solidFill>
+                <a:tailEnd type="triangle"/>
+              </a:ln>
+            </p:spPr>
+            <p:style>
+              <a:lnRef idx="1">
+                <a:schemeClr val="accent1"/>
+              </a:lnRef>
+              <a:fillRef idx="0">
+                <a:schemeClr val="accent1"/>
+              </a:fillRef>
+              <a:effectRef idx="0">
+                <a:schemeClr val="accent1"/>
+              </a:effectRef>
+              <a:fontRef idx="minor">
+                <a:schemeClr val="tx1"/>
+              </a:fontRef>
+            </p:style>
+          </p:cxnSp>
+          <p:pic>
+            <p:nvPicPr>
+              <p:cNvPr id="28" name="Picture 27">
+                <a:extLst>
+                  <a:ext uri="{FF2B5EF4-FFF2-40B4-BE49-F238E27FC236}">
+                    <a16:creationId xmlns:a16="http://schemas.microsoft.com/office/drawing/2014/main" id="{03596F5E-7786-AB44-B572-40AF54951244}"/>
+                  </a:ext>
+                </a:extLst>
+              </p:cNvPr>
+              <p:cNvPicPr>
+                <a:picLocks noChangeAspect="1"/>
+              </p:cNvPicPr>
+              <p:nvPr/>
+            </p:nvPicPr>
+            <p:blipFill>
+              <a:blip r:embed="rId3"/>
+              <a:stretch>
+                <a:fillRect/>
+              </a:stretch>
+            </p:blipFill>
+            <p:spPr>
+              <a:xfrm>
+                <a:off x="8344583" y="2577314"/>
+                <a:ext cx="635000" cy="279400"/>
+              </a:xfrm>
+              <a:prstGeom prst="rect">
+                <a:avLst/>
+              </a:prstGeom>
+            </p:spPr>
+          </p:pic>
+          <p:cxnSp>
+            <p:nvCxnSpPr>
+              <p:cNvPr id="29" name="Straight Arrow Connector 28">
+                <a:extLst>
+                  <a:ext uri="{FF2B5EF4-FFF2-40B4-BE49-F238E27FC236}">
+                    <a16:creationId xmlns:a16="http://schemas.microsoft.com/office/drawing/2014/main" id="{B8AD4A7D-8081-9B49-B304-1F2FFB29A681}"/>
+                  </a:ext>
+                </a:extLst>
+              </p:cNvPr>
+              <p:cNvCxnSpPr>
+                <a:cxnSpLocks/>
+              </p:cNvCxnSpPr>
+              <p:nvPr/>
+            </p:nvCxnSpPr>
+            <p:spPr>
+              <a:xfrm>
+                <a:off x="5264705" y="4559064"/>
+                <a:ext cx="3040395" cy="0"/>
+              </a:xfrm>
+              <a:prstGeom prst="straightConnector1">
+                <a:avLst/>
+              </a:prstGeom>
+              <a:ln>
+                <a:solidFill>
+                  <a:schemeClr val="tx1"/>
+                </a:solidFill>
+                <a:tailEnd type="triangle"/>
+              </a:ln>
+            </p:spPr>
+            <p:style>
+              <a:lnRef idx="1">
+                <a:schemeClr val="accent1"/>
+              </a:lnRef>
+              <a:fillRef idx="0">
+                <a:schemeClr val="accent1"/>
+              </a:fillRef>
+              <a:effectRef idx="0">
+                <a:schemeClr val="accent1"/>
+              </a:effectRef>
+              <a:fontRef idx="minor">
+                <a:schemeClr val="tx1"/>
+              </a:fontRef>
+            </p:style>
+          </p:cxnSp>
+          <p:cxnSp>
+            <p:nvCxnSpPr>
+              <p:cNvPr id="31" name="Straight Arrow Connector 30">
+                <a:extLst>
+                  <a:ext uri="{FF2B5EF4-FFF2-40B4-BE49-F238E27FC236}">
+                    <a16:creationId xmlns:a16="http://schemas.microsoft.com/office/drawing/2014/main" id="{C73DA19B-892A-FB4E-9E96-109757051CBC}"/>
+                  </a:ext>
+                </a:extLst>
+              </p:cNvPr>
+              <p:cNvCxnSpPr>
+                <a:cxnSpLocks/>
+              </p:cNvCxnSpPr>
+              <p:nvPr/>
+            </p:nvCxnSpPr>
+            <p:spPr>
+              <a:xfrm>
+                <a:off x="7404509" y="3428998"/>
+                <a:ext cx="900591" cy="0"/>
+              </a:xfrm>
+              <a:prstGeom prst="straightConnector1">
+                <a:avLst/>
+              </a:prstGeom>
+              <a:ln>
+                <a:solidFill>
+                  <a:schemeClr val="tx1"/>
+                </a:solidFill>
+                <a:tailEnd type="triangle"/>
+              </a:ln>
+            </p:spPr>
+            <p:style>
+              <a:lnRef idx="1">
+                <a:schemeClr val="accent1"/>
+              </a:lnRef>
+              <a:fillRef idx="0">
+                <a:schemeClr val="accent1"/>
+              </a:fillRef>
+              <a:effectRef idx="0">
+                <a:schemeClr val="accent1"/>
+              </a:effectRef>
+              <a:fontRef idx="minor">
+                <a:schemeClr val="tx1"/>
+              </a:fontRef>
+            </p:style>
+          </p:cxnSp>
+          <p:cxnSp>
+            <p:nvCxnSpPr>
+              <p:cNvPr id="33" name="Straight Arrow Connector 32">
+                <a:extLst>
+                  <a:ext uri="{FF2B5EF4-FFF2-40B4-BE49-F238E27FC236}">
+                    <a16:creationId xmlns:a16="http://schemas.microsoft.com/office/drawing/2014/main" id="{904C3783-8FBC-6245-AF46-748157299395}"/>
+                  </a:ext>
+                </a:extLst>
+              </p:cNvPr>
+              <p:cNvCxnSpPr>
+                <a:cxnSpLocks/>
+              </p:cNvCxnSpPr>
+              <p:nvPr/>
+            </p:nvCxnSpPr>
+            <p:spPr>
+              <a:xfrm>
+                <a:off x="7404508" y="4974583"/>
+                <a:ext cx="900592" cy="0"/>
+              </a:xfrm>
+              <a:prstGeom prst="straightConnector1">
+                <a:avLst/>
+              </a:prstGeom>
+              <a:ln>
+                <a:solidFill>
+                  <a:schemeClr val="tx1"/>
+                </a:solidFill>
+                <a:tailEnd type="triangle"/>
+              </a:ln>
+            </p:spPr>
+            <p:style>
+              <a:lnRef idx="1">
+                <a:schemeClr val="accent1"/>
+              </a:lnRef>
+              <a:fillRef idx="0">
+                <a:schemeClr val="accent1"/>
+              </a:fillRef>
+              <a:effectRef idx="0">
+                <a:schemeClr val="accent1"/>
+              </a:effectRef>
+              <a:fontRef idx="minor">
+                <a:schemeClr val="tx1"/>
+              </a:fontRef>
+            </p:style>
+          </p:cxnSp>
+          <p:pic>
+            <p:nvPicPr>
+              <p:cNvPr id="35" name="Picture 34">
+                <a:extLst>
+                  <a:ext uri="{FF2B5EF4-FFF2-40B4-BE49-F238E27FC236}">
+                    <a16:creationId xmlns:a16="http://schemas.microsoft.com/office/drawing/2014/main" id="{483C459E-C8AE-694A-9F2D-C8874E51F476}"/>
+                  </a:ext>
+                </a:extLst>
+              </p:cNvPr>
+              <p:cNvPicPr>
+                <a:picLocks noChangeAspect="1"/>
+              </p:cNvPicPr>
+              <p:nvPr/>
+            </p:nvPicPr>
+            <p:blipFill>
+              <a:blip r:embed="rId3"/>
+              <a:stretch>
+                <a:fillRect/>
+              </a:stretch>
+            </p:blipFill>
+            <p:spPr>
+              <a:xfrm>
+                <a:off x="8344583" y="3290520"/>
+                <a:ext cx="635000" cy="279400"/>
+              </a:xfrm>
+              <a:prstGeom prst="rect">
+                <a:avLst/>
+              </a:prstGeom>
+            </p:spPr>
+          </p:pic>
+          <p:pic>
+            <p:nvPicPr>
+              <p:cNvPr id="36" name="Picture 35">
+                <a:extLst>
+                  <a:ext uri="{FF2B5EF4-FFF2-40B4-BE49-F238E27FC236}">
+                    <a16:creationId xmlns:a16="http://schemas.microsoft.com/office/drawing/2014/main" id="{0CD8205A-7EDC-894F-9B19-82573285469D}"/>
+                  </a:ext>
+                </a:extLst>
+              </p:cNvPr>
+              <p:cNvPicPr>
+                <a:picLocks noChangeAspect="1"/>
+              </p:cNvPicPr>
+              <p:nvPr/>
+            </p:nvPicPr>
+            <p:blipFill>
+              <a:blip r:embed="rId3"/>
+              <a:stretch>
+                <a:fillRect/>
+              </a:stretch>
+            </p:blipFill>
+            <p:spPr>
+              <a:xfrm>
+                <a:off x="8345019" y="3748245"/>
+                <a:ext cx="635000" cy="279400"/>
+              </a:xfrm>
+              <a:prstGeom prst="rect">
+                <a:avLst/>
+              </a:prstGeom>
+            </p:spPr>
+          </p:pic>
+          <p:pic>
+            <p:nvPicPr>
+              <p:cNvPr id="37" name="Picture 36">
+                <a:extLst>
+                  <a:ext uri="{FF2B5EF4-FFF2-40B4-BE49-F238E27FC236}">
+                    <a16:creationId xmlns:a16="http://schemas.microsoft.com/office/drawing/2014/main" id="{F82E48C9-0954-9941-9C4D-AF959A4070B2}"/>
+                  </a:ext>
+                </a:extLst>
+              </p:cNvPr>
+              <p:cNvPicPr>
+                <a:picLocks noChangeAspect="1"/>
+              </p:cNvPicPr>
+              <p:nvPr/>
+            </p:nvPicPr>
+            <p:blipFill>
+              <a:blip r:embed="rId3"/>
+              <a:stretch>
+                <a:fillRect/>
+              </a:stretch>
+            </p:blipFill>
+            <p:spPr>
+              <a:xfrm>
+                <a:off x="8348864" y="4398744"/>
+                <a:ext cx="635000" cy="279400"/>
+              </a:xfrm>
+              <a:prstGeom prst="rect">
+                <a:avLst/>
+              </a:prstGeom>
+            </p:spPr>
+          </p:pic>
+          <p:pic>
+            <p:nvPicPr>
+              <p:cNvPr id="38" name="Picture 37">
+                <a:extLst>
+                  <a:ext uri="{FF2B5EF4-FFF2-40B4-BE49-F238E27FC236}">
+                    <a16:creationId xmlns:a16="http://schemas.microsoft.com/office/drawing/2014/main" id="{71475B98-62D9-AD45-83C0-A7FB551F4785}"/>
+                  </a:ext>
+                </a:extLst>
+              </p:cNvPr>
+              <p:cNvPicPr>
+                <a:picLocks noChangeAspect="1"/>
+              </p:cNvPicPr>
+              <p:nvPr/>
+            </p:nvPicPr>
+            <p:blipFill>
+              <a:blip r:embed="rId3"/>
+              <a:stretch>
+                <a:fillRect/>
+              </a:stretch>
+            </p:blipFill>
+            <p:spPr>
+              <a:xfrm>
+                <a:off x="8344583" y="4834883"/>
+                <a:ext cx="635000" cy="279400"/>
+              </a:xfrm>
+              <a:prstGeom prst="rect">
+                <a:avLst/>
+              </a:prstGeom>
+            </p:spPr>
+          </p:pic>
+        </p:grpSp>
+        <p:sp>
+          <p:nvSpPr>
+            <p:cNvPr id="39" name="Oval 38">
+              <a:extLst>
+                <a:ext uri="{FF2B5EF4-FFF2-40B4-BE49-F238E27FC236}">
+                  <a16:creationId xmlns:a16="http://schemas.microsoft.com/office/drawing/2014/main" id="{0005139C-72C4-9C42-8478-96667BBAF7E4}"/>
+                </a:ext>
+              </a:extLst>
+            </p:cNvPr>
+            <p:cNvSpPr/>
+            <p:nvPr/>
+          </p:nvSpPr>
+          <p:spPr>
+            <a:xfrm>
+              <a:off x="8344583" y="1469444"/>
+              <a:ext cx="553673" cy="553673"/>
+            </a:xfrm>
+            <a:prstGeom prst="ellipse">
+              <a:avLst/>
+            </a:prstGeom>
+          </p:spPr>
+          <p:style>
+            <a:lnRef idx="2">
+              <a:schemeClr val="accent1">
+                <a:shade val="50000"/>
+              </a:schemeClr>
+            </a:lnRef>
+            <a:fillRef idx="1">
+              <a:schemeClr val="accent1"/>
+            </a:fillRef>
+            <a:effectRef idx="0">
+              <a:schemeClr val="accent1"/>
+            </a:effectRef>
+            <a:fontRef idx="minor">
+              <a:schemeClr val="lt1"/>
+            </a:fontRef>
+          </p:style>
+          <p:txBody>
+            <a:bodyPr rtlCol="0" anchor="ctr"/>
+            <a:lstStyle/>
+            <a:p>
+              <a:pPr algn="ctr"/>
+              <a:endParaRPr lang="es-ES_tradnl"/>
+            </a:p>
+          </p:txBody>
+        </p:sp>
+        <p:cxnSp>
+          <p:nvCxnSpPr>
+            <p:cNvPr id="47" name="Straight Connector 46">
+              <a:extLst>
+                <a:ext uri="{FF2B5EF4-FFF2-40B4-BE49-F238E27FC236}">
+                  <a16:creationId xmlns:a16="http://schemas.microsoft.com/office/drawing/2014/main" id="{6A4533B4-0102-CB48-B903-414CEB60E1A5}"/>
+                </a:ext>
+              </a:extLst>
+            </p:cNvPr>
+            <p:cNvCxnSpPr>
+              <a:endCxn id="39" idx="6"/>
+            </p:cNvCxnSpPr>
+            <p:nvPr/>
+          </p:nvCxnSpPr>
+          <p:spPr>
+            <a:xfrm flipV="1">
+              <a:off x="8621812" y="1746281"/>
+              <a:ext cx="276444" cy="6467"/>
+            </a:xfrm>
+            <a:prstGeom prst="line">
+              <a:avLst/>
+            </a:prstGeom>
+            <a:ln w="12700"/>
+          </p:spPr>
+          <p:style>
+            <a:lnRef idx="1">
+              <a:schemeClr val="dk1"/>
+            </a:lnRef>
+            <a:fillRef idx="0">
+              <a:schemeClr val="dk1"/>
+            </a:fillRef>
+            <a:effectRef idx="0">
+              <a:schemeClr val="dk1"/>
+            </a:effectRef>
+            <a:fontRef idx="minor">
+              <a:schemeClr val="tx1"/>
+            </a:fontRef>
+          </p:style>
+        </p:cxnSp>
+        <p:pic>
+          <p:nvPicPr>
+            <p:cNvPr id="49" name="Picture 48">
+              <a:extLst>
+                <a:ext uri="{FF2B5EF4-FFF2-40B4-BE49-F238E27FC236}">
+                  <a16:creationId xmlns:a16="http://schemas.microsoft.com/office/drawing/2014/main" id="{599AF4EA-0CB0-8544-AD47-B4C7BD407D70}"/>
+                </a:ext>
+              </a:extLst>
+            </p:cNvPr>
+            <p:cNvPicPr>
+              <a:picLocks noChangeAspect="1"/>
+            </p:cNvPicPr>
+            <p:nvPr/>
+          </p:nvPicPr>
+          <p:blipFill>
+            <a:blip r:embed="rId4"/>
+            <a:stretch>
+              <a:fillRect/>
+            </a:stretch>
+          </p:blipFill>
+          <p:spPr>
+            <a:xfrm>
+              <a:off x="8928973" y="1613048"/>
+              <a:ext cx="190500" cy="279400"/>
+            </a:xfrm>
+            <a:prstGeom prst="rect">
+              <a:avLst/>
+            </a:prstGeom>
+          </p:spPr>
+        </p:pic>
+      </p:grpSp>
     </p:spTree>
     <p:extLst>
       <p:ext uri="{BB962C8B-B14F-4D97-AF65-F5344CB8AC3E}">
-        <p14:creationId xmlns:p14="http://schemas.microsoft.com/office/powerpoint/2010/main" val="3344945310"/>
+        <p14:creationId xmlns:p14="http://schemas.microsoft.com/office/powerpoint/2010/main" val="2769821645"/>
       </p:ext>
     </p:extLst>
   </p:cSld>
   <p:clrMapOvr>
     <a:masterClrMapping/>
   </p:clrMapOvr>
-  <mc:AlternateContent xmlns:mc="http://schemas.openxmlformats.org/markup-compatibility/2006">
-    <mc:Choice xmlns:p159="http://schemas.microsoft.com/office/powerpoint/2015/09/main" Requires="p159">
-      <p:transition xmlns:p14="http://schemas.microsoft.com/office/powerpoint/2010/main" spd="slow" p14:dur="2000">
-        <p159:morph option="byObject"/>
-      </p:transition>
-    </mc:Choice>
-    <mc:Fallback>
-      <p:transition spd="slow">
-        <p:fade/>
-      </p:transition>
-    </mc:Fallback>
-  </mc:AlternateContent>
+  <p:timing>
+    <p:tnLst>
+      <p:par>
+        <p:cTn id="1" dur="indefinite" restart="never" nodeType="tmRoot">
+          <p:childTnLst>
+            <p:seq concurrent="1" nextAc="seek">
+              <p:cTn id="2" dur="indefinite" nodeType="mainSeq">
+                <p:childTnLst>
+                  <p:par>
+                    <p:cTn id="3" fill="hold">
+                      <p:stCondLst>
+                        <p:cond delay="indefinite"/>
+                      </p:stCondLst>
+                      <p:childTnLst>
+                        <p:par>
+                          <p:cTn id="4" fill="hold">
+                            <p:stCondLst>
+                              <p:cond delay="0"/>
+                            </p:stCondLst>
+                            <p:childTnLst>
+                              <p:par>
+                                <p:cTn id="5" presetID="1" presetClass="entr" presetSubtype="0" fill="hold" nodeType="clickEffect">
+                                  <p:stCondLst>
+                                    <p:cond delay="0"/>
+                                  </p:stCondLst>
+                                  <p:childTnLst>
+                                    <p:set>
+                                      <p:cBhvr>
+                                        <p:cTn id="6" dur="1" fill="hold">
+                                          <p:stCondLst>
+                                            <p:cond delay="0"/>
+                                          </p:stCondLst>
+                                        </p:cTn>
+                                        <p:tgtEl>
+                                          <p:spTgt spid="50"/>
+                                        </p:tgtEl>
+                                        <p:attrNameLst>
+                                          <p:attrName>style.visibility</p:attrName>
+                                        </p:attrNameLst>
+                                      </p:cBhvr>
+                                      <p:to>
+                                        <p:strVal val="visible"/>
+                                      </p:to>
+                                    </p:set>
+                                  </p:childTnLst>
+                                </p:cTn>
+                              </p:par>
+                            </p:childTnLst>
+                          </p:cTn>
+                        </p:par>
+                      </p:childTnLst>
+                    </p:cTn>
+                  </p:par>
+                  <p:par>
+                    <p:cTn id="7" fill="hold">
+                      <p:stCondLst>
+                        <p:cond delay="indefinite"/>
+                      </p:stCondLst>
+                      <p:childTnLst>
+                        <p:par>
+                          <p:cTn id="8" fill="hold">
+                            <p:stCondLst>
+                              <p:cond delay="0"/>
+                            </p:stCondLst>
+                            <p:childTnLst>
+                              <p:par>
+                                <p:cTn id="9" presetID="9" presetClass="entr" presetSubtype="0" fill="hold" nodeType="clickEffect">
+                                  <p:stCondLst>
+                                    <p:cond delay="0"/>
+                                  </p:stCondLst>
+                                  <p:childTnLst>
+                                    <p:set>
+                                      <p:cBhvr>
+                                        <p:cTn id="10" dur="1" fill="hold">
+                                          <p:stCondLst>
+                                            <p:cond delay="0"/>
+                                          </p:stCondLst>
+                                        </p:cTn>
+                                        <p:tgtEl>
+                                          <p:spTgt spid="51"/>
+                                        </p:tgtEl>
+                                        <p:attrNameLst>
+                                          <p:attrName>style.visibility</p:attrName>
+                                        </p:attrNameLst>
+                                      </p:cBhvr>
+                                      <p:to>
+                                        <p:strVal val="visible"/>
+                                      </p:to>
+                                    </p:set>
+                                    <p:animEffect transition="in" filter="dissolve">
+                                      <p:cBhvr>
+                                        <p:cTn id="11" dur="500"/>
+                                        <p:tgtEl>
+                                          <p:spTgt spid="51"/>
+                                        </p:tgtEl>
+                                      </p:cBhvr>
+                                    </p:animEffect>
+                                  </p:childTnLst>
+                                </p:cTn>
+                              </p:par>
+                            </p:childTnLst>
+                          </p:cTn>
+                        </p:par>
+                      </p:childTnLst>
+                    </p:cTn>
+                  </p:par>
+                  <p:par>
+                    <p:cTn id="12" fill="hold">
+                      <p:stCondLst>
+                        <p:cond delay="indefinite"/>
+                      </p:stCondLst>
+                      <p:childTnLst>
+                        <p:par>
+                          <p:cTn id="13" fill="hold">
+                            <p:stCondLst>
+                              <p:cond delay="0"/>
+                            </p:stCondLst>
+                            <p:childTnLst>
+                              <p:par>
+                                <p:cTn id="14" presetID="1" presetClass="entr" presetSubtype="0" fill="hold" nodeType="clickEffect">
+                                  <p:stCondLst>
+                                    <p:cond delay="0"/>
+                                  </p:stCondLst>
+                                  <p:childTnLst>
+                                    <p:set>
+                                      <p:cBhvr>
+                                        <p:cTn id="15" dur="1" fill="hold">
+                                          <p:stCondLst>
+                                            <p:cond delay="0"/>
+                                          </p:stCondLst>
+                                        </p:cTn>
+                                        <p:tgtEl>
+                                          <p:spTgt spid="53"/>
+                                        </p:tgtEl>
+                                        <p:attrNameLst>
+                                          <p:attrName>style.visibility</p:attrName>
+                                        </p:attrNameLst>
+                                      </p:cBhvr>
+                                      <p:to>
+                                        <p:strVal val="visible"/>
+                                      </p:to>
+                                    </p:set>
+                                  </p:childTnLst>
+                                </p:cTn>
+                              </p:par>
+                            </p:childTnLst>
+                          </p:cTn>
+                        </p:par>
+                      </p:childTnLst>
+                    </p:cTn>
+                  </p:par>
+                </p:childTnLst>
+              </p:cTn>
+              <p:prevCondLst>
+                <p:cond evt="onPrev" delay="0">
+                  <p:tgtEl>
+                    <p:sldTgt/>
+                  </p:tgtEl>
+                </p:cond>
+              </p:prevCondLst>
+              <p:nextCondLst>
+                <p:cond evt="onNext" delay="0">
+                  <p:tgtEl>
+                    <p:sldTgt/>
+                  </p:tgtEl>
+                </p:cond>
+              </p:nextCondLst>
+            </p:seq>
+          </p:childTnLst>
+        </p:cTn>
+      </p:par>
+    </p:tnLst>
+  </p:timing>
 </p:sld>
 </file>
 
